--- a/PsychoPy-Part1/PsychoPy-part1.pptx
+++ b/PsychoPy-Part1/PsychoPy-part1.pptx
@@ -5,7 +5,7 @@
     <p:sldMasterId id="2147483829" r:id="rId1"/>
   </p:sldMasterIdLst>
   <p:notesMasterIdLst>
-    <p:notesMasterId r:id="rId24"/>
+    <p:notesMasterId r:id="rId26"/>
   </p:notesMasterIdLst>
   <p:sldIdLst>
     <p:sldId id="256" r:id="rId2"/>
@@ -16,23 +16,25 @@
     <p:sldId id="295" r:id="rId7"/>
     <p:sldId id="264" r:id="rId8"/>
     <p:sldId id="296" r:id="rId9"/>
-    <p:sldId id="309" r:id="rId10"/>
-    <p:sldId id="297" r:id="rId11"/>
-    <p:sldId id="306" r:id="rId12"/>
-    <p:sldId id="298" r:id="rId13"/>
-    <p:sldId id="291" r:id="rId14"/>
-    <p:sldId id="292" r:id="rId15"/>
-    <p:sldId id="299" r:id="rId16"/>
-    <p:sldId id="301" r:id="rId17"/>
-    <p:sldId id="307" r:id="rId18"/>
-    <p:sldId id="300" r:id="rId19"/>
-    <p:sldId id="302" r:id="rId20"/>
-    <p:sldId id="308" r:id="rId21"/>
-    <p:sldId id="303" r:id="rId22"/>
-    <p:sldId id="304" r:id="rId23"/>
+    <p:sldId id="297" r:id="rId10"/>
+    <p:sldId id="310" r:id="rId11"/>
+    <p:sldId id="291" r:id="rId12"/>
+    <p:sldId id="311" r:id="rId13"/>
+    <p:sldId id="292" r:id="rId14"/>
+    <p:sldId id="299" r:id="rId15"/>
+    <p:sldId id="301" r:id="rId16"/>
+    <p:sldId id="312" r:id="rId17"/>
+    <p:sldId id="315" r:id="rId18"/>
+    <p:sldId id="307" r:id="rId19"/>
+    <p:sldId id="314" r:id="rId20"/>
+    <p:sldId id="300" r:id="rId21"/>
+    <p:sldId id="302" r:id="rId22"/>
+    <p:sldId id="308" r:id="rId23"/>
+    <p:sldId id="309" r:id="rId24"/>
+    <p:sldId id="304" r:id="rId25"/>
   </p:sldIdLst>
   <p:sldSz cx="9144000" cy="6858000" type="screen4x3"/>
-  <p:notesSz cx="6858000" cy="9144000"/>
+  <p:notesSz cx="6797675" cy="9928225"/>
   <p:defaultTextStyle>
     <a:defPPr marR="0" algn="l" rtl="0">
       <a:lnSpc>
@@ -297,8 +299,8 @@
         </p:nvSpPr>
         <p:spPr>
           <a:xfrm>
-            <a:off x="1143225" y="685800"/>
-            <a:ext cx="4572299" cy="3429000"/>
+            <a:off x="919163" y="744538"/>
+            <a:ext cx="4960937" cy="3722687"/>
           </a:xfrm>
           <a:custGeom>
             <a:avLst/>
@@ -348,8 +350,8 @@
         </p:nvSpPr>
         <p:spPr>
           <a:xfrm>
-            <a:off x="685800" y="4343400"/>
-            <a:ext cx="5486399" cy="4114800"/>
+            <a:off x="679768" y="4715907"/>
+            <a:ext cx="5438139" cy="4467701"/>
           </a:xfrm>
           <a:prstGeom prst="rect">
             <a:avLst/>
@@ -554,8 +556,8 @@
         </p:nvSpPr>
         <p:spPr>
           <a:xfrm>
-            <a:off x="1143000" y="685800"/>
-            <a:ext cx="4572000" cy="3429000"/>
+            <a:off x="917575" y="744538"/>
+            <a:ext cx="4962525" cy="3722687"/>
           </a:xfrm>
           <a:custGeom>
             <a:avLst/>
@@ -605,8 +607,8 @@
         </p:nvSpPr>
         <p:spPr>
           <a:xfrm>
-            <a:off x="685800" y="4343400"/>
-            <a:ext cx="5486399" cy="4114800"/>
+            <a:off x="679768" y="4715907"/>
+            <a:ext cx="5438139" cy="4467701"/>
           </a:xfrm>
           <a:prstGeom prst="rect">
             <a:avLst/>
@@ -670,8 +672,8 @@
         </p:nvSpPr>
         <p:spPr>
           <a:xfrm>
-            <a:off x="1143000" y="685800"/>
-            <a:ext cx="4572000" cy="3429000"/>
+            <a:off x="917575" y="744538"/>
+            <a:ext cx="4962525" cy="3722687"/>
           </a:xfrm>
           <a:custGeom>
             <a:avLst/>
@@ -721,8 +723,8 @@
         </p:nvSpPr>
         <p:spPr>
           <a:xfrm>
-            <a:off x="685800" y="4343400"/>
-            <a:ext cx="5486399" cy="4114800"/>
+            <a:off x="679768" y="4715907"/>
+            <a:ext cx="5438139" cy="4467701"/>
           </a:xfrm>
           <a:prstGeom prst="rect">
             <a:avLst/>
@@ -786,8 +788,8 @@
         </p:nvSpPr>
         <p:spPr>
           <a:xfrm>
-            <a:off x="1143000" y="685800"/>
-            <a:ext cx="4572000" cy="3429000"/>
+            <a:off x="917575" y="744538"/>
+            <a:ext cx="4962525" cy="3722687"/>
           </a:xfrm>
           <a:custGeom>
             <a:avLst/>
@@ -837,8 +839,8 @@
         </p:nvSpPr>
         <p:spPr>
           <a:xfrm>
-            <a:off x="685800" y="4343400"/>
-            <a:ext cx="5486399" cy="4114800"/>
+            <a:off x="679768" y="4715907"/>
+            <a:ext cx="5438139" cy="4467701"/>
           </a:xfrm>
           <a:prstGeom prst="rect">
             <a:avLst/>
@@ -1668,7 +1670,7 @@
           <a:p>
             <a:fld id="{B4554F2B-4BCF-4197-901F-D7CA0C5C3346}" type="datetimeFigureOut">
               <a:rPr lang="en-US" smtClean="0"/>
-              <a:t>10/14/2015</a:t>
+              <a:t>2/5/2016</a:t>
             </a:fld>
             <a:endParaRPr lang="en-US" dirty="0"/>
           </a:p>
@@ -1925,7 +1927,7 @@
           <a:p>
             <a:fld id="{E28077EF-3DB9-4852-A8C8-9AA18A70A9F8}" type="datetimeFigureOut">
               <a:rPr lang="en-US" smtClean="0"/>
-              <a:t>10/14/2015</a:t>
+              <a:t>2/5/2016</a:t>
             </a:fld>
             <a:endParaRPr lang="en-US" dirty="0"/>
           </a:p>
@@ -2241,7 +2243,7 @@
           <a:p>
             <a:fld id="{E28077EF-3DB9-4852-A8C8-9AA18A70A9F8}" type="datetimeFigureOut">
               <a:rPr lang="en-US" smtClean="0"/>
-              <a:t>10/14/2015</a:t>
+              <a:t>2/5/2016</a:t>
             </a:fld>
             <a:endParaRPr lang="en-US" dirty="0"/>
           </a:p>
@@ -2576,7 +2578,7 @@
           <a:p>
             <a:fld id="{E28077EF-3DB9-4852-A8C8-9AA18A70A9F8}" type="datetimeFigureOut">
               <a:rPr lang="en-US" smtClean="0"/>
-              <a:t>10/14/2015</a:t>
+              <a:t>2/5/2016</a:t>
             </a:fld>
             <a:endParaRPr lang="en-US" dirty="0"/>
           </a:p>
@@ -2892,7 +2894,7 @@
           <a:p>
             <a:fld id="{E28077EF-3DB9-4852-A8C8-9AA18A70A9F8}" type="datetimeFigureOut">
               <a:rPr lang="en-US" smtClean="0"/>
-              <a:t>10/14/2015</a:t>
+              <a:t>2/5/2016</a:t>
             </a:fld>
             <a:endParaRPr lang="en-US" dirty="0"/>
           </a:p>
@@ -3287,7 +3289,7 @@
           <a:p>
             <a:fld id="{E28077EF-3DB9-4852-A8C8-9AA18A70A9F8}" type="datetimeFigureOut">
               <a:rPr lang="en-US" smtClean="0"/>
-              <a:t>10/14/2015</a:t>
+              <a:t>2/5/2016</a:t>
             </a:fld>
             <a:endParaRPr lang="en-US" dirty="0"/>
           </a:p>
@@ -3459,7 +3461,7 @@
           <a:p>
             <a:fld id="{80C08BB0-1F20-4C6B-A56C-896A9F73FB4A}" type="datetimeFigureOut">
               <a:rPr lang="en-US" smtClean="0"/>
-              <a:t>10/14/2015</a:t>
+              <a:t>2/5/2016</a:t>
             </a:fld>
             <a:endParaRPr lang="en-US" dirty="0"/>
           </a:p>
@@ -3640,7 +3642,7 @@
           <a:p>
             <a:fld id="{735C60DA-11B7-472A-AFEF-07FB059A27D8}" type="datetimeFigureOut">
               <a:rPr lang="en-US" smtClean="0"/>
-              <a:t>10/14/2015</a:t>
+              <a:t>2/5/2016</a:t>
             </a:fld>
             <a:endParaRPr lang="en-US" dirty="0"/>
           </a:p>
@@ -4016,7 +4018,7 @@
           <a:p>
             <a:fld id="{2651F21A-8405-4DA5-BEAC-3D4CC71D54EA}" type="datetimeFigureOut">
               <a:rPr lang="en-US" smtClean="0"/>
-              <a:t>10/14/2015</a:t>
+              <a:t>2/5/2016</a:t>
             </a:fld>
             <a:endParaRPr lang="en-US" dirty="0"/>
           </a:p>
@@ -4264,7 +4266,7 @@
           <a:p>
             <a:fld id="{78685F84-9683-4B1B-940C-516296C3B9E2}" type="datetimeFigureOut">
               <a:rPr lang="en-US" smtClean="0"/>
-              <a:t>10/14/2015</a:t>
+              <a:t>2/5/2016</a:t>
             </a:fld>
             <a:endParaRPr lang="en-US" dirty="0"/>
           </a:p>
@@ -4567,7 +4569,7 @@
           <a:p>
             <a:fld id="{0657B2AD-074C-4247-B20E-4BA1D1B80702}" type="datetimeFigureOut">
               <a:rPr lang="en-US" smtClean="0"/>
-              <a:t>10/14/2015</a:t>
+              <a:t>2/5/2016</a:t>
             </a:fld>
             <a:endParaRPr lang="en-US" dirty="0"/>
           </a:p>
@@ -4947,7 +4949,7 @@
           <a:p>
             <a:fld id="{8DCC26FB-39E8-4A97-A330-257F2E3058A9}" type="datetimeFigureOut">
               <a:rPr lang="en-US" smtClean="0"/>
-              <a:t>10/14/2015</a:t>
+              <a:t>2/5/2016</a:t>
             </a:fld>
             <a:endParaRPr lang="en-US" dirty="0"/>
           </a:p>
@@ -5071,7 +5073,7 @@
           <a:p>
             <a:fld id="{3EE6405D-5078-464B-95D5-AD1D787A29C3}" type="datetimeFigureOut">
               <a:rPr lang="en-US" smtClean="0"/>
-              <a:t>10/14/2015</a:t>
+              <a:t>2/5/2016</a:t>
             </a:fld>
             <a:endParaRPr lang="en-US" dirty="0"/>
           </a:p>
@@ -5166,7 +5168,7 @@
           <a:p>
             <a:fld id="{8CB55EF8-B59A-48DF-A116-AFDAD4B003AB}" type="datetimeFigureOut">
               <a:rPr lang="en-US" smtClean="0"/>
-              <a:t>10/14/2015</a:t>
+              <a:t>2/5/2016</a:t>
             </a:fld>
             <a:endParaRPr lang="en-US" dirty="0"/>
           </a:p>
@@ -5421,7 +5423,7 @@
           <a:p>
             <a:fld id="{EC94AEE7-DB1F-4DD1-9290-70ECE3C49600}" type="datetimeFigureOut">
               <a:rPr lang="en-US" smtClean="0"/>
-              <a:t>10/14/2015</a:t>
+              <a:t>2/5/2016</a:t>
             </a:fld>
             <a:endParaRPr lang="en-US" dirty="0"/>
           </a:p>
@@ -5685,7 +5687,7 @@
           <a:p>
             <a:fld id="{581F845D-AA64-4C6F-B170-8AA45DD4B329}" type="datetimeFigureOut">
               <a:rPr lang="en-US" smtClean="0"/>
-              <a:t>10/14/2015</a:t>
+              <a:t>2/5/2016</a:t>
             </a:fld>
             <a:endParaRPr lang="en-US" dirty="0"/>
           </a:p>
@@ -6501,7 +6503,7 @@
           <a:p>
             <a:fld id="{E28077EF-3DB9-4852-A8C8-9AA18A70A9F8}" type="datetimeFigureOut">
               <a:rPr lang="en-US" smtClean="0"/>
-              <a:t>10/14/2015</a:t>
+              <a:t>2/5/2016</a:t>
             </a:fld>
             <a:endParaRPr lang="en-US" dirty="0"/>
           </a:p>
@@ -7155,47 +7157,43 @@
           <a:lstStyle/>
           <a:p>
             <a:r>
-              <a:rPr lang="en-GB" sz="4000" dirty="0" smtClean="0"/>
-              <a:t>Exercise 1</a:t>
-            </a:r>
-            <a:r>
               <a:rPr lang="en-GB" dirty="0" smtClean="0"/>
-              <a:t/>
+              <a:t>Demo: </a:t>
             </a:r>
             <a:br>
               <a:rPr lang="en-GB" dirty="0" smtClean="0"/>
             </a:br>
             <a:r>
-              <a:rPr lang="en-GB" sz="3100" dirty="0" smtClean="0">
+              <a:rPr lang="en-GB" dirty="0" smtClean="0">
                 <a:solidFill>
                   <a:schemeClr val="accent1">
                     <a:lumMod val="75000"/>
                   </a:schemeClr>
                 </a:solidFill>
               </a:rPr>
-              <a:t>Run a </a:t>
-            </a:r>
-            <a:r>
-              <a:rPr lang="en-GB" sz="3100" dirty="0" err="1" smtClean="0">
+              <a:t>What comes out from </a:t>
+            </a:r>
+            <a:r>
+              <a:rPr lang="en-GB" dirty="0" err="1" smtClean="0">
                 <a:solidFill>
                   <a:schemeClr val="accent1">
                     <a:lumMod val="75000"/>
                   </a:schemeClr>
                 </a:solidFill>
               </a:rPr>
-              <a:t>stroop</a:t>
-            </a:r>
-            <a:r>
-              <a:rPr lang="en-GB" sz="3100" dirty="0" smtClean="0">
+              <a:t>PsychoPy</a:t>
+            </a:r>
+            <a:r>
+              <a:rPr lang="en-GB" dirty="0" smtClean="0">
                 <a:solidFill>
                   <a:schemeClr val="accent1">
                     <a:lumMod val="75000"/>
                   </a:schemeClr>
                 </a:solidFill>
               </a:rPr>
-              <a:t> demo</a:t>
-            </a:r>
-            <a:endParaRPr lang="en-US" sz="3100" dirty="0">
+              <a:t>?</a:t>
+            </a:r>
+            <a:endParaRPr lang="en-US" dirty="0">
               <a:solidFill>
                 <a:schemeClr val="accent1">
                   <a:lumMod val="75000"/>
@@ -7217,148 +7215,329 @@
         </p:nvSpPr>
         <p:spPr/>
         <p:txBody>
-          <a:bodyPr/>
+          <a:bodyPr>
+            <a:normAutofit lnSpcReduction="10000"/>
+          </a:bodyPr>
           <a:lstStyle/>
           <a:p>
+            <a:pPr marL="114300" lvl="0" indent="0">
+              <a:buClr>
+                <a:schemeClr val="dk1"/>
+              </a:buClr>
+              <a:buSzPct val="100000"/>
+              <a:buNone/>
+            </a:pPr>
+            <a:r>
+              <a:rPr lang="en" b="1" dirty="0" smtClean="0"/>
+              <a:t>What builder generates</a:t>
+            </a:r>
+          </a:p>
+          <a:p>
+            <a:pPr marL="114300" lvl="0" indent="0">
+              <a:buClr>
+                <a:schemeClr val="dk1"/>
+              </a:buClr>
+              <a:buSzPct val="100000"/>
+              <a:buNone/>
+            </a:pPr>
+            <a:endParaRPr lang="en" dirty="0" smtClean="0"/>
+          </a:p>
+          <a:p>
+            <a:pPr marL="400050" indent="-285750">
+              <a:buClr>
+                <a:schemeClr val="accent1">
+                  <a:lumMod val="75000"/>
+                </a:schemeClr>
+              </a:buClr>
+              <a:buSzPct val="100000"/>
+            </a:pPr>
+            <a:r>
+              <a:rPr lang="en" dirty="0" smtClean="0"/>
+              <a:t>Lets see what happens when PsychoPy runs </a:t>
+            </a:r>
+            <a:r>
+              <a:rPr lang="en" dirty="0" smtClean="0">
+                <a:solidFill>
+                  <a:srgbClr val="FF0000"/>
+                </a:solidFill>
+              </a:rPr>
+              <a:t>(Demo)</a:t>
+            </a:r>
+          </a:p>
+          <a:p>
+            <a:pPr marL="400050" indent="-285750">
+              <a:buClr>
+                <a:schemeClr val="accent1">
+                  <a:lumMod val="75000"/>
+                </a:schemeClr>
+              </a:buClr>
+              <a:buSzPct val="100000"/>
+            </a:pPr>
+            <a:endParaRPr lang="en" dirty="0"/>
+          </a:p>
+          <a:p>
+            <a:pPr marL="114300" lvl="0" indent="0">
+              <a:buClr>
+                <a:schemeClr val="dk1"/>
+              </a:buClr>
+              <a:buSzPct val="100000"/>
+              <a:buNone/>
+            </a:pPr>
+            <a:r>
+              <a:rPr lang="en" b="1" dirty="0" smtClean="0"/>
+              <a:t>Data output</a:t>
+            </a:r>
+          </a:p>
+          <a:p>
+            <a:pPr marL="114300" lvl="0" indent="0">
+              <a:buClr>
+                <a:schemeClr val="dk1"/>
+              </a:buClr>
+              <a:buSzPct val="100000"/>
+              <a:buNone/>
+            </a:pPr>
+            <a:endParaRPr lang="en" dirty="0"/>
+          </a:p>
+          <a:p>
+            <a:pPr marL="400050" lvl="0" indent="-285750">
+              <a:buClr>
+                <a:schemeClr val="accent1">
+                  <a:lumMod val="75000"/>
+                </a:schemeClr>
+              </a:buClr>
+              <a:buSzPct val="100000"/>
+            </a:pPr>
+            <a:r>
+              <a:rPr lang="en" dirty="0"/>
+              <a:t>Default area for data output is within a </a:t>
+            </a:r>
+            <a:r>
+              <a:rPr lang="en" dirty="0">
+                <a:latin typeface="Courier New"/>
+                <a:ea typeface="Courier New"/>
+                <a:cs typeface="Courier New"/>
+                <a:sym typeface="Courier New"/>
+              </a:rPr>
+              <a:t>data</a:t>
+            </a:r>
+            <a:r>
+              <a:rPr lang="en" dirty="0"/>
+              <a:t> sub-folder</a:t>
+            </a:r>
+          </a:p>
+          <a:p>
+            <a:pPr marL="400050" indent="-285750">
+              <a:buClr>
+                <a:schemeClr val="accent1">
+                  <a:lumMod val="75000"/>
+                </a:schemeClr>
+              </a:buClr>
+              <a:buSzPct val="100000"/>
+            </a:pPr>
+            <a:r>
+              <a:rPr lang="en" dirty="0"/>
+              <a:t>4 files are generated:</a:t>
+            </a:r>
+          </a:p>
+          <a:p>
+            <a:pPr marL="800100" lvl="1">
+              <a:buClr>
+                <a:schemeClr val="accent1">
+                  <a:lumMod val="75000"/>
+                </a:schemeClr>
+              </a:buClr>
+              <a:buSzPct val="100000"/>
+              <a:buFont typeface="Wingdings" panose="05000000000000000000" pitchFamily="2" charset="2"/>
+              <a:buChar char="§"/>
+            </a:pPr>
+            <a:r>
+              <a:rPr lang="en-US" dirty="0">
+                <a:latin typeface="Courier New"/>
+                <a:ea typeface="Courier New"/>
+                <a:cs typeface="Courier New"/>
+                <a:sym typeface="Courier New"/>
+              </a:rPr>
+              <a:t>c</a:t>
+            </a:r>
+            <a:r>
+              <a:rPr lang="en" dirty="0">
+                <a:latin typeface="Courier New"/>
+                <a:ea typeface="Courier New"/>
+                <a:cs typeface="Courier New"/>
+                <a:sym typeface="Courier New"/>
+              </a:rPr>
+              <a:t>sv – </a:t>
+            </a:r>
+            <a:r>
+              <a:rPr lang="en" dirty="0"/>
+              <a:t>main data</a:t>
+            </a:r>
+          </a:p>
+          <a:p>
+            <a:pPr marL="800100" lvl="1">
+              <a:buClr>
+                <a:schemeClr val="accent1">
+                  <a:lumMod val="75000"/>
+                </a:schemeClr>
+              </a:buClr>
+              <a:buSzPct val="100000"/>
+              <a:buFont typeface="Wingdings" panose="05000000000000000000" pitchFamily="2" charset="2"/>
+              <a:buChar char="§"/>
+            </a:pPr>
+            <a:r>
+              <a:rPr lang="en-US" dirty="0">
+                <a:latin typeface="Courier New"/>
+                <a:ea typeface="Courier New"/>
+                <a:cs typeface="Courier New"/>
+                <a:sym typeface="Courier New"/>
+              </a:rPr>
+              <a:t>x</a:t>
+            </a:r>
+            <a:r>
+              <a:rPr lang="en" dirty="0">
+                <a:latin typeface="Courier New"/>
+                <a:ea typeface="Courier New"/>
+                <a:cs typeface="Courier New"/>
+                <a:sym typeface="Courier New"/>
+              </a:rPr>
+              <a:t>lsx- </a:t>
+            </a:r>
+            <a:r>
+              <a:rPr lang="en" dirty="0"/>
+              <a:t>compacted version of the csv file</a:t>
+            </a:r>
+          </a:p>
+          <a:p>
+            <a:pPr marL="800100" lvl="1">
+              <a:buClr>
+                <a:schemeClr val="accent1">
+                  <a:lumMod val="75000"/>
+                </a:schemeClr>
+              </a:buClr>
+              <a:buSzPct val="100000"/>
+              <a:buFont typeface="Wingdings" panose="05000000000000000000" pitchFamily="2" charset="2"/>
+              <a:buChar char="§"/>
+            </a:pPr>
+            <a:r>
+              <a:rPr lang="en-US" dirty="0">
+                <a:latin typeface="Courier New"/>
+                <a:ea typeface="Courier New"/>
+                <a:cs typeface="Courier New"/>
+                <a:sym typeface="Courier New"/>
+              </a:rPr>
+              <a:t>p</a:t>
+            </a:r>
+            <a:r>
+              <a:rPr lang="en" dirty="0">
+                <a:latin typeface="Courier New"/>
+                <a:ea typeface="Courier New"/>
+                <a:cs typeface="Courier New"/>
+                <a:sym typeface="Courier New"/>
+              </a:rPr>
+              <a:t>sydat - </a:t>
+            </a:r>
+            <a:r>
+              <a:rPr lang="en" dirty="0"/>
+              <a:t>complex - but useful for batch processing of results files. Possibly of interest if you are familiar with matplotlib</a:t>
+            </a:r>
+          </a:p>
+          <a:p>
+            <a:pPr marL="800100" lvl="1">
+              <a:buClr>
+                <a:schemeClr val="accent1">
+                  <a:lumMod val="75000"/>
+                </a:schemeClr>
+              </a:buClr>
+              <a:buSzPct val="100000"/>
+              <a:buFont typeface="Wingdings" panose="05000000000000000000" pitchFamily="2" charset="2"/>
+              <a:buChar char="§"/>
+            </a:pPr>
+            <a:r>
+              <a:rPr lang="en-US" dirty="0">
+                <a:latin typeface="Courier New"/>
+                <a:ea typeface="Courier New"/>
+                <a:cs typeface="Courier New"/>
+                <a:sym typeface="Courier New"/>
+              </a:rPr>
+              <a:t>l</a:t>
+            </a:r>
+            <a:r>
+              <a:rPr lang="en" dirty="0">
+                <a:latin typeface="Courier New"/>
+                <a:ea typeface="Courier New"/>
+                <a:cs typeface="Courier New"/>
+                <a:sym typeface="Courier New"/>
+              </a:rPr>
+              <a:t>og - </a:t>
+            </a:r>
+            <a:r>
+              <a:rPr lang="en" dirty="0"/>
+              <a:t>chronological record of everything BUT depends on what settings you use.</a:t>
+            </a:r>
+          </a:p>
+          <a:p>
+            <a:pPr marL="400050">
+              <a:buClr>
+                <a:schemeClr val="accent1">
+                  <a:lumMod val="75000"/>
+                </a:schemeClr>
+              </a:buClr>
+              <a:buSzPct val="100000"/>
+            </a:pPr>
+            <a:r>
+              <a:rPr lang="en-GB" dirty="0"/>
+              <a:t>These are all generated automatically.  </a:t>
+            </a:r>
+          </a:p>
+          <a:p>
+            <a:pPr marL="400050">
+              <a:buClr>
+                <a:schemeClr val="accent1">
+                  <a:lumMod val="75000"/>
+                </a:schemeClr>
+              </a:buClr>
+              <a:buSzPct val="100000"/>
+            </a:pPr>
+            <a:r>
+              <a:rPr lang="en-GB" dirty="0"/>
+              <a:t>Filename based on Session/Participant and date number</a:t>
+            </a:r>
+          </a:p>
+          <a:p>
             <a:pPr marL="0" indent="0">
               <a:buNone/>
             </a:pPr>
+            <a:endParaRPr lang="en-GB" dirty="0"/>
+          </a:p>
+          <a:p>
+            <a:pPr marL="0" indent="0">
+              <a:buNone/>
+            </a:pPr>
+            <a:r>
+              <a:rPr lang="en-GB" b="1" dirty="0"/>
+              <a:t>Will cover more in next part about how to add our own data </a:t>
+            </a:r>
+          </a:p>
+          <a:p>
+            <a:pPr marL="0" indent="0">
+              <a:buNone/>
+            </a:pPr>
+            <a:r>
+              <a:rPr lang="en-GB" b="1" dirty="0"/>
+              <a:t>and extras to this output to help with our analysis</a:t>
+            </a:r>
             <a:r>
               <a:rPr lang="en-GB" b="1" dirty="0" smtClean="0"/>
-              <a:t>Exercise 1.1</a:t>
-            </a:r>
-          </a:p>
-          <a:p>
-            <a:pPr marL="0" indent="0">
-              <a:buNone/>
-            </a:pPr>
-            <a:endParaRPr lang="en-GB" dirty="0" smtClean="0"/>
-          </a:p>
-          <a:p>
-            <a:r>
-              <a:rPr lang="en-GB" dirty="0" smtClean="0"/>
-              <a:t>Open up </a:t>
-            </a:r>
-            <a:r>
-              <a:rPr lang="en-GB" dirty="0" err="1" smtClean="0">
-                <a:latin typeface="Courier New" panose="02070309020205020404" pitchFamily="49" charset="0"/>
-                <a:cs typeface="Courier New" panose="02070309020205020404" pitchFamily="49" charset="0"/>
-              </a:rPr>
-              <a:t>stroop</a:t>
-            </a:r>
-            <a:r>
-              <a:rPr lang="en-GB" dirty="0" smtClean="0">
-                <a:latin typeface="Courier New" panose="02070309020205020404" pitchFamily="49" charset="0"/>
-                <a:cs typeface="Courier New" panose="02070309020205020404" pitchFamily="49" charset="0"/>
-              </a:rPr>
-              <a:t>/</a:t>
-            </a:r>
-            <a:r>
-              <a:rPr lang="en-GB" dirty="0" err="1" smtClean="0">
-                <a:latin typeface="Courier New" panose="02070309020205020404" pitchFamily="49" charset="0"/>
-                <a:cs typeface="Courier New" panose="02070309020205020404" pitchFamily="49" charset="0"/>
-              </a:rPr>
-              <a:t>stroop.psyexp</a:t>
-            </a:r>
-            <a:r>
-              <a:rPr lang="en-GB" dirty="0" smtClean="0"/>
-              <a:t> from within your directory</a:t>
-            </a:r>
-          </a:p>
-          <a:p>
-            <a:r>
-              <a:rPr lang="en-GB" dirty="0" smtClean="0"/>
-              <a:t>Don’t worry what everything is just yet, we’ll cover it later!</a:t>
-            </a:r>
-          </a:p>
-          <a:p>
-            <a:r>
-              <a:rPr lang="en-GB" dirty="0" smtClean="0"/>
-              <a:t>Click the green icon at the top to run it</a:t>
-            </a:r>
-          </a:p>
-          <a:p>
-            <a:r>
-              <a:rPr lang="en-GB" dirty="0" smtClean="0"/>
-              <a:t>See what it does.</a:t>
-            </a:r>
-          </a:p>
-          <a:p>
-            <a:pPr marL="0" indent="0">
-              <a:buNone/>
-            </a:pPr>
-            <a:endParaRPr lang="en-GB" dirty="0" smtClean="0"/>
-          </a:p>
-          <a:p>
-            <a:pPr marL="0" indent="0">
-              <a:buNone/>
-            </a:pPr>
-            <a:r>
-              <a:rPr lang="en-GB" b="1" dirty="0" smtClean="0"/>
-              <a:t>Exercise 1.2</a:t>
-            </a:r>
-          </a:p>
-          <a:p>
-            <a:pPr marL="0" indent="0">
-              <a:buNone/>
-            </a:pPr>
-            <a:endParaRPr lang="en-GB" dirty="0" smtClean="0"/>
-          </a:p>
-          <a:p>
-            <a:r>
-              <a:rPr lang="en-GB" dirty="0" smtClean="0"/>
-              <a:t>Look inside the </a:t>
-            </a:r>
-            <a:r>
-              <a:rPr lang="en-GB" dirty="0" smtClean="0">
-                <a:latin typeface="Courier New" panose="02070309020205020404" pitchFamily="49" charset="0"/>
-                <a:cs typeface="Courier New" panose="02070309020205020404" pitchFamily="49" charset="0"/>
-              </a:rPr>
-              <a:t>/data </a:t>
-            </a:r>
-            <a:r>
-              <a:rPr lang="en-GB" dirty="0" smtClean="0"/>
-              <a:t>folder and see what is produced</a:t>
-            </a:r>
-          </a:p>
-          <a:p>
-            <a:r>
-              <a:rPr lang="en-GB" dirty="0" smtClean="0"/>
-              <a:t>Open one of the most recent CSV files that you find</a:t>
-            </a:r>
-            <a:endParaRPr lang="en-US" dirty="0"/>
-          </a:p>
-          <a:p>
-            <a:pPr lvl="1"/>
-            <a:r>
-              <a:rPr lang="en-US" sz="1800" dirty="0" smtClean="0"/>
-              <a:t>Study </a:t>
-            </a:r>
-            <a:r>
-              <a:rPr lang="en-US" sz="1800" dirty="0"/>
-              <a:t>the </a:t>
-            </a:r>
-            <a:r>
-              <a:rPr lang="en-US" sz="1800" dirty="0" smtClean="0"/>
-              <a:t>file, </a:t>
-            </a:r>
-            <a:r>
-              <a:rPr lang="en-US" sz="1800" dirty="0"/>
-              <a:t>noting the column headings.</a:t>
-            </a:r>
-          </a:p>
-          <a:p>
-            <a:pPr marL="0" indent="0">
-              <a:buNone/>
-            </a:pPr>
-            <a:endParaRPr lang="en-US" dirty="0"/>
+              <a:t>.</a:t>
+            </a:r>
+            <a:endParaRPr lang="en-US" b="1" dirty="0"/>
           </a:p>
         </p:txBody>
       </p:sp>
     </p:spTree>
     <p:extLst>
       <p:ext uri="{BB962C8B-B14F-4D97-AF65-F5344CB8AC3E}">
-        <p14:creationId xmlns:p14="http://schemas.microsoft.com/office/powerpoint/2010/main" val="3214493180"/>
+        <p14:creationId xmlns:p14="http://schemas.microsoft.com/office/powerpoint/2010/main" val="891836421"/>
       </p:ext>
     </p:extLst>
   </p:cSld>
@@ -7405,17 +7584,10 @@
         <p:spPr/>
         <p:txBody>
           <a:bodyPr>
-            <a:normAutofit fontScale="90000"/>
+            <a:normAutofit/>
           </a:bodyPr>
           <a:lstStyle/>
           <a:p>
-            <a:r>
-              <a:rPr lang="en-GB" dirty="0" smtClean="0"/>
-              <a:t>Demo: </a:t>
-            </a:r>
-            <a:br>
-              <a:rPr lang="en-GB" dirty="0" smtClean="0"/>
-            </a:br>
             <a:r>
               <a:rPr lang="en-GB" dirty="0" smtClean="0">
                 <a:solidFill>
@@ -7424,17 +7596,7 @@
                   </a:schemeClr>
                 </a:solidFill>
               </a:rPr>
-              <a:t>What comes out from </a:t>
-            </a:r>
-            <a:r>
-              <a:rPr lang="en-GB" dirty="0" err="1" smtClean="0">
-                <a:solidFill>
-                  <a:schemeClr val="accent1">
-                    <a:lumMod val="75000"/>
-                  </a:schemeClr>
-                </a:solidFill>
-              </a:rPr>
-              <a:t>PsychoPy</a:t>
+              <a:t>An overview </a:t>
             </a:r>
             <a:r>
               <a:rPr lang="en-GB" dirty="0" smtClean="0">
@@ -7444,15 +7606,19 @@
                   </a:schemeClr>
                 </a:solidFill>
               </a:rPr>
-              <a:t>?</a:t>
-            </a:r>
-            <a:endParaRPr lang="en-US" dirty="0">
-              <a:solidFill>
-                <a:schemeClr val="accent1">
-                  <a:lumMod val="75000"/>
-                </a:schemeClr>
-              </a:solidFill>
-            </a:endParaRPr>
+              <a:t>of the </a:t>
+            </a:r>
+            <a:r>
+              <a:rPr lang="en-GB" dirty="0" smtClean="0">
+                <a:solidFill>
+                  <a:schemeClr val="accent1">
+                    <a:lumMod val="75000"/>
+                  </a:schemeClr>
+                </a:solidFill>
+              </a:rPr>
+              <a:t>interface</a:t>
+            </a:r>
+            <a:endParaRPr lang="en-US" dirty="0"/>
           </a:p>
         </p:txBody>
       </p:sp>
@@ -7468,32 +7634,632 @@
         </p:nvSpPr>
         <p:spPr/>
         <p:txBody>
-          <a:bodyPr/>
+          <a:bodyPr>
+            <a:normAutofit/>
+          </a:bodyPr>
           <a:lstStyle/>
           <a:p>
             <a:pPr marL="0" indent="0">
               <a:buNone/>
             </a:pPr>
             <a:r>
+              <a:rPr lang="en-GB" b="1" dirty="0" smtClean="0"/>
+              <a:t>Menus</a:t>
+            </a:r>
+            <a:r>
               <a:rPr lang="en-GB" dirty="0" smtClean="0"/>
-              <a:t>Lets see what </a:t>
-            </a:r>
-            <a:r>
-              <a:rPr lang="en-GB" dirty="0" err="1" smtClean="0"/>
-              <a:t>PsychoPy</a:t>
+              <a:t> </a:t>
             </a:r>
             <a:r>
               <a:rPr lang="en-GB" dirty="0" smtClean="0"/>
-              <a:t> builder generates...</a:t>
-            </a:r>
+              <a:t>(key items</a:t>
+            </a:r>
+            <a:r>
+              <a:rPr lang="en-GB" dirty="0" smtClean="0"/>
+              <a:t>)</a:t>
+            </a:r>
+          </a:p>
+          <a:p>
+            <a:endParaRPr lang="en-GB" dirty="0"/>
+          </a:p>
+          <a:p>
+            <a:pPr marL="0" indent="0">
+              <a:buNone/>
+            </a:pPr>
+            <a:endParaRPr lang="en-GB" dirty="0" smtClean="0"/>
+          </a:p>
+          <a:p>
+            <a:pPr marL="0" indent="0">
+              <a:buNone/>
+            </a:pPr>
+            <a:endParaRPr lang="en-GB" dirty="0" smtClean="0"/>
+          </a:p>
+          <a:p>
+            <a:pPr marL="0" indent="0">
+              <a:buNone/>
+            </a:pPr>
+            <a:endParaRPr lang="en-GB" b="1" dirty="0" smtClean="0"/>
+          </a:p>
+          <a:p>
+            <a:pPr marL="0" indent="0">
+              <a:buNone/>
+            </a:pPr>
+            <a:endParaRPr lang="en-GB" b="1" dirty="0"/>
+          </a:p>
+          <a:p>
+            <a:pPr marL="0" indent="0">
+              <a:buNone/>
+            </a:pPr>
+            <a:r>
+              <a:rPr lang="en-GB" b="1" dirty="0" smtClean="0"/>
+              <a:t>Routines</a:t>
+            </a:r>
+            <a:endParaRPr lang="en-GB" b="1" dirty="0"/>
+          </a:p>
+          <a:p>
+            <a:pPr marL="0" indent="0">
+              <a:buNone/>
+            </a:pPr>
+            <a:r>
+              <a:rPr lang="en" dirty="0"/>
+              <a:t>O</a:t>
+            </a:r>
+            <a:r>
+              <a:rPr lang="en" sz="1800" dirty="0" smtClean="0"/>
+              <a:t>ne </a:t>
+            </a:r>
+            <a:r>
+              <a:rPr lang="en" sz="1800" dirty="0"/>
+              <a:t>tab per routine</a:t>
+            </a:r>
+          </a:p>
+          <a:p>
+            <a:pPr marL="1276350" lvl="2" indent="-285750">
+              <a:buClr>
+                <a:schemeClr val="dk1"/>
+              </a:buClr>
+              <a:buFont typeface="Wingdings" panose="05000000000000000000" pitchFamily="2" charset="2"/>
+              <a:buChar char="§"/>
+            </a:pPr>
+            <a:r>
+              <a:rPr lang="en" sz="1800" dirty="0"/>
+              <a:t>components in this routine</a:t>
+            </a:r>
+          </a:p>
+          <a:p>
+            <a:pPr marL="1276350" lvl="2" indent="-285750">
+              <a:buClr>
+                <a:srgbClr val="FF0000"/>
+              </a:buClr>
+              <a:buFont typeface="Wingdings" panose="05000000000000000000" pitchFamily="2" charset="2"/>
+              <a:buChar char="§"/>
+            </a:pPr>
+            <a:r>
+              <a:rPr lang="en" sz="1800" dirty="0">
+                <a:solidFill>
+                  <a:srgbClr val="FF0000"/>
+                </a:solidFill>
+                <a:ea typeface="Calibri"/>
+                <a:cs typeface="Calibri"/>
+                <a:sym typeface="Calibri"/>
+              </a:rPr>
+              <a:t>WARNING: closing a TAB deletes the routine</a:t>
+            </a:r>
+            <a:r>
+              <a:rPr lang="en" sz="1800" dirty="0" smtClean="0">
+                <a:solidFill>
+                  <a:srgbClr val="FF0000"/>
+                </a:solidFill>
+                <a:ea typeface="Calibri"/>
+                <a:cs typeface="Calibri"/>
+                <a:sym typeface="Calibri"/>
+              </a:rPr>
+              <a:t>!</a:t>
+            </a:r>
+          </a:p>
+          <a:p>
+            <a:pPr marL="1276350" lvl="2" indent="-285750">
+              <a:buClr>
+                <a:srgbClr val="FF0000"/>
+              </a:buClr>
+              <a:buFont typeface="Wingdings" panose="05000000000000000000" pitchFamily="2" charset="2"/>
+              <a:buChar char="§"/>
+            </a:pPr>
+            <a:endParaRPr lang="en" sz="1800" dirty="0">
+              <a:solidFill>
+                <a:srgbClr val="FF0000"/>
+              </a:solidFill>
+              <a:sym typeface="Calibri"/>
+            </a:endParaRPr>
+          </a:p>
+          <a:p>
+            <a:pPr marL="0" indent="0">
+              <a:buNone/>
+            </a:pPr>
             <a:endParaRPr lang="en-US" dirty="0"/>
+          </a:p>
+        </p:txBody>
+      </p:sp>
+      <p:pic>
+        <p:nvPicPr>
+          <p:cNvPr id="4" name="Picture 3"/>
+          <p:cNvPicPr>
+            <a:picLocks noChangeAspect="1"/>
+          </p:cNvPicPr>
+          <p:nvPr/>
+        </p:nvPicPr>
+        <p:blipFill>
+          <a:blip r:embed="rId2">
+            <a:extLst>
+              <a:ext uri="{28A0092B-C50C-407E-A947-70E740481C1C}">
+                <a14:useLocalDpi xmlns:a14="http://schemas.microsoft.com/office/drawing/2010/main" val="0"/>
+              </a:ext>
+            </a:extLst>
+          </a:blip>
+          <a:stretch>
+            <a:fillRect/>
+          </a:stretch>
+        </p:blipFill>
+        <p:spPr>
+          <a:xfrm>
+            <a:off x="553324" y="2132856"/>
+            <a:ext cx="5001323" cy="390580"/>
+          </a:xfrm>
+          <a:prstGeom prst="rect">
+            <a:avLst/>
+          </a:prstGeom>
+        </p:spPr>
+      </p:pic>
+      <p:pic>
+        <p:nvPicPr>
+          <p:cNvPr id="5" name="Picture 4"/>
+          <p:cNvPicPr>
+            <a:picLocks noChangeAspect="1"/>
+          </p:cNvPicPr>
+          <p:nvPr/>
+        </p:nvPicPr>
+        <p:blipFill>
+          <a:blip r:embed="rId3">
+            <a:extLst>
+              <a:ext uri="{28A0092B-C50C-407E-A947-70E740481C1C}">
+                <a14:useLocalDpi xmlns:a14="http://schemas.microsoft.com/office/drawing/2010/main" val="0"/>
+              </a:ext>
+            </a:extLst>
+          </a:blip>
+          <a:stretch>
+            <a:fillRect/>
+          </a:stretch>
+        </p:blipFill>
+        <p:spPr>
+          <a:xfrm>
+            <a:off x="553324" y="4769678"/>
+            <a:ext cx="1667108" cy="571580"/>
+          </a:xfrm>
+          <a:prstGeom prst="rect">
+            <a:avLst/>
+          </a:prstGeom>
+        </p:spPr>
+      </p:pic>
+      <p:pic>
+        <p:nvPicPr>
+          <p:cNvPr id="6" name="Picture 5"/>
+          <p:cNvPicPr>
+            <a:picLocks noChangeAspect="1"/>
+          </p:cNvPicPr>
+          <p:nvPr/>
+        </p:nvPicPr>
+        <p:blipFill>
+          <a:blip r:embed="rId4">
+            <a:extLst>
+              <a:ext uri="{28A0092B-C50C-407E-A947-70E740481C1C}">
+                <a14:useLocalDpi xmlns:a14="http://schemas.microsoft.com/office/drawing/2010/main" val="0"/>
+              </a:ext>
+            </a:extLst>
+          </a:blip>
+          <a:stretch>
+            <a:fillRect/>
+          </a:stretch>
+        </p:blipFill>
+        <p:spPr>
+          <a:xfrm>
+            <a:off x="2762284" y="4769678"/>
+            <a:ext cx="6020640" cy="1886213"/>
+          </a:xfrm>
+          <a:prstGeom prst="rect">
+            <a:avLst/>
+          </a:prstGeom>
+        </p:spPr>
+      </p:pic>
+      <p:cxnSp>
+        <p:nvCxnSpPr>
+          <p:cNvPr id="8" name="Straight Arrow Connector 7"/>
+          <p:cNvCxnSpPr/>
+          <p:nvPr/>
+        </p:nvCxnSpPr>
+        <p:spPr>
+          <a:xfrm>
+            <a:off x="2051720" y="5085184"/>
+            <a:ext cx="1224136" cy="256074"/>
+          </a:xfrm>
+          <a:prstGeom prst="straightConnector1">
+            <a:avLst/>
+          </a:prstGeom>
+          <a:ln>
+            <a:tailEnd type="triangle"/>
+          </a:ln>
+        </p:spPr>
+        <p:style>
+          <a:lnRef idx="1">
+            <a:schemeClr val="accent1"/>
+          </a:lnRef>
+          <a:fillRef idx="0">
+            <a:schemeClr val="accent1"/>
+          </a:fillRef>
+          <a:effectRef idx="0">
+            <a:schemeClr val="accent1"/>
+          </a:effectRef>
+          <a:fontRef idx="minor">
+            <a:schemeClr val="tx1"/>
+          </a:fontRef>
+        </p:style>
+      </p:cxnSp>
+      <p:cxnSp>
+        <p:nvCxnSpPr>
+          <p:cNvPr id="10" name="Straight Arrow Connector 9"/>
+          <p:cNvCxnSpPr/>
+          <p:nvPr/>
+        </p:nvCxnSpPr>
+        <p:spPr>
+          <a:xfrm flipH="1">
+            <a:off x="3635896" y="4402773"/>
+            <a:ext cx="360040" cy="466387"/>
+          </a:xfrm>
+          <a:prstGeom prst="straightConnector1">
+            <a:avLst/>
+          </a:prstGeom>
+          <a:ln>
+            <a:tailEnd type="triangle"/>
+          </a:ln>
+        </p:spPr>
+        <p:style>
+          <a:lnRef idx="1">
+            <a:schemeClr val="accent1"/>
+          </a:lnRef>
+          <a:fillRef idx="0">
+            <a:schemeClr val="accent1"/>
+          </a:fillRef>
+          <a:effectRef idx="0">
+            <a:schemeClr val="accent1"/>
+          </a:effectRef>
+          <a:fontRef idx="minor">
+            <a:schemeClr val="tx1"/>
+          </a:fontRef>
+        </p:style>
+      </p:cxnSp>
+      <p:cxnSp>
+        <p:nvCxnSpPr>
+          <p:cNvPr id="14" name="Straight Arrow Connector 13"/>
+          <p:cNvCxnSpPr/>
+          <p:nvPr/>
+        </p:nvCxnSpPr>
+        <p:spPr>
+          <a:xfrm flipV="1">
+            <a:off x="2483768" y="2420888"/>
+            <a:ext cx="570217" cy="284812"/>
+          </a:xfrm>
+          <a:prstGeom prst="straightConnector1">
+            <a:avLst/>
+          </a:prstGeom>
+          <a:ln>
+            <a:tailEnd type="triangle"/>
+          </a:ln>
+        </p:spPr>
+        <p:style>
+          <a:lnRef idx="1">
+            <a:schemeClr val="accent1"/>
+          </a:lnRef>
+          <a:fillRef idx="0">
+            <a:schemeClr val="accent1"/>
+          </a:fillRef>
+          <a:effectRef idx="0">
+            <a:schemeClr val="accent1"/>
+          </a:effectRef>
+          <a:fontRef idx="minor">
+            <a:schemeClr val="tx1"/>
+          </a:fontRef>
+        </p:style>
+      </p:cxnSp>
+      <p:cxnSp>
+        <p:nvCxnSpPr>
+          <p:cNvPr id="15" name="Straight Arrow Connector 14"/>
+          <p:cNvCxnSpPr/>
+          <p:nvPr/>
+        </p:nvCxnSpPr>
+        <p:spPr>
+          <a:xfrm flipV="1">
+            <a:off x="3391128" y="2410188"/>
+            <a:ext cx="127986" cy="287782"/>
+          </a:xfrm>
+          <a:prstGeom prst="straightConnector1">
+            <a:avLst/>
+          </a:prstGeom>
+          <a:ln>
+            <a:tailEnd type="triangle"/>
+          </a:ln>
+        </p:spPr>
+        <p:style>
+          <a:lnRef idx="1">
+            <a:schemeClr val="accent1"/>
+          </a:lnRef>
+          <a:fillRef idx="0">
+            <a:schemeClr val="accent1"/>
+          </a:fillRef>
+          <a:effectRef idx="0">
+            <a:schemeClr val="accent1"/>
+          </a:effectRef>
+          <a:fontRef idx="minor">
+            <a:schemeClr val="tx1"/>
+          </a:fontRef>
+        </p:style>
+      </p:cxnSp>
+      <p:cxnSp>
+        <p:nvCxnSpPr>
+          <p:cNvPr id="19" name="Straight Arrow Connector 18"/>
+          <p:cNvCxnSpPr/>
+          <p:nvPr/>
+        </p:nvCxnSpPr>
+        <p:spPr>
+          <a:xfrm flipH="1" flipV="1">
+            <a:off x="4026977" y="2392233"/>
+            <a:ext cx="44775" cy="295513"/>
+          </a:xfrm>
+          <a:prstGeom prst="straightConnector1">
+            <a:avLst/>
+          </a:prstGeom>
+          <a:ln>
+            <a:tailEnd type="triangle"/>
+          </a:ln>
+        </p:spPr>
+        <p:style>
+          <a:lnRef idx="1">
+            <a:schemeClr val="accent1"/>
+          </a:lnRef>
+          <a:fillRef idx="0">
+            <a:schemeClr val="accent1"/>
+          </a:fillRef>
+          <a:effectRef idx="0">
+            <a:schemeClr val="accent1"/>
+          </a:effectRef>
+          <a:fontRef idx="minor">
+            <a:schemeClr val="tx1"/>
+          </a:fontRef>
+        </p:style>
+      </p:cxnSp>
+      <p:cxnSp>
+        <p:nvCxnSpPr>
+          <p:cNvPr id="20" name="Straight Arrow Connector 19"/>
+          <p:cNvCxnSpPr/>
+          <p:nvPr/>
+        </p:nvCxnSpPr>
+        <p:spPr>
+          <a:xfrm flipH="1" flipV="1">
+            <a:off x="4790813" y="2377594"/>
+            <a:ext cx="193616" cy="310152"/>
+          </a:xfrm>
+          <a:prstGeom prst="straightConnector1">
+            <a:avLst/>
+          </a:prstGeom>
+          <a:ln>
+            <a:tailEnd type="triangle"/>
+          </a:ln>
+        </p:spPr>
+        <p:style>
+          <a:lnRef idx="1">
+            <a:schemeClr val="accent1"/>
+          </a:lnRef>
+          <a:fillRef idx="0">
+            <a:schemeClr val="accent1"/>
+          </a:fillRef>
+          <a:effectRef idx="0">
+            <a:schemeClr val="accent1"/>
+          </a:effectRef>
+          <a:fontRef idx="minor">
+            <a:schemeClr val="tx1"/>
+          </a:fontRef>
+        </p:style>
+      </p:cxnSp>
+      <p:cxnSp>
+        <p:nvCxnSpPr>
+          <p:cNvPr id="22" name="Straight Arrow Connector 21"/>
+          <p:cNvCxnSpPr/>
+          <p:nvPr/>
+        </p:nvCxnSpPr>
+        <p:spPr>
+          <a:xfrm flipH="1" flipV="1">
+            <a:off x="5221457" y="2420888"/>
+            <a:ext cx="521491" cy="284812"/>
+          </a:xfrm>
+          <a:prstGeom prst="straightConnector1">
+            <a:avLst/>
+          </a:prstGeom>
+          <a:ln>
+            <a:tailEnd type="triangle"/>
+          </a:ln>
+        </p:spPr>
+        <p:style>
+          <a:lnRef idx="1">
+            <a:schemeClr val="accent1"/>
+          </a:lnRef>
+          <a:fillRef idx="0">
+            <a:schemeClr val="accent1"/>
+          </a:fillRef>
+          <a:effectRef idx="0">
+            <a:schemeClr val="accent1"/>
+          </a:effectRef>
+          <a:fontRef idx="minor">
+            <a:schemeClr val="tx1"/>
+          </a:fontRef>
+        </p:style>
+      </p:cxnSp>
+      <p:sp>
+        <p:nvSpPr>
+          <p:cNvPr id="24" name="TextBox 23"/>
+          <p:cNvSpPr txBox="1"/>
+          <p:nvPr/>
+        </p:nvSpPr>
+        <p:spPr>
+          <a:xfrm>
+            <a:off x="1883749" y="2705869"/>
+            <a:ext cx="1104075" cy="261610"/>
+          </a:xfrm>
+          <a:prstGeom prst="rect">
+            <a:avLst/>
+          </a:prstGeom>
+          <a:noFill/>
+        </p:spPr>
+        <p:txBody>
+          <a:bodyPr wrap="square" rtlCol="0">
+            <a:spAutoFit/>
+          </a:bodyPr>
+          <a:lstStyle/>
+          <a:p>
+            <a:pPr algn="ctr"/>
+            <a:r>
+              <a:rPr lang="en-GB" sz="1100" dirty="0" smtClean="0"/>
+              <a:t>Preferences</a:t>
+            </a:r>
+            <a:endParaRPr lang="en-US" sz="1100" dirty="0"/>
+          </a:p>
+        </p:txBody>
+      </p:sp>
+      <p:sp>
+        <p:nvSpPr>
+          <p:cNvPr id="25" name="TextBox 24"/>
+          <p:cNvSpPr txBox="1"/>
+          <p:nvPr/>
+        </p:nvSpPr>
+        <p:spPr>
+          <a:xfrm>
+            <a:off x="2768876" y="2713738"/>
+            <a:ext cx="1104075" cy="430887"/>
+          </a:xfrm>
+          <a:prstGeom prst="rect">
+            <a:avLst/>
+          </a:prstGeom>
+          <a:noFill/>
+        </p:spPr>
+        <p:txBody>
+          <a:bodyPr wrap="square" rtlCol="0">
+            <a:spAutoFit/>
+          </a:bodyPr>
+          <a:lstStyle/>
+          <a:p>
+            <a:pPr algn="ctr"/>
+            <a:r>
+              <a:rPr lang="en-GB" sz="1100" dirty="0" smtClean="0"/>
+              <a:t>Monitor settings</a:t>
+            </a:r>
+            <a:endParaRPr lang="en-US" sz="1100" dirty="0"/>
+          </a:p>
+        </p:txBody>
+      </p:sp>
+      <p:sp>
+        <p:nvSpPr>
+          <p:cNvPr id="26" name="TextBox 25"/>
+          <p:cNvSpPr txBox="1"/>
+          <p:nvPr/>
+        </p:nvSpPr>
+        <p:spPr>
+          <a:xfrm>
+            <a:off x="3519714" y="2729506"/>
+            <a:ext cx="1104075" cy="430887"/>
+          </a:xfrm>
+          <a:prstGeom prst="rect">
+            <a:avLst/>
+          </a:prstGeom>
+          <a:noFill/>
+        </p:spPr>
+        <p:txBody>
+          <a:bodyPr wrap="square" rtlCol="0">
+            <a:spAutoFit/>
+          </a:bodyPr>
+          <a:lstStyle/>
+          <a:p>
+            <a:pPr algn="ctr"/>
+            <a:r>
+              <a:rPr lang="en-GB" sz="1100" dirty="0" smtClean="0"/>
+              <a:t>Experiment settings</a:t>
+            </a:r>
+            <a:endParaRPr lang="en-US" sz="1100" dirty="0"/>
+          </a:p>
+        </p:txBody>
+      </p:sp>
+      <p:sp>
+        <p:nvSpPr>
+          <p:cNvPr id="28" name="TextBox 27"/>
+          <p:cNvSpPr txBox="1"/>
+          <p:nvPr/>
+        </p:nvSpPr>
+        <p:spPr>
+          <a:xfrm>
+            <a:off x="4462354" y="2688236"/>
+            <a:ext cx="1104075" cy="430887"/>
+          </a:xfrm>
+          <a:prstGeom prst="rect">
+            <a:avLst/>
+          </a:prstGeom>
+          <a:noFill/>
+        </p:spPr>
+        <p:txBody>
+          <a:bodyPr wrap="square" rtlCol="0">
+            <a:spAutoFit/>
+          </a:bodyPr>
+          <a:lstStyle/>
+          <a:p>
+            <a:pPr algn="ctr"/>
+            <a:r>
+              <a:rPr lang="en-GB" sz="1100" dirty="0" smtClean="0"/>
+              <a:t>Run experiment</a:t>
+            </a:r>
+            <a:endParaRPr lang="en-US" sz="1100" dirty="0"/>
+          </a:p>
+        </p:txBody>
+      </p:sp>
+      <p:sp>
+        <p:nvSpPr>
+          <p:cNvPr id="29" name="TextBox 28"/>
+          <p:cNvSpPr txBox="1"/>
+          <p:nvPr/>
+        </p:nvSpPr>
+        <p:spPr>
+          <a:xfrm>
+            <a:off x="5317059" y="2672520"/>
+            <a:ext cx="1104075" cy="430887"/>
+          </a:xfrm>
+          <a:prstGeom prst="rect">
+            <a:avLst/>
+          </a:prstGeom>
+          <a:noFill/>
+        </p:spPr>
+        <p:txBody>
+          <a:bodyPr wrap="square" rtlCol="0">
+            <a:spAutoFit/>
+          </a:bodyPr>
+          <a:lstStyle/>
+          <a:p>
+            <a:pPr algn="ctr"/>
+            <a:r>
+              <a:rPr lang="en-GB" sz="1100" dirty="0" smtClean="0"/>
+              <a:t>Stop experiment</a:t>
+            </a:r>
+            <a:endParaRPr lang="en-US" sz="1100" dirty="0"/>
           </a:p>
         </p:txBody>
       </p:sp>
     </p:spTree>
     <p:extLst>
       <p:ext uri="{BB962C8B-B14F-4D97-AF65-F5344CB8AC3E}">
-        <p14:creationId xmlns:p14="http://schemas.microsoft.com/office/powerpoint/2010/main" val="3271452059"/>
+        <p14:creationId xmlns:p14="http://schemas.microsoft.com/office/powerpoint/2010/main" val="3108589393"/>
       </p:ext>
     </p:extLst>
   </p:cSld>
@@ -7537,20 +8303,18 @@
             <p:ph type="title"/>
           </p:nvPr>
         </p:nvSpPr>
-        <p:spPr/>
+        <p:spPr>
+          <a:xfrm>
+            <a:off x="457200" y="274637"/>
+            <a:ext cx="8229600" cy="778099"/>
+          </a:xfrm>
+        </p:spPr>
         <p:txBody>
           <a:bodyPr>
-            <a:normAutofit fontScale="90000"/>
+            <a:normAutofit/>
           </a:bodyPr>
           <a:lstStyle/>
           <a:p>
-            <a:r>
-              <a:rPr lang="en-GB" dirty="0"/>
-              <a:t>Demo: </a:t>
-            </a:r>
-            <a:br>
-              <a:rPr lang="en-GB" dirty="0"/>
-            </a:br>
             <a:r>
               <a:rPr lang="en-GB" dirty="0" smtClean="0">
                 <a:solidFill>
@@ -7559,7 +8323,7 @@
                   </a:schemeClr>
                 </a:solidFill>
               </a:rPr>
-              <a:t>Result file output</a:t>
+              <a:t>Continued…</a:t>
             </a:r>
             <a:endParaRPr lang="en-US" dirty="0"/>
           </a:p>
@@ -7577,8 +8341,8 @@
         </p:nvSpPr>
         <p:spPr>
           <a:xfrm>
-            <a:off x="395536" y="1556792"/>
-            <a:ext cx="8229600" cy="4967700"/>
+            <a:off x="457200" y="1124744"/>
+            <a:ext cx="8229600" cy="5472608"/>
           </a:xfrm>
         </p:spPr>
         <p:txBody>
@@ -7587,294 +8351,746 @@
           </a:bodyPr>
           <a:lstStyle/>
           <a:p>
-            <a:pPr marL="114300" lvl="0" indent="0">
-              <a:buClr>
-                <a:schemeClr val="dk1"/>
-              </a:buClr>
-              <a:buSzPct val="100000"/>
-              <a:buNone/>
-            </a:pPr>
-            <a:r>
-              <a:rPr lang="en" b="1" dirty="0" smtClean="0"/>
-              <a:t>What else comes out of PsychoPy?  </a:t>
-            </a:r>
-          </a:p>
-          <a:p>
-            <a:pPr marL="114300" lvl="0" indent="0">
-              <a:buClr>
-                <a:schemeClr val="dk1"/>
-              </a:buClr>
-              <a:buSzPct val="100000"/>
-              <a:buNone/>
-            </a:pPr>
-            <a:endParaRPr lang="en" dirty="0"/>
-          </a:p>
-          <a:p>
-            <a:pPr marL="400050" lvl="0" indent="-285750">
-              <a:buClr>
-                <a:schemeClr val="accent1">
-                  <a:lumMod val="75000"/>
-                </a:schemeClr>
-              </a:buClr>
-              <a:buSzPct val="100000"/>
-            </a:pPr>
-            <a:r>
-              <a:rPr lang="en" dirty="0"/>
-              <a:t>Default area for </a:t>
-            </a:r>
-            <a:r>
-              <a:rPr lang="en" dirty="0" smtClean="0"/>
-              <a:t>data output </a:t>
-            </a:r>
-            <a:r>
-              <a:rPr lang="en" dirty="0"/>
-              <a:t>is within a </a:t>
-            </a:r>
-            <a:r>
-              <a:rPr lang="en" dirty="0">
-                <a:latin typeface="Courier New"/>
-                <a:ea typeface="Courier New"/>
-                <a:cs typeface="Courier New"/>
-                <a:sym typeface="Courier New"/>
-              </a:rPr>
-              <a:t>data</a:t>
-            </a:r>
-            <a:r>
-              <a:rPr lang="en" dirty="0"/>
-              <a:t> </a:t>
-            </a:r>
-            <a:r>
-              <a:rPr lang="en" dirty="0" smtClean="0"/>
-              <a:t>sub-folder</a:t>
-            </a:r>
-          </a:p>
-          <a:p>
-            <a:pPr marL="400050" indent="-285750">
-              <a:buClr>
-                <a:schemeClr val="accent1">
-                  <a:lumMod val="75000"/>
-                </a:schemeClr>
-              </a:buClr>
-              <a:buSzPct val="100000"/>
-            </a:pPr>
-            <a:r>
-              <a:rPr lang="en" dirty="0" smtClean="0"/>
-              <a:t>4 files are generated:</a:t>
-            </a:r>
-            <a:endParaRPr lang="en" dirty="0"/>
-          </a:p>
-          <a:p>
-            <a:pPr marL="800100" lvl="1">
-              <a:buClr>
-                <a:schemeClr val="accent1">
-                  <a:lumMod val="75000"/>
-                </a:schemeClr>
-              </a:buClr>
-              <a:buSzPct val="100000"/>
+            <a:pPr marL="0" indent="0">
+              <a:buNone/>
+            </a:pPr>
+            <a:r>
+              <a:rPr lang="en-GB" b="1" dirty="0" smtClean="0"/>
+              <a:t>Experiment </a:t>
+            </a:r>
+            <a:r>
+              <a:rPr lang="en-GB" b="1" dirty="0" smtClean="0"/>
+              <a:t>flow</a:t>
+            </a:r>
+          </a:p>
+          <a:p>
+            <a:pPr lvl="1">
               <a:buFont typeface="Wingdings" panose="05000000000000000000" pitchFamily="2" charset="2"/>
               <a:buChar char="§"/>
             </a:pPr>
             <a:r>
-              <a:rPr lang="en-US" dirty="0" smtClean="0">
-                <a:latin typeface="Courier New"/>
-                <a:ea typeface="Courier New"/>
-                <a:cs typeface="Courier New"/>
-                <a:sym typeface="Courier New"/>
-              </a:rPr>
-              <a:t>c</a:t>
-            </a:r>
-            <a:r>
-              <a:rPr lang="en" dirty="0" smtClean="0">
-                <a:latin typeface="Courier New"/>
-                <a:ea typeface="Courier New"/>
-                <a:cs typeface="Courier New"/>
-                <a:sym typeface="Courier New"/>
-              </a:rPr>
-              <a:t>sv – </a:t>
-            </a:r>
-            <a:r>
-              <a:rPr lang="en" sz="1600" dirty="0" smtClean="0"/>
-              <a:t>main data</a:t>
-            </a:r>
-            <a:endParaRPr lang="en" sz="1600" dirty="0"/>
-          </a:p>
-          <a:p>
-            <a:pPr marL="800100" lvl="1">
-              <a:buClr>
-                <a:schemeClr val="accent1">
-                  <a:lumMod val="75000"/>
-                </a:schemeClr>
-              </a:buClr>
-              <a:buSzPct val="100000"/>
+              <a:rPr lang="en" sz="1800" dirty="0"/>
+              <a:t>sequential order of </a:t>
+            </a:r>
+            <a:r>
+              <a:rPr lang="en" sz="1800" dirty="0" smtClean="0"/>
+              <a:t>execution</a:t>
+            </a:r>
+            <a:endParaRPr lang="en-GB" sz="1800" dirty="0" smtClean="0"/>
+          </a:p>
+          <a:p>
+            <a:pPr marL="0" indent="0">
+              <a:buNone/>
+            </a:pPr>
+            <a:endParaRPr lang="en-GB" b="1" dirty="0" smtClean="0"/>
+          </a:p>
+          <a:p>
+            <a:pPr marL="0" indent="0">
+              <a:buNone/>
+            </a:pPr>
+            <a:endParaRPr lang="en-GB" b="1" dirty="0" smtClean="0"/>
+          </a:p>
+          <a:p>
+            <a:pPr marL="0" indent="0">
+              <a:buNone/>
+            </a:pPr>
+            <a:endParaRPr lang="en-GB" b="1" dirty="0" smtClean="0"/>
+          </a:p>
+          <a:p>
+            <a:pPr marL="0" indent="0">
+              <a:buNone/>
+            </a:pPr>
+            <a:endParaRPr lang="en-GB" b="1" dirty="0"/>
+          </a:p>
+          <a:p>
+            <a:pPr marL="0" indent="0">
+              <a:buNone/>
+            </a:pPr>
+            <a:r>
+              <a:rPr lang="en-GB" b="1" dirty="0" smtClean="0"/>
+              <a:t>Routine </a:t>
+            </a:r>
+            <a:r>
+              <a:rPr lang="en-GB" b="1" dirty="0" smtClean="0"/>
+              <a:t>timelines</a:t>
+            </a:r>
+          </a:p>
+          <a:p>
+            <a:pPr lvl="1">
               <a:buFont typeface="Wingdings" panose="05000000000000000000" pitchFamily="2" charset="2"/>
               <a:buChar char="§"/>
             </a:pPr>
             <a:r>
-              <a:rPr lang="en-US" dirty="0" smtClean="0">
-                <a:latin typeface="Courier New"/>
-                <a:ea typeface="Courier New"/>
-                <a:cs typeface="Courier New"/>
-                <a:sym typeface="Courier New"/>
-              </a:rPr>
-              <a:t>x</a:t>
-            </a:r>
-            <a:r>
-              <a:rPr lang="en" dirty="0" smtClean="0">
-                <a:latin typeface="Courier New"/>
-                <a:ea typeface="Courier New"/>
-                <a:cs typeface="Courier New"/>
-                <a:sym typeface="Courier New"/>
-              </a:rPr>
-              <a:t>lsl- </a:t>
-            </a:r>
-            <a:r>
               <a:rPr lang="en" sz="1600" dirty="0" smtClean="0"/>
-              <a:t>compacted </a:t>
+              <a:t>Concurrent </a:t>
             </a:r>
             <a:r>
               <a:rPr lang="en" sz="1600" dirty="0"/>
-              <a:t>version of the csv file</a:t>
-            </a:r>
-          </a:p>
-          <a:p>
-            <a:pPr marL="800100" lvl="1">
-              <a:buClr>
-                <a:schemeClr val="accent1">
-                  <a:lumMod val="75000"/>
-                </a:schemeClr>
-              </a:buClr>
-              <a:buSzPct val="100000"/>
+              <a:t>objects/components controlled by </a:t>
+            </a:r>
+            <a:r>
+              <a:rPr lang="en" sz="1600" dirty="0" smtClean="0"/>
+              <a:t>start/duration</a:t>
+            </a:r>
+            <a:endParaRPr lang="en-GB" sz="1600" dirty="0" smtClean="0"/>
+          </a:p>
+          <a:p>
+            <a:pPr marL="0" indent="0">
+              <a:buNone/>
+            </a:pPr>
+            <a:endParaRPr lang="en-GB" b="1" dirty="0" smtClean="0"/>
+          </a:p>
+          <a:p>
+            <a:pPr marL="0" indent="0">
+              <a:buNone/>
+            </a:pPr>
+            <a:endParaRPr lang="en-GB" b="1" dirty="0" smtClean="0"/>
+          </a:p>
+          <a:p>
+            <a:pPr marL="0" indent="0">
+              <a:buNone/>
+            </a:pPr>
+            <a:endParaRPr lang="en-GB" b="1" dirty="0"/>
+          </a:p>
+          <a:p>
+            <a:pPr marL="0" indent="0">
+              <a:buNone/>
+            </a:pPr>
+            <a:endParaRPr lang="en-GB" b="1" dirty="0" smtClean="0"/>
+          </a:p>
+          <a:p>
+            <a:pPr marL="0" indent="0">
+              <a:buNone/>
+            </a:pPr>
+            <a:endParaRPr lang="en-GB" b="1" dirty="0"/>
+          </a:p>
+          <a:p>
+            <a:pPr marL="0" indent="0">
+              <a:buNone/>
+            </a:pPr>
+            <a:endParaRPr lang="en-GB" b="1" dirty="0" smtClean="0"/>
+          </a:p>
+          <a:p>
+            <a:pPr marL="0" indent="0">
+              <a:buNone/>
+            </a:pPr>
+            <a:endParaRPr lang="en-GB" b="1" dirty="0"/>
+          </a:p>
+          <a:p>
+            <a:pPr marL="0" indent="0">
+              <a:buNone/>
+            </a:pPr>
+            <a:endParaRPr lang="en-GB" b="1" dirty="0" smtClean="0"/>
+          </a:p>
+          <a:p>
+            <a:pPr marL="0" indent="0">
+              <a:buNone/>
+            </a:pPr>
+            <a:r>
+              <a:rPr lang="en-GB" b="1" dirty="0" smtClean="0"/>
+              <a:t>Components</a:t>
+            </a:r>
+            <a:endParaRPr lang="en-GB" b="1" dirty="0" smtClean="0"/>
+          </a:p>
+          <a:p>
+            <a:pPr lvl="1">
               <a:buFont typeface="Wingdings" panose="05000000000000000000" pitchFamily="2" charset="2"/>
               <a:buChar char="§"/>
             </a:pPr>
             <a:r>
-              <a:rPr lang="en-US" dirty="0" smtClean="0">
-                <a:latin typeface="Courier New"/>
-                <a:ea typeface="Courier New"/>
-                <a:cs typeface="Courier New"/>
-                <a:sym typeface="Courier New"/>
-              </a:rPr>
-              <a:t>p</a:t>
-            </a:r>
-            <a:r>
-              <a:rPr lang="en" dirty="0" smtClean="0">
-                <a:latin typeface="Courier New"/>
-                <a:ea typeface="Courier New"/>
-                <a:cs typeface="Courier New"/>
-                <a:sym typeface="Courier New"/>
-              </a:rPr>
-              <a:t>sydat - </a:t>
-            </a:r>
-            <a:r>
-              <a:rPr lang="en" sz="1600" dirty="0" smtClean="0"/>
-              <a:t>complex </a:t>
-            </a:r>
-            <a:r>
-              <a:rPr lang="en" sz="1600" dirty="0"/>
-              <a:t>- but useful for batch processing of results files. Possibly of interest if you are familiar with matplotlib</a:t>
-            </a:r>
-          </a:p>
-          <a:p>
-            <a:pPr marL="800100" lvl="1">
-              <a:buClr>
-                <a:schemeClr val="accent1">
-                  <a:lumMod val="75000"/>
-                </a:schemeClr>
-              </a:buClr>
-              <a:buSzPct val="100000"/>
+              <a:rPr lang="en" sz="1800" dirty="0"/>
+              <a:t>5 sections - drop-down menus</a:t>
+            </a:r>
+          </a:p>
+          <a:p>
+            <a:pPr lvl="1">
               <a:buFont typeface="Wingdings" panose="05000000000000000000" pitchFamily="2" charset="2"/>
               <a:buChar char="§"/>
             </a:pPr>
             <a:r>
-              <a:rPr lang="en-US" dirty="0" smtClean="0">
-                <a:latin typeface="Courier New"/>
-                <a:ea typeface="Courier New"/>
-                <a:cs typeface="Courier New"/>
-                <a:sym typeface="Courier New"/>
-              </a:rPr>
-              <a:t>l</a:t>
-            </a:r>
-            <a:r>
-              <a:rPr lang="en" dirty="0" smtClean="0">
-                <a:latin typeface="Courier New"/>
-                <a:ea typeface="Courier New"/>
-                <a:cs typeface="Courier New"/>
-                <a:sym typeface="Courier New"/>
-              </a:rPr>
-              <a:t>og - </a:t>
-            </a:r>
-            <a:r>
-              <a:rPr lang="en" sz="1600" dirty="0" smtClean="0"/>
-              <a:t>chronological </a:t>
-            </a:r>
-            <a:r>
-              <a:rPr lang="en" sz="1600" dirty="0"/>
-              <a:t>record of everything BUT depends on what settings you </a:t>
-            </a:r>
-            <a:r>
-              <a:rPr lang="en" sz="1600" dirty="0" smtClean="0"/>
-              <a:t>use.</a:t>
-            </a:r>
-          </a:p>
-          <a:p>
-            <a:pPr marL="400050">
-              <a:buClr>
-                <a:schemeClr val="accent1">
-                  <a:lumMod val="75000"/>
-                </a:schemeClr>
-              </a:buClr>
-              <a:buSzPct val="100000"/>
-            </a:pPr>
-            <a:r>
-              <a:rPr lang="en-GB" dirty="0" smtClean="0"/>
-              <a:t>These are all generated automatically.  </a:t>
-            </a:r>
-          </a:p>
-          <a:p>
-            <a:pPr marL="400050">
-              <a:buClr>
-                <a:schemeClr val="accent1">
-                  <a:lumMod val="75000"/>
-                </a:schemeClr>
-              </a:buClr>
-              <a:buSzPct val="100000"/>
-            </a:pPr>
-            <a:r>
-              <a:rPr lang="en-GB" dirty="0" smtClean="0"/>
-              <a:t>Filename based on Session/Participant and date number</a:t>
+              <a:rPr lang="en-GB" sz="1800" dirty="0" smtClean="0"/>
+              <a:t>More details coming up…</a:t>
             </a:r>
           </a:p>
           <a:p>
             <a:pPr marL="0" indent="0">
               <a:buNone/>
             </a:pPr>
-            <a:endParaRPr lang="en-GB" dirty="0" smtClean="0"/>
-          </a:p>
-          <a:p>
-            <a:pPr marL="0" indent="0">
-              <a:buNone/>
-            </a:pPr>
-            <a:r>
-              <a:rPr lang="en-GB" b="1" dirty="0" smtClean="0"/>
-              <a:t>Will cover more in next part about how to add our own data </a:t>
-            </a:r>
-          </a:p>
-          <a:p>
-            <a:pPr marL="0" indent="0">
-              <a:buNone/>
-            </a:pPr>
-            <a:r>
-              <a:rPr lang="en-GB" b="1" dirty="0" smtClean="0"/>
-              <a:t>and extras to this output to help with our analysis.</a:t>
-            </a:r>
-            <a:endParaRPr lang="en-US" b="1" dirty="0"/>
+            <a:endParaRPr lang="en-US" dirty="0"/>
+          </a:p>
+        </p:txBody>
+      </p:sp>
+      <p:pic>
+        <p:nvPicPr>
+          <p:cNvPr id="4" name="Picture 3"/>
+          <p:cNvPicPr>
+            <a:picLocks noChangeAspect="1"/>
+          </p:cNvPicPr>
+          <p:nvPr/>
+        </p:nvPicPr>
+        <p:blipFill>
+          <a:blip r:embed="rId2">
+            <a:extLst>
+              <a:ext uri="{28A0092B-C50C-407E-A947-70E740481C1C}">
+                <a14:useLocalDpi xmlns:a14="http://schemas.microsoft.com/office/drawing/2010/main" val="0"/>
+              </a:ext>
+            </a:extLst>
+          </a:blip>
+          <a:stretch>
+            <a:fillRect/>
+          </a:stretch>
+        </p:blipFill>
+        <p:spPr>
+          <a:xfrm>
+            <a:off x="1918048" y="1916832"/>
+            <a:ext cx="4544059" cy="819264"/>
+          </a:xfrm>
+          <a:prstGeom prst="rect">
+            <a:avLst/>
+          </a:prstGeom>
+        </p:spPr>
+      </p:pic>
+      <p:sp>
+        <p:nvSpPr>
+          <p:cNvPr id="5" name="TextBox 4"/>
+          <p:cNvSpPr txBox="1"/>
+          <p:nvPr/>
+        </p:nvSpPr>
+        <p:spPr>
+          <a:xfrm>
+            <a:off x="395536" y="2111020"/>
+            <a:ext cx="1104075" cy="430887"/>
+          </a:xfrm>
+          <a:prstGeom prst="rect">
+            <a:avLst/>
+          </a:prstGeom>
+          <a:noFill/>
+        </p:spPr>
+        <p:txBody>
+          <a:bodyPr wrap="square" rtlCol="0">
+            <a:spAutoFit/>
+          </a:bodyPr>
+          <a:lstStyle/>
+          <a:p>
+            <a:pPr algn="ctr"/>
+            <a:r>
+              <a:rPr lang="en-GB" sz="1100" dirty="0" smtClean="0"/>
+              <a:t>Experiment starts here</a:t>
+            </a:r>
+            <a:endParaRPr lang="en-US" sz="1100" dirty="0"/>
+          </a:p>
+        </p:txBody>
+      </p:sp>
+      <p:sp>
+        <p:nvSpPr>
+          <p:cNvPr id="6" name="TextBox 5"/>
+          <p:cNvSpPr txBox="1"/>
+          <p:nvPr/>
+        </p:nvSpPr>
+        <p:spPr>
+          <a:xfrm>
+            <a:off x="6742584" y="2111019"/>
+            <a:ext cx="1104075" cy="430887"/>
+          </a:xfrm>
+          <a:prstGeom prst="rect">
+            <a:avLst/>
+          </a:prstGeom>
+          <a:noFill/>
+        </p:spPr>
+        <p:txBody>
+          <a:bodyPr wrap="square" rtlCol="0">
+            <a:spAutoFit/>
+          </a:bodyPr>
+          <a:lstStyle/>
+          <a:p>
+            <a:pPr algn="ctr"/>
+            <a:r>
+              <a:rPr lang="en-GB" sz="1100" dirty="0" smtClean="0"/>
+              <a:t>And ends </a:t>
+            </a:r>
+          </a:p>
+          <a:p>
+            <a:pPr algn="ctr"/>
+            <a:r>
+              <a:rPr lang="en-GB" sz="1100" dirty="0" smtClean="0"/>
+              <a:t>here</a:t>
+            </a:r>
+            <a:endParaRPr lang="en-US" sz="1100" dirty="0"/>
+          </a:p>
+        </p:txBody>
+      </p:sp>
+      <p:cxnSp>
+        <p:nvCxnSpPr>
+          <p:cNvPr id="8" name="Straight Arrow Connector 7"/>
+          <p:cNvCxnSpPr>
+            <a:stCxn id="5" idx="3"/>
+          </p:cNvCxnSpPr>
+          <p:nvPr/>
+        </p:nvCxnSpPr>
+        <p:spPr>
+          <a:xfrm flipV="1">
+            <a:off x="1499611" y="2111019"/>
+            <a:ext cx="562453" cy="215445"/>
+          </a:xfrm>
+          <a:prstGeom prst="straightConnector1">
+            <a:avLst/>
+          </a:prstGeom>
+          <a:ln>
+            <a:tailEnd type="triangle"/>
+          </a:ln>
+        </p:spPr>
+        <p:style>
+          <a:lnRef idx="1">
+            <a:schemeClr val="accent1"/>
+          </a:lnRef>
+          <a:fillRef idx="0">
+            <a:schemeClr val="accent1"/>
+          </a:fillRef>
+          <a:effectRef idx="0">
+            <a:schemeClr val="accent1"/>
+          </a:effectRef>
+          <a:fontRef idx="minor">
+            <a:schemeClr val="tx1"/>
+          </a:fontRef>
+        </p:style>
+      </p:cxnSp>
+      <p:cxnSp>
+        <p:nvCxnSpPr>
+          <p:cNvPr id="9" name="Straight Arrow Connector 8"/>
+          <p:cNvCxnSpPr/>
+          <p:nvPr/>
+        </p:nvCxnSpPr>
+        <p:spPr>
+          <a:xfrm flipH="1" flipV="1">
+            <a:off x="6462107" y="2111020"/>
+            <a:ext cx="424493" cy="215442"/>
+          </a:xfrm>
+          <a:prstGeom prst="straightConnector1">
+            <a:avLst/>
+          </a:prstGeom>
+          <a:ln>
+            <a:tailEnd type="triangle"/>
+          </a:ln>
+        </p:spPr>
+        <p:style>
+          <a:lnRef idx="1">
+            <a:schemeClr val="accent1"/>
+          </a:lnRef>
+          <a:fillRef idx="0">
+            <a:schemeClr val="accent1"/>
+          </a:fillRef>
+          <a:effectRef idx="0">
+            <a:schemeClr val="accent1"/>
+          </a:effectRef>
+          <a:fontRef idx="minor">
+            <a:schemeClr val="tx1"/>
+          </a:fontRef>
+        </p:style>
+      </p:cxnSp>
+      <p:pic>
+        <p:nvPicPr>
+          <p:cNvPr id="12" name="Picture 11"/>
+          <p:cNvPicPr>
+            <a:picLocks noChangeAspect="1"/>
+          </p:cNvPicPr>
+          <p:nvPr/>
+        </p:nvPicPr>
+        <p:blipFill rotWithShape="1">
+          <a:blip r:embed="rId3">
+            <a:extLst>
+              <a:ext uri="{28A0092B-C50C-407E-A947-70E740481C1C}">
+                <a14:useLocalDpi xmlns:a14="http://schemas.microsoft.com/office/drawing/2010/main" val="0"/>
+              </a:ext>
+            </a:extLst>
+          </a:blip>
+          <a:srcRect b="58820"/>
+          <a:stretch/>
+        </p:blipFill>
+        <p:spPr>
+          <a:xfrm>
+            <a:off x="4572000" y="5592487"/>
+            <a:ext cx="1858110" cy="895804"/>
+          </a:xfrm>
+          <a:prstGeom prst="rect">
+            <a:avLst/>
+          </a:prstGeom>
+        </p:spPr>
+      </p:pic>
+      <p:pic>
+        <p:nvPicPr>
+          <p:cNvPr id="13" name="Picture 12"/>
+          <p:cNvPicPr>
+            <a:picLocks noChangeAspect="1"/>
+          </p:cNvPicPr>
+          <p:nvPr/>
+        </p:nvPicPr>
+        <p:blipFill>
+          <a:blip r:embed="rId4">
+            <a:extLst>
+              <a:ext uri="{28A0092B-C50C-407E-A947-70E740481C1C}">
+                <a14:useLocalDpi xmlns:a14="http://schemas.microsoft.com/office/drawing/2010/main" val="0"/>
+              </a:ext>
+            </a:extLst>
+          </a:blip>
+          <a:stretch>
+            <a:fillRect/>
+          </a:stretch>
+        </p:blipFill>
+        <p:spPr>
+          <a:xfrm>
+            <a:off x="1690418" y="3854936"/>
+            <a:ext cx="4771689" cy="1361271"/>
+          </a:xfrm>
+          <a:prstGeom prst="rect">
+            <a:avLst/>
+          </a:prstGeom>
+        </p:spPr>
+      </p:pic>
+      <p:cxnSp>
+        <p:nvCxnSpPr>
+          <p:cNvPr id="14" name="Straight Arrow Connector 13"/>
+          <p:cNvCxnSpPr/>
+          <p:nvPr/>
+        </p:nvCxnSpPr>
+        <p:spPr>
+          <a:xfrm flipV="1">
+            <a:off x="1499611" y="4354186"/>
+            <a:ext cx="699663" cy="181385"/>
+          </a:xfrm>
+          <a:prstGeom prst="straightConnector1">
+            <a:avLst/>
+          </a:prstGeom>
+          <a:ln>
+            <a:tailEnd type="triangle"/>
+          </a:ln>
+        </p:spPr>
+        <p:style>
+          <a:lnRef idx="1">
+            <a:schemeClr val="accent1"/>
+          </a:lnRef>
+          <a:fillRef idx="0">
+            <a:schemeClr val="accent1"/>
+          </a:fillRef>
+          <a:effectRef idx="0">
+            <a:schemeClr val="accent1"/>
+          </a:effectRef>
+          <a:fontRef idx="minor">
+            <a:schemeClr val="tx1"/>
+          </a:fontRef>
+        </p:style>
+      </p:cxnSp>
+      <p:cxnSp>
+        <p:nvCxnSpPr>
+          <p:cNvPr id="16" name="Straight Arrow Connector 15"/>
+          <p:cNvCxnSpPr/>
+          <p:nvPr/>
+        </p:nvCxnSpPr>
+        <p:spPr>
+          <a:xfrm flipH="1">
+            <a:off x="2771800" y="3732640"/>
+            <a:ext cx="11561" cy="170700"/>
+          </a:xfrm>
+          <a:prstGeom prst="straightConnector1">
+            <a:avLst/>
+          </a:prstGeom>
+          <a:ln>
+            <a:tailEnd type="triangle"/>
+          </a:ln>
+        </p:spPr>
+        <p:style>
+          <a:lnRef idx="1">
+            <a:schemeClr val="accent1"/>
+          </a:lnRef>
+          <a:fillRef idx="0">
+            <a:schemeClr val="accent1"/>
+          </a:fillRef>
+          <a:effectRef idx="0">
+            <a:schemeClr val="accent1"/>
+          </a:effectRef>
+          <a:fontRef idx="minor">
+            <a:schemeClr val="tx1"/>
+          </a:fontRef>
+        </p:style>
+      </p:cxnSp>
+      <p:cxnSp>
+        <p:nvCxnSpPr>
+          <p:cNvPr id="18" name="Straight Arrow Connector 17"/>
+          <p:cNvCxnSpPr/>
+          <p:nvPr/>
+        </p:nvCxnSpPr>
+        <p:spPr>
+          <a:xfrm flipH="1">
+            <a:off x="6536368" y="4444878"/>
+            <a:ext cx="350232" cy="90693"/>
+          </a:xfrm>
+          <a:prstGeom prst="straightConnector1">
+            <a:avLst/>
+          </a:prstGeom>
+          <a:ln>
+            <a:tailEnd type="triangle"/>
+          </a:ln>
+        </p:spPr>
+        <p:style>
+          <a:lnRef idx="1">
+            <a:schemeClr val="accent1"/>
+          </a:lnRef>
+          <a:fillRef idx="0">
+            <a:schemeClr val="accent1"/>
+          </a:fillRef>
+          <a:effectRef idx="0">
+            <a:schemeClr val="accent1"/>
+          </a:effectRef>
+          <a:fontRef idx="minor">
+            <a:schemeClr val="tx1"/>
+          </a:fontRef>
+        </p:style>
+      </p:cxnSp>
+      <p:cxnSp>
+        <p:nvCxnSpPr>
+          <p:cNvPr id="20" name="Straight Arrow Connector 19"/>
+          <p:cNvCxnSpPr/>
+          <p:nvPr/>
+        </p:nvCxnSpPr>
+        <p:spPr>
+          <a:xfrm flipH="1">
+            <a:off x="4427986" y="3796929"/>
+            <a:ext cx="399392" cy="738642"/>
+          </a:xfrm>
+          <a:prstGeom prst="straightConnector1">
+            <a:avLst/>
+          </a:prstGeom>
+          <a:ln>
+            <a:tailEnd type="triangle"/>
+          </a:ln>
+        </p:spPr>
+        <p:style>
+          <a:lnRef idx="1">
+            <a:schemeClr val="accent1"/>
+          </a:lnRef>
+          <a:fillRef idx="0">
+            <a:schemeClr val="accent1"/>
+          </a:fillRef>
+          <a:effectRef idx="0">
+            <a:schemeClr val="accent1"/>
+          </a:effectRef>
+          <a:fontRef idx="minor">
+            <a:schemeClr val="tx1"/>
+          </a:fontRef>
+        </p:style>
+      </p:cxnSp>
+      <p:sp>
+        <p:nvSpPr>
+          <p:cNvPr id="24" name="TextBox 23"/>
+          <p:cNvSpPr txBox="1"/>
+          <p:nvPr/>
+        </p:nvSpPr>
+        <p:spPr>
+          <a:xfrm>
+            <a:off x="2211106" y="3516248"/>
+            <a:ext cx="1104075" cy="261610"/>
+          </a:xfrm>
+          <a:prstGeom prst="rect">
+            <a:avLst/>
+          </a:prstGeom>
+          <a:noFill/>
+        </p:spPr>
+        <p:txBody>
+          <a:bodyPr wrap="square" rtlCol="0">
+            <a:spAutoFit/>
+          </a:bodyPr>
+          <a:lstStyle/>
+          <a:p>
+            <a:pPr algn="ctr"/>
+            <a:r>
+              <a:rPr lang="en-GB" sz="1100" dirty="0" smtClean="0"/>
+              <a:t>Timeline start</a:t>
+            </a:r>
+            <a:endParaRPr lang="en-US" sz="1100" dirty="0"/>
+          </a:p>
+        </p:txBody>
+      </p:sp>
+      <p:sp>
+        <p:nvSpPr>
+          <p:cNvPr id="25" name="TextBox 24"/>
+          <p:cNvSpPr txBox="1"/>
+          <p:nvPr/>
+        </p:nvSpPr>
+        <p:spPr>
+          <a:xfrm>
+            <a:off x="457200" y="3846354"/>
+            <a:ext cx="1104075" cy="1446550"/>
+          </a:xfrm>
+          <a:prstGeom prst="rect">
+            <a:avLst/>
+          </a:prstGeom>
+          <a:noFill/>
+        </p:spPr>
+        <p:txBody>
+          <a:bodyPr wrap="square" rtlCol="0">
+            <a:spAutoFit/>
+          </a:bodyPr>
+          <a:lstStyle/>
+          <a:p>
+            <a:pPr algn="ctr"/>
+            <a:r>
+              <a:rPr lang="en-GB" sz="1100" dirty="0" smtClean="0"/>
+              <a:t>Components on the timeline</a:t>
+            </a:r>
+          </a:p>
+          <a:p>
+            <a:pPr algn="ctr"/>
+            <a:endParaRPr lang="en-GB" sz="1100" dirty="0"/>
+          </a:p>
+          <a:p>
+            <a:pPr algn="ctr"/>
+            <a:r>
+              <a:rPr lang="en-GB" sz="1100" dirty="0" smtClean="0"/>
+              <a:t>Drawing order is top first, when items drawn at same time!</a:t>
+            </a:r>
+            <a:endParaRPr lang="en-US" sz="1100" dirty="0"/>
+          </a:p>
+        </p:txBody>
+      </p:sp>
+      <p:sp>
+        <p:nvSpPr>
+          <p:cNvPr id="26" name="TextBox 25"/>
+          <p:cNvSpPr txBox="1"/>
+          <p:nvPr/>
+        </p:nvSpPr>
+        <p:spPr>
+          <a:xfrm>
+            <a:off x="4792314" y="3554787"/>
+            <a:ext cx="2973947" cy="261610"/>
+          </a:xfrm>
+          <a:prstGeom prst="rect">
+            <a:avLst/>
+          </a:prstGeom>
+          <a:noFill/>
+        </p:spPr>
+        <p:txBody>
+          <a:bodyPr wrap="square" rtlCol="0">
+            <a:spAutoFit/>
+          </a:bodyPr>
+          <a:lstStyle/>
+          <a:p>
+            <a:r>
+              <a:rPr lang="en-GB" sz="1100" dirty="0" smtClean="0"/>
+              <a:t>Components set to start after 1 second</a:t>
+            </a:r>
+            <a:endParaRPr lang="en-US" sz="1100" dirty="0"/>
+          </a:p>
+        </p:txBody>
+      </p:sp>
+      <p:cxnSp>
+        <p:nvCxnSpPr>
+          <p:cNvPr id="27" name="Straight Arrow Connector 26"/>
+          <p:cNvCxnSpPr/>
+          <p:nvPr/>
+        </p:nvCxnSpPr>
+        <p:spPr>
+          <a:xfrm>
+            <a:off x="4190077" y="3765295"/>
+            <a:ext cx="216713" cy="295385"/>
+          </a:xfrm>
+          <a:prstGeom prst="straightConnector1">
+            <a:avLst/>
+          </a:prstGeom>
+          <a:ln>
+            <a:tailEnd type="triangle"/>
+          </a:ln>
+        </p:spPr>
+        <p:style>
+          <a:lnRef idx="1">
+            <a:schemeClr val="accent1"/>
+          </a:lnRef>
+          <a:fillRef idx="0">
+            <a:schemeClr val="accent1"/>
+          </a:fillRef>
+          <a:effectRef idx="0">
+            <a:schemeClr val="accent1"/>
+          </a:effectRef>
+          <a:fontRef idx="minor">
+            <a:schemeClr val="tx1"/>
+          </a:fontRef>
+        </p:style>
+      </p:cxnSp>
+      <p:sp>
+        <p:nvSpPr>
+          <p:cNvPr id="29" name="TextBox 28"/>
+          <p:cNvSpPr txBox="1"/>
+          <p:nvPr/>
+        </p:nvSpPr>
+        <p:spPr>
+          <a:xfrm>
+            <a:off x="3414011" y="3535319"/>
+            <a:ext cx="1314537" cy="261610"/>
+          </a:xfrm>
+          <a:prstGeom prst="rect">
+            <a:avLst/>
+          </a:prstGeom>
+          <a:noFill/>
+        </p:spPr>
+        <p:txBody>
+          <a:bodyPr wrap="square" rtlCol="0">
+            <a:spAutoFit/>
+          </a:bodyPr>
+          <a:lstStyle/>
+          <a:p>
+            <a:pPr algn="ctr"/>
+            <a:r>
+              <a:rPr lang="en-GB" sz="1100" dirty="0" smtClean="0"/>
+              <a:t>Fixation finishes</a:t>
+            </a:r>
+            <a:endParaRPr lang="en-US" sz="1100" dirty="0"/>
+          </a:p>
+        </p:txBody>
+      </p:sp>
+      <p:sp>
+        <p:nvSpPr>
+          <p:cNvPr id="31" name="TextBox 30"/>
+          <p:cNvSpPr txBox="1"/>
+          <p:nvPr/>
+        </p:nvSpPr>
+        <p:spPr>
+          <a:xfrm>
+            <a:off x="6779566" y="4030358"/>
+            <a:ext cx="1314537" cy="1277273"/>
+          </a:xfrm>
+          <a:prstGeom prst="rect">
+            <a:avLst/>
+          </a:prstGeom>
+          <a:noFill/>
+        </p:spPr>
+        <p:txBody>
+          <a:bodyPr wrap="square" rtlCol="0">
+            <a:spAutoFit/>
+          </a:bodyPr>
+          <a:lstStyle/>
+          <a:p>
+            <a:pPr algn="ctr"/>
+            <a:r>
+              <a:rPr lang="en-GB" sz="1100" dirty="0" smtClean="0"/>
+              <a:t>Both these components end times are “open-ended”</a:t>
+            </a:r>
+          </a:p>
+          <a:p>
+            <a:pPr algn="ctr"/>
+            <a:endParaRPr lang="en-GB" sz="1100" dirty="0"/>
+          </a:p>
+          <a:p>
+            <a:pPr algn="ctr"/>
+            <a:r>
+              <a:rPr lang="en-GB" sz="1100" dirty="0" smtClean="0"/>
+              <a:t>Finishes, when user responds!</a:t>
+            </a:r>
+            <a:endParaRPr lang="en-US" sz="1100" dirty="0"/>
           </a:p>
         </p:txBody>
       </p:sp>
     </p:spTree>
     <p:extLst>
       <p:ext uri="{BB962C8B-B14F-4D97-AF65-F5344CB8AC3E}">
-        <p14:creationId xmlns:p14="http://schemas.microsoft.com/office/powerpoint/2010/main" val="541038943"/>
+        <p14:creationId xmlns:p14="http://schemas.microsoft.com/office/powerpoint/2010/main" val="819842351"/>
       </p:ext>
     </p:extLst>
   </p:cSld>
@@ -7918,29 +9134,19 @@
             <p:ph type="title"/>
           </p:nvPr>
         </p:nvSpPr>
-        <p:spPr/>
-        <p:txBody>
-          <a:bodyPr>
-            <a:normAutofit fontScale="90000"/>
-          </a:bodyPr>
+        <p:spPr>
+          <a:xfrm>
+            <a:off x="457200" y="274637"/>
+            <a:ext cx="8229600" cy="850107"/>
+          </a:xfrm>
+        </p:spPr>
+        <p:txBody>
+          <a:bodyPr/>
           <a:lstStyle/>
           <a:p>
             <a:r>
-              <a:rPr lang="en-GB" dirty="0"/>
-              <a:t>Demo: </a:t>
-            </a:r>
-            <a:br>
-              <a:rPr lang="en-GB" dirty="0"/>
-            </a:br>
-            <a:r>
-              <a:rPr lang="en-GB" dirty="0" smtClean="0">
-                <a:solidFill>
-                  <a:schemeClr val="accent1">
-                    <a:lumMod val="75000"/>
-                  </a:schemeClr>
-                </a:solidFill>
-              </a:rPr>
-              <a:t>Overview of the interface</a:t>
+              <a:rPr lang="en-GB" dirty="0" smtClean="0"/>
+              <a:t>Key components</a:t>
             </a:r>
             <a:endParaRPr lang="en-US" dirty="0"/>
           </a:p>
@@ -7956,7 +9162,12 @@
             <p:ph type="body" idx="1"/>
           </p:nvPr>
         </p:nvSpPr>
-        <p:spPr/>
+        <p:spPr>
+          <a:xfrm>
+            <a:off x="457200" y="1196752"/>
+            <a:ext cx="8229600" cy="5400600"/>
+          </a:xfrm>
+        </p:spPr>
         <p:txBody>
           <a:bodyPr>
             <a:normAutofit/>
@@ -7968,7 +9179,28 @@
             </a:pPr>
             <a:r>
               <a:rPr lang="en-GB" dirty="0" smtClean="0"/>
-              <a:t>Lets take a look at some of the basics of the interface:</a:t>
+              <a:t>A quick look at a few of the key and basic components you can use:</a:t>
+            </a:r>
+          </a:p>
+          <a:p>
+            <a:endParaRPr lang="en-GB" dirty="0"/>
+          </a:p>
+          <a:p>
+            <a:r>
+              <a:rPr lang="en-GB" b="1" dirty="0" smtClean="0"/>
+              <a:t>Text </a:t>
+            </a:r>
+            <a:r>
+              <a:rPr lang="en-GB" b="1" dirty="0" smtClean="0"/>
+              <a:t>box </a:t>
+            </a:r>
+            <a:r>
+              <a:rPr lang="en-GB" dirty="0" smtClean="0"/>
+              <a:t>(display component</a:t>
+            </a:r>
+            <a:r>
+              <a:rPr lang="en-GB" dirty="0" smtClean="0"/>
+              <a:t>)</a:t>
             </a:r>
           </a:p>
           <a:p>
@@ -7979,14 +9211,16 @@
           </a:p>
           <a:p>
             <a:r>
+              <a:rPr lang="en-GB" b="1" dirty="0" smtClean="0"/>
+              <a:t>Keyboard</a:t>
+            </a:r>
+            <a:r>
               <a:rPr lang="en-GB" dirty="0" smtClean="0"/>
-              <a:t>Menus (key items)</a:t>
-            </a:r>
-          </a:p>
-          <a:p>
+              <a:t> </a:t>
+            </a:r>
             <a:r>
               <a:rPr lang="en-GB" dirty="0" smtClean="0"/>
-              <a:t>Experiment flow</a:t>
+              <a:t>(response component)</a:t>
             </a:r>
           </a:p>
           <a:p>
@@ -7995,83 +9229,18 @@
               <a:buChar char="§"/>
             </a:pPr>
             <a:r>
-              <a:rPr lang="en" sz="1800" dirty="0"/>
-              <a:t>sequential order of </a:t>
-            </a:r>
-            <a:r>
-              <a:rPr lang="en" sz="1800" dirty="0" smtClean="0"/>
-              <a:t>execution</a:t>
-            </a:r>
-            <a:endParaRPr lang="en-GB" sz="1800" dirty="0" smtClean="0"/>
-          </a:p>
-          <a:p>
+              <a:rPr lang="en-GB" sz="1800" dirty="0" smtClean="0"/>
+              <a:t>Can record data automatically in results file</a:t>
+            </a:r>
+          </a:p>
+          <a:p>
+            <a:r>
+              <a:rPr lang="en-GB" b="1" dirty="0" smtClean="0"/>
+              <a:t>Mouse</a:t>
+            </a:r>
             <a:r>
               <a:rPr lang="en-GB" dirty="0" smtClean="0"/>
-              <a:t>Routines</a:t>
-            </a:r>
-          </a:p>
-          <a:p>
-            <a:pPr marL="819150" lvl="1">
-              <a:buClr>
-                <a:schemeClr val="dk1"/>
-              </a:buClr>
-              <a:buFont typeface="Wingdings" panose="05000000000000000000" pitchFamily="2" charset="2"/>
-              <a:buChar char="§"/>
-            </a:pPr>
-            <a:r>
-              <a:rPr lang="en" sz="1800" dirty="0"/>
-              <a:t>one tab per routine</a:t>
-            </a:r>
-          </a:p>
-          <a:p>
-            <a:pPr marL="1276350" lvl="2" indent="-285750">
-              <a:buClr>
-                <a:schemeClr val="dk1"/>
-              </a:buClr>
-              <a:buFont typeface="Wingdings" panose="05000000000000000000" pitchFamily="2" charset="2"/>
-              <a:buChar char="§"/>
-            </a:pPr>
-            <a:r>
-              <a:rPr lang="en" sz="1800" dirty="0"/>
-              <a:t>components in this routine</a:t>
-            </a:r>
-          </a:p>
-          <a:p>
-            <a:pPr marL="1276350" lvl="2" indent="-285750">
-              <a:buClr>
-                <a:srgbClr val="FF0000"/>
-              </a:buClr>
-              <a:buFont typeface="Wingdings" panose="05000000000000000000" pitchFamily="2" charset="2"/>
-              <a:buChar char="§"/>
-            </a:pPr>
-            <a:r>
-              <a:rPr lang="en" sz="1800" dirty="0">
-                <a:solidFill>
-                  <a:srgbClr val="FF0000"/>
-                </a:solidFill>
-                <a:ea typeface="Calibri"/>
-                <a:cs typeface="Calibri"/>
-                <a:sym typeface="Calibri"/>
-              </a:rPr>
-              <a:t>WARNING: closing a TAB deletes the routine</a:t>
-            </a:r>
-            <a:r>
-              <a:rPr lang="en" sz="1800" dirty="0" smtClean="0">
-                <a:solidFill>
-                  <a:srgbClr val="FF0000"/>
-                </a:solidFill>
-                <a:ea typeface="Calibri"/>
-                <a:cs typeface="Calibri"/>
-                <a:sym typeface="Calibri"/>
-              </a:rPr>
-              <a:t>!</a:t>
-            </a:r>
-            <a:endParaRPr lang="en-GB" sz="1800" dirty="0" smtClean="0"/>
-          </a:p>
-          <a:p>
-            <a:r>
-              <a:rPr lang="en-GB" dirty="0" smtClean="0"/>
-              <a:t>Routine timelines</a:t>
+              <a:t> (response component)</a:t>
             </a:r>
           </a:p>
           <a:p>
@@ -8080,23 +9249,18 @@
               <a:buChar char="§"/>
             </a:pPr>
             <a:r>
-              <a:rPr lang="en" sz="1600" dirty="0" smtClean="0"/>
-              <a:t>Concurrent </a:t>
-            </a:r>
-            <a:r>
-              <a:rPr lang="en" sz="1600" dirty="0"/>
-              <a:t>objects/components controlled by </a:t>
-            </a:r>
-            <a:r>
-              <a:rPr lang="en" sz="1600" dirty="0" smtClean="0"/>
-              <a:t>start/duration</a:t>
-            </a:r>
-            <a:endParaRPr lang="en-GB" sz="1600" dirty="0" smtClean="0"/>
-          </a:p>
-          <a:p>
+              <a:rPr lang="en-GB" sz="1800" dirty="0" smtClean="0"/>
+              <a:t>Can record data automatically in results file</a:t>
+            </a:r>
+          </a:p>
+          <a:p>
+            <a:r>
+              <a:rPr lang="en-GB" b="1" dirty="0" smtClean="0"/>
+              <a:t>Loops</a:t>
+            </a:r>
             <a:r>
               <a:rPr lang="en-GB" dirty="0" smtClean="0"/>
-              <a:t>Components</a:t>
+              <a:t> (flow component)</a:t>
             </a:r>
           </a:p>
           <a:p>
@@ -8105,32 +9269,302 @@
               <a:buChar char="§"/>
             </a:pPr>
             <a:r>
-              <a:rPr lang="en" sz="1800" dirty="0"/>
-              <a:t>5 sections - drop-down menus</a:t>
-            </a:r>
-          </a:p>
-          <a:p>
-            <a:pPr lvl="1">
-              <a:buFont typeface="Wingdings" panose="05000000000000000000" pitchFamily="2" charset="2"/>
-              <a:buChar char="§"/>
-            </a:pPr>
-            <a:r>
               <a:rPr lang="en-GB" sz="1800" dirty="0" smtClean="0"/>
-              <a:t>More details coming up…</a:t>
-            </a:r>
-          </a:p>
-          <a:p>
-            <a:pPr marL="0" indent="0">
-              <a:buNone/>
+              <a:t>Data feeds and repetitions</a:t>
+            </a:r>
+          </a:p>
+          <a:p>
+            <a:pPr marL="0" lvl="2" indent="0">
+              <a:buNone/>
+            </a:pPr>
+            <a:endParaRPr lang="en-GB" sz="1800" dirty="0" smtClean="0"/>
+          </a:p>
+          <a:p>
+            <a:pPr marL="0" lvl="2" indent="0">
+              <a:buNone/>
+            </a:pPr>
+            <a:endParaRPr lang="en-GB" sz="1800" dirty="0" smtClean="0"/>
+          </a:p>
+          <a:p>
+            <a:pPr marL="0" lvl="2" indent="0">
+              <a:buNone/>
+            </a:pPr>
+            <a:endParaRPr lang="en-GB" sz="1800" b="1" dirty="0" smtClean="0">
+              <a:solidFill>
+                <a:srgbClr val="7030A0"/>
+              </a:solidFill>
+            </a:endParaRPr>
+          </a:p>
+          <a:p>
+            <a:pPr marL="0" lvl="2" indent="0">
+              <a:buNone/>
+            </a:pPr>
+            <a:endParaRPr lang="en-GB" sz="1800" b="1" dirty="0" smtClean="0">
+              <a:solidFill>
+                <a:srgbClr val="7030A0"/>
+              </a:solidFill>
+            </a:endParaRPr>
+          </a:p>
+          <a:p>
+            <a:pPr marL="0" lvl="2" indent="0">
+              <a:buNone/>
+            </a:pPr>
+            <a:r>
+              <a:rPr lang="en-GB" sz="1800" b="1" dirty="0" smtClean="0">
+                <a:solidFill>
+                  <a:srgbClr val="7030A0"/>
+                </a:solidFill>
+              </a:rPr>
+              <a:t>When </a:t>
+            </a:r>
+            <a:r>
+              <a:rPr lang="en-GB" sz="1800" b="1" dirty="0" smtClean="0">
+                <a:solidFill>
+                  <a:srgbClr val="7030A0"/>
+                </a:solidFill>
+              </a:rPr>
+              <a:t>you add a component, you must give it a sensible name</a:t>
+            </a:r>
+          </a:p>
+          <a:p>
+            <a:pPr marL="0" lvl="2" indent="0">
+              <a:buNone/>
+            </a:pPr>
+            <a:r>
+              <a:rPr lang="en-GB" sz="1800" b="1" dirty="0" smtClean="0">
+                <a:solidFill>
+                  <a:srgbClr val="7030A0"/>
+                </a:solidFill>
+              </a:rPr>
+              <a:t>(No spaces, something meaningful so you remember what it is!)</a:t>
+            </a:r>
+          </a:p>
+          <a:p>
+            <a:pPr marL="0" lvl="2" indent="0">
+              <a:buNone/>
+            </a:pPr>
+            <a:endParaRPr lang="en-GB" sz="1800" dirty="0"/>
+          </a:p>
+          <a:p>
+            <a:pPr marL="0" lvl="2" indent="0">
+              <a:buNone/>
+            </a:pPr>
+            <a:r>
+              <a:rPr lang="en-GB" sz="1800" dirty="0" smtClean="0"/>
+              <a:t>Each component comes with its own set of properties and attributes</a:t>
+            </a:r>
+          </a:p>
+          <a:p>
+            <a:pPr marL="0" lvl="2" indent="0">
+              <a:buNone/>
+            </a:pPr>
+            <a:r>
+              <a:rPr lang="en-GB" sz="1800" dirty="0" smtClean="0"/>
+              <a:t>These allow us to make them do different things</a:t>
+            </a:r>
+            <a:r>
+              <a:rPr lang="en-GB" sz="1800" dirty="0" smtClean="0"/>
+              <a:t>.</a:t>
+            </a:r>
+            <a:endParaRPr lang="en-GB" dirty="0" smtClean="0"/>
+          </a:p>
+          <a:p>
+            <a:pPr marL="457200" lvl="3" indent="-457200">
+              <a:buFont typeface="Arial" panose="020B0604020202020204" pitchFamily="34" charset="0"/>
+              <a:buChar char="•"/>
             </a:pPr>
             <a:endParaRPr lang="en-US" dirty="0"/>
+          </a:p>
+        </p:txBody>
+      </p:sp>
+      <p:pic>
+        <p:nvPicPr>
+          <p:cNvPr id="4" name="Picture 3"/>
+          <p:cNvPicPr>
+            <a:picLocks noChangeAspect="1"/>
+          </p:cNvPicPr>
+          <p:nvPr/>
+        </p:nvPicPr>
+        <p:blipFill>
+          <a:blip r:embed="rId2">
+            <a:extLst>
+              <a:ext uri="{28A0092B-C50C-407E-A947-70E740481C1C}">
+                <a14:useLocalDpi xmlns:a14="http://schemas.microsoft.com/office/drawing/2010/main" val="0"/>
+              </a:ext>
+            </a:extLst>
+          </a:blip>
+          <a:stretch>
+            <a:fillRect/>
+          </a:stretch>
+        </p:blipFill>
+        <p:spPr>
+          <a:xfrm>
+            <a:off x="3995935" y="1916832"/>
+            <a:ext cx="444132" cy="429806"/>
+          </a:xfrm>
+          <a:prstGeom prst="rect">
+            <a:avLst/>
+          </a:prstGeom>
+        </p:spPr>
+      </p:pic>
+      <p:pic>
+        <p:nvPicPr>
+          <p:cNvPr id="5" name="Picture 4"/>
+          <p:cNvPicPr>
+            <a:picLocks noChangeAspect="1"/>
+          </p:cNvPicPr>
+          <p:nvPr/>
+        </p:nvPicPr>
+        <p:blipFill>
+          <a:blip r:embed="rId3">
+            <a:extLst>
+              <a:ext uri="{28A0092B-C50C-407E-A947-70E740481C1C}">
+                <a14:useLocalDpi xmlns:a14="http://schemas.microsoft.com/office/drawing/2010/main" val="0"/>
+              </a:ext>
+            </a:extLst>
+          </a:blip>
+          <a:stretch>
+            <a:fillRect/>
+          </a:stretch>
+        </p:blipFill>
+        <p:spPr>
+          <a:xfrm>
+            <a:off x="5861098" y="2492896"/>
+            <a:ext cx="422760" cy="429806"/>
+          </a:xfrm>
+          <a:prstGeom prst="rect">
+            <a:avLst/>
+          </a:prstGeom>
+        </p:spPr>
+      </p:pic>
+      <p:pic>
+        <p:nvPicPr>
+          <p:cNvPr id="7" name="Picture 6"/>
+          <p:cNvPicPr>
+            <a:picLocks noChangeAspect="1"/>
+          </p:cNvPicPr>
+          <p:nvPr/>
+        </p:nvPicPr>
+        <p:blipFill>
+          <a:blip r:embed="rId4">
+            <a:extLst>
+              <a:ext uri="{28A0092B-C50C-407E-A947-70E740481C1C}">
+                <a14:useLocalDpi xmlns:a14="http://schemas.microsoft.com/office/drawing/2010/main" val="0"/>
+              </a:ext>
+            </a:extLst>
+          </a:blip>
+          <a:stretch>
+            <a:fillRect/>
+          </a:stretch>
+        </p:blipFill>
+        <p:spPr>
+          <a:xfrm>
+            <a:off x="5854052" y="2994710"/>
+            <a:ext cx="429806" cy="429806"/>
+          </a:xfrm>
+          <a:prstGeom prst="rect">
+            <a:avLst/>
+          </a:prstGeom>
+        </p:spPr>
+      </p:pic>
+      <p:pic>
+        <p:nvPicPr>
+          <p:cNvPr id="8" name="Picture 7"/>
+          <p:cNvPicPr>
+            <a:picLocks noChangeAspect="1"/>
+          </p:cNvPicPr>
+          <p:nvPr/>
+        </p:nvPicPr>
+        <p:blipFill>
+          <a:blip r:embed="rId5">
+            <a:extLst>
+              <a:ext uri="{28A0092B-C50C-407E-A947-70E740481C1C}">
+                <a14:useLocalDpi xmlns:a14="http://schemas.microsoft.com/office/drawing/2010/main" val="0"/>
+              </a:ext>
+            </a:extLst>
+          </a:blip>
+          <a:stretch>
+            <a:fillRect/>
+          </a:stretch>
+        </p:blipFill>
+        <p:spPr>
+          <a:xfrm>
+            <a:off x="4283968" y="3653438"/>
+            <a:ext cx="3596305" cy="1154370"/>
+          </a:xfrm>
+          <a:prstGeom prst="rect">
+            <a:avLst/>
+          </a:prstGeom>
+        </p:spPr>
+      </p:pic>
+      <p:cxnSp>
+        <p:nvCxnSpPr>
+          <p:cNvPr id="10" name="Straight Arrow Connector 9"/>
+          <p:cNvCxnSpPr/>
+          <p:nvPr/>
+        </p:nvCxnSpPr>
+        <p:spPr>
+          <a:xfrm>
+            <a:off x="3779912" y="4653136"/>
+            <a:ext cx="3168352" cy="0"/>
+          </a:xfrm>
+          <a:prstGeom prst="straightConnector1">
+            <a:avLst/>
+          </a:prstGeom>
+          <a:ln>
+            <a:tailEnd type="triangle"/>
+          </a:ln>
+        </p:spPr>
+        <p:style>
+          <a:lnRef idx="1">
+            <a:schemeClr val="accent1"/>
+          </a:lnRef>
+          <a:fillRef idx="0">
+            <a:schemeClr val="accent1"/>
+          </a:fillRef>
+          <a:effectRef idx="0">
+            <a:schemeClr val="accent1"/>
+          </a:effectRef>
+          <a:fontRef idx="minor">
+            <a:schemeClr val="tx1"/>
+          </a:fontRef>
+        </p:style>
+      </p:cxnSp>
+      <p:sp>
+        <p:nvSpPr>
+          <p:cNvPr id="12" name="TextBox 11"/>
+          <p:cNvSpPr txBox="1"/>
+          <p:nvPr/>
+        </p:nvSpPr>
+        <p:spPr>
+          <a:xfrm>
+            <a:off x="2195736" y="4353054"/>
+            <a:ext cx="1728192" cy="600164"/>
+          </a:xfrm>
+          <a:prstGeom prst="rect">
+            <a:avLst/>
+          </a:prstGeom>
+          <a:noFill/>
+        </p:spPr>
+        <p:txBody>
+          <a:bodyPr wrap="square" rtlCol="0">
+            <a:spAutoFit/>
+          </a:bodyPr>
+          <a:lstStyle/>
+          <a:p>
+            <a:pPr algn="ctr"/>
+            <a:r>
+              <a:rPr lang="en-GB" sz="1100" dirty="0" smtClean="0"/>
+              <a:t>Loop created called “Trials” which repeats the routine called “trial”</a:t>
+            </a:r>
+            <a:endParaRPr lang="en-US" sz="1100" dirty="0"/>
           </a:p>
         </p:txBody>
       </p:sp>
     </p:spTree>
     <p:extLst>
       <p:ext uri="{BB962C8B-B14F-4D97-AF65-F5344CB8AC3E}">
-        <p14:creationId xmlns:p14="http://schemas.microsoft.com/office/powerpoint/2010/main" val="3108589393"/>
+        <p14:creationId xmlns:p14="http://schemas.microsoft.com/office/powerpoint/2010/main" val="1280502141"/>
       </p:ext>
     </p:extLst>
   </p:cSld>
@@ -8176,14 +9610,38 @@
         </p:nvSpPr>
         <p:spPr/>
         <p:txBody>
-          <a:bodyPr/>
+          <a:bodyPr>
+            <a:normAutofit/>
+          </a:bodyPr>
           <a:lstStyle/>
           <a:p>
             <a:r>
-              <a:rPr lang="en-GB" dirty="0" smtClean="0"/>
-              <a:t>Components</a:t>
-            </a:r>
-            <a:endParaRPr lang="en-US" dirty="0"/>
+              <a:rPr lang="en-GB" dirty="0" smtClean="0">
+                <a:solidFill>
+                  <a:schemeClr val="accent1">
+                    <a:lumMod val="75000"/>
+                  </a:schemeClr>
+                </a:solidFill>
+              </a:rPr>
+              <a:t>Key </a:t>
+            </a:r>
+            <a:r>
+              <a:rPr lang="en-GB" dirty="0" smtClean="0">
+                <a:solidFill>
+                  <a:schemeClr val="accent1">
+                    <a:lumMod val="75000"/>
+                  </a:schemeClr>
+                </a:solidFill>
+              </a:rPr>
+              <a:t>component properties</a:t>
+            </a:r>
+            <a:endParaRPr lang="en-US" dirty="0">
+              <a:solidFill>
+                <a:schemeClr val="accent1">
+                  <a:lumMod val="75000"/>
+                </a:schemeClr>
+              </a:solidFill>
+            </a:endParaRPr>
           </a:p>
         </p:txBody>
       </p:sp>
@@ -8199,9 +9657,7 @@
         </p:nvSpPr>
         <p:spPr/>
         <p:txBody>
-          <a:bodyPr>
-            <a:normAutofit lnSpcReduction="10000"/>
-          </a:bodyPr>
+          <a:bodyPr/>
           <a:lstStyle/>
           <a:p>
             <a:pPr marL="0" indent="0">
@@ -8209,182 +9665,156 @@
             </a:pPr>
             <a:r>
               <a:rPr lang="en-GB" dirty="0" smtClean="0"/>
-              <a:t>A quick look at a few of the key and basic components you can use:</a:t>
-            </a:r>
-          </a:p>
-          <a:p>
+              <a:t>When adding a new component or double clicking a pre-existing one to edit on your timeline, you’re presented with a properties box.</a:t>
+            </a:r>
+            <a:endParaRPr lang="en-GB" dirty="0" smtClean="0"/>
+          </a:p>
+          <a:p>
+            <a:pPr marL="0" indent="0">
+              <a:buNone/>
+            </a:pPr>
+            <a:endParaRPr lang="en-GB" dirty="0" smtClean="0"/>
+          </a:p>
+          <a:p>
+            <a:pPr marL="0" indent="0">
+              <a:buNone/>
+            </a:pPr>
+            <a:r>
+              <a:rPr lang="en-GB" dirty="0" smtClean="0"/>
+              <a:t>Including properties such as:</a:t>
+            </a:r>
             <a:endParaRPr lang="en-GB" dirty="0"/>
           </a:p>
           <a:p>
+            <a:pPr marL="0" indent="0">
+              <a:buNone/>
+            </a:pPr>
+            <a:endParaRPr lang="en-GB" dirty="0" smtClean="0"/>
+          </a:p>
+          <a:p>
+            <a:r>
+              <a:rPr lang="en-GB" dirty="0" smtClean="0"/>
+              <a:t>Position</a:t>
+            </a:r>
+            <a:endParaRPr lang="en-GB" dirty="0" smtClean="0"/>
+          </a:p>
+          <a:p>
+            <a:r>
+              <a:rPr lang="en-GB" dirty="0" err="1" smtClean="0"/>
+              <a:t>Color</a:t>
+            </a:r>
+            <a:endParaRPr lang="en-GB" dirty="0"/>
+          </a:p>
+          <a:p>
+            <a:r>
+              <a:rPr lang="en-GB" dirty="0" smtClean="0"/>
+              <a:t>Text (where applicable)</a:t>
+            </a:r>
+          </a:p>
+          <a:p>
+            <a:r>
+              <a:rPr lang="en-GB" dirty="0" smtClean="0"/>
+              <a:t>Start time</a:t>
+            </a:r>
+          </a:p>
+          <a:p>
+            <a:r>
+              <a:rPr lang="en-GB" dirty="0" smtClean="0"/>
+              <a:t>Duration</a:t>
+            </a:r>
+          </a:p>
+          <a:p>
+            <a:r>
+              <a:rPr lang="en-GB" dirty="0" smtClean="0"/>
+              <a:t>….</a:t>
+            </a:r>
+            <a:endParaRPr lang="en-GB" dirty="0" smtClean="0"/>
+          </a:p>
+          <a:p>
+            <a:endParaRPr lang="en-GB" dirty="0" smtClean="0"/>
+          </a:p>
+          <a:p>
+            <a:endParaRPr lang="en-GB" dirty="0"/>
+          </a:p>
+          <a:p>
+            <a:pPr marL="0" indent="0">
+              <a:buNone/>
+            </a:pPr>
+            <a:endParaRPr lang="en-GB" dirty="0" smtClean="0"/>
+          </a:p>
+          <a:p>
+            <a:pPr marL="0" indent="0">
+              <a:buNone/>
+            </a:pPr>
+            <a:r>
+              <a:rPr lang="en-GB" dirty="0" smtClean="0"/>
+              <a:t>…. And so on</a:t>
+            </a:r>
+            <a:r>
+              <a:rPr lang="en-GB" dirty="0" smtClean="0"/>
+              <a:t>.  Depending on the type of component.</a:t>
+            </a:r>
+          </a:p>
+          <a:p>
+            <a:pPr marL="0" indent="0">
+              <a:buNone/>
+            </a:pPr>
+            <a:endParaRPr lang="en-GB" dirty="0"/>
+          </a:p>
+          <a:p>
+            <a:pPr marL="0" indent="0">
+              <a:buNone/>
+            </a:pPr>
+            <a:r>
+              <a:rPr lang="en-GB" dirty="0" smtClean="0"/>
+              <a:t>These affect the </a:t>
+            </a:r>
             <a:r>
               <a:rPr lang="en-GB" b="1" dirty="0" smtClean="0"/>
-              <a:t>Text box </a:t>
+              <a:t>behaviour</a:t>
             </a:r>
             <a:r>
               <a:rPr lang="en-GB" dirty="0" smtClean="0"/>
-              <a:t>(display component)</a:t>
-            </a:r>
-          </a:p>
-          <a:p>
-            <a:r>
-              <a:rPr lang="en-GB" b="1" dirty="0" smtClean="0"/>
-              <a:t>Keyboard</a:t>
-            </a:r>
-            <a:r>
-              <a:rPr lang="en-GB" dirty="0" smtClean="0"/>
-              <a:t> (response component)</a:t>
-            </a:r>
-          </a:p>
-          <a:p>
-            <a:pPr lvl="1">
-              <a:buFont typeface="Wingdings" panose="05000000000000000000" pitchFamily="2" charset="2"/>
-              <a:buChar char="§"/>
-            </a:pPr>
-            <a:r>
-              <a:rPr lang="en-GB" sz="1800" dirty="0" smtClean="0"/>
-              <a:t>Can record data automatically in results file</a:t>
-            </a:r>
-          </a:p>
-          <a:p>
-            <a:r>
-              <a:rPr lang="en-GB" b="1" dirty="0" smtClean="0"/>
-              <a:t>Mouse</a:t>
-            </a:r>
-            <a:r>
-              <a:rPr lang="en-GB" dirty="0" smtClean="0"/>
-              <a:t> (response component)</a:t>
-            </a:r>
-          </a:p>
-          <a:p>
-            <a:pPr lvl="1">
-              <a:buFont typeface="Wingdings" panose="05000000000000000000" pitchFamily="2" charset="2"/>
-              <a:buChar char="§"/>
-            </a:pPr>
-            <a:r>
-              <a:rPr lang="en-GB" sz="1800" dirty="0" smtClean="0"/>
-              <a:t>Can record data automatically in results file</a:t>
-            </a:r>
-          </a:p>
-          <a:p>
-            <a:r>
-              <a:rPr lang="en-GB" b="1" dirty="0" smtClean="0"/>
-              <a:t>Loops</a:t>
-            </a:r>
-            <a:r>
-              <a:rPr lang="en-GB" dirty="0" smtClean="0"/>
-              <a:t> (flow component)</a:t>
-            </a:r>
-          </a:p>
-          <a:p>
-            <a:pPr lvl="1">
-              <a:buFont typeface="Wingdings" panose="05000000000000000000" pitchFamily="2" charset="2"/>
-              <a:buChar char="§"/>
-            </a:pPr>
-            <a:r>
-              <a:rPr lang="en-GB" sz="1800" dirty="0" smtClean="0"/>
-              <a:t>Data feeds and repetitions</a:t>
-            </a:r>
-          </a:p>
-          <a:p>
-            <a:pPr marL="0" lvl="2" indent="0">
-              <a:buNone/>
-            </a:pPr>
-            <a:endParaRPr lang="en-GB" sz="1800" dirty="0" smtClean="0"/>
-          </a:p>
-          <a:p>
-            <a:pPr marL="0" lvl="2" indent="0">
-              <a:buNone/>
-            </a:pPr>
-            <a:r>
-              <a:rPr lang="en-GB" sz="1800" b="1" dirty="0" smtClean="0">
-                <a:solidFill>
-                  <a:srgbClr val="7030A0"/>
-                </a:solidFill>
-              </a:rPr>
-              <a:t>When you add a component, you must give it a sensible name</a:t>
-            </a:r>
-          </a:p>
-          <a:p>
-            <a:pPr marL="0" lvl="2" indent="0">
-              <a:buNone/>
-            </a:pPr>
-            <a:r>
-              <a:rPr lang="en-GB" sz="1800" b="1" dirty="0" smtClean="0">
-                <a:solidFill>
-                  <a:srgbClr val="7030A0"/>
-                </a:solidFill>
-              </a:rPr>
-              <a:t>(No spaces, something meaningful so you remember what it is!)</a:t>
-            </a:r>
-          </a:p>
-          <a:p>
-            <a:pPr marL="0" lvl="2" indent="0">
-              <a:buNone/>
-            </a:pPr>
-            <a:endParaRPr lang="en-GB" sz="1800" dirty="0"/>
-          </a:p>
-          <a:p>
-            <a:pPr marL="0" lvl="2" indent="0">
-              <a:buNone/>
-            </a:pPr>
-            <a:r>
-              <a:rPr lang="en-GB" sz="1800" dirty="0" smtClean="0"/>
-              <a:t>Each component comes with its own set of properties and attributes</a:t>
-            </a:r>
-          </a:p>
-          <a:p>
-            <a:pPr marL="0" lvl="2" indent="0">
-              <a:buNone/>
-            </a:pPr>
-            <a:r>
-              <a:rPr lang="en-GB" sz="1800" dirty="0" smtClean="0"/>
-              <a:t>These allow us to make them do different things.</a:t>
-            </a:r>
-          </a:p>
-          <a:p>
-            <a:pPr marL="0" lvl="2" indent="0">
-              <a:buNone/>
-            </a:pPr>
-            <a:endParaRPr lang="en-GB" sz="1800" dirty="0"/>
-          </a:p>
-          <a:p>
-            <a:pPr marL="0" lvl="2" indent="0">
-              <a:buNone/>
-            </a:pPr>
-            <a:r>
-              <a:rPr lang="en-GB" sz="1800" dirty="0" smtClean="0"/>
-              <a:t>Lets take a look at some of the key properties of the items </a:t>
-            </a:r>
-          </a:p>
-          <a:p>
-            <a:pPr marL="0" lvl="2" indent="0">
-              <a:buNone/>
-            </a:pPr>
-            <a:r>
-              <a:rPr lang="en-GB" sz="1800" dirty="0" smtClean="0"/>
-              <a:t>we’ve covered….</a:t>
-            </a:r>
-          </a:p>
-          <a:p>
-            <a:pPr marL="457200" lvl="2" indent="-457200">
-              <a:buFont typeface="Arial" panose="020B0604020202020204" pitchFamily="34" charset="0"/>
-              <a:buChar char="•"/>
-            </a:pPr>
-            <a:endParaRPr lang="en-GB" dirty="0" smtClean="0"/>
-          </a:p>
-          <a:p>
-            <a:pPr marL="457200" lvl="3" indent="-457200">
-              <a:buFont typeface="Arial" panose="020B0604020202020204" pitchFamily="34" charset="0"/>
-              <a:buChar char="•"/>
-            </a:pPr>
+              <a:t> of the component within our experiment!</a:t>
+            </a:r>
             <a:endParaRPr lang="en-US" dirty="0"/>
           </a:p>
         </p:txBody>
       </p:sp>
+      <p:pic>
+        <p:nvPicPr>
+          <p:cNvPr id="4" name="Picture 3"/>
+          <p:cNvPicPr>
+            <a:picLocks noChangeAspect="1"/>
+          </p:cNvPicPr>
+          <p:nvPr/>
+        </p:nvPicPr>
+        <p:blipFill>
+          <a:blip r:embed="rId2">
+            <a:extLst>
+              <a:ext uri="{28A0092B-C50C-407E-A947-70E740481C1C}">
+                <a14:useLocalDpi xmlns:a14="http://schemas.microsoft.com/office/drawing/2010/main" val="0"/>
+              </a:ext>
+            </a:extLst>
+          </a:blip>
+          <a:stretch>
+            <a:fillRect/>
+          </a:stretch>
+        </p:blipFill>
+        <p:spPr>
+          <a:xfrm>
+            <a:off x="3707904" y="2492896"/>
+            <a:ext cx="2911296" cy="2730864"/>
+          </a:xfrm>
+          <a:prstGeom prst="rect">
+            <a:avLst/>
+          </a:prstGeom>
+        </p:spPr>
+      </p:pic>
     </p:spTree>
     <p:extLst>
       <p:ext uri="{BB962C8B-B14F-4D97-AF65-F5344CB8AC3E}">
-        <p14:creationId xmlns:p14="http://schemas.microsoft.com/office/powerpoint/2010/main" val="1280502141"/>
+        <p14:creationId xmlns:p14="http://schemas.microsoft.com/office/powerpoint/2010/main" val="2913654631"/>
       </p:ext>
     </p:extLst>
   </p:cSld>
@@ -8430,35 +9860,14 @@
         </p:nvSpPr>
         <p:spPr/>
         <p:txBody>
-          <a:bodyPr>
-            <a:normAutofit fontScale="90000"/>
-          </a:bodyPr>
+          <a:bodyPr/>
           <a:lstStyle/>
           <a:p>
             <a:r>
               <a:rPr lang="en-GB" dirty="0" smtClean="0"/>
-              <a:t>Demo: </a:t>
-            </a:r>
-            <a:br>
-              <a:rPr lang="en-GB" dirty="0" smtClean="0"/>
-            </a:br>
-            <a:r>
-              <a:rPr lang="en-GB" dirty="0" smtClean="0">
-                <a:solidFill>
-                  <a:schemeClr val="accent1">
-                    <a:lumMod val="75000"/>
-                  </a:schemeClr>
-                </a:solidFill>
-              </a:rPr>
-              <a:t>Key component properties</a:t>
-            </a:r>
-            <a:endParaRPr lang="en-US" dirty="0">
-              <a:solidFill>
-                <a:schemeClr val="accent1">
-                  <a:lumMod val="75000"/>
-                </a:schemeClr>
-              </a:solidFill>
-            </a:endParaRPr>
+              <a:t>More on “loops”</a:t>
+            </a:r>
+            <a:endParaRPr lang="en-US" dirty="0"/>
           </a:p>
         </p:txBody>
       </p:sp>
@@ -8474,58 +9883,222 @@
         </p:nvSpPr>
         <p:spPr/>
         <p:txBody>
-          <a:bodyPr/>
+          <a:bodyPr>
+            <a:normAutofit/>
+          </a:bodyPr>
           <a:lstStyle/>
           <a:p>
+            <a:pPr marL="38100" lvl="0" indent="0">
+              <a:buClr>
+                <a:schemeClr val="dk1"/>
+              </a:buClr>
+              <a:buSzPct val="166666"/>
+              <a:buNone/>
+            </a:pPr>
+            <a:r>
+              <a:rPr lang="en" dirty="0" smtClean="0"/>
+              <a:t>Loops are where we want to </a:t>
+            </a:r>
+            <a:r>
+              <a:rPr lang="en" b="1" dirty="0" smtClean="0"/>
+              <a:t>repeat</a:t>
+            </a:r>
+            <a:r>
+              <a:rPr lang="en" dirty="0" smtClean="0"/>
+              <a:t> </a:t>
+            </a:r>
+            <a:r>
+              <a:rPr lang="en" dirty="0"/>
+              <a:t>something a number of </a:t>
+            </a:r>
+            <a:r>
+              <a:rPr lang="en" dirty="0" smtClean="0"/>
+              <a:t>times.</a:t>
+            </a:r>
+            <a:endParaRPr lang="en" dirty="0"/>
+          </a:p>
+          <a:p>
+            <a:pPr marL="38100" lvl="0" indent="0">
+              <a:buClr>
+                <a:schemeClr val="dk1"/>
+              </a:buClr>
+              <a:buSzPct val="166666"/>
+              <a:buNone/>
+            </a:pPr>
+            <a:r>
+              <a:rPr lang="en" dirty="0" smtClean="0"/>
+              <a:t>You may </a:t>
+            </a:r>
+            <a:r>
+              <a:rPr lang="en" dirty="0"/>
+              <a:t>hear the word “</a:t>
+            </a:r>
+            <a:r>
+              <a:rPr lang="en" dirty="0" smtClean="0"/>
+              <a:t>Iteration” used to describe a repetition.</a:t>
+            </a:r>
+          </a:p>
+          <a:p>
+            <a:endParaRPr lang="en-GB" dirty="0" smtClean="0"/>
+          </a:p>
+          <a:p>
+            <a:pPr marL="0" indent="0">
+              <a:buNone/>
+            </a:pPr>
+            <a:r>
+              <a:rPr lang="en-GB" b="1" dirty="0" smtClean="0"/>
+              <a:t>In </a:t>
+            </a:r>
+            <a:r>
+              <a:rPr lang="en-GB" b="1" dirty="0" err="1" smtClean="0"/>
+              <a:t>PsychoPy</a:t>
+            </a:r>
+            <a:r>
+              <a:rPr lang="en-GB" b="1" dirty="0" smtClean="0"/>
+              <a:t> we want to present stimuli or </a:t>
+            </a:r>
+            <a:r>
+              <a:rPr lang="en-GB" b="1" dirty="0" smtClean="0"/>
+              <a:t>trials</a:t>
+            </a:r>
+          </a:p>
+          <a:p>
+            <a:pPr marL="0" indent="0">
+              <a:buNone/>
+            </a:pPr>
+            <a:endParaRPr lang="en-GB" b="1" dirty="0" smtClean="0"/>
+          </a:p>
+          <a:p>
+            <a:pPr>
+              <a:buFont typeface="Wingdings" panose="05000000000000000000" pitchFamily="2" charset="2"/>
+              <a:buChar char="§"/>
+            </a:pPr>
             <a:r>
               <a:rPr lang="en-GB" dirty="0" smtClean="0"/>
-              <a:t>Position</a:t>
-            </a:r>
-          </a:p>
-          <a:p>
-            <a:r>
-              <a:rPr lang="en-GB" dirty="0" err="1" smtClean="0"/>
-              <a:t>Color</a:t>
-            </a:r>
-            <a:endParaRPr lang="en-GB" dirty="0"/>
-          </a:p>
-          <a:p>
+              <a:t>Often routines are repeated using a </a:t>
+            </a:r>
             <a:r>
               <a:rPr lang="en-GB" dirty="0" smtClean="0"/>
-              <a:t>Text (where applicable)</a:t>
-            </a:r>
-          </a:p>
-          <a:p>
+              <a:t>Loop</a:t>
+            </a:r>
+          </a:p>
+          <a:p>
+            <a:pPr>
+              <a:buFont typeface="Wingdings" panose="05000000000000000000" pitchFamily="2" charset="2"/>
+              <a:buChar char="§"/>
+            </a:pPr>
             <a:r>
               <a:rPr lang="en-GB" dirty="0" smtClean="0"/>
-              <a:t>Start time</a:t>
-            </a:r>
-          </a:p>
-          <a:p>
+              <a:t>This usually to represent our </a:t>
+            </a:r>
+            <a:r>
+              <a:rPr lang="en-GB" b="1" dirty="0" smtClean="0"/>
+              <a:t>trials</a:t>
+            </a:r>
+            <a:endParaRPr lang="en-GB" b="1" dirty="0" smtClean="0"/>
+          </a:p>
+          <a:p>
+            <a:pPr>
+              <a:buFont typeface="Wingdings" panose="05000000000000000000" pitchFamily="2" charset="2"/>
+              <a:buChar char="§"/>
+            </a:pPr>
             <a:r>
               <a:rPr lang="en-GB" dirty="0" smtClean="0"/>
-              <a:t>Duration</a:t>
-            </a:r>
-          </a:p>
-          <a:p>
+              <a:t>Text, Image or other </a:t>
+            </a:r>
+            <a:r>
+              <a:rPr lang="en-GB" dirty="0" smtClean="0"/>
+              <a:t>components are </a:t>
+            </a:r>
+            <a:r>
+              <a:rPr lang="en-GB" dirty="0" smtClean="0"/>
+              <a:t>repeated </a:t>
+            </a:r>
+            <a:r>
+              <a:rPr lang="en-GB" dirty="0" smtClean="0"/>
+              <a:t>within our </a:t>
+            </a:r>
+            <a:r>
+              <a:rPr lang="en-GB" dirty="0" smtClean="0"/>
+              <a:t>routine/s</a:t>
+            </a:r>
+          </a:p>
+          <a:p>
+            <a:pPr lvl="1">
+              <a:buFont typeface="Wingdings" panose="05000000000000000000" pitchFamily="2" charset="2"/>
+              <a:buChar char="§"/>
+            </a:pPr>
+            <a:r>
+              <a:rPr lang="en-GB" dirty="0" smtClean="0"/>
+              <a:t>Including their timelines and settings.</a:t>
+            </a:r>
             <a:endParaRPr lang="en-GB" dirty="0" smtClean="0"/>
           </a:p>
           <a:p>
-            <a:pPr marL="0" indent="0">
-              <a:buNone/>
+            <a:pPr>
+              <a:buFont typeface="Wingdings" panose="05000000000000000000" pitchFamily="2" charset="2"/>
+              <a:buChar char="§"/>
             </a:pPr>
             <a:r>
               <a:rPr lang="en-GB" dirty="0" smtClean="0"/>
-              <a:t>…. And so on.</a:t>
-            </a:r>
-            <a:endParaRPr lang="en-US" dirty="0"/>
+              <a:t>But the actual text/image </a:t>
+            </a:r>
+            <a:r>
+              <a:rPr lang="en-GB" dirty="0" smtClean="0"/>
+              <a:t>may need </a:t>
+            </a:r>
+            <a:r>
+              <a:rPr lang="en-GB" dirty="0" smtClean="0"/>
+              <a:t>to change each </a:t>
+            </a:r>
+            <a:r>
+              <a:rPr lang="en-GB" dirty="0" smtClean="0"/>
+              <a:t>time</a:t>
+            </a:r>
+            <a:r>
+              <a:rPr lang="en-GB" dirty="0"/>
+              <a:t> </a:t>
+            </a:r>
+            <a:r>
+              <a:rPr lang="en-GB" dirty="0" smtClean="0"/>
+              <a:t>to represent trial stimuli.</a:t>
+            </a:r>
+            <a:endParaRPr lang="en-GB" dirty="0" smtClean="0"/>
+          </a:p>
+          <a:p>
+            <a:pPr marL="457200" lvl="1" indent="0">
+              <a:buNone/>
+            </a:pPr>
+            <a:endParaRPr lang="en-GB" dirty="0" smtClean="0">
+              <a:solidFill>
+                <a:srgbClr val="FF0000"/>
+              </a:solidFill>
+            </a:endParaRPr>
+          </a:p>
+          <a:p>
+            <a:pPr marL="457200" lvl="1" indent="0">
+              <a:buNone/>
+            </a:pPr>
+            <a:r>
+              <a:rPr lang="en-GB" sz="2800" dirty="0" smtClean="0">
+                <a:solidFill>
+                  <a:srgbClr val="FF0000"/>
+                </a:solidFill>
+              </a:rPr>
+              <a:t>But how?...</a:t>
+            </a:r>
+            <a:endParaRPr lang="en-GB" sz="2800" dirty="0" smtClean="0">
+              <a:solidFill>
+                <a:srgbClr val="FF0000"/>
+              </a:solidFill>
+            </a:endParaRPr>
           </a:p>
         </p:txBody>
       </p:sp>
     </p:spTree>
     <p:extLst>
       <p:ext uri="{BB962C8B-B14F-4D97-AF65-F5344CB8AC3E}">
-        <p14:creationId xmlns:p14="http://schemas.microsoft.com/office/powerpoint/2010/main" val="2913654631"/>
+        <p14:creationId xmlns:p14="http://schemas.microsoft.com/office/powerpoint/2010/main" val="1892009578"/>
       </p:ext>
     </p:extLst>
   </p:cSld>
@@ -8569,14 +10142,19 @@
             <p:ph type="title"/>
           </p:nvPr>
         </p:nvSpPr>
-        <p:spPr/>
+        <p:spPr>
+          <a:xfrm>
+            <a:off x="457200" y="274637"/>
+            <a:ext cx="8229600" cy="850107"/>
+          </a:xfrm>
+        </p:spPr>
         <p:txBody>
           <a:bodyPr/>
           <a:lstStyle/>
           <a:p>
             <a:r>
               <a:rPr lang="en-GB" dirty="0" smtClean="0"/>
-              <a:t>More on “loops”</a:t>
+              <a:t>By using a data source!</a:t>
             </a:r>
             <a:endParaRPr lang="en-US" dirty="0"/>
           </a:p>
@@ -8592,7 +10170,12 @@
             <p:ph type="body" idx="1"/>
           </p:nvPr>
         </p:nvSpPr>
-        <p:spPr/>
+        <p:spPr>
+          <a:xfrm>
+            <a:off x="457200" y="1268760"/>
+            <a:ext cx="8229600" cy="5299140"/>
+          </a:xfrm>
+        </p:spPr>
         <p:txBody>
           <a:bodyPr>
             <a:normAutofit/>
@@ -8607,26 +10190,18 @@
               <a:buNone/>
             </a:pPr>
             <a:r>
-              <a:rPr lang="en" dirty="0" smtClean="0"/>
-              <a:t>Loops are where we want to </a:t>
-            </a:r>
-            <a:r>
-              <a:rPr lang="en" b="1" dirty="0" smtClean="0"/>
-              <a:t>repeat</a:t>
-            </a:r>
-            <a:r>
-              <a:rPr lang="en" dirty="0" smtClean="0"/>
-              <a:t> </a:t>
-            </a:r>
-            <a:r>
-              <a:rPr lang="en" dirty="0"/>
-              <a:t>something a number of </a:t>
-            </a:r>
-            <a:r>
-              <a:rPr lang="en" dirty="0" smtClean="0"/>
-              <a:t>times.</a:t>
-            </a:r>
-            <a:endParaRPr lang="en" dirty="0"/>
+              <a:rPr lang="en-GB" b="1" dirty="0" smtClean="0"/>
+              <a:t>Created </a:t>
+            </a:r>
+            <a:r>
+              <a:rPr lang="en-GB" b="1" dirty="0" smtClean="0"/>
+              <a:t>in </a:t>
+            </a:r>
+            <a:r>
+              <a:rPr lang="en-GB" b="1" dirty="0" smtClean="0"/>
+              <a:t>Excel or package that can create CSV files</a:t>
+            </a:r>
+            <a:endParaRPr lang="en-GB" b="1" dirty="0"/>
           </a:p>
           <a:p>
             <a:pPr marL="38100" lvl="0" indent="0">
@@ -8636,166 +10211,587 @@
               <a:buSzPct val="166666"/>
               <a:buNone/>
             </a:pPr>
-            <a:r>
-              <a:rPr lang="en" dirty="0" smtClean="0"/>
-              <a:t>You may </a:t>
-            </a:r>
-            <a:r>
-              <a:rPr lang="en" dirty="0"/>
-              <a:t>hear the word “</a:t>
-            </a:r>
-            <a:r>
-              <a:rPr lang="en" dirty="0" smtClean="0"/>
-              <a:t>Iteration” used to describe a repetition.</a:t>
-            </a:r>
-          </a:p>
-          <a:p>
+            <a:endParaRPr lang="en-GB" b="1" dirty="0" smtClean="0"/>
+          </a:p>
+          <a:p>
+            <a:pPr marL="38100" lvl="0" indent="0">
+              <a:buClr>
+                <a:schemeClr val="dk1"/>
+              </a:buClr>
+              <a:buSzPct val="166666"/>
+              <a:buNone/>
+            </a:pPr>
+            <a:r>
+              <a:rPr lang="en-GB" dirty="0" smtClean="0"/>
+              <a:t>Headings </a:t>
+            </a:r>
+            <a:r>
+              <a:rPr lang="en-GB" dirty="0" smtClean="0"/>
+              <a:t>refer to “attributes” that are created for us that we can use as our trial </a:t>
+            </a:r>
+            <a:r>
+              <a:rPr lang="en-GB" dirty="0" smtClean="0"/>
+              <a:t>data</a:t>
+            </a:r>
+          </a:p>
+          <a:p>
+            <a:pPr marL="38100" lvl="0" indent="0">
+              <a:buClr>
+                <a:schemeClr val="dk1"/>
+              </a:buClr>
+              <a:buSzPct val="166666"/>
+              <a:buNone/>
+            </a:pPr>
+            <a:endParaRPr lang="en-GB" dirty="0"/>
+          </a:p>
+          <a:p>
+            <a:pPr marL="38100" lvl="0" indent="0">
+              <a:buClr>
+                <a:schemeClr val="dk1"/>
+              </a:buClr>
+              <a:buSzPct val="166666"/>
+              <a:buNone/>
+            </a:pPr>
             <a:endParaRPr lang="en-GB" dirty="0" smtClean="0"/>
           </a:p>
           <a:p>
-            <a:r>
-              <a:rPr lang="en-GB" dirty="0" smtClean="0"/>
-              <a:t>In </a:t>
-            </a:r>
-            <a:r>
-              <a:rPr lang="en-GB" dirty="0" err="1" smtClean="0"/>
+            <a:pPr marL="38100" lvl="0" indent="0">
+              <a:buClr>
+                <a:schemeClr val="dk1"/>
+              </a:buClr>
+              <a:buSzPct val="166666"/>
+              <a:buNone/>
+            </a:pPr>
+            <a:endParaRPr lang="en-GB" dirty="0"/>
+          </a:p>
+          <a:p>
+            <a:pPr marL="38100" lvl="0" indent="0">
+              <a:buClr>
+                <a:schemeClr val="dk1"/>
+              </a:buClr>
+              <a:buSzPct val="166666"/>
+              <a:buNone/>
+            </a:pPr>
+            <a:endParaRPr lang="en-GB" dirty="0" smtClean="0"/>
+          </a:p>
+          <a:p>
+            <a:pPr marL="38100" lvl="0" indent="0">
+              <a:buClr>
+                <a:schemeClr val="dk1"/>
+              </a:buClr>
+              <a:buSzPct val="166666"/>
+              <a:buNone/>
+            </a:pPr>
+            <a:endParaRPr lang="en-GB" dirty="0"/>
+          </a:p>
+          <a:p>
+            <a:pPr marL="38100" lvl="0" indent="0">
+              <a:buClr>
+                <a:schemeClr val="dk1"/>
+              </a:buClr>
+              <a:buSzPct val="166666"/>
+              <a:buNone/>
+            </a:pPr>
+            <a:endParaRPr lang="en-GB" dirty="0" smtClean="0"/>
+          </a:p>
+          <a:p>
+            <a:pPr marL="38100" lvl="0" indent="0">
+              <a:buClr>
+                <a:schemeClr val="dk1"/>
+              </a:buClr>
+              <a:buSzPct val="166666"/>
+              <a:buNone/>
+            </a:pPr>
+            <a:endParaRPr lang="en-GB" dirty="0"/>
+          </a:p>
+        </p:txBody>
+      </p:sp>
+      <p:pic>
+        <p:nvPicPr>
+          <p:cNvPr id="4" name="Picture 3"/>
+          <p:cNvPicPr>
+            <a:picLocks noChangeAspect="1"/>
+          </p:cNvPicPr>
+          <p:nvPr/>
+        </p:nvPicPr>
+        <p:blipFill>
+          <a:blip r:embed="rId2">
+            <a:extLst>
+              <a:ext uri="{28A0092B-C50C-407E-A947-70E740481C1C}">
+                <a14:useLocalDpi xmlns:a14="http://schemas.microsoft.com/office/drawing/2010/main" val="0"/>
+              </a:ext>
+            </a:extLst>
+          </a:blip>
+          <a:stretch>
+            <a:fillRect/>
+          </a:stretch>
+        </p:blipFill>
+        <p:spPr>
+          <a:xfrm>
+            <a:off x="512214" y="3277743"/>
+            <a:ext cx="1206805" cy="715144"/>
+          </a:xfrm>
+          <a:prstGeom prst="rect">
+            <a:avLst/>
+          </a:prstGeom>
+        </p:spPr>
+      </p:pic>
+      <p:pic>
+        <p:nvPicPr>
+          <p:cNvPr id="5" name="Picture 4"/>
+          <p:cNvPicPr>
+            <a:picLocks noChangeAspect="1"/>
+          </p:cNvPicPr>
+          <p:nvPr/>
+        </p:nvPicPr>
+        <p:blipFill rotWithShape="1">
+          <a:blip r:embed="rId3">
+            <a:extLst>
+              <a:ext uri="{28A0092B-C50C-407E-A947-70E740481C1C}">
+                <a14:useLocalDpi xmlns:a14="http://schemas.microsoft.com/office/drawing/2010/main" val="0"/>
+              </a:ext>
+            </a:extLst>
+          </a:blip>
+          <a:srcRect l="19525" r="21901"/>
+          <a:stretch/>
+        </p:blipFill>
+        <p:spPr>
+          <a:xfrm>
+            <a:off x="2704962" y="5596621"/>
+            <a:ext cx="1512169" cy="771633"/>
+          </a:xfrm>
+          <a:prstGeom prst="rect">
+            <a:avLst/>
+          </a:prstGeom>
+        </p:spPr>
+      </p:pic>
+      <p:pic>
+        <p:nvPicPr>
+          <p:cNvPr id="6" name="Picture 5"/>
+          <p:cNvPicPr>
+            <a:picLocks noChangeAspect="1"/>
+          </p:cNvPicPr>
+          <p:nvPr/>
+        </p:nvPicPr>
+        <p:blipFill>
+          <a:blip r:embed="rId4">
+            <a:extLst>
+              <a:ext uri="{28A0092B-C50C-407E-A947-70E740481C1C}">
+                <a14:useLocalDpi xmlns:a14="http://schemas.microsoft.com/office/drawing/2010/main" val="0"/>
+              </a:ext>
+            </a:extLst>
+          </a:blip>
+          <a:stretch>
+            <a:fillRect/>
+          </a:stretch>
+        </p:blipFill>
+        <p:spPr>
+          <a:xfrm>
+            <a:off x="3508456" y="2492105"/>
+            <a:ext cx="3748611" cy="1881171"/>
+          </a:xfrm>
+          <a:prstGeom prst="rect">
+            <a:avLst/>
+          </a:prstGeom>
+        </p:spPr>
+      </p:pic>
+      <p:sp>
+        <p:nvSpPr>
+          <p:cNvPr id="7" name="TextBox 6"/>
+          <p:cNvSpPr txBox="1"/>
+          <p:nvPr/>
+        </p:nvSpPr>
+        <p:spPr>
+          <a:xfrm>
+            <a:off x="251520" y="2962455"/>
+            <a:ext cx="1728192" cy="261610"/>
+          </a:xfrm>
+          <a:prstGeom prst="rect">
+            <a:avLst/>
+          </a:prstGeom>
+          <a:noFill/>
+        </p:spPr>
+        <p:txBody>
+          <a:bodyPr wrap="square" rtlCol="0">
+            <a:spAutoFit/>
+          </a:bodyPr>
+          <a:lstStyle/>
+          <a:p>
+            <a:pPr algn="ctr"/>
+            <a:r>
+              <a:rPr lang="en-GB" sz="1100" b="1" dirty="0" smtClean="0"/>
+              <a:t>Excel/csv data file</a:t>
+            </a:r>
+            <a:endParaRPr lang="en-US" sz="1100" b="1" dirty="0"/>
+          </a:p>
+        </p:txBody>
+      </p:sp>
+      <p:cxnSp>
+        <p:nvCxnSpPr>
+          <p:cNvPr id="9" name="Straight Arrow Connector 8"/>
+          <p:cNvCxnSpPr/>
+          <p:nvPr/>
+        </p:nvCxnSpPr>
+        <p:spPr>
+          <a:xfrm>
+            <a:off x="1719019" y="3717032"/>
+            <a:ext cx="1880874" cy="275855"/>
+          </a:xfrm>
+          <a:prstGeom prst="straightConnector1">
+            <a:avLst/>
+          </a:prstGeom>
+          <a:ln w="50800">
+            <a:solidFill>
+              <a:srgbClr val="FF0000"/>
+            </a:solidFill>
+            <a:tailEnd type="triangle"/>
+          </a:ln>
+        </p:spPr>
+        <p:style>
+          <a:lnRef idx="1">
+            <a:schemeClr val="accent1"/>
+          </a:lnRef>
+          <a:fillRef idx="0">
+            <a:schemeClr val="accent1"/>
+          </a:fillRef>
+          <a:effectRef idx="0">
+            <a:schemeClr val="accent1"/>
+          </a:effectRef>
+          <a:fontRef idx="minor">
+            <a:schemeClr val="tx1"/>
+          </a:fontRef>
+        </p:style>
+      </p:cxnSp>
+      <p:sp>
+        <p:nvSpPr>
+          <p:cNvPr id="10" name="TextBox 9"/>
+          <p:cNvSpPr txBox="1"/>
+          <p:nvPr/>
+        </p:nvSpPr>
+        <p:spPr>
+          <a:xfrm>
+            <a:off x="1953444" y="3531378"/>
+            <a:ext cx="1418381" cy="938719"/>
+          </a:xfrm>
+          <a:prstGeom prst="rect">
+            <a:avLst/>
+          </a:prstGeom>
+          <a:noFill/>
+        </p:spPr>
+        <p:txBody>
+          <a:bodyPr wrap="square" rtlCol="0">
+            <a:spAutoFit/>
+          </a:bodyPr>
+          <a:lstStyle/>
+          <a:p>
+            <a:pPr algn="ctr"/>
+            <a:r>
+              <a:rPr lang="en-GB" sz="1100" dirty="0" smtClean="0"/>
+              <a:t>Attached to loop</a:t>
+            </a:r>
+          </a:p>
+          <a:p>
+            <a:pPr algn="ctr"/>
+            <a:endParaRPr lang="en-GB" sz="1100" dirty="0"/>
+          </a:p>
+          <a:p>
+            <a:pPr algn="ctr"/>
+            <a:endParaRPr lang="en-GB" sz="1100" dirty="0" smtClean="0"/>
+          </a:p>
+          <a:p>
+            <a:pPr algn="ctr"/>
+            <a:r>
+              <a:rPr lang="en-GB" sz="1100" dirty="0" smtClean="0"/>
+              <a:t>Via “</a:t>
+            </a:r>
+            <a:r>
+              <a:rPr lang="en-GB" sz="1100" b="1" dirty="0" smtClean="0"/>
+              <a:t>Conditions</a:t>
+            </a:r>
+            <a:r>
+              <a:rPr lang="en-GB" sz="1100" dirty="0" smtClean="0"/>
+              <a:t>” property</a:t>
+            </a:r>
+            <a:endParaRPr lang="en-US" sz="1100" dirty="0"/>
+          </a:p>
+        </p:txBody>
+      </p:sp>
+      <p:cxnSp>
+        <p:nvCxnSpPr>
+          <p:cNvPr id="13" name="Straight Arrow Connector 12"/>
+          <p:cNvCxnSpPr/>
+          <p:nvPr/>
+        </p:nvCxnSpPr>
+        <p:spPr>
+          <a:xfrm flipH="1" flipV="1">
+            <a:off x="5580112" y="4470097"/>
+            <a:ext cx="288032" cy="331103"/>
+          </a:xfrm>
+          <a:prstGeom prst="straightConnector1">
+            <a:avLst/>
+          </a:prstGeom>
+          <a:ln w="50800">
+            <a:solidFill>
+              <a:srgbClr val="FF0000"/>
+            </a:solidFill>
+            <a:tailEnd type="triangle"/>
+          </a:ln>
+        </p:spPr>
+        <p:style>
+          <a:lnRef idx="1">
+            <a:schemeClr val="accent1"/>
+          </a:lnRef>
+          <a:fillRef idx="0">
+            <a:schemeClr val="accent1"/>
+          </a:fillRef>
+          <a:effectRef idx="0">
+            <a:schemeClr val="accent1"/>
+          </a:effectRef>
+          <a:fontRef idx="minor">
+            <a:schemeClr val="tx1"/>
+          </a:fontRef>
+        </p:style>
+      </p:cxnSp>
+      <p:sp>
+        <p:nvSpPr>
+          <p:cNvPr id="15" name="TextBox 14"/>
+          <p:cNvSpPr txBox="1"/>
+          <p:nvPr/>
+        </p:nvSpPr>
+        <p:spPr>
+          <a:xfrm>
+            <a:off x="5076055" y="4887243"/>
+            <a:ext cx="2181011" cy="1277273"/>
+          </a:xfrm>
+          <a:prstGeom prst="rect">
+            <a:avLst/>
+          </a:prstGeom>
+          <a:noFill/>
+        </p:spPr>
+        <p:txBody>
+          <a:bodyPr wrap="square" rtlCol="0">
+            <a:spAutoFit/>
+          </a:bodyPr>
+          <a:lstStyle/>
+          <a:p>
+            <a:pPr algn="ctr"/>
+            <a:r>
+              <a:rPr lang="en-GB" sz="1100" dirty="0" err="1" smtClean="0"/>
               <a:t>PsychoPy</a:t>
             </a:r>
             <a:r>
-              <a:rPr lang="en-GB" dirty="0" smtClean="0"/>
-              <a:t> we want to present stimuli or trials</a:t>
-            </a:r>
-          </a:p>
-          <a:p>
-            <a:pPr lvl="1">
-              <a:buFont typeface="Wingdings" panose="05000000000000000000" pitchFamily="2" charset="2"/>
-              <a:buChar char="§"/>
-            </a:pPr>
-            <a:r>
-              <a:rPr lang="en-GB" dirty="0" smtClean="0"/>
-              <a:t>Often routines are repeated using a Loop for this</a:t>
-            </a:r>
-          </a:p>
-          <a:p>
-            <a:pPr lvl="1">
-              <a:buFont typeface="Wingdings" panose="05000000000000000000" pitchFamily="2" charset="2"/>
-              <a:buChar char="§"/>
-            </a:pPr>
-            <a:r>
-              <a:rPr lang="en-GB" dirty="0" smtClean="0"/>
-              <a:t>Text or Image components are then repeated within our routine/s</a:t>
-            </a:r>
-          </a:p>
-          <a:p>
-            <a:pPr lvl="1">
-              <a:buFont typeface="Wingdings" panose="05000000000000000000" pitchFamily="2" charset="2"/>
-              <a:buChar char="§"/>
-            </a:pPr>
-            <a:r>
-              <a:rPr lang="en-GB" dirty="0" smtClean="0"/>
-              <a:t>But the actual text/image may need to change each time.  </a:t>
-            </a:r>
-            <a:r>
-              <a:rPr lang="en-GB" dirty="0" smtClean="0">
-                <a:solidFill>
-                  <a:srgbClr val="FF0000"/>
-                </a:solidFill>
-              </a:rPr>
-              <a:t>How?...</a:t>
-            </a:r>
-          </a:p>
-          <a:p>
-            <a:r>
-              <a:rPr lang="en-GB" dirty="0" smtClean="0"/>
-              <a:t>…By using a data source!</a:t>
-            </a:r>
-          </a:p>
-          <a:p>
-            <a:pPr lvl="1">
-              <a:buFont typeface="Wingdings" panose="05000000000000000000" pitchFamily="2" charset="2"/>
-              <a:buChar char="§"/>
-            </a:pPr>
-            <a:r>
-              <a:rPr lang="en-GB" dirty="0" smtClean="0"/>
-              <a:t>Created in Excel</a:t>
-            </a:r>
-          </a:p>
-          <a:p>
-            <a:pPr lvl="1">
-              <a:buFont typeface="Wingdings" panose="05000000000000000000" pitchFamily="2" charset="2"/>
-              <a:buChar char="§"/>
-            </a:pPr>
-            <a:r>
-              <a:rPr lang="en-GB" dirty="0" smtClean="0"/>
-              <a:t>Headings refer to “attributes” that are created for us that we can use as our trial data</a:t>
-            </a:r>
-          </a:p>
-          <a:p>
-            <a:r>
-              <a:rPr lang="en-GB" dirty="0">
-                <a:solidFill>
-                  <a:srgbClr val="FF0000"/>
-                </a:solidFill>
-              </a:rPr>
-              <a:t>Warning: </a:t>
-            </a:r>
-            <a:r>
-              <a:rPr lang="en-GB" dirty="0"/>
-              <a:t>When a trial list is updated with new columns, you must refresh the Loop reference so the options get picked up</a:t>
-            </a:r>
-            <a:r>
-              <a:rPr lang="en-GB" dirty="0" smtClean="0"/>
-              <a:t>.</a:t>
-            </a:r>
-          </a:p>
-          <a:p>
-            <a:r>
-              <a:rPr lang="en-GB" dirty="0" smtClean="0"/>
-              <a:t>Loop sequence options:</a:t>
-            </a:r>
-          </a:p>
-          <a:p>
-            <a:pPr lvl="1">
-              <a:buFont typeface="Wingdings" panose="05000000000000000000" pitchFamily="2" charset="2"/>
-              <a:buChar char="§"/>
-            </a:pPr>
-            <a:r>
-              <a:rPr lang="en-GB" b="1" dirty="0" smtClean="0"/>
-              <a:t>Sequential, Random</a:t>
-            </a:r>
-            <a:r>
-              <a:rPr lang="en-GB" dirty="0" smtClean="0"/>
-              <a:t>, </a:t>
-            </a:r>
-            <a:r>
-              <a:rPr lang="en-GB" dirty="0" err="1" smtClean="0"/>
-              <a:t>fullRandom</a:t>
-            </a:r>
-            <a:r>
-              <a:rPr lang="en-GB" dirty="0" smtClean="0"/>
-              <a:t>, staircase, interleaved staircases</a:t>
-            </a:r>
-          </a:p>
-          <a:p>
-            <a:pPr lvl="1">
-              <a:buFont typeface="Wingdings" panose="05000000000000000000" pitchFamily="2" charset="2"/>
-              <a:buChar char="§"/>
-            </a:pPr>
-            <a:r>
-              <a:rPr lang="en-GB" dirty="0" smtClean="0">
-                <a:solidFill>
-                  <a:schemeClr val="tx1"/>
-                </a:solidFill>
-              </a:rPr>
-              <a:t>We’ll just focus on the first two for now.</a:t>
-            </a:r>
+              <a:rPr lang="en-GB" sz="1100" dirty="0" smtClean="0"/>
+              <a:t> automatically picks up the headers and treats them as “</a:t>
+            </a:r>
+            <a:r>
+              <a:rPr lang="en-GB" sz="1100" b="1" dirty="0" smtClean="0"/>
+              <a:t>Attributes</a:t>
+            </a:r>
+            <a:r>
+              <a:rPr lang="en-GB" sz="1100" dirty="0" smtClean="0"/>
+              <a:t>”</a:t>
+            </a:r>
+          </a:p>
+          <a:p>
+            <a:pPr algn="ctr"/>
+            <a:endParaRPr lang="en-GB" sz="1100" dirty="0"/>
+          </a:p>
+          <a:p>
+            <a:pPr algn="ctr"/>
+            <a:r>
+              <a:rPr lang="en-GB" sz="1100" dirty="0" smtClean="0"/>
+              <a:t>These are now available to the “</a:t>
+            </a:r>
+            <a:r>
+              <a:rPr lang="en-GB" sz="1100" b="1" dirty="0" smtClean="0"/>
+              <a:t>trial</a:t>
+            </a:r>
+            <a:r>
+              <a:rPr lang="en-GB" sz="1100" dirty="0" smtClean="0"/>
+              <a:t>” routine and the components within.</a:t>
+            </a:r>
+            <a:endParaRPr lang="en-US" sz="1100" dirty="0"/>
+          </a:p>
+        </p:txBody>
+      </p:sp>
+      <p:cxnSp>
+        <p:nvCxnSpPr>
+          <p:cNvPr id="19" name="Straight Arrow Connector 18"/>
+          <p:cNvCxnSpPr/>
+          <p:nvPr/>
+        </p:nvCxnSpPr>
+        <p:spPr>
+          <a:xfrm flipH="1" flipV="1">
+            <a:off x="3707944" y="5664584"/>
+            <a:ext cx="1440120" cy="140680"/>
+          </a:xfrm>
+          <a:prstGeom prst="straightConnector1">
+            <a:avLst/>
+          </a:prstGeom>
+          <a:ln w="50800">
+            <a:solidFill>
+              <a:srgbClr val="FF0000"/>
+            </a:solidFill>
+            <a:tailEnd type="triangle"/>
+          </a:ln>
+        </p:spPr>
+        <p:style>
+          <a:lnRef idx="1">
+            <a:schemeClr val="accent1"/>
+          </a:lnRef>
+          <a:fillRef idx="0">
+            <a:schemeClr val="accent1"/>
+          </a:fillRef>
+          <a:effectRef idx="0">
+            <a:schemeClr val="accent1"/>
+          </a:effectRef>
+          <a:fontRef idx="minor">
+            <a:schemeClr val="tx1"/>
+          </a:fontRef>
+        </p:style>
+      </p:cxnSp>
+      <p:sp>
+        <p:nvSpPr>
+          <p:cNvPr id="21" name="Oval 20"/>
+          <p:cNvSpPr/>
+          <p:nvPr/>
+        </p:nvSpPr>
+        <p:spPr>
+          <a:xfrm>
+            <a:off x="571460" y="3409719"/>
+            <a:ext cx="1296144" cy="306182"/>
+          </a:xfrm>
+          <a:prstGeom prst="ellipse">
+            <a:avLst/>
+          </a:prstGeom>
+          <a:noFill/>
+          <a:ln>
+            <a:solidFill>
+              <a:srgbClr val="FF0000"/>
+            </a:solidFill>
+          </a:ln>
+        </p:spPr>
+        <p:style>
+          <a:lnRef idx="2">
+            <a:schemeClr val="accent1">
+              <a:shade val="50000"/>
+            </a:schemeClr>
+          </a:lnRef>
+          <a:fillRef idx="1">
+            <a:schemeClr val="accent1"/>
+          </a:fillRef>
+          <a:effectRef idx="0">
+            <a:schemeClr val="accent1"/>
+          </a:effectRef>
+          <a:fontRef idx="minor">
+            <a:schemeClr val="lt1"/>
+          </a:fontRef>
+        </p:style>
+        <p:txBody>
+          <a:bodyPr rtlCol="0" anchor="ctr"/>
+          <a:lstStyle/>
+          <a:p>
+            <a:pPr algn="ctr"/>
+            <a:endParaRPr lang="en-US"/>
+          </a:p>
+        </p:txBody>
+      </p:sp>
+      <p:sp>
+        <p:nvSpPr>
+          <p:cNvPr id="24" name="Oval 23"/>
+          <p:cNvSpPr/>
+          <p:nvPr/>
+        </p:nvSpPr>
+        <p:spPr>
+          <a:xfrm>
+            <a:off x="4716016" y="4066713"/>
+            <a:ext cx="1296144" cy="374527"/>
+          </a:xfrm>
+          <a:prstGeom prst="ellipse">
+            <a:avLst/>
+          </a:prstGeom>
+          <a:noFill/>
+          <a:ln>
+            <a:solidFill>
+              <a:srgbClr val="FF0000"/>
+            </a:solidFill>
+          </a:ln>
+        </p:spPr>
+        <p:style>
+          <a:lnRef idx="2">
+            <a:schemeClr val="accent1">
+              <a:shade val="50000"/>
+            </a:schemeClr>
+          </a:lnRef>
+          <a:fillRef idx="1">
+            <a:schemeClr val="accent1"/>
+          </a:fillRef>
+          <a:effectRef idx="0">
+            <a:schemeClr val="accent1"/>
+          </a:effectRef>
+          <a:fontRef idx="minor">
+            <a:schemeClr val="lt1"/>
+          </a:fontRef>
+        </p:style>
+        <p:txBody>
+          <a:bodyPr rtlCol="0" anchor="ctr"/>
+          <a:lstStyle/>
+          <a:p>
+            <a:pPr algn="ctr"/>
+            <a:endParaRPr lang="en-US"/>
+          </a:p>
+        </p:txBody>
+      </p:sp>
+      <p:sp>
+        <p:nvSpPr>
+          <p:cNvPr id="25" name="Oval 24"/>
+          <p:cNvSpPr/>
+          <p:nvPr/>
+        </p:nvSpPr>
+        <p:spPr>
+          <a:xfrm>
+            <a:off x="3512546" y="3873689"/>
+            <a:ext cx="1294151" cy="283775"/>
+          </a:xfrm>
+          <a:prstGeom prst="ellipse">
+            <a:avLst/>
+          </a:prstGeom>
+          <a:noFill/>
+          <a:ln>
+            <a:solidFill>
+              <a:srgbClr val="FF0000"/>
+            </a:solidFill>
+          </a:ln>
+        </p:spPr>
+        <p:style>
+          <a:lnRef idx="2">
+            <a:schemeClr val="accent1">
+              <a:shade val="50000"/>
+            </a:schemeClr>
+          </a:lnRef>
+          <a:fillRef idx="1">
+            <a:schemeClr val="accent1"/>
+          </a:fillRef>
+          <a:effectRef idx="0">
+            <a:schemeClr val="accent1"/>
+          </a:effectRef>
+          <a:fontRef idx="minor">
+            <a:schemeClr val="lt1"/>
+          </a:fontRef>
+        </p:style>
+        <p:txBody>
+          <a:bodyPr rtlCol="0" anchor="ctr"/>
+          <a:lstStyle/>
+          <a:p>
+            <a:pPr algn="ctr"/>
+            <a:endParaRPr lang="en-US"/>
           </a:p>
         </p:txBody>
       </p:sp>
     </p:spTree>
     <p:extLst>
       <p:ext uri="{BB962C8B-B14F-4D97-AF65-F5344CB8AC3E}">
-        <p14:creationId xmlns:p14="http://schemas.microsoft.com/office/powerpoint/2010/main" val="1892009578"/>
+        <p14:creationId xmlns:p14="http://schemas.microsoft.com/office/powerpoint/2010/main" val="1113723446"/>
       </p:ext>
     </p:extLst>
   </p:cSld>
@@ -8839,14 +10835,19 @@
             <p:ph type="title"/>
           </p:nvPr>
         </p:nvSpPr>
-        <p:spPr/>
+        <p:spPr>
+          <a:xfrm>
+            <a:off x="457200" y="274637"/>
+            <a:ext cx="8229600" cy="850107"/>
+          </a:xfrm>
+        </p:spPr>
         <p:txBody>
           <a:bodyPr/>
           <a:lstStyle/>
           <a:p>
             <a:r>
               <a:rPr lang="en-GB" dirty="0" smtClean="0"/>
-              <a:t>Accessing trial data in a loop</a:t>
+              <a:t>Accessing those attributes</a:t>
             </a:r>
             <a:endParaRPr lang="en-US" dirty="0"/>
           </a:p>
@@ -8862,283 +10863,703 @@
             <p:ph type="body" idx="1"/>
           </p:nvPr>
         </p:nvSpPr>
-        <p:spPr/>
-        <p:txBody>
-          <a:bodyPr/>
+        <p:spPr>
+          <a:xfrm>
+            <a:off x="457200" y="1268760"/>
+            <a:ext cx="8229600" cy="5299140"/>
+          </a:xfrm>
+        </p:spPr>
+        <p:txBody>
+          <a:bodyPr>
+            <a:normAutofit/>
+          </a:bodyPr>
           <a:lstStyle/>
           <a:p>
-            <a:pPr indent="-285750"/>
-            <a:r>
-              <a:rPr lang="en-GB" dirty="0" smtClean="0">
-                <a:solidFill>
-                  <a:schemeClr val="tx1"/>
-                </a:solidFill>
-              </a:rPr>
-              <a:t>When a trial loop is set up, the attributes are now made available</a:t>
-            </a:r>
-          </a:p>
-          <a:p>
-            <a:pPr indent="-285750"/>
-            <a:r>
-              <a:rPr lang="en-GB" dirty="0" smtClean="0">
-                <a:solidFill>
-                  <a:schemeClr val="tx1"/>
-                </a:solidFill>
-              </a:rPr>
-              <a:t>In the </a:t>
-            </a:r>
-            <a:r>
-              <a:rPr lang="en-GB" dirty="0" err="1" smtClean="0">
-                <a:solidFill>
-                  <a:schemeClr val="tx1"/>
-                </a:solidFill>
-              </a:rPr>
-              <a:t>Stroop</a:t>
-            </a:r>
-            <a:r>
-              <a:rPr lang="en-GB" dirty="0" smtClean="0">
-                <a:solidFill>
-                  <a:schemeClr val="tx1"/>
-                </a:solidFill>
-              </a:rPr>
-              <a:t> task, we had:</a:t>
-            </a:r>
-          </a:p>
-          <a:p>
-            <a:pPr lvl="1">
-              <a:buFont typeface="Wingdings" panose="05000000000000000000" pitchFamily="2" charset="2"/>
-              <a:buChar char="§"/>
-            </a:pPr>
-            <a:r>
-              <a:rPr lang="en-GB" sz="1800" b="1" dirty="0" smtClean="0">
-                <a:solidFill>
-                  <a:schemeClr val="tx1"/>
-                </a:solidFill>
-              </a:rPr>
-              <a:t>text, </a:t>
-            </a:r>
-            <a:r>
-              <a:rPr lang="en-GB" sz="1800" b="1" dirty="0" err="1" smtClean="0">
-                <a:solidFill>
-                  <a:schemeClr val="tx1"/>
-                </a:solidFill>
-              </a:rPr>
-              <a:t>letterColor</a:t>
-            </a:r>
-            <a:r>
-              <a:rPr lang="en-GB" sz="1800" b="1" dirty="0" smtClean="0">
-                <a:solidFill>
-                  <a:schemeClr val="tx1"/>
-                </a:solidFill>
-              </a:rPr>
-              <a:t>, </a:t>
-            </a:r>
-            <a:r>
-              <a:rPr lang="en-GB" sz="1800" b="1" dirty="0" err="1" smtClean="0">
-                <a:solidFill>
-                  <a:schemeClr val="tx1"/>
-                </a:solidFill>
-              </a:rPr>
-              <a:t>corrAns</a:t>
-            </a:r>
-            <a:r>
-              <a:rPr lang="en-GB" sz="1800" b="1" dirty="0" smtClean="0">
-                <a:solidFill>
-                  <a:schemeClr val="tx1"/>
-                </a:solidFill>
-              </a:rPr>
-              <a:t> </a:t>
-            </a:r>
-            <a:r>
-              <a:rPr lang="en-GB" sz="1800" dirty="0" smtClean="0">
-                <a:solidFill>
-                  <a:schemeClr val="tx1"/>
-                </a:solidFill>
-              </a:rPr>
-              <a:t>available to us</a:t>
-            </a:r>
-          </a:p>
-          <a:p>
-            <a:r>
-              <a:rPr lang="en-GB" dirty="0" smtClean="0">
-                <a:solidFill>
-                  <a:schemeClr val="tx1"/>
-                </a:solidFill>
-              </a:rPr>
-              <a:t>How is the colour and text passed through and displayed?</a:t>
-            </a:r>
-          </a:p>
-          <a:p>
-            <a:pPr lvl="1">
-              <a:buFont typeface="Wingdings" panose="05000000000000000000" pitchFamily="2" charset="2"/>
-              <a:buChar char="§"/>
-            </a:pPr>
-            <a:r>
-              <a:rPr lang="en-GB" sz="1800" dirty="0" smtClean="0">
-                <a:solidFill>
-                  <a:schemeClr val="tx1"/>
-                </a:solidFill>
-              </a:rPr>
-              <a:t>We use the Excel header and prepend the name with a </a:t>
-            </a:r>
-            <a:r>
-              <a:rPr lang="en-GB" sz="1800" b="1" dirty="0" smtClean="0">
-                <a:solidFill>
-                  <a:schemeClr val="tx1"/>
-                </a:solidFill>
-              </a:rPr>
+            <a:pPr marL="38100" lvl="0" indent="0">
+              <a:buClr>
+                <a:schemeClr val="dk1"/>
+              </a:buClr>
+              <a:buSzPct val="166666"/>
+              <a:buNone/>
+            </a:pPr>
+            <a:r>
+              <a:rPr lang="en-GB" b="1" dirty="0" smtClean="0"/>
+              <a:t>“Word” </a:t>
+            </a:r>
+            <a:r>
+              <a:rPr lang="en-GB" dirty="0" smtClean="0"/>
+              <a:t>and</a:t>
+            </a:r>
+            <a:r>
+              <a:rPr lang="en-GB" b="1" dirty="0" smtClean="0"/>
+              <a:t> “Colour” </a:t>
+            </a:r>
+            <a:r>
+              <a:rPr lang="en-GB" dirty="0" smtClean="0"/>
+              <a:t>now become available to use in the Text component</a:t>
+            </a:r>
+            <a:endParaRPr lang="en-GB" dirty="0"/>
+          </a:p>
+          <a:p>
+            <a:pPr marL="38100" lvl="0" indent="0">
+              <a:buClr>
+                <a:schemeClr val="dk1"/>
+              </a:buClr>
+              <a:buSzPct val="166666"/>
+              <a:buNone/>
+            </a:pPr>
+            <a:endParaRPr lang="en-GB" b="1" dirty="0" smtClean="0"/>
+          </a:p>
+          <a:p>
+            <a:pPr marL="38100" lvl="0" indent="0">
+              <a:buClr>
+                <a:schemeClr val="dk1"/>
+              </a:buClr>
+              <a:buSzPct val="166666"/>
+              <a:buNone/>
+            </a:pPr>
+            <a:endParaRPr lang="en-GB" dirty="0"/>
+          </a:p>
+          <a:p>
+            <a:pPr marL="38100" lvl="0" indent="0">
+              <a:buClr>
+                <a:schemeClr val="dk1"/>
+              </a:buClr>
+              <a:buSzPct val="166666"/>
+              <a:buNone/>
+            </a:pPr>
+            <a:endParaRPr lang="en-GB" dirty="0" smtClean="0"/>
+          </a:p>
+          <a:p>
+            <a:pPr marL="38100" lvl="0" indent="0">
+              <a:buClr>
+                <a:schemeClr val="dk1"/>
+              </a:buClr>
+              <a:buSzPct val="166666"/>
+              <a:buNone/>
+            </a:pPr>
+            <a:endParaRPr lang="en-GB" dirty="0"/>
+          </a:p>
+          <a:p>
+            <a:pPr marL="38100" lvl="0" indent="0">
+              <a:buClr>
+                <a:schemeClr val="dk1"/>
+              </a:buClr>
+              <a:buSzPct val="166666"/>
+              <a:buNone/>
+            </a:pPr>
+            <a:endParaRPr lang="en-GB" dirty="0" smtClean="0"/>
+          </a:p>
+          <a:p>
+            <a:pPr marL="38100" lvl="0" indent="0">
+              <a:buClr>
+                <a:schemeClr val="dk1"/>
+              </a:buClr>
+              <a:buSzPct val="166666"/>
+              <a:buNone/>
+            </a:pPr>
+            <a:endParaRPr lang="en-GB" dirty="0"/>
+          </a:p>
+          <a:p>
+            <a:pPr marL="38100" lvl="0" indent="0">
+              <a:buClr>
+                <a:schemeClr val="dk1"/>
+              </a:buClr>
+              <a:buSzPct val="166666"/>
+              <a:buNone/>
+            </a:pPr>
+            <a:endParaRPr lang="en-GB" dirty="0" smtClean="0"/>
+          </a:p>
+          <a:p>
+            <a:pPr marL="38100" lvl="0" indent="0">
+              <a:buClr>
+                <a:schemeClr val="dk1"/>
+              </a:buClr>
+              <a:buSzPct val="166666"/>
+              <a:buNone/>
+            </a:pPr>
+            <a:endParaRPr lang="en-GB" dirty="0"/>
+          </a:p>
+        </p:txBody>
+      </p:sp>
+      <p:pic>
+        <p:nvPicPr>
+          <p:cNvPr id="14" name="Picture 13"/>
+          <p:cNvPicPr>
+            <a:picLocks noChangeAspect="1"/>
+          </p:cNvPicPr>
+          <p:nvPr/>
+        </p:nvPicPr>
+        <p:blipFill rotWithShape="1">
+          <a:blip r:embed="rId2">
+            <a:extLst>
+              <a:ext uri="{28A0092B-C50C-407E-A947-70E740481C1C}">
+                <a14:useLocalDpi xmlns:a14="http://schemas.microsoft.com/office/drawing/2010/main" val="0"/>
+              </a:ext>
+            </a:extLst>
+          </a:blip>
+          <a:srcRect l="19525" r="21901"/>
+          <a:stretch/>
+        </p:blipFill>
+        <p:spPr>
+          <a:xfrm>
+            <a:off x="539552" y="1772816"/>
+            <a:ext cx="1512169" cy="771633"/>
+          </a:xfrm>
+          <a:prstGeom prst="rect">
+            <a:avLst/>
+          </a:prstGeom>
+        </p:spPr>
+      </p:pic>
+      <p:pic>
+        <p:nvPicPr>
+          <p:cNvPr id="16" name="Picture 15"/>
+          <p:cNvPicPr>
+            <a:picLocks noChangeAspect="1"/>
+          </p:cNvPicPr>
+          <p:nvPr/>
+        </p:nvPicPr>
+        <p:blipFill rotWithShape="1">
+          <a:blip r:embed="rId3">
+            <a:extLst>
+              <a:ext uri="{28A0092B-C50C-407E-A947-70E740481C1C}">
+                <a14:useLocalDpi xmlns:a14="http://schemas.microsoft.com/office/drawing/2010/main" val="0"/>
+              </a:ext>
+            </a:extLst>
+          </a:blip>
+          <a:srcRect r="58202"/>
+          <a:stretch/>
+        </p:blipFill>
+        <p:spPr>
+          <a:xfrm>
+            <a:off x="2699792" y="1772816"/>
+            <a:ext cx="1656184" cy="1224136"/>
+          </a:xfrm>
+          <a:prstGeom prst="rect">
+            <a:avLst/>
+          </a:prstGeom>
+        </p:spPr>
+      </p:pic>
+      <p:pic>
+        <p:nvPicPr>
+          <p:cNvPr id="8" name="Picture 7"/>
+          <p:cNvPicPr>
+            <a:picLocks noChangeAspect="1"/>
+          </p:cNvPicPr>
+          <p:nvPr/>
+        </p:nvPicPr>
+        <p:blipFill>
+          <a:blip r:embed="rId4"/>
+          <a:stretch>
+            <a:fillRect/>
+          </a:stretch>
+        </p:blipFill>
+        <p:spPr>
+          <a:xfrm>
+            <a:off x="4860032" y="1772816"/>
+            <a:ext cx="3748769" cy="3521571"/>
+          </a:xfrm>
+          <a:prstGeom prst="rect">
+            <a:avLst/>
+          </a:prstGeom>
+        </p:spPr>
+      </p:pic>
+      <p:cxnSp>
+        <p:nvCxnSpPr>
+          <p:cNvPr id="12" name="Straight Arrow Connector 11"/>
+          <p:cNvCxnSpPr/>
+          <p:nvPr/>
+        </p:nvCxnSpPr>
+        <p:spPr>
+          <a:xfrm>
+            <a:off x="1691680" y="1772816"/>
+            <a:ext cx="1440160" cy="0"/>
+          </a:xfrm>
+          <a:prstGeom prst="straightConnector1">
+            <a:avLst/>
+          </a:prstGeom>
+          <a:ln w="60325">
+            <a:solidFill>
+              <a:srgbClr val="FF0000"/>
+            </a:solidFill>
+            <a:tailEnd type="triangle"/>
+          </a:ln>
+        </p:spPr>
+        <p:style>
+          <a:lnRef idx="1">
+            <a:schemeClr val="accent1"/>
+          </a:lnRef>
+          <a:fillRef idx="0">
+            <a:schemeClr val="accent1"/>
+          </a:fillRef>
+          <a:effectRef idx="0">
+            <a:schemeClr val="accent1"/>
+          </a:effectRef>
+          <a:fontRef idx="minor">
+            <a:schemeClr val="tx1"/>
+          </a:fontRef>
+        </p:style>
+      </p:cxnSp>
+      <p:cxnSp>
+        <p:nvCxnSpPr>
+          <p:cNvPr id="20" name="Straight Arrow Connector 19"/>
+          <p:cNvCxnSpPr/>
+          <p:nvPr/>
+        </p:nvCxnSpPr>
+        <p:spPr>
+          <a:xfrm>
+            <a:off x="4211960" y="1772816"/>
+            <a:ext cx="1440160" cy="0"/>
+          </a:xfrm>
+          <a:prstGeom prst="straightConnector1">
+            <a:avLst/>
+          </a:prstGeom>
+          <a:ln w="60325">
+            <a:solidFill>
+              <a:srgbClr val="FF0000"/>
+            </a:solidFill>
+            <a:tailEnd type="triangle"/>
+          </a:ln>
+        </p:spPr>
+        <p:style>
+          <a:lnRef idx="1">
+            <a:schemeClr val="accent1"/>
+          </a:lnRef>
+          <a:fillRef idx="0">
+            <a:schemeClr val="accent1"/>
+          </a:fillRef>
+          <a:effectRef idx="0">
+            <a:schemeClr val="accent1"/>
+          </a:effectRef>
+          <a:fontRef idx="minor">
+            <a:schemeClr val="tx1"/>
+          </a:fontRef>
+        </p:style>
+      </p:cxnSp>
+      <p:sp>
+        <p:nvSpPr>
+          <p:cNvPr id="22" name="TextBox 21"/>
+          <p:cNvSpPr txBox="1"/>
+          <p:nvPr/>
+        </p:nvSpPr>
+        <p:spPr>
+          <a:xfrm>
+            <a:off x="1295636" y="3747840"/>
+            <a:ext cx="3168352" cy="1077218"/>
+          </a:xfrm>
+          <a:prstGeom prst="rect">
+            <a:avLst/>
+          </a:prstGeom>
+          <a:noFill/>
+        </p:spPr>
+        <p:txBody>
+          <a:bodyPr wrap="square" rtlCol="0">
+            <a:spAutoFit/>
+          </a:bodyPr>
+          <a:lstStyle/>
+          <a:p>
+            <a:pPr algn="ctr"/>
+            <a:r>
+              <a:rPr lang="en-GB" sz="1600" dirty="0" smtClean="0"/>
+              <a:t>We use the dollar sign (</a:t>
+            </a:r>
+            <a:r>
+              <a:rPr lang="en-GB" sz="1600" b="1" dirty="0" smtClean="0"/>
               <a:t>$</a:t>
             </a:r>
             <a:r>
-              <a:rPr lang="en-GB" sz="1800" dirty="0" smtClean="0">
-                <a:solidFill>
-                  <a:schemeClr val="tx1"/>
-                </a:solidFill>
-              </a:rPr>
-              <a:t> symbol.</a:t>
-            </a:r>
-          </a:p>
-          <a:p>
-            <a:pPr lvl="1">
-              <a:buFont typeface="Wingdings" panose="05000000000000000000" pitchFamily="2" charset="2"/>
-              <a:buChar char="§"/>
-            </a:pPr>
-            <a:r>
-              <a:rPr lang="en-GB" sz="1800" dirty="0" smtClean="0">
-                <a:solidFill>
-                  <a:schemeClr val="tx1"/>
-                </a:solidFill>
-              </a:rPr>
-              <a:t>See </a:t>
-            </a:r>
-            <a:r>
-              <a:rPr lang="en-GB" sz="1800" dirty="0" err="1" smtClean="0">
-                <a:solidFill>
-                  <a:schemeClr val="tx1"/>
-                </a:solidFill>
-              </a:rPr>
-              <a:t>Stroop</a:t>
-            </a:r>
-            <a:r>
-              <a:rPr lang="en-GB" sz="1800" dirty="0" smtClean="0">
-                <a:solidFill>
-                  <a:schemeClr val="tx1"/>
-                </a:solidFill>
-              </a:rPr>
-              <a:t> experiment.</a:t>
-            </a:r>
-          </a:p>
-          <a:p>
-            <a:r>
-              <a:rPr lang="en-GB" dirty="0" smtClean="0">
-                <a:solidFill>
-                  <a:schemeClr val="tx1"/>
-                </a:solidFill>
-              </a:rPr>
-              <a:t>But we also need to change another property – Update mode:</a:t>
-            </a:r>
-          </a:p>
-          <a:p>
-            <a:pPr lvl="1">
-              <a:buFont typeface="Wingdings" panose="05000000000000000000" pitchFamily="2" charset="2"/>
-              <a:buChar char="§"/>
-            </a:pPr>
-            <a:r>
-              <a:rPr lang="en-GB" sz="1800" b="1" dirty="0" smtClean="0">
-                <a:solidFill>
-                  <a:schemeClr val="tx1"/>
-                </a:solidFill>
-              </a:rPr>
-              <a:t>“Constant” </a:t>
-            </a:r>
-            <a:r>
-              <a:rPr lang="en-GB" sz="1800" dirty="0" smtClean="0">
-                <a:solidFill>
-                  <a:schemeClr val="tx1"/>
-                </a:solidFill>
-              </a:rPr>
-              <a:t>= never changes</a:t>
-            </a:r>
-          </a:p>
-          <a:p>
-            <a:pPr lvl="1">
-              <a:buFont typeface="Wingdings" panose="05000000000000000000" pitchFamily="2" charset="2"/>
-              <a:buChar char="§"/>
-            </a:pPr>
-            <a:r>
-              <a:rPr lang="en-GB" sz="1800" b="1" dirty="0" smtClean="0">
-                <a:solidFill>
-                  <a:schemeClr val="tx1"/>
-                </a:solidFill>
-              </a:rPr>
-              <a:t>“Set every repeat” </a:t>
-            </a:r>
-            <a:r>
-              <a:rPr lang="en-GB" sz="1800" dirty="0" smtClean="0">
-                <a:solidFill>
-                  <a:schemeClr val="tx1"/>
-                </a:solidFill>
-              </a:rPr>
-              <a:t>= update and change on every repetition/trial/loop</a:t>
-            </a:r>
-          </a:p>
-          <a:p>
-            <a:pPr lvl="1">
-              <a:buFont typeface="Wingdings" panose="05000000000000000000" pitchFamily="2" charset="2"/>
-              <a:buChar char="§"/>
-            </a:pPr>
-            <a:r>
-              <a:rPr lang="en-GB" sz="1800" b="1" dirty="0" smtClean="0">
-                <a:solidFill>
-                  <a:schemeClr val="tx1"/>
-                </a:solidFill>
-              </a:rPr>
-              <a:t>“Set every frame” </a:t>
-            </a:r>
-            <a:r>
-              <a:rPr lang="en-GB" sz="1800" dirty="0" smtClean="0">
-                <a:solidFill>
-                  <a:schemeClr val="tx1"/>
-                </a:solidFill>
-              </a:rPr>
-              <a:t>= update at every single screen refresh (overkill!)</a:t>
-            </a:r>
-          </a:p>
-          <a:p>
-            <a:r>
-              <a:rPr lang="en-GB" dirty="0" smtClean="0">
-                <a:solidFill>
-                  <a:schemeClr val="tx1"/>
-                </a:solidFill>
-              </a:rPr>
-              <a:t>If we set the Word colour and text attributes to “Constant”, we would get an error.</a:t>
-            </a:r>
-          </a:p>
-          <a:p>
-            <a:pPr marL="457200" lvl="1" indent="0">
-              <a:buNone/>
-            </a:pPr>
-            <a:endParaRPr lang="en-GB" sz="1800" b="1" dirty="0">
-              <a:solidFill>
-                <a:srgbClr val="7030A0"/>
-              </a:solidFill>
-            </a:endParaRPr>
-          </a:p>
-          <a:p>
-            <a:endParaRPr lang="en-US" dirty="0"/>
+              <a:rPr lang="en-GB" sz="1600" dirty="0" smtClean="0"/>
+              <a:t>) to tell </a:t>
+            </a:r>
+            <a:r>
+              <a:rPr lang="en-GB" sz="1600" dirty="0" err="1" smtClean="0"/>
+              <a:t>PsychoPy</a:t>
+            </a:r>
+            <a:r>
+              <a:rPr lang="en-GB" sz="1600" dirty="0" smtClean="0"/>
+              <a:t> that we are using an attribute, which will contain data for our current trial</a:t>
+            </a:r>
+          </a:p>
+        </p:txBody>
+      </p:sp>
+      <p:sp>
+        <p:nvSpPr>
+          <p:cNvPr id="23" name="TextBox 22"/>
+          <p:cNvSpPr txBox="1"/>
+          <p:nvPr/>
+        </p:nvSpPr>
+        <p:spPr>
+          <a:xfrm>
+            <a:off x="2195736" y="5383555"/>
+            <a:ext cx="4932549" cy="1323439"/>
+          </a:xfrm>
+          <a:prstGeom prst="rect">
+            <a:avLst/>
+          </a:prstGeom>
+          <a:noFill/>
+        </p:spPr>
+        <p:txBody>
+          <a:bodyPr wrap="square" rtlCol="0">
+            <a:spAutoFit/>
+          </a:bodyPr>
+          <a:lstStyle/>
+          <a:p>
+            <a:pPr algn="ctr"/>
+            <a:r>
+              <a:rPr lang="en-GB" sz="1600" dirty="0" smtClean="0"/>
+              <a:t>Crucially, we MUST change the update method from “Constant” to “Set every repeat”.</a:t>
+            </a:r>
+          </a:p>
+          <a:p>
+            <a:pPr algn="ctr"/>
+            <a:endParaRPr lang="en-GB" sz="1600" dirty="0"/>
+          </a:p>
+          <a:p>
+            <a:pPr algn="ctr"/>
+            <a:r>
+              <a:rPr lang="en-GB" sz="1600" dirty="0" smtClean="0"/>
+              <a:t>So we are saying – “</a:t>
+            </a:r>
+            <a:r>
+              <a:rPr lang="en-GB" sz="1600" b="1" dirty="0" smtClean="0"/>
+              <a:t>This value will change on every repetition/loop/trial”</a:t>
+            </a:r>
+          </a:p>
+        </p:txBody>
+      </p:sp>
+      <p:cxnSp>
+        <p:nvCxnSpPr>
+          <p:cNvPr id="24" name="Straight Arrow Connector 23"/>
+          <p:cNvCxnSpPr/>
+          <p:nvPr/>
+        </p:nvCxnSpPr>
+        <p:spPr>
+          <a:xfrm flipV="1">
+            <a:off x="4417199" y="3444913"/>
+            <a:ext cx="802873" cy="632160"/>
+          </a:xfrm>
+          <a:prstGeom prst="straightConnector1">
+            <a:avLst/>
+          </a:prstGeom>
+          <a:ln w="22225">
+            <a:tailEnd type="triangle"/>
+          </a:ln>
+        </p:spPr>
+        <p:style>
+          <a:lnRef idx="1">
+            <a:schemeClr val="accent1"/>
+          </a:lnRef>
+          <a:fillRef idx="0">
+            <a:schemeClr val="accent1"/>
+          </a:fillRef>
+          <a:effectRef idx="0">
+            <a:schemeClr val="accent1"/>
+          </a:effectRef>
+          <a:fontRef idx="minor">
+            <a:schemeClr val="tx1"/>
+          </a:fontRef>
+        </p:style>
+      </p:cxnSp>
+      <p:cxnSp>
+        <p:nvCxnSpPr>
+          <p:cNvPr id="25" name="Straight Arrow Connector 24"/>
+          <p:cNvCxnSpPr/>
+          <p:nvPr/>
+        </p:nvCxnSpPr>
+        <p:spPr>
+          <a:xfrm>
+            <a:off x="4430194" y="4239903"/>
+            <a:ext cx="1038690" cy="46546"/>
+          </a:xfrm>
+          <a:prstGeom prst="straightConnector1">
+            <a:avLst/>
+          </a:prstGeom>
+          <a:ln w="22225">
+            <a:tailEnd type="triangle"/>
+          </a:ln>
+        </p:spPr>
+        <p:style>
+          <a:lnRef idx="1">
+            <a:schemeClr val="accent1"/>
+          </a:lnRef>
+          <a:fillRef idx="0">
+            <a:schemeClr val="accent1"/>
+          </a:fillRef>
+          <a:effectRef idx="0">
+            <a:schemeClr val="accent1"/>
+          </a:effectRef>
+          <a:fontRef idx="minor">
+            <a:schemeClr val="tx1"/>
+          </a:fontRef>
+        </p:style>
+      </p:cxnSp>
+      <p:sp>
+        <p:nvSpPr>
+          <p:cNvPr id="27" name="Oval 26"/>
+          <p:cNvSpPr/>
+          <p:nvPr/>
+        </p:nvSpPr>
+        <p:spPr>
+          <a:xfrm>
+            <a:off x="5472100" y="3317576"/>
+            <a:ext cx="504056" cy="216025"/>
+          </a:xfrm>
+          <a:prstGeom prst="ellipse">
+            <a:avLst/>
+          </a:prstGeom>
+          <a:noFill/>
+          <a:ln>
+            <a:solidFill>
+              <a:srgbClr val="FF0000"/>
+            </a:solidFill>
+          </a:ln>
+        </p:spPr>
+        <p:style>
+          <a:lnRef idx="2">
+            <a:schemeClr val="accent1">
+              <a:shade val="50000"/>
+            </a:schemeClr>
+          </a:lnRef>
+          <a:fillRef idx="1">
+            <a:schemeClr val="accent1"/>
+          </a:fillRef>
+          <a:effectRef idx="0">
+            <a:schemeClr val="accent1"/>
+          </a:effectRef>
+          <a:fontRef idx="minor">
+            <a:schemeClr val="lt1"/>
+          </a:fontRef>
+        </p:style>
+        <p:txBody>
+          <a:bodyPr rtlCol="0" anchor="ctr"/>
+          <a:lstStyle/>
+          <a:p>
+            <a:pPr algn="ctr"/>
+            <a:endParaRPr lang="en-US"/>
+          </a:p>
+        </p:txBody>
+      </p:sp>
+      <p:sp>
+        <p:nvSpPr>
+          <p:cNvPr id="28" name="Oval 27"/>
+          <p:cNvSpPr/>
+          <p:nvPr/>
+        </p:nvSpPr>
+        <p:spPr>
+          <a:xfrm>
+            <a:off x="5610653" y="4131890"/>
+            <a:ext cx="504056" cy="216025"/>
+          </a:xfrm>
+          <a:prstGeom prst="ellipse">
+            <a:avLst/>
+          </a:prstGeom>
+          <a:noFill/>
+          <a:ln>
+            <a:solidFill>
+              <a:srgbClr val="FF0000"/>
+            </a:solidFill>
+          </a:ln>
+        </p:spPr>
+        <p:style>
+          <a:lnRef idx="2">
+            <a:schemeClr val="accent1">
+              <a:shade val="50000"/>
+            </a:schemeClr>
+          </a:lnRef>
+          <a:fillRef idx="1">
+            <a:schemeClr val="accent1"/>
+          </a:fillRef>
+          <a:effectRef idx="0">
+            <a:schemeClr val="accent1"/>
+          </a:effectRef>
+          <a:fontRef idx="minor">
+            <a:schemeClr val="lt1"/>
+          </a:fontRef>
+        </p:style>
+        <p:txBody>
+          <a:bodyPr rtlCol="0" anchor="ctr"/>
+          <a:lstStyle/>
+          <a:p>
+            <a:pPr algn="ctr"/>
+            <a:endParaRPr lang="en-US"/>
+          </a:p>
+        </p:txBody>
+      </p:sp>
+      <p:cxnSp>
+        <p:nvCxnSpPr>
+          <p:cNvPr id="29" name="Straight Arrow Connector 28"/>
+          <p:cNvCxnSpPr/>
+          <p:nvPr/>
+        </p:nvCxnSpPr>
+        <p:spPr>
+          <a:xfrm flipV="1">
+            <a:off x="6215071" y="3425588"/>
+            <a:ext cx="1525281" cy="1957967"/>
+          </a:xfrm>
+          <a:prstGeom prst="straightConnector1">
+            <a:avLst/>
+          </a:prstGeom>
+          <a:ln w="22225">
+            <a:tailEnd type="triangle"/>
+          </a:ln>
+        </p:spPr>
+        <p:style>
+          <a:lnRef idx="1">
+            <a:schemeClr val="accent1"/>
+          </a:lnRef>
+          <a:fillRef idx="0">
+            <a:schemeClr val="accent1"/>
+          </a:fillRef>
+          <a:effectRef idx="0">
+            <a:schemeClr val="accent1"/>
+          </a:effectRef>
+          <a:fontRef idx="minor">
+            <a:schemeClr val="tx1"/>
+          </a:fontRef>
+        </p:style>
+      </p:cxnSp>
+      <p:cxnSp>
+        <p:nvCxnSpPr>
+          <p:cNvPr id="31" name="Straight Arrow Connector 30"/>
+          <p:cNvCxnSpPr/>
+          <p:nvPr/>
+        </p:nvCxnSpPr>
+        <p:spPr>
+          <a:xfrm flipV="1">
+            <a:off x="6202524" y="4239902"/>
+            <a:ext cx="1537828" cy="1143653"/>
+          </a:xfrm>
+          <a:prstGeom prst="straightConnector1">
+            <a:avLst/>
+          </a:prstGeom>
+          <a:ln w="22225">
+            <a:tailEnd type="triangle"/>
+          </a:ln>
+        </p:spPr>
+        <p:style>
+          <a:lnRef idx="1">
+            <a:schemeClr val="accent1"/>
+          </a:lnRef>
+          <a:fillRef idx="0">
+            <a:schemeClr val="accent1"/>
+          </a:fillRef>
+          <a:effectRef idx="0">
+            <a:schemeClr val="accent1"/>
+          </a:effectRef>
+          <a:fontRef idx="minor">
+            <a:schemeClr val="tx1"/>
+          </a:fontRef>
+        </p:style>
+      </p:cxnSp>
+      <p:sp>
+        <p:nvSpPr>
+          <p:cNvPr id="34" name="Oval 33"/>
+          <p:cNvSpPr/>
+          <p:nvPr/>
+        </p:nvSpPr>
+        <p:spPr>
+          <a:xfrm>
+            <a:off x="7679128" y="3317576"/>
+            <a:ext cx="853311" cy="216025"/>
+          </a:xfrm>
+          <a:prstGeom prst="ellipse">
+            <a:avLst/>
+          </a:prstGeom>
+          <a:noFill/>
+          <a:ln>
+            <a:solidFill>
+              <a:srgbClr val="FF0000"/>
+            </a:solidFill>
+          </a:ln>
+        </p:spPr>
+        <p:style>
+          <a:lnRef idx="2">
+            <a:schemeClr val="accent1">
+              <a:shade val="50000"/>
+            </a:schemeClr>
+          </a:lnRef>
+          <a:fillRef idx="1">
+            <a:schemeClr val="accent1"/>
+          </a:fillRef>
+          <a:effectRef idx="0">
+            <a:schemeClr val="accent1"/>
+          </a:effectRef>
+          <a:fontRef idx="minor">
+            <a:schemeClr val="lt1"/>
+          </a:fontRef>
+        </p:style>
+        <p:txBody>
+          <a:bodyPr rtlCol="0" anchor="ctr"/>
+          <a:lstStyle/>
+          <a:p>
+            <a:pPr algn="ctr"/>
+            <a:endParaRPr lang="en-US"/>
+          </a:p>
+        </p:txBody>
+      </p:sp>
+      <p:sp>
+        <p:nvSpPr>
+          <p:cNvPr id="35" name="Oval 34"/>
+          <p:cNvSpPr/>
+          <p:nvPr/>
+        </p:nvSpPr>
+        <p:spPr>
+          <a:xfrm>
+            <a:off x="7683537" y="4131889"/>
+            <a:ext cx="853311" cy="216025"/>
+          </a:xfrm>
+          <a:prstGeom prst="ellipse">
+            <a:avLst/>
+          </a:prstGeom>
+          <a:noFill/>
+          <a:ln>
+            <a:solidFill>
+              <a:srgbClr val="FF0000"/>
+            </a:solidFill>
+          </a:ln>
+        </p:spPr>
+        <p:style>
+          <a:lnRef idx="2">
+            <a:schemeClr val="accent1">
+              <a:shade val="50000"/>
+            </a:schemeClr>
+          </a:lnRef>
+          <a:fillRef idx="1">
+            <a:schemeClr val="accent1"/>
+          </a:fillRef>
+          <a:effectRef idx="0">
+            <a:schemeClr val="accent1"/>
+          </a:effectRef>
+          <a:fontRef idx="minor">
+            <a:schemeClr val="lt1"/>
+          </a:fontRef>
+        </p:style>
+        <p:txBody>
+          <a:bodyPr rtlCol="0" anchor="ctr"/>
+          <a:lstStyle/>
+          <a:p>
+            <a:pPr algn="ctr"/>
+            <a:endParaRPr lang="en-US"/>
           </a:p>
         </p:txBody>
       </p:sp>
     </p:spTree>
     <p:extLst>
       <p:ext uri="{BB962C8B-B14F-4D97-AF65-F5344CB8AC3E}">
-        <p14:creationId xmlns:p14="http://schemas.microsoft.com/office/powerpoint/2010/main" val="2705822376"/>
+        <p14:creationId xmlns:p14="http://schemas.microsoft.com/office/powerpoint/2010/main" val="543467610"/>
       </p:ext>
     </p:extLst>
   </p:cSld>
   <p:clrMapOvr>
     <a:masterClrMapping/>
   </p:clrMapOvr>
+  <p:timing>
+    <p:tnLst>
+      <p:par>
+        <p:cTn id="1" dur="indefinite" restart="never" nodeType="tmRoot"/>
+      </p:par>
+    </p:tnLst>
+  </p:timing>
 </p:sld>
 </file>
 
@@ -9169,7 +11590,12 @@
             <p:ph type="title"/>
           </p:nvPr>
         </p:nvSpPr>
-        <p:spPr/>
+        <p:spPr>
+          <a:xfrm>
+            <a:off x="457200" y="274637"/>
+            <a:ext cx="8229600" cy="706091"/>
+          </a:xfrm>
+        </p:spPr>
         <p:txBody>
           <a:bodyPr>
             <a:normAutofit fontScale="90000"/>
@@ -9178,48 +11604,9 @@
           <a:p>
             <a:r>
               <a:rPr lang="en-GB" dirty="0" smtClean="0"/>
-              <a:t>Exercise 2:</a:t>
-            </a:r>
-            <a:br>
-              <a:rPr lang="en-GB" dirty="0" smtClean="0"/>
-            </a:br>
-            <a:r>
-              <a:rPr lang="en-GB" dirty="0" smtClean="0">
-                <a:solidFill>
-                  <a:schemeClr val="accent1">
-                    <a:lumMod val="50000"/>
-                  </a:schemeClr>
-                </a:solidFill>
-              </a:rPr>
-              <a:t>Modify the </a:t>
-            </a:r>
-            <a:r>
-              <a:rPr lang="en-GB" dirty="0" err="1" smtClean="0">
-                <a:solidFill>
-                  <a:schemeClr val="accent1">
-                    <a:lumMod val="50000"/>
-                  </a:schemeClr>
-                </a:solidFill>
-              </a:rPr>
-              <a:t>Stroop</a:t>
-            </a:r>
-            <a:r>
-              <a:rPr lang="en-GB" dirty="0" smtClean="0">
-                <a:solidFill>
-                  <a:schemeClr val="accent1">
-                    <a:lumMod val="50000"/>
-                  </a:schemeClr>
-                </a:solidFill>
-              </a:rPr>
-              <a:t> demo</a:t>
-            </a:r>
-            <a:endParaRPr lang="en-US" dirty="0">
-              <a:solidFill>
-                <a:schemeClr val="accent1">
-                  <a:lumMod val="50000"/>
-                </a:schemeClr>
-              </a:solidFill>
-            </a:endParaRPr>
+              <a:t>So when the trials run…</a:t>
+            </a:r>
+            <a:endParaRPr lang="en-US" dirty="0"/>
           </a:p>
         </p:txBody>
       </p:sp>
@@ -9233,199 +11620,986 @@
             <p:ph type="body" idx="1"/>
           </p:nvPr>
         </p:nvSpPr>
-        <p:spPr/>
-        <p:txBody>
-          <a:bodyPr>
-            <a:normAutofit/>
+        <p:spPr>
+          <a:xfrm>
+            <a:off x="457200" y="980728"/>
+            <a:ext cx="8229600" cy="5587172"/>
+          </a:xfrm>
+        </p:spPr>
+        <p:txBody>
+          <a:bodyPr/>
+          <a:lstStyle/>
+          <a:p>
+            <a:pPr marL="457200" lvl="1" indent="0">
+              <a:buNone/>
+            </a:pPr>
+            <a:endParaRPr lang="en-GB" sz="1800" b="1" dirty="0">
+              <a:solidFill>
+                <a:srgbClr val="7030A0"/>
+              </a:solidFill>
+            </a:endParaRPr>
+          </a:p>
+          <a:p>
+            <a:pPr marL="0" indent="0">
+              <a:buNone/>
+            </a:pPr>
+            <a:endParaRPr lang="en-US" dirty="0"/>
+          </a:p>
+        </p:txBody>
+      </p:sp>
+      <p:pic>
+        <p:nvPicPr>
+          <p:cNvPr id="4" name="Picture 3"/>
+          <p:cNvPicPr>
+            <a:picLocks noChangeAspect="1"/>
+          </p:cNvPicPr>
+          <p:nvPr/>
+        </p:nvPicPr>
+        <p:blipFill rotWithShape="1">
+          <a:blip r:embed="rId2">
+            <a:extLst>
+              <a:ext uri="{28A0092B-C50C-407E-A947-70E740481C1C}">
+                <a14:useLocalDpi xmlns:a14="http://schemas.microsoft.com/office/drawing/2010/main" val="0"/>
+              </a:ext>
+            </a:extLst>
+          </a:blip>
+          <a:srcRect l="19525" r="21901"/>
+          <a:stretch/>
+        </p:blipFill>
+        <p:spPr>
+          <a:xfrm>
+            <a:off x="2478596" y="1159034"/>
+            <a:ext cx="1512169" cy="771633"/>
+          </a:xfrm>
+          <a:prstGeom prst="rect">
+            <a:avLst/>
+          </a:prstGeom>
+        </p:spPr>
+      </p:pic>
+      <p:pic>
+        <p:nvPicPr>
+          <p:cNvPr id="6" name="Picture 5"/>
+          <p:cNvPicPr>
+            <a:picLocks noChangeAspect="1"/>
+          </p:cNvPicPr>
+          <p:nvPr/>
+        </p:nvPicPr>
+        <p:blipFill>
+          <a:blip r:embed="rId3">
+            <a:extLst>
+              <a:ext uri="{28A0092B-C50C-407E-A947-70E740481C1C}">
+                <a14:useLocalDpi xmlns:a14="http://schemas.microsoft.com/office/drawing/2010/main" val="0"/>
+              </a:ext>
+            </a:extLst>
+          </a:blip>
+          <a:stretch>
+            <a:fillRect/>
+          </a:stretch>
+        </p:blipFill>
+        <p:spPr>
+          <a:xfrm>
+            <a:off x="6012160" y="1212747"/>
+            <a:ext cx="1206805" cy="715144"/>
+          </a:xfrm>
+          <a:prstGeom prst="rect">
+            <a:avLst/>
+          </a:prstGeom>
+        </p:spPr>
+      </p:pic>
+      <p:sp>
+        <p:nvSpPr>
+          <p:cNvPr id="7" name="TextBox 6"/>
+          <p:cNvSpPr txBox="1"/>
+          <p:nvPr/>
+        </p:nvSpPr>
+        <p:spPr>
+          <a:xfrm>
+            <a:off x="502588" y="1363211"/>
+            <a:ext cx="1418381" cy="477054"/>
+          </a:xfrm>
+          <a:prstGeom prst="rect">
+            <a:avLst/>
+          </a:prstGeom>
+          <a:noFill/>
+        </p:spPr>
+        <p:txBody>
+          <a:bodyPr wrap="square" rtlCol="0">
+            <a:spAutoFit/>
           </a:bodyPr>
           <a:lstStyle/>
           <a:p>
-            <a:pPr>
-              <a:buFont typeface="+mj-lt"/>
-              <a:buAutoNum type="arabicPeriod"/>
-            </a:pPr>
-            <a:r>
-              <a:rPr lang="en-GB" dirty="0" smtClean="0"/>
-              <a:t>Open up </a:t>
-            </a:r>
-            <a:r>
-              <a:rPr lang="en-GB" dirty="0" smtClean="0">
+            <a:r>
+              <a:rPr lang="en-GB" b="1" dirty="0" smtClean="0"/>
+              <a:t>1) </a:t>
+            </a:r>
+            <a:r>
+              <a:rPr lang="en-GB" sz="1100" dirty="0" smtClean="0"/>
+              <a:t>We come into the trial routine…</a:t>
+            </a:r>
+            <a:endParaRPr lang="en-US" sz="1100" dirty="0"/>
+          </a:p>
+        </p:txBody>
+      </p:sp>
+      <p:sp>
+        <p:nvSpPr>
+          <p:cNvPr id="8" name="Rectangle 7"/>
+          <p:cNvSpPr/>
+          <p:nvPr/>
+        </p:nvSpPr>
+        <p:spPr>
+          <a:xfrm>
+            <a:off x="5868144" y="1578655"/>
+            <a:ext cx="1418381" cy="160473"/>
+          </a:xfrm>
+          <a:prstGeom prst="rect">
+            <a:avLst/>
+          </a:prstGeom>
+          <a:solidFill>
+            <a:schemeClr val="accent1">
+              <a:alpha val="32000"/>
+            </a:schemeClr>
+          </a:solidFill>
+          <a:ln>
+            <a:solidFill>
+              <a:schemeClr val="accent1">
+                <a:shade val="50000"/>
+                <a:alpha val="26000"/>
+              </a:schemeClr>
+            </a:solidFill>
+          </a:ln>
+        </p:spPr>
+        <p:style>
+          <a:lnRef idx="2">
+            <a:schemeClr val="accent1">
+              <a:shade val="50000"/>
+            </a:schemeClr>
+          </a:lnRef>
+          <a:fillRef idx="1">
+            <a:schemeClr val="accent1"/>
+          </a:fillRef>
+          <a:effectRef idx="0">
+            <a:schemeClr val="accent1"/>
+          </a:effectRef>
+          <a:fontRef idx="minor">
+            <a:schemeClr val="lt1"/>
+          </a:fontRef>
+        </p:style>
+        <p:txBody>
+          <a:bodyPr rtlCol="0" anchor="ctr"/>
+          <a:lstStyle/>
+          <a:p>
+            <a:pPr algn="ctr"/>
+            <a:endParaRPr lang="en-US"/>
+          </a:p>
+        </p:txBody>
+      </p:sp>
+      <p:sp>
+        <p:nvSpPr>
+          <p:cNvPr id="9" name="TextBox 8"/>
+          <p:cNvSpPr txBox="1"/>
+          <p:nvPr/>
+        </p:nvSpPr>
+        <p:spPr>
+          <a:xfrm>
+            <a:off x="4150681" y="1357590"/>
+            <a:ext cx="1418381" cy="307777"/>
+          </a:xfrm>
+          <a:prstGeom prst="rect">
+            <a:avLst/>
+          </a:prstGeom>
+          <a:noFill/>
+        </p:spPr>
+        <p:txBody>
+          <a:bodyPr wrap="square" rtlCol="0">
+            <a:spAutoFit/>
+          </a:bodyPr>
+          <a:lstStyle/>
+          <a:p>
+            <a:r>
+              <a:rPr lang="en-GB" b="1" dirty="0" smtClean="0"/>
+              <a:t>2)</a:t>
+            </a:r>
+            <a:r>
+              <a:rPr lang="en-GB" sz="1100" dirty="0" smtClean="0"/>
+              <a:t> And fetch a row</a:t>
+            </a:r>
+            <a:endParaRPr lang="en-US" sz="1100" dirty="0"/>
+          </a:p>
+        </p:txBody>
+      </p:sp>
+      <p:cxnSp>
+        <p:nvCxnSpPr>
+          <p:cNvPr id="10" name="Straight Arrow Connector 9"/>
+          <p:cNvCxnSpPr/>
+          <p:nvPr/>
+        </p:nvCxnSpPr>
+        <p:spPr>
+          <a:xfrm>
+            <a:off x="1907704" y="1484784"/>
+            <a:ext cx="504056" cy="0"/>
+          </a:xfrm>
+          <a:prstGeom prst="straightConnector1">
+            <a:avLst/>
+          </a:prstGeom>
+          <a:ln w="60325">
+            <a:solidFill>
+              <a:srgbClr val="FF0000"/>
+            </a:solidFill>
+            <a:tailEnd type="triangle"/>
+          </a:ln>
+        </p:spPr>
+        <p:style>
+          <a:lnRef idx="1">
+            <a:schemeClr val="accent1"/>
+          </a:lnRef>
+          <a:fillRef idx="0">
+            <a:schemeClr val="accent1"/>
+          </a:fillRef>
+          <a:effectRef idx="0">
+            <a:schemeClr val="accent1"/>
+          </a:effectRef>
+          <a:fontRef idx="minor">
+            <a:schemeClr val="tx1"/>
+          </a:fontRef>
+        </p:style>
+      </p:cxnSp>
+      <p:cxnSp>
+        <p:nvCxnSpPr>
+          <p:cNvPr id="12" name="Straight Arrow Connector 11"/>
+          <p:cNvCxnSpPr>
+            <a:endCxn id="8" idx="1"/>
+          </p:cNvCxnSpPr>
+          <p:nvPr/>
+        </p:nvCxnSpPr>
+        <p:spPr>
+          <a:xfrm flipV="1">
+            <a:off x="4788024" y="1658892"/>
+            <a:ext cx="1080120" cy="80237"/>
+          </a:xfrm>
+          <a:prstGeom prst="straightConnector1">
+            <a:avLst/>
+          </a:prstGeom>
+          <a:ln w="60325">
+            <a:solidFill>
+              <a:srgbClr val="FF0000"/>
+            </a:solidFill>
+            <a:tailEnd type="triangle"/>
+          </a:ln>
+        </p:spPr>
+        <p:style>
+          <a:lnRef idx="1">
+            <a:schemeClr val="accent1"/>
+          </a:lnRef>
+          <a:fillRef idx="0">
+            <a:schemeClr val="accent1"/>
+          </a:fillRef>
+          <a:effectRef idx="0">
+            <a:schemeClr val="accent1"/>
+          </a:effectRef>
+          <a:fontRef idx="minor">
+            <a:schemeClr val="tx1"/>
+          </a:fontRef>
+        </p:style>
+      </p:cxnSp>
+      <p:sp>
+        <p:nvSpPr>
+          <p:cNvPr id="15" name="TextBox 14"/>
+          <p:cNvSpPr txBox="1"/>
+          <p:nvPr/>
+        </p:nvSpPr>
+        <p:spPr>
+          <a:xfrm>
+            <a:off x="502588" y="2190876"/>
+            <a:ext cx="1418381" cy="1154162"/>
+          </a:xfrm>
+          <a:prstGeom prst="rect">
+            <a:avLst/>
+          </a:prstGeom>
+          <a:noFill/>
+        </p:spPr>
+        <p:txBody>
+          <a:bodyPr wrap="square" rtlCol="0">
+            <a:spAutoFit/>
+          </a:bodyPr>
+          <a:lstStyle/>
+          <a:p>
+            <a:r>
+              <a:rPr lang="en-GB" b="1" dirty="0" smtClean="0"/>
+              <a:t>3)</a:t>
+            </a:r>
+            <a:r>
+              <a:rPr lang="en-GB" sz="1100" dirty="0" smtClean="0"/>
+              <a:t> </a:t>
+            </a:r>
+            <a:r>
+              <a:rPr lang="en-GB" sz="1100" b="1" dirty="0" smtClean="0"/>
+              <a:t>“Hello” </a:t>
+            </a:r>
+            <a:r>
+              <a:rPr lang="en-GB" sz="1100" dirty="0" smtClean="0"/>
+              <a:t>and </a:t>
+            </a:r>
+            <a:r>
+              <a:rPr lang="en-GB" sz="1100" b="1" dirty="0" smtClean="0"/>
+              <a:t>“Red” </a:t>
+            </a:r>
+            <a:r>
+              <a:rPr lang="en-GB" sz="1100" dirty="0" smtClean="0"/>
+              <a:t>are passed into their attributes. </a:t>
+            </a:r>
+          </a:p>
+          <a:p>
+            <a:pPr algn="ctr"/>
+            <a:endParaRPr lang="en-GB" sz="1100" dirty="0" smtClean="0"/>
+          </a:p>
+          <a:p>
+            <a:pPr algn="ctr"/>
+            <a:r>
+              <a:rPr lang="en-GB" sz="1100" dirty="0" smtClean="0"/>
+              <a:t>Done automatically by </a:t>
+            </a:r>
+            <a:r>
+              <a:rPr lang="en-GB" sz="1100" dirty="0" err="1" smtClean="0"/>
+              <a:t>PsychoPy</a:t>
+            </a:r>
+            <a:endParaRPr lang="en-US" sz="1100" dirty="0"/>
+          </a:p>
+        </p:txBody>
+      </p:sp>
+      <p:sp>
+        <p:nvSpPr>
+          <p:cNvPr id="16" name="TextBox 15"/>
+          <p:cNvSpPr txBox="1"/>
+          <p:nvPr/>
+        </p:nvSpPr>
+        <p:spPr>
+          <a:xfrm>
+            <a:off x="2411760" y="2310012"/>
+            <a:ext cx="1614463" cy="461665"/>
+          </a:xfrm>
+          <a:prstGeom prst="rect">
+            <a:avLst/>
+          </a:prstGeom>
+          <a:noFill/>
+          <a:ln>
+            <a:solidFill>
+              <a:srgbClr val="FF0000"/>
+            </a:solidFill>
+          </a:ln>
+        </p:spPr>
+        <p:txBody>
+          <a:bodyPr wrap="square" rtlCol="0">
+            <a:spAutoFit/>
+          </a:bodyPr>
+          <a:lstStyle/>
+          <a:p>
+            <a:r>
+              <a:rPr lang="en-GB" sz="1200" dirty="0" err="1" smtClean="0">
                 <a:latin typeface="Courier New" panose="02070309020205020404" pitchFamily="49" charset="0"/>
                 <a:cs typeface="Courier New" panose="02070309020205020404" pitchFamily="49" charset="0"/>
               </a:rPr>
-              <a:t>/</a:t>
-            </a:r>
-            <a:r>
-              <a:rPr lang="en-GB" dirty="0" err="1" smtClean="0">
+              <a:t>Color</a:t>
+            </a:r>
+            <a:r>
+              <a:rPr lang="en-GB" sz="1200" dirty="0" smtClean="0">
                 <a:latin typeface="Courier New" panose="02070309020205020404" pitchFamily="49" charset="0"/>
                 <a:cs typeface="Courier New" panose="02070309020205020404" pitchFamily="49" charset="0"/>
               </a:rPr>
-              <a:t>stroop</a:t>
-            </a:r>
-            <a:r>
-              <a:rPr lang="en-GB" dirty="0" smtClean="0">
+              <a:t> = “Red”</a:t>
+            </a:r>
+          </a:p>
+          <a:p>
+            <a:r>
+              <a:rPr lang="en-GB" sz="1200" dirty="0" smtClean="0">
                 <a:latin typeface="Courier New" panose="02070309020205020404" pitchFamily="49" charset="0"/>
                 <a:cs typeface="Courier New" panose="02070309020205020404" pitchFamily="49" charset="0"/>
               </a:rPr>
-              <a:t>/</a:t>
-            </a:r>
-            <a:r>
-              <a:rPr lang="en-GB" dirty="0" err="1" smtClean="0">
-                <a:latin typeface="Courier New" panose="02070309020205020404" pitchFamily="49" charset="0"/>
-                <a:cs typeface="Courier New" panose="02070309020205020404" pitchFamily="49" charset="0"/>
+              <a:t>Word = “Hello”</a:t>
+            </a:r>
+          </a:p>
+        </p:txBody>
+      </p:sp>
+      <p:sp>
+        <p:nvSpPr>
+          <p:cNvPr id="17" name="TextBox 16"/>
+          <p:cNvSpPr txBox="1"/>
+          <p:nvPr/>
+        </p:nvSpPr>
+        <p:spPr>
+          <a:xfrm>
+            <a:off x="4190562" y="2310012"/>
+            <a:ext cx="1418381" cy="815608"/>
+          </a:xfrm>
+          <a:prstGeom prst="rect">
+            <a:avLst/>
+          </a:prstGeom>
+          <a:noFill/>
+        </p:spPr>
+        <p:txBody>
+          <a:bodyPr wrap="square" rtlCol="0">
+            <a:spAutoFit/>
+          </a:bodyPr>
+          <a:lstStyle/>
+          <a:p>
+            <a:r>
+              <a:rPr lang="en-GB" b="1" dirty="0" smtClean="0"/>
+              <a:t>4)</a:t>
+            </a:r>
+            <a:r>
+              <a:rPr lang="en-GB" sz="1100" dirty="0" smtClean="0"/>
+              <a:t> These are passed to the Text component in the trial routine.</a:t>
+            </a:r>
+            <a:endParaRPr lang="en-US" sz="1100" dirty="0"/>
+          </a:p>
+        </p:txBody>
+      </p:sp>
+      <p:cxnSp>
+        <p:nvCxnSpPr>
+          <p:cNvPr id="18" name="Straight Arrow Connector 17"/>
+          <p:cNvCxnSpPr/>
+          <p:nvPr/>
+        </p:nvCxnSpPr>
+        <p:spPr>
+          <a:xfrm>
+            <a:off x="1842396" y="2420888"/>
+            <a:ext cx="504056" cy="0"/>
+          </a:xfrm>
+          <a:prstGeom prst="straightConnector1">
+            <a:avLst/>
+          </a:prstGeom>
+          <a:ln w="60325">
+            <a:solidFill>
+              <a:srgbClr val="FF0000"/>
+            </a:solidFill>
+            <a:tailEnd type="triangle"/>
+          </a:ln>
+        </p:spPr>
+        <p:style>
+          <a:lnRef idx="1">
+            <a:schemeClr val="accent1"/>
+          </a:lnRef>
+          <a:fillRef idx="0">
+            <a:schemeClr val="accent1"/>
+          </a:fillRef>
+          <a:effectRef idx="0">
+            <a:schemeClr val="accent1"/>
+          </a:effectRef>
+          <a:fontRef idx="minor">
+            <a:schemeClr val="tx1"/>
+          </a:fontRef>
+        </p:style>
+      </p:cxnSp>
+      <p:pic>
+        <p:nvPicPr>
+          <p:cNvPr id="21" name="Picture 20"/>
+          <p:cNvPicPr>
+            <a:picLocks noChangeAspect="1"/>
+          </p:cNvPicPr>
+          <p:nvPr/>
+        </p:nvPicPr>
+        <p:blipFill rotWithShape="1">
+          <a:blip r:embed="rId4"/>
+          <a:srcRect t="42581" r="22596" b="12304"/>
+          <a:stretch/>
+        </p:blipFill>
+        <p:spPr>
+          <a:xfrm>
+            <a:off x="5949421" y="2190876"/>
+            <a:ext cx="2901718" cy="1584176"/>
+          </a:xfrm>
+          <a:prstGeom prst="rect">
+            <a:avLst/>
+          </a:prstGeom>
+        </p:spPr>
+      </p:pic>
+      <p:cxnSp>
+        <p:nvCxnSpPr>
+          <p:cNvPr id="20" name="Straight Arrow Connector 19"/>
+          <p:cNvCxnSpPr/>
+          <p:nvPr/>
+        </p:nvCxnSpPr>
+        <p:spPr>
+          <a:xfrm flipV="1">
+            <a:off x="5535442" y="2371458"/>
+            <a:ext cx="692742" cy="302643"/>
+          </a:xfrm>
+          <a:prstGeom prst="straightConnector1">
+            <a:avLst/>
+          </a:prstGeom>
+          <a:ln w="60325">
+            <a:solidFill>
+              <a:srgbClr val="FF0000"/>
+            </a:solidFill>
+            <a:tailEnd type="triangle"/>
+          </a:ln>
+        </p:spPr>
+        <p:style>
+          <a:lnRef idx="1">
+            <a:schemeClr val="accent1"/>
+          </a:lnRef>
+          <a:fillRef idx="0">
+            <a:schemeClr val="accent1"/>
+          </a:fillRef>
+          <a:effectRef idx="0">
+            <a:schemeClr val="accent1"/>
+          </a:effectRef>
+          <a:fontRef idx="minor">
+            <a:schemeClr val="tx1"/>
+          </a:fontRef>
+        </p:style>
+      </p:cxnSp>
+      <p:cxnSp>
+        <p:nvCxnSpPr>
+          <p:cNvPr id="23" name="Straight Arrow Connector 22"/>
+          <p:cNvCxnSpPr/>
+          <p:nvPr/>
+        </p:nvCxnSpPr>
+        <p:spPr>
+          <a:xfrm>
+            <a:off x="5551101" y="2679956"/>
+            <a:ext cx="744715" cy="700236"/>
+          </a:xfrm>
+          <a:prstGeom prst="straightConnector1">
+            <a:avLst/>
+          </a:prstGeom>
+          <a:ln w="60325">
+            <a:solidFill>
+              <a:srgbClr val="FF0000"/>
+            </a:solidFill>
+            <a:tailEnd type="triangle"/>
+          </a:ln>
+        </p:spPr>
+        <p:style>
+          <a:lnRef idx="1">
+            <a:schemeClr val="accent1"/>
+          </a:lnRef>
+          <a:fillRef idx="0">
+            <a:schemeClr val="accent1"/>
+          </a:fillRef>
+          <a:effectRef idx="0">
+            <a:schemeClr val="accent1"/>
+          </a:effectRef>
+          <a:fontRef idx="minor">
+            <a:schemeClr val="tx1"/>
+          </a:fontRef>
+        </p:style>
+      </p:cxnSp>
+      <p:sp>
+        <p:nvSpPr>
+          <p:cNvPr id="26" name="TextBox 25"/>
+          <p:cNvSpPr txBox="1"/>
+          <p:nvPr/>
+        </p:nvSpPr>
+        <p:spPr>
+          <a:xfrm>
+            <a:off x="510525" y="3735491"/>
+            <a:ext cx="1418381" cy="646331"/>
+          </a:xfrm>
+          <a:prstGeom prst="rect">
+            <a:avLst/>
+          </a:prstGeom>
+          <a:noFill/>
+        </p:spPr>
+        <p:txBody>
+          <a:bodyPr wrap="square" rtlCol="0">
+            <a:spAutoFit/>
+          </a:bodyPr>
+          <a:lstStyle/>
+          <a:p>
+            <a:r>
+              <a:rPr lang="en-GB" b="1" dirty="0" smtClean="0"/>
+              <a:t>5)</a:t>
+            </a:r>
+            <a:r>
+              <a:rPr lang="en-GB" sz="1100" dirty="0" smtClean="0"/>
+              <a:t> This enables display when we run the experiment!</a:t>
+            </a:r>
+            <a:endParaRPr lang="en-US" sz="1100" dirty="0"/>
+          </a:p>
+        </p:txBody>
+      </p:sp>
+      <p:sp>
+        <p:nvSpPr>
+          <p:cNvPr id="27" name="TextBox 26"/>
+          <p:cNvSpPr txBox="1"/>
+          <p:nvPr/>
+        </p:nvSpPr>
+        <p:spPr>
+          <a:xfrm>
+            <a:off x="2336837" y="3823822"/>
+            <a:ext cx="1583292" cy="1116000"/>
+          </a:xfrm>
+          <a:prstGeom prst="rect">
+            <a:avLst/>
+          </a:prstGeom>
+          <a:solidFill>
+            <a:schemeClr val="tx1"/>
+          </a:solidFill>
+          <a:ln>
+            <a:noFill/>
+          </a:ln>
+        </p:spPr>
+        <p:txBody>
+          <a:bodyPr wrap="square" rtlCol="0" anchor="ctr" anchorCtr="0">
+            <a:spAutoFit/>
+          </a:bodyPr>
+          <a:lstStyle/>
+          <a:p>
+            <a:pPr algn="ctr"/>
+            <a:r>
+              <a:rPr lang="en-GB" b="1" dirty="0" smtClean="0">
+                <a:solidFill>
+                  <a:srgbClr val="FF0000"/>
+                </a:solidFill>
               </a:rPr>
-              <a:t>stroop.psyexp</a:t>
-            </a:r>
-            <a:r>
-              <a:rPr lang="en-GB" dirty="0" smtClean="0">
-                <a:latin typeface="Courier New" panose="02070309020205020404" pitchFamily="49" charset="0"/>
-                <a:cs typeface="Courier New" panose="02070309020205020404" pitchFamily="49" charset="0"/>
-              </a:rPr>
-              <a:t> </a:t>
-            </a:r>
-            <a:r>
-              <a:rPr lang="en-GB" dirty="0" smtClean="0"/>
-              <a:t>from Exercise 1</a:t>
-            </a:r>
-          </a:p>
-          <a:p>
-            <a:pPr>
-              <a:buFont typeface="+mj-lt"/>
-              <a:buAutoNum type="arabicPeriod"/>
-            </a:pPr>
-            <a:r>
-              <a:rPr lang="en-GB" dirty="0" smtClean="0"/>
-              <a:t>Change the intro text and the first line “OK. Ready for the real thing?” to “Instructions”</a:t>
-            </a:r>
-          </a:p>
-          <a:p>
-            <a:pPr>
-              <a:buFont typeface="+mj-lt"/>
-              <a:buAutoNum type="arabicPeriod"/>
-            </a:pPr>
-            <a:r>
-              <a:rPr lang="en-GB" dirty="0" smtClean="0"/>
-              <a:t>Update keyboard input from “left”, “down”, “right” to “a”, “s”, “d”</a:t>
-            </a:r>
-          </a:p>
-          <a:p>
-            <a:pPr lvl="1">
-              <a:buFont typeface="Wingdings" panose="05000000000000000000" pitchFamily="2" charset="2"/>
-              <a:buChar char="§"/>
-            </a:pPr>
-            <a:r>
-              <a:rPr lang="en-GB" sz="1800" dirty="0" smtClean="0"/>
-              <a:t>Ensure you update the instructions</a:t>
-            </a:r>
-          </a:p>
-          <a:p>
-            <a:pPr>
-              <a:buFont typeface="+mj-lt"/>
-              <a:buAutoNum type="arabicPeriod"/>
-            </a:pPr>
-            <a:r>
-              <a:rPr lang="en-GB" dirty="0" smtClean="0"/>
-              <a:t>Add another 5 trials to the </a:t>
-            </a:r>
-            <a:r>
-              <a:rPr lang="en-GB" dirty="0" err="1" smtClean="0"/>
-              <a:t>Stroop</a:t>
-            </a:r>
-            <a:endParaRPr lang="en-GB" dirty="0" smtClean="0"/>
-          </a:p>
-          <a:p>
-            <a:pPr lvl="1">
-              <a:buFont typeface="Wingdings" panose="05000000000000000000" pitchFamily="2" charset="2"/>
-              <a:buChar char="§"/>
-            </a:pPr>
-            <a:r>
-              <a:rPr lang="en-GB" sz="1800" dirty="0" smtClean="0">
-                <a:cs typeface="Courier New" panose="02070309020205020404" pitchFamily="49" charset="0"/>
-              </a:rPr>
-              <a:t>Edit the </a:t>
-            </a:r>
-            <a:r>
-              <a:rPr lang="en-GB" sz="1800" dirty="0" smtClean="0">
-                <a:latin typeface="Courier New" panose="02070309020205020404" pitchFamily="49" charset="0"/>
-                <a:cs typeface="Courier New" panose="02070309020205020404" pitchFamily="49" charset="0"/>
-              </a:rPr>
-              <a:t>trialTypes.xlsx </a:t>
-            </a:r>
-            <a:r>
-              <a:rPr lang="en-GB" sz="1800" dirty="0" smtClean="0"/>
-              <a:t>is where the source trial data is!</a:t>
-            </a:r>
-          </a:p>
-          <a:p>
-            <a:pPr>
-              <a:buFont typeface="+mj-lt"/>
-              <a:buAutoNum type="arabicPeriod"/>
-            </a:pPr>
-            <a:r>
-              <a:rPr lang="en-GB" dirty="0" smtClean="0"/>
-              <a:t>Try adding a new routine which will act as a title page for the experiment</a:t>
-            </a:r>
-          </a:p>
-          <a:p>
-            <a:pPr lvl="1">
-              <a:buFont typeface="Wingdings" panose="05000000000000000000" pitchFamily="2" charset="2"/>
-              <a:buChar char="§"/>
-            </a:pPr>
-            <a:r>
-              <a:rPr lang="en-GB" sz="1800" dirty="0" smtClean="0"/>
-              <a:t>HINT: the “instruct” routine should give you some clues</a:t>
-            </a:r>
-          </a:p>
-          <a:p>
-            <a:pPr lvl="1">
-              <a:buFont typeface="Wingdings" panose="05000000000000000000" pitchFamily="2" charset="2"/>
-              <a:buChar char="§"/>
-            </a:pPr>
-            <a:r>
-              <a:rPr lang="en-GB" sz="1800" dirty="0" smtClean="0"/>
-              <a:t>Look at the properties of the Text and Keyboard component and replicate</a:t>
-            </a:r>
-          </a:p>
-          <a:p>
-            <a:pPr>
-              <a:buFont typeface="+mj-lt"/>
-              <a:buAutoNum type="arabicPeriod"/>
-            </a:pPr>
-            <a:r>
-              <a:rPr lang="en-GB" dirty="0" smtClean="0"/>
-              <a:t>Re-Run and see what you get</a:t>
-            </a:r>
-            <a:endParaRPr lang="en-US" dirty="0"/>
-          </a:p>
-          <a:p>
-            <a:pPr lvl="1">
-              <a:buFont typeface="Wingdings" panose="05000000000000000000" pitchFamily="2" charset="2"/>
-              <a:buChar char="§"/>
-            </a:pPr>
-            <a:r>
-              <a:rPr lang="en-GB" sz="1800" dirty="0" smtClean="0"/>
-              <a:t>Look at the result file, has your new data column come over?</a:t>
-            </a:r>
-          </a:p>
-        </p:txBody>
-      </p:sp>
+              <a:t>Hello</a:t>
+            </a:r>
+          </a:p>
+        </p:txBody>
+      </p:sp>
+      <p:sp>
+        <p:nvSpPr>
+          <p:cNvPr id="28" name="TextBox 27"/>
+          <p:cNvSpPr txBox="1"/>
+          <p:nvPr/>
+        </p:nvSpPr>
+        <p:spPr>
+          <a:xfrm>
+            <a:off x="489323" y="5157192"/>
+            <a:ext cx="1418381" cy="815608"/>
+          </a:xfrm>
+          <a:prstGeom prst="rect">
+            <a:avLst/>
+          </a:prstGeom>
+          <a:noFill/>
+        </p:spPr>
+        <p:txBody>
+          <a:bodyPr wrap="square" rtlCol="0">
+            <a:spAutoFit/>
+          </a:bodyPr>
+          <a:lstStyle/>
+          <a:p>
+            <a:r>
+              <a:rPr lang="en-GB" b="1" dirty="0" smtClean="0"/>
+              <a:t>7)</a:t>
+            </a:r>
+            <a:r>
+              <a:rPr lang="en-GB" sz="1100" dirty="0" smtClean="0"/>
+              <a:t> And the cycle repeats until we have no data left to use!</a:t>
+            </a:r>
+            <a:endParaRPr lang="en-US" sz="1100" dirty="0"/>
+          </a:p>
+        </p:txBody>
+      </p:sp>
+      <p:sp>
+        <p:nvSpPr>
+          <p:cNvPr id="29" name="TextBox 28"/>
+          <p:cNvSpPr txBox="1"/>
+          <p:nvPr/>
+        </p:nvSpPr>
+        <p:spPr>
+          <a:xfrm>
+            <a:off x="4190562" y="3795195"/>
+            <a:ext cx="1418381" cy="646331"/>
+          </a:xfrm>
+          <a:prstGeom prst="rect">
+            <a:avLst/>
+          </a:prstGeom>
+          <a:noFill/>
+        </p:spPr>
+        <p:txBody>
+          <a:bodyPr wrap="square" rtlCol="0">
+            <a:spAutoFit/>
+          </a:bodyPr>
+          <a:lstStyle/>
+          <a:p>
+            <a:r>
+              <a:rPr lang="en-GB" b="1" dirty="0" smtClean="0"/>
+              <a:t>6)</a:t>
+            </a:r>
+            <a:r>
+              <a:rPr lang="en-GB" sz="1100" dirty="0" smtClean="0"/>
+              <a:t> When the trial ends, we then fetch our next trial data…</a:t>
+            </a:r>
+            <a:endParaRPr lang="en-US" sz="1100" dirty="0"/>
+          </a:p>
+        </p:txBody>
+      </p:sp>
+      <p:pic>
+        <p:nvPicPr>
+          <p:cNvPr id="30" name="Picture 29"/>
+          <p:cNvPicPr>
+            <a:picLocks noChangeAspect="1"/>
+          </p:cNvPicPr>
+          <p:nvPr/>
+        </p:nvPicPr>
+        <p:blipFill>
+          <a:blip r:embed="rId3">
+            <a:extLst>
+              <a:ext uri="{28A0092B-C50C-407E-A947-70E740481C1C}">
+                <a14:useLocalDpi xmlns:a14="http://schemas.microsoft.com/office/drawing/2010/main" val="0"/>
+              </a:ext>
+            </a:extLst>
+          </a:blip>
+          <a:stretch>
+            <a:fillRect/>
+          </a:stretch>
+        </p:blipFill>
+        <p:spPr>
+          <a:xfrm>
+            <a:off x="5993567" y="3871632"/>
+            <a:ext cx="1206805" cy="715144"/>
+          </a:xfrm>
+          <a:prstGeom prst="rect">
+            <a:avLst/>
+          </a:prstGeom>
+        </p:spPr>
+      </p:pic>
+      <p:sp>
+        <p:nvSpPr>
+          <p:cNvPr id="31" name="Rectangle 30"/>
+          <p:cNvSpPr/>
+          <p:nvPr/>
+        </p:nvSpPr>
+        <p:spPr>
+          <a:xfrm>
+            <a:off x="5849551" y="4420655"/>
+            <a:ext cx="1418381" cy="160473"/>
+          </a:xfrm>
+          <a:prstGeom prst="rect">
+            <a:avLst/>
+          </a:prstGeom>
+          <a:solidFill>
+            <a:schemeClr val="accent1">
+              <a:alpha val="32000"/>
+            </a:schemeClr>
+          </a:solidFill>
+          <a:ln>
+            <a:solidFill>
+              <a:schemeClr val="accent1">
+                <a:shade val="50000"/>
+                <a:alpha val="26000"/>
+              </a:schemeClr>
+            </a:solidFill>
+          </a:ln>
+        </p:spPr>
+        <p:style>
+          <a:lnRef idx="2">
+            <a:schemeClr val="accent1">
+              <a:shade val="50000"/>
+            </a:schemeClr>
+          </a:lnRef>
+          <a:fillRef idx="1">
+            <a:schemeClr val="accent1"/>
+          </a:fillRef>
+          <a:effectRef idx="0">
+            <a:schemeClr val="accent1"/>
+          </a:effectRef>
+          <a:fontRef idx="minor">
+            <a:schemeClr val="lt1"/>
+          </a:fontRef>
+        </p:style>
+        <p:txBody>
+          <a:bodyPr rtlCol="0" anchor="ctr"/>
+          <a:lstStyle/>
+          <a:p>
+            <a:pPr algn="ctr"/>
+            <a:endParaRPr lang="en-US"/>
+          </a:p>
+        </p:txBody>
+      </p:sp>
+      <p:cxnSp>
+        <p:nvCxnSpPr>
+          <p:cNvPr id="32" name="Straight Arrow Connector 31"/>
+          <p:cNvCxnSpPr>
+            <a:endCxn id="31" idx="1"/>
+          </p:cNvCxnSpPr>
+          <p:nvPr/>
+        </p:nvCxnSpPr>
+        <p:spPr>
+          <a:xfrm>
+            <a:off x="5535442" y="4086283"/>
+            <a:ext cx="314109" cy="414609"/>
+          </a:xfrm>
+          <a:prstGeom prst="straightConnector1">
+            <a:avLst/>
+          </a:prstGeom>
+          <a:ln w="60325">
+            <a:solidFill>
+              <a:srgbClr val="FF0000"/>
+            </a:solidFill>
+            <a:tailEnd type="triangle"/>
+          </a:ln>
+        </p:spPr>
+        <p:style>
+          <a:lnRef idx="1">
+            <a:schemeClr val="accent1"/>
+          </a:lnRef>
+          <a:fillRef idx="0">
+            <a:schemeClr val="accent1"/>
+          </a:fillRef>
+          <a:effectRef idx="0">
+            <a:schemeClr val="accent1"/>
+          </a:effectRef>
+          <a:fontRef idx="minor">
+            <a:schemeClr val="tx1"/>
+          </a:fontRef>
+        </p:style>
+      </p:cxnSp>
+      <p:cxnSp>
+        <p:nvCxnSpPr>
+          <p:cNvPr id="34" name="Straight Arrow Connector 33"/>
+          <p:cNvCxnSpPr/>
+          <p:nvPr/>
+        </p:nvCxnSpPr>
+        <p:spPr>
+          <a:xfrm>
+            <a:off x="1832781" y="3933056"/>
+            <a:ext cx="504056" cy="0"/>
+          </a:xfrm>
+          <a:prstGeom prst="straightConnector1">
+            <a:avLst/>
+          </a:prstGeom>
+          <a:ln w="60325">
+            <a:solidFill>
+              <a:srgbClr val="FF0000"/>
+            </a:solidFill>
+            <a:tailEnd type="triangle"/>
+          </a:ln>
+        </p:spPr>
+        <p:style>
+          <a:lnRef idx="1">
+            <a:schemeClr val="accent1"/>
+          </a:lnRef>
+          <a:fillRef idx="0">
+            <a:schemeClr val="accent1"/>
+          </a:fillRef>
+          <a:effectRef idx="0">
+            <a:schemeClr val="accent1"/>
+          </a:effectRef>
+          <a:fontRef idx="minor">
+            <a:schemeClr val="tx1"/>
+          </a:fontRef>
+        </p:style>
+      </p:cxnSp>
+      <p:cxnSp>
+        <p:nvCxnSpPr>
+          <p:cNvPr id="35" name="Straight Arrow Connector 34"/>
+          <p:cNvCxnSpPr/>
+          <p:nvPr/>
+        </p:nvCxnSpPr>
+        <p:spPr>
+          <a:xfrm>
+            <a:off x="179512" y="2564904"/>
+            <a:ext cx="323076" cy="0"/>
+          </a:xfrm>
+          <a:prstGeom prst="straightConnector1">
+            <a:avLst/>
+          </a:prstGeom>
+          <a:ln w="60325">
+            <a:solidFill>
+              <a:srgbClr val="FF0000"/>
+            </a:solidFill>
+            <a:tailEnd type="triangle"/>
+          </a:ln>
+        </p:spPr>
+        <p:style>
+          <a:lnRef idx="1">
+            <a:schemeClr val="accent1"/>
+          </a:lnRef>
+          <a:fillRef idx="0">
+            <a:schemeClr val="accent1"/>
+          </a:fillRef>
+          <a:effectRef idx="0">
+            <a:schemeClr val="accent1"/>
+          </a:effectRef>
+          <a:fontRef idx="minor">
+            <a:schemeClr val="tx1"/>
+          </a:fontRef>
+        </p:style>
+      </p:cxnSp>
+      <p:cxnSp>
+        <p:nvCxnSpPr>
+          <p:cNvPr id="37" name="Straight Arrow Connector 36"/>
+          <p:cNvCxnSpPr/>
+          <p:nvPr/>
+        </p:nvCxnSpPr>
+        <p:spPr>
+          <a:xfrm>
+            <a:off x="166302" y="2571622"/>
+            <a:ext cx="15599" cy="2993374"/>
+          </a:xfrm>
+          <a:prstGeom prst="straightConnector1">
+            <a:avLst/>
+          </a:prstGeom>
+          <a:ln w="60325">
+            <a:solidFill>
+              <a:srgbClr val="FF0000"/>
+            </a:solidFill>
+            <a:tailEnd type="none"/>
+          </a:ln>
+        </p:spPr>
+        <p:style>
+          <a:lnRef idx="1">
+            <a:schemeClr val="accent1"/>
+          </a:lnRef>
+          <a:fillRef idx="0">
+            <a:schemeClr val="accent1"/>
+          </a:fillRef>
+          <a:effectRef idx="0">
+            <a:schemeClr val="accent1"/>
+          </a:effectRef>
+          <a:fontRef idx="minor">
+            <a:schemeClr val="tx1"/>
+          </a:fontRef>
+        </p:style>
+      </p:cxnSp>
+      <p:cxnSp>
+        <p:nvCxnSpPr>
+          <p:cNvPr id="39" name="Straight Arrow Connector 38"/>
+          <p:cNvCxnSpPr/>
+          <p:nvPr/>
+        </p:nvCxnSpPr>
+        <p:spPr>
+          <a:xfrm>
+            <a:off x="191826" y="5564996"/>
+            <a:ext cx="318699" cy="0"/>
+          </a:xfrm>
+          <a:prstGeom prst="straightConnector1">
+            <a:avLst/>
+          </a:prstGeom>
+          <a:ln w="60325">
+            <a:solidFill>
+              <a:srgbClr val="FF0000"/>
+            </a:solidFill>
+            <a:tailEnd type="none"/>
+          </a:ln>
+        </p:spPr>
+        <p:style>
+          <a:lnRef idx="1">
+            <a:schemeClr val="accent1"/>
+          </a:lnRef>
+          <a:fillRef idx="0">
+            <a:schemeClr val="accent1"/>
+          </a:fillRef>
+          <a:effectRef idx="0">
+            <a:schemeClr val="accent1"/>
+          </a:effectRef>
+          <a:fontRef idx="minor">
+            <a:schemeClr val="tx1"/>
+          </a:fontRef>
+        </p:style>
+      </p:cxnSp>
     </p:spTree>
     <p:extLst>
       <p:ext uri="{BB962C8B-B14F-4D97-AF65-F5344CB8AC3E}">
-        <p14:creationId xmlns:p14="http://schemas.microsoft.com/office/powerpoint/2010/main" val="1662202215"/>
+        <p14:creationId xmlns:p14="http://schemas.microsoft.com/office/powerpoint/2010/main" val="2705822376"/>
       </p:ext>
     </p:extLst>
   </p:cSld>
   <p:clrMapOvr>
     <a:masterClrMapping/>
   </p:clrMapOvr>
-  <p:timing>
-    <p:tnLst>
-      <p:par>
-        <p:cTn id="1" dur="indefinite" restart="never" nodeType="tmRoot"/>
-      </p:par>
-    </p:tnLst>
-  </p:timing>
 </p:sld>
 </file>
 
@@ -9463,7 +12637,15 @@
           <a:p>
             <a:r>
               <a:rPr lang="en-GB" dirty="0" smtClean="0"/>
-              <a:t>Components - Part 2</a:t>
+              <a:t>Some “</a:t>
+            </a:r>
+            <a:r>
+              <a:rPr lang="en-GB" dirty="0" err="1" smtClean="0"/>
+              <a:t>Gotchas</a:t>
+            </a:r>
+            <a:r>
+              <a:rPr lang="en-GB" dirty="0" smtClean="0"/>
+              <a:t>”</a:t>
             </a:r>
             <a:endParaRPr lang="en-US" dirty="0"/>
           </a:p>
@@ -9479,250 +12661,278 @@
             <p:ph type="body" idx="1"/>
           </p:nvPr>
         </p:nvSpPr>
-        <p:spPr>
-          <a:xfrm>
-            <a:off x="487328" y="1417936"/>
-            <a:ext cx="8229600" cy="4967700"/>
-          </a:xfrm>
-        </p:spPr>
-        <p:txBody>
-          <a:bodyPr>
-            <a:normAutofit fontScale="92500" lnSpcReduction="20000"/>
-          </a:bodyPr>
+        <p:spPr/>
+        <p:txBody>
+          <a:bodyPr/>
           <a:lstStyle/>
           <a:p>
+            <a:pPr marL="0" lvl="1" indent="0">
+              <a:buNone/>
+            </a:pPr>
+            <a:r>
+              <a:rPr lang="en-GB" sz="2000" b="1" dirty="0" smtClean="0">
+                <a:solidFill>
+                  <a:schemeClr val="tx1"/>
+                </a:solidFill>
+              </a:rPr>
+              <a:t>1) Update properties</a:t>
+            </a:r>
+          </a:p>
+          <a:p>
+            <a:pPr marL="0" lvl="1" indent="0">
+              <a:buNone/>
+            </a:pPr>
+            <a:endParaRPr lang="en-GB" sz="1800" dirty="0" smtClean="0">
+              <a:solidFill>
+                <a:schemeClr val="tx1"/>
+              </a:solidFill>
+            </a:endParaRPr>
+          </a:p>
+          <a:p>
+            <a:pPr marL="0" lvl="1" indent="0">
+              <a:buNone/>
+            </a:pPr>
+            <a:r>
+              <a:rPr lang="en-GB" sz="1800" dirty="0" smtClean="0">
+                <a:solidFill>
+                  <a:schemeClr val="tx1"/>
+                </a:solidFill>
+              </a:rPr>
+              <a:t>It is key to set the properties where you have an attribute coming in from </a:t>
+            </a:r>
+            <a:r>
+              <a:rPr lang="en-GB" sz="1800" b="1" dirty="0" smtClean="0">
+                <a:solidFill>
+                  <a:schemeClr val="tx1"/>
+                </a:solidFill>
+              </a:rPr>
+              <a:t>“Constant” </a:t>
+            </a:r>
+            <a:r>
+              <a:rPr lang="en-GB" sz="1800" dirty="0" smtClean="0">
+                <a:solidFill>
+                  <a:schemeClr val="tx1"/>
+                </a:solidFill>
+              </a:rPr>
+              <a:t>(never changes) to </a:t>
+            </a:r>
+            <a:r>
+              <a:rPr lang="en-GB" sz="1800" b="1" dirty="0">
+                <a:solidFill>
+                  <a:schemeClr val="tx1"/>
+                </a:solidFill>
+              </a:rPr>
+              <a:t>“Set every repeat” </a:t>
+            </a:r>
+            <a:r>
+              <a:rPr lang="en-GB" sz="1800" dirty="0" smtClean="0">
+                <a:solidFill>
+                  <a:schemeClr val="tx1"/>
+                </a:solidFill>
+              </a:rPr>
+              <a:t>=(update </a:t>
+            </a:r>
+            <a:r>
+              <a:rPr lang="en-GB" sz="1800" dirty="0">
+                <a:solidFill>
+                  <a:schemeClr val="tx1"/>
+                </a:solidFill>
+              </a:rPr>
+              <a:t>and change on every </a:t>
+            </a:r>
+            <a:r>
+              <a:rPr lang="en-GB" sz="1800" dirty="0" smtClean="0">
+                <a:solidFill>
+                  <a:schemeClr val="tx1"/>
+                </a:solidFill>
+              </a:rPr>
+              <a:t>repetition/trial/loop).  Keeping as Constant will cause an error!</a:t>
+            </a:r>
+          </a:p>
+          <a:p>
+            <a:pPr marL="0" lvl="1" indent="0">
+              <a:buNone/>
+            </a:pPr>
+            <a:endParaRPr lang="en-GB" sz="1800" dirty="0">
+              <a:solidFill>
+                <a:schemeClr val="tx1"/>
+              </a:solidFill>
+            </a:endParaRPr>
+          </a:p>
+          <a:p>
+            <a:pPr marL="0" lvl="1" indent="0">
+              <a:buNone/>
+            </a:pPr>
+            <a:r>
+              <a:rPr lang="en-GB" sz="1400" dirty="0" smtClean="0">
+                <a:solidFill>
+                  <a:schemeClr val="tx1"/>
+                </a:solidFill>
+              </a:rPr>
+              <a:t>NOTE: The </a:t>
+            </a:r>
+            <a:r>
+              <a:rPr lang="en-GB" sz="1400" b="1" dirty="0" smtClean="0">
+                <a:solidFill>
+                  <a:schemeClr val="tx1"/>
+                </a:solidFill>
+              </a:rPr>
+              <a:t>“Set </a:t>
+            </a:r>
+            <a:r>
+              <a:rPr lang="en-GB" sz="1400" b="1" dirty="0" smtClean="0">
+                <a:solidFill>
+                  <a:schemeClr val="tx1"/>
+                </a:solidFill>
+              </a:rPr>
+              <a:t>every </a:t>
+            </a:r>
+            <a:r>
+              <a:rPr lang="en-GB" sz="1400" b="1" dirty="0" smtClean="0">
+                <a:solidFill>
+                  <a:schemeClr val="tx1"/>
+                </a:solidFill>
+              </a:rPr>
+              <a:t>frame” option updates </a:t>
+            </a:r>
+            <a:r>
+              <a:rPr lang="en-GB" sz="1400" dirty="0" smtClean="0">
+                <a:solidFill>
+                  <a:schemeClr val="tx1"/>
+                </a:solidFill>
+              </a:rPr>
+              <a:t>component </a:t>
+            </a:r>
+            <a:r>
+              <a:rPr lang="en-GB" sz="1400" dirty="0" smtClean="0">
+                <a:solidFill>
+                  <a:schemeClr val="tx1"/>
+                </a:solidFill>
+              </a:rPr>
+              <a:t>at every single screen </a:t>
+            </a:r>
+            <a:r>
+              <a:rPr lang="en-GB" sz="1400" dirty="0" smtClean="0">
+                <a:solidFill>
+                  <a:schemeClr val="tx1"/>
+                </a:solidFill>
+              </a:rPr>
+              <a:t>refresh</a:t>
+            </a:r>
+          </a:p>
+          <a:p>
+            <a:pPr marL="0" lvl="1" indent="0">
+              <a:buNone/>
+            </a:pPr>
+            <a:r>
+              <a:rPr lang="en-GB" sz="1400" dirty="0" smtClean="0">
+                <a:solidFill>
+                  <a:schemeClr val="tx1"/>
+                </a:solidFill>
+              </a:rPr>
+              <a:t>= Overkill!</a:t>
+            </a:r>
+            <a:endParaRPr lang="en-GB" sz="1800" dirty="0" smtClean="0">
+              <a:solidFill>
+                <a:schemeClr val="tx1"/>
+              </a:solidFill>
+            </a:endParaRPr>
+          </a:p>
+          <a:p>
             <a:pPr marL="0" indent="0">
               <a:buNone/>
             </a:pPr>
-            <a:r>
-              <a:rPr lang="en-GB" dirty="0" smtClean="0"/>
-              <a:t>Overview of remaining components in brief.</a:t>
-            </a:r>
+            <a:endParaRPr lang="en-GB" dirty="0">
+              <a:solidFill>
+                <a:schemeClr val="tx1"/>
+              </a:solidFill>
+            </a:endParaRPr>
           </a:p>
           <a:p>
             <a:pPr marL="0" indent="0">
               <a:buNone/>
             </a:pPr>
-            <a:endParaRPr lang="en-GB" dirty="0" smtClean="0"/>
+            <a:endParaRPr lang="en-GB" sz="2000" b="1" dirty="0" smtClean="0">
+              <a:solidFill>
+                <a:schemeClr val="tx1"/>
+              </a:solidFill>
+            </a:endParaRPr>
           </a:p>
           <a:p>
             <a:pPr marL="0" indent="0">
               <a:buNone/>
             </a:pPr>
             <a:r>
-              <a:rPr lang="en-GB" dirty="0" smtClean="0"/>
-              <a:t>Stimuli:</a:t>
-            </a:r>
-          </a:p>
-          <a:p>
-            <a:r>
-              <a:rPr lang="en-GB" b="1" dirty="0" smtClean="0"/>
-              <a:t>Sound</a:t>
-            </a:r>
-            <a:r>
-              <a:rPr lang="en-GB" dirty="0" smtClean="0"/>
-              <a:t> – Playback of sound</a:t>
-            </a:r>
-          </a:p>
-          <a:p>
-            <a:r>
-              <a:rPr lang="en-GB" b="1" dirty="0" smtClean="0"/>
-              <a:t>Image</a:t>
-            </a:r>
-            <a:r>
-              <a:rPr lang="en-GB" dirty="0" smtClean="0"/>
-              <a:t> – Display of image</a:t>
-            </a:r>
-          </a:p>
-          <a:p>
-            <a:r>
-              <a:rPr lang="en-GB" b="1" dirty="0" smtClean="0"/>
-              <a:t>Aperture</a:t>
-            </a:r>
-            <a:r>
-              <a:rPr lang="en-GB" dirty="0" smtClean="0"/>
-              <a:t> – Add a circular effect onto image component</a:t>
-            </a:r>
-          </a:p>
-          <a:p>
-            <a:r>
-              <a:rPr lang="en-GB" b="1" dirty="0" smtClean="0"/>
-              <a:t>Grating</a:t>
-            </a:r>
-            <a:r>
-              <a:rPr lang="en-GB" dirty="0" smtClean="0"/>
-              <a:t> – Wrapped texture that can be cycled in 2 dimensions</a:t>
-            </a:r>
-          </a:p>
-          <a:p>
-            <a:r>
-              <a:rPr lang="en-GB" b="1" dirty="0" smtClean="0"/>
-              <a:t>Movie</a:t>
-            </a:r>
-            <a:r>
-              <a:rPr lang="en-GB" dirty="0" smtClean="0"/>
-              <a:t> – Playback of movie files</a:t>
-            </a:r>
-          </a:p>
-          <a:p>
-            <a:r>
-              <a:rPr lang="en-GB" b="1" dirty="0" smtClean="0"/>
-              <a:t>Dots</a:t>
-            </a:r>
-            <a:r>
-              <a:rPr lang="en-GB" dirty="0" smtClean="0"/>
-              <a:t> – Presentation of Random Dot </a:t>
-            </a:r>
-            <a:r>
-              <a:rPr lang="en-GB" dirty="0" err="1" smtClean="0"/>
-              <a:t>Kinematogram</a:t>
-            </a:r>
-            <a:r>
-              <a:rPr lang="en-GB" dirty="0" smtClean="0"/>
-              <a:t> to participants</a:t>
-            </a:r>
-          </a:p>
-          <a:p>
-            <a:r>
-              <a:rPr lang="en-GB" b="1" dirty="0" smtClean="0"/>
-              <a:t>Polygon</a:t>
-            </a:r>
-            <a:r>
-              <a:rPr lang="en-GB" dirty="0" smtClean="0"/>
-              <a:t> </a:t>
-            </a:r>
-            <a:r>
-              <a:rPr lang="en-GB" dirty="0" smtClean="0"/>
-              <a:t>– Shape presentation of different sides (square, rectangle</a:t>
-            </a:r>
-            <a:r>
-              <a:rPr lang="en-GB" smtClean="0"/>
-              <a:t>, octagon)</a:t>
-            </a:r>
-            <a:endParaRPr lang="en-GB" dirty="0" smtClean="0"/>
-          </a:p>
-          <a:p>
-            <a:endParaRPr lang="en-GB" dirty="0" smtClean="0"/>
-          </a:p>
-          <a:p>
-            <a:pPr marL="0" indent="0">
-              <a:buNone/>
-            </a:pPr>
-            <a:r>
-              <a:rPr lang="en-GB" dirty="0" smtClean="0"/>
-              <a:t>Responses:</a:t>
-            </a:r>
-          </a:p>
-          <a:p>
-            <a:r>
-              <a:rPr lang="en-GB" b="1" dirty="0" smtClean="0"/>
-              <a:t>Mouse</a:t>
-            </a:r>
-            <a:r>
-              <a:rPr lang="en-GB" dirty="0" smtClean="0"/>
-              <a:t> – Take responses from the mouse</a:t>
-            </a:r>
-          </a:p>
-          <a:p>
-            <a:r>
-              <a:rPr lang="en-GB" b="1" dirty="0" smtClean="0"/>
-              <a:t>Mic</a:t>
-            </a:r>
-            <a:r>
-              <a:rPr lang="en-GB" dirty="0" smtClean="0"/>
-              <a:t> – Only records sound, doesn’t register response to sound</a:t>
-            </a:r>
-          </a:p>
-          <a:p>
-            <a:r>
-              <a:rPr lang="en-GB" b="1" dirty="0" smtClean="0"/>
-              <a:t>Scale</a:t>
-            </a:r>
-            <a:r>
-              <a:rPr lang="en-GB" dirty="0" smtClean="0"/>
-              <a:t> – Mouse friendly scale to choose a value</a:t>
-            </a:r>
-          </a:p>
-          <a:p>
-            <a:r>
-              <a:rPr lang="en-GB" b="1" dirty="0" err="1" smtClean="0"/>
-              <a:t>ioBox</a:t>
-            </a:r>
-            <a:r>
-              <a:rPr lang="en-GB" b="1" dirty="0" smtClean="0"/>
-              <a:t>, </a:t>
-            </a:r>
-            <a:r>
-              <a:rPr lang="en-GB" b="1" dirty="0" err="1" smtClean="0"/>
-              <a:t>Cedrus</a:t>
+              <a:rPr lang="en-GB" sz="2000" b="1" dirty="0" smtClean="0">
+                <a:solidFill>
+                  <a:schemeClr val="tx1"/>
+                </a:solidFill>
+              </a:rPr>
+              <a:t>2) Making updates to the data file </a:t>
+            </a:r>
+            <a:r>
+              <a:rPr lang="en-GB" sz="2000" dirty="0" smtClean="0">
+                <a:solidFill>
+                  <a:schemeClr val="tx1"/>
+                </a:solidFill>
+              </a:rPr>
+              <a:t>(</a:t>
+            </a:r>
+            <a:r>
+              <a:rPr lang="en-GB" sz="2000" dirty="0" err="1" smtClean="0">
+                <a:solidFill>
+                  <a:schemeClr val="tx1"/>
+                </a:solidFill>
+              </a:rPr>
+              <a:t>i.e</a:t>
+            </a:r>
+            <a:r>
+              <a:rPr lang="en-GB" sz="2000" dirty="0" smtClean="0">
+                <a:solidFill>
+                  <a:schemeClr val="tx1"/>
+                </a:solidFill>
+              </a:rPr>
+              <a:t> new columns)</a:t>
+            </a:r>
+            <a:endParaRPr lang="en-GB" sz="2000" dirty="0" smtClean="0">
+              <a:solidFill>
+                <a:schemeClr val="tx1"/>
+              </a:solidFill>
+            </a:endParaRPr>
+          </a:p>
+          <a:p>
+            <a:pPr marL="457200" lvl="1" indent="0">
+              <a:buNone/>
+            </a:pPr>
+            <a:endParaRPr lang="en-GB" sz="1800" b="1" dirty="0">
+              <a:solidFill>
+                <a:srgbClr val="7030A0"/>
+              </a:solidFill>
+            </a:endParaRPr>
+          </a:p>
+          <a:p>
+            <a:pPr marL="0" lvl="0" indent="0">
+              <a:buNone/>
+            </a:pPr>
+            <a:r>
+              <a:rPr lang="en-GB" dirty="0"/>
+              <a:t>When a trial list is updated with new columns, you </a:t>
             </a:r>
             <a:r>
               <a:rPr lang="en-GB" b="1" dirty="0"/>
-              <a:t> </a:t>
-            </a:r>
-            <a:r>
-              <a:rPr lang="en-GB" dirty="0" smtClean="0"/>
-              <a:t>– Input options for external hardware devices and button boxes</a:t>
-            </a:r>
-            <a:endParaRPr lang="en-GB" dirty="0"/>
-          </a:p>
-          <a:p>
-            <a:pPr marL="0" indent="0">
-              <a:buNone/>
-            </a:pPr>
-            <a:endParaRPr lang="en-GB" dirty="0" smtClean="0"/>
-          </a:p>
-          <a:p>
-            <a:pPr marL="0" indent="0">
-              <a:buNone/>
-            </a:pPr>
-            <a:r>
-              <a:rPr lang="en-GB" dirty="0" smtClean="0"/>
-              <a:t>Other:</a:t>
-            </a:r>
-          </a:p>
-          <a:p>
-            <a:r>
-              <a:rPr lang="en-GB" b="1" dirty="0" smtClean="0"/>
-              <a:t>Parallel icon </a:t>
-            </a:r>
-            <a:r>
-              <a:rPr lang="en-GB" dirty="0" smtClean="0"/>
-              <a:t>– Send signals down a cable (EEG)</a:t>
-            </a:r>
-          </a:p>
-          <a:p>
-            <a:r>
-              <a:rPr lang="en-GB" b="1" dirty="0" smtClean="0"/>
-              <a:t>Static</a:t>
-            </a:r>
-            <a:r>
-              <a:rPr lang="en-GB" dirty="0" smtClean="0"/>
-              <a:t> – A static period to allow for pre-loading images or other operations</a:t>
-            </a:r>
-          </a:p>
-          <a:p>
-            <a:endParaRPr lang="en-GB" dirty="0"/>
-          </a:p>
-          <a:p>
-            <a:pPr marL="0" indent="0">
-              <a:buNone/>
-            </a:pPr>
-            <a:r>
-              <a:rPr lang="en-GB" dirty="0" smtClean="0"/>
-              <a:t>More details can </a:t>
+              <a:t>must re-attach the CSV file.   </a:t>
             </a:r>
             <a:r>
               <a:rPr lang="en-GB" dirty="0"/>
-              <a:t>be found at </a:t>
-            </a:r>
-            <a:r>
-              <a:rPr lang="en-GB" b="1" dirty="0"/>
-              <a:t>http://</a:t>
-            </a:r>
-            <a:r>
-              <a:rPr lang="en-GB" b="1" dirty="0" smtClean="0"/>
-              <a:t>www.psychopy.org/builder/components.html</a:t>
+              <a:t>This is so </a:t>
+            </a:r>
+            <a:r>
+              <a:rPr lang="en-GB" dirty="0" err="1"/>
+              <a:t>PsychoPy</a:t>
+            </a:r>
+            <a:r>
+              <a:rPr lang="en-GB" dirty="0"/>
+              <a:t> will pick up the new attributes you add!</a:t>
             </a:r>
           </a:p>
           <a:p>
@@ -9736,20 +12946,13 @@
     </p:spTree>
     <p:extLst>
       <p:ext uri="{BB962C8B-B14F-4D97-AF65-F5344CB8AC3E}">
-        <p14:creationId xmlns:p14="http://schemas.microsoft.com/office/powerpoint/2010/main" val="1997174920"/>
+        <p14:creationId xmlns:p14="http://schemas.microsoft.com/office/powerpoint/2010/main" val="3331521809"/>
       </p:ext>
     </p:extLst>
   </p:cSld>
   <p:clrMapOvr>
     <a:masterClrMapping/>
   </p:clrMapOvr>
-  <p:timing>
-    <p:tnLst>
-      <p:par>
-        <p:cTn id="1" dur="indefinite" restart="never" nodeType="tmRoot"/>
-      </p:par>
-    </p:tnLst>
-  </p:timing>
 </p:sld>
 </file>
 
@@ -10012,14 +13215,55 @@
         </p:nvSpPr>
         <p:spPr/>
         <p:txBody>
-          <a:bodyPr/>
+          <a:bodyPr>
+            <a:normAutofit fontScale="90000"/>
+          </a:bodyPr>
           <a:lstStyle/>
           <a:p>
             <a:r>
-              <a:rPr lang="en-GB" smtClean="0"/>
-              <a:t>Demo: File preferences</a:t>
-            </a:r>
-            <a:endParaRPr lang="en-US"/>
+              <a:rPr lang="en-GB" dirty="0" smtClean="0"/>
+              <a:t>Exercise 2:</a:t>
+            </a:r>
+            <a:br>
+              <a:rPr lang="en-GB" dirty="0" smtClean="0"/>
+            </a:br>
+            <a:r>
+              <a:rPr lang="en-GB" dirty="0" smtClean="0">
+                <a:solidFill>
+                  <a:schemeClr val="accent1">
+                    <a:lumMod val="50000"/>
+                  </a:schemeClr>
+                </a:solidFill>
+              </a:rPr>
+              <a:t>Modify the </a:t>
+            </a:r>
+            <a:r>
+              <a:rPr lang="en-GB" dirty="0" err="1" smtClean="0">
+                <a:solidFill>
+                  <a:schemeClr val="accent1">
+                    <a:lumMod val="50000"/>
+                  </a:schemeClr>
+                </a:solidFill>
+              </a:rPr>
+              <a:t>Stroop</a:t>
+            </a:r>
+            <a:r>
+              <a:rPr lang="en-GB" dirty="0" smtClean="0">
+                <a:solidFill>
+                  <a:schemeClr val="accent1">
+                    <a:lumMod val="50000"/>
+                  </a:schemeClr>
+                </a:solidFill>
+              </a:rPr>
+              <a:t> demo</a:t>
+            </a:r>
+            <a:endParaRPr lang="en-US" dirty="0">
+              <a:solidFill>
+                <a:schemeClr val="accent1">
+                  <a:lumMod val="50000"/>
+                </a:schemeClr>
+              </a:solidFill>
+            </a:endParaRPr>
           </a:p>
         </p:txBody>
       </p:sp>
@@ -10035,38 +13279,197 @@
         </p:nvSpPr>
         <p:spPr/>
         <p:txBody>
-          <a:bodyPr/>
+          <a:bodyPr>
+            <a:normAutofit/>
+          </a:bodyPr>
           <a:lstStyle/>
           <a:p>
-            <a:pPr marL="0" indent="0">
-              <a:buNone/>
+            <a:pPr>
+              <a:buFont typeface="+mj-lt"/>
+              <a:buAutoNum type="arabicPeriod"/>
             </a:pPr>
             <a:r>
               <a:rPr lang="en-GB" dirty="0" smtClean="0"/>
-              <a:t>Some additional settings hidden away in </a:t>
+              <a:t>Open up </a:t>
+            </a:r>
+            <a:r>
+              <a:rPr lang="en-GB" dirty="0" smtClean="0">
+                <a:latin typeface="Courier New" panose="02070309020205020404" pitchFamily="49" charset="0"/>
+                <a:cs typeface="Courier New" panose="02070309020205020404" pitchFamily="49" charset="0"/>
+              </a:rPr>
+              <a:t>/</a:t>
+            </a:r>
+            <a:r>
+              <a:rPr lang="en-GB" dirty="0" err="1" smtClean="0">
+                <a:latin typeface="Courier New" panose="02070309020205020404" pitchFamily="49" charset="0"/>
+                <a:cs typeface="Courier New" panose="02070309020205020404" pitchFamily="49" charset="0"/>
+              </a:rPr>
+              <a:t>stroop</a:t>
+            </a:r>
+            <a:r>
+              <a:rPr lang="en-GB" dirty="0" smtClean="0">
+                <a:latin typeface="Courier New" panose="02070309020205020404" pitchFamily="49" charset="0"/>
+                <a:cs typeface="Courier New" panose="02070309020205020404" pitchFamily="49" charset="0"/>
+              </a:rPr>
+              <a:t>/</a:t>
+            </a:r>
+            <a:r>
+              <a:rPr lang="en-GB" dirty="0" err="1" smtClean="0">
+                <a:latin typeface="Courier New" panose="02070309020205020404" pitchFamily="49" charset="0"/>
+                <a:cs typeface="Courier New" panose="02070309020205020404" pitchFamily="49" charset="0"/>
+              </a:rPr>
+              <a:t>stroop.psyexp</a:t>
+            </a:r>
+            <a:r>
+              <a:rPr lang="en-GB" dirty="0" smtClean="0">
+                <a:latin typeface="Courier New" panose="02070309020205020404" pitchFamily="49" charset="0"/>
+                <a:cs typeface="Courier New" panose="02070309020205020404" pitchFamily="49" charset="0"/>
+              </a:rPr>
+              <a:t> </a:t>
+            </a:r>
+            <a:r>
+              <a:rPr lang="en-GB" dirty="0" smtClean="0"/>
+              <a:t>from Exercise 1</a:t>
+            </a:r>
+          </a:p>
+          <a:p>
+            <a:pPr>
+              <a:buFont typeface="+mj-lt"/>
+              <a:buAutoNum type="arabicPeriod"/>
+            </a:pPr>
+            <a:r>
+              <a:rPr lang="en-GB" dirty="0" smtClean="0"/>
+              <a:t>Change the intro text and the first line “OK. Ready for the real thing?” to “Instructions”</a:t>
+            </a:r>
+          </a:p>
+          <a:p>
+            <a:pPr>
+              <a:buFont typeface="+mj-lt"/>
+              <a:buAutoNum type="arabicPeriod"/>
+            </a:pPr>
+            <a:r>
+              <a:rPr lang="en-GB" dirty="0" smtClean="0"/>
+              <a:t>Update keyboard input from “left”, “down”, “right” to “a”, “s”, “d”</a:t>
+            </a:r>
+          </a:p>
+          <a:p>
+            <a:pPr lvl="1">
+              <a:buFont typeface="Wingdings" panose="05000000000000000000" pitchFamily="2" charset="2"/>
+              <a:buChar char="§"/>
+            </a:pPr>
+            <a:r>
+              <a:rPr lang="en-GB" sz="1800" dirty="0" smtClean="0"/>
+              <a:t>Ensure you update the instructions</a:t>
+            </a:r>
+          </a:p>
+          <a:p>
+            <a:pPr>
+              <a:buFont typeface="+mj-lt"/>
+              <a:buAutoNum type="arabicPeriod"/>
+            </a:pPr>
+            <a:r>
+              <a:rPr lang="en-GB" dirty="0" smtClean="0"/>
+              <a:t>Add another 5 trials to the </a:t>
             </a:r>
             <a:r>
               <a:rPr lang="en-GB" dirty="0" err="1" smtClean="0"/>
-              <a:t>PsychoPy</a:t>
-            </a:r>
+              <a:t>Stroop</a:t>
+            </a:r>
+            <a:endParaRPr lang="en-GB" dirty="0" smtClean="0"/>
+          </a:p>
+          <a:p>
+            <a:pPr lvl="1">
+              <a:buFont typeface="Wingdings" panose="05000000000000000000" pitchFamily="2" charset="2"/>
+              <a:buChar char="§"/>
+            </a:pPr>
+            <a:r>
+              <a:rPr lang="en-GB" sz="1800" dirty="0" smtClean="0">
+                <a:cs typeface="Courier New" panose="02070309020205020404" pitchFamily="49" charset="0"/>
+              </a:rPr>
+              <a:t>Edit the </a:t>
+            </a:r>
+            <a:r>
+              <a:rPr lang="en-GB" sz="1800" dirty="0" smtClean="0">
+                <a:latin typeface="Courier New" panose="02070309020205020404" pitchFamily="49" charset="0"/>
+                <a:cs typeface="Courier New" panose="02070309020205020404" pitchFamily="49" charset="0"/>
+              </a:rPr>
+              <a:t>trialTypes.xlsx </a:t>
+            </a:r>
+            <a:r>
+              <a:rPr lang="en-GB" sz="1800" dirty="0" smtClean="0"/>
+              <a:t>is where the source trial data is!</a:t>
+            </a:r>
+          </a:p>
+          <a:p>
+            <a:pPr>
+              <a:buFont typeface="+mj-lt"/>
+              <a:buAutoNum type="arabicPeriod"/>
+            </a:pPr>
             <a:r>
               <a:rPr lang="en-GB" dirty="0" smtClean="0"/>
-              <a:t>.</a:t>
+              <a:t>Try adding a new routine which will act as a title page for the experiment</a:t>
+            </a:r>
+          </a:p>
+          <a:p>
+            <a:pPr lvl="1">
+              <a:buFont typeface="Wingdings" panose="05000000000000000000" pitchFamily="2" charset="2"/>
+              <a:buChar char="§"/>
+            </a:pPr>
+            <a:r>
+              <a:rPr lang="en-GB" sz="1800" dirty="0" smtClean="0"/>
+              <a:t>HINT: the “instruct” routine should give you some clues</a:t>
+            </a:r>
+          </a:p>
+          <a:p>
+            <a:pPr lvl="1">
+              <a:buFont typeface="Wingdings" panose="05000000000000000000" pitchFamily="2" charset="2"/>
+              <a:buChar char="§"/>
+            </a:pPr>
+            <a:r>
+              <a:rPr lang="en-GB" sz="1800" dirty="0" smtClean="0"/>
+              <a:t>Look at the properties of the Text and Keyboard component and replicate</a:t>
+            </a:r>
+          </a:p>
+          <a:p>
+            <a:pPr>
+              <a:buFont typeface="+mj-lt"/>
+              <a:buAutoNum type="arabicPeriod"/>
+            </a:pPr>
+            <a:r>
+              <a:rPr lang="en-GB" dirty="0" smtClean="0"/>
+              <a:t>Re-Run and see what you get</a:t>
             </a:r>
             <a:endParaRPr lang="en-US" dirty="0"/>
+          </a:p>
+          <a:p>
+            <a:pPr lvl="1">
+              <a:buFont typeface="Wingdings" panose="05000000000000000000" pitchFamily="2" charset="2"/>
+              <a:buChar char="§"/>
+            </a:pPr>
+            <a:r>
+              <a:rPr lang="en-GB" sz="1800" dirty="0" smtClean="0"/>
+              <a:t>Look at the result file, has your new data column come over?</a:t>
+            </a:r>
           </a:p>
         </p:txBody>
       </p:sp>
     </p:spTree>
     <p:extLst>
       <p:ext uri="{BB962C8B-B14F-4D97-AF65-F5344CB8AC3E}">
-        <p14:creationId xmlns:p14="http://schemas.microsoft.com/office/powerpoint/2010/main" val="3360946090"/>
+        <p14:creationId xmlns:p14="http://schemas.microsoft.com/office/powerpoint/2010/main" val="1662202215"/>
       </p:ext>
     </p:extLst>
   </p:cSld>
   <p:clrMapOvr>
     <a:masterClrMapping/>
   </p:clrMapOvr>
+  <p:timing>
+    <p:tnLst>
+      <p:par>
+        <p:cTn id="1" dur="indefinite" restart="never" nodeType="tmRoot"/>
+      </p:par>
+    </p:tnLst>
+  </p:timing>
 </p:sld>
 </file>
 
@@ -10104,11 +13507,7 @@
           <a:p>
             <a:r>
               <a:rPr lang="en-GB" dirty="0" smtClean="0"/>
-              <a:t>Demo: Picture </a:t>
-            </a:r>
-            <a:r>
-              <a:rPr lang="en-GB" dirty="0" err="1" smtClean="0"/>
-              <a:t>stroop</a:t>
+              <a:t>Components - Part 2</a:t>
             </a:r>
             <a:endParaRPr lang="en-US" dirty="0"/>
           </a:p>
@@ -10124,26 +13523,255 @@
             <p:ph type="body" idx="1"/>
           </p:nvPr>
         </p:nvSpPr>
-        <p:spPr/>
-        <p:txBody>
-          <a:bodyPr/>
+        <p:spPr>
+          <a:xfrm>
+            <a:off x="487328" y="1417936"/>
+            <a:ext cx="8229600" cy="4967700"/>
+          </a:xfrm>
+        </p:spPr>
+        <p:txBody>
+          <a:bodyPr>
+            <a:normAutofit fontScale="92500" lnSpcReduction="20000"/>
+          </a:bodyPr>
           <a:lstStyle/>
           <a:p>
             <a:pPr marL="0" indent="0">
               <a:buNone/>
             </a:pPr>
-            <a:endParaRPr lang="en-US" dirty="0">
-              <a:solidFill>
-                <a:schemeClr val="tx1"/>
-              </a:solidFill>
-            </a:endParaRPr>
+            <a:r>
+              <a:rPr lang="en-GB" dirty="0" smtClean="0"/>
+              <a:t>Overview of remaining components in brief.</a:t>
+            </a:r>
+          </a:p>
+          <a:p>
+            <a:pPr marL="0" indent="0">
+              <a:buNone/>
+            </a:pPr>
+            <a:endParaRPr lang="en-GB" dirty="0" smtClean="0"/>
+          </a:p>
+          <a:p>
+            <a:pPr marL="0" indent="0">
+              <a:buNone/>
+            </a:pPr>
+            <a:r>
+              <a:rPr lang="en-GB" dirty="0" smtClean="0"/>
+              <a:t>Stimuli:</a:t>
+            </a:r>
+          </a:p>
+          <a:p>
+            <a:r>
+              <a:rPr lang="en-GB" b="1" dirty="0" smtClean="0"/>
+              <a:t>Sound</a:t>
+            </a:r>
+            <a:r>
+              <a:rPr lang="en-GB" dirty="0" smtClean="0"/>
+              <a:t> – Playback of sound</a:t>
+            </a:r>
+          </a:p>
+          <a:p>
+            <a:r>
+              <a:rPr lang="en-GB" b="1" dirty="0" smtClean="0"/>
+              <a:t>Image</a:t>
+            </a:r>
+            <a:r>
+              <a:rPr lang="en-GB" dirty="0" smtClean="0"/>
+              <a:t> – Display of image</a:t>
+            </a:r>
+          </a:p>
+          <a:p>
+            <a:r>
+              <a:rPr lang="en-GB" b="1" dirty="0" smtClean="0"/>
+              <a:t>Aperture</a:t>
+            </a:r>
+            <a:r>
+              <a:rPr lang="en-GB" dirty="0" smtClean="0"/>
+              <a:t> – Add a circular effect onto image component</a:t>
+            </a:r>
+          </a:p>
+          <a:p>
+            <a:r>
+              <a:rPr lang="en-GB" b="1" dirty="0" smtClean="0"/>
+              <a:t>Grating</a:t>
+            </a:r>
+            <a:r>
+              <a:rPr lang="en-GB" dirty="0" smtClean="0"/>
+              <a:t> – Wrapped texture that can be cycled in 2 dimensions</a:t>
+            </a:r>
+          </a:p>
+          <a:p>
+            <a:r>
+              <a:rPr lang="en-GB" b="1" dirty="0" smtClean="0"/>
+              <a:t>Movie</a:t>
+            </a:r>
+            <a:r>
+              <a:rPr lang="en-GB" dirty="0" smtClean="0"/>
+              <a:t> – Playback of movie files</a:t>
+            </a:r>
+          </a:p>
+          <a:p>
+            <a:r>
+              <a:rPr lang="en-GB" b="1" dirty="0" smtClean="0"/>
+              <a:t>Dots</a:t>
+            </a:r>
+            <a:r>
+              <a:rPr lang="en-GB" dirty="0" smtClean="0"/>
+              <a:t> – Presentation of Random Dot </a:t>
+            </a:r>
+            <a:r>
+              <a:rPr lang="en-GB" dirty="0" err="1" smtClean="0"/>
+              <a:t>Kinematogram</a:t>
+            </a:r>
+            <a:r>
+              <a:rPr lang="en-GB" dirty="0" smtClean="0"/>
+              <a:t> to participants</a:t>
+            </a:r>
+          </a:p>
+          <a:p>
+            <a:r>
+              <a:rPr lang="en-GB" b="1" dirty="0" smtClean="0"/>
+              <a:t>Polygon</a:t>
+            </a:r>
+            <a:r>
+              <a:rPr lang="en-GB" dirty="0" smtClean="0"/>
+              <a:t> – Shape presentation of different sides (square, rectangle, octagon)</a:t>
+            </a:r>
+          </a:p>
+          <a:p>
+            <a:endParaRPr lang="en-GB" dirty="0" smtClean="0"/>
+          </a:p>
+          <a:p>
+            <a:pPr marL="0" indent="0">
+              <a:buNone/>
+            </a:pPr>
+            <a:r>
+              <a:rPr lang="en-GB" dirty="0" smtClean="0"/>
+              <a:t>Responses:</a:t>
+            </a:r>
+          </a:p>
+          <a:p>
+            <a:r>
+              <a:rPr lang="en-GB" b="1" dirty="0" smtClean="0"/>
+              <a:t>Mouse</a:t>
+            </a:r>
+            <a:r>
+              <a:rPr lang="en-GB" dirty="0" smtClean="0"/>
+              <a:t> – Take responses from the mouse</a:t>
+            </a:r>
+          </a:p>
+          <a:p>
+            <a:r>
+              <a:rPr lang="en-GB" b="1" dirty="0" smtClean="0"/>
+              <a:t>Mic</a:t>
+            </a:r>
+            <a:r>
+              <a:rPr lang="en-GB" dirty="0" smtClean="0"/>
+              <a:t> – Only records sound, doesn’t register response to sound</a:t>
+            </a:r>
+          </a:p>
+          <a:p>
+            <a:r>
+              <a:rPr lang="en-GB" b="1" dirty="0" smtClean="0"/>
+              <a:t>Scale</a:t>
+            </a:r>
+            <a:r>
+              <a:rPr lang="en-GB" dirty="0" smtClean="0"/>
+              <a:t> – Mouse friendly scale to choose a value</a:t>
+            </a:r>
+          </a:p>
+          <a:p>
+            <a:r>
+              <a:rPr lang="en-GB" b="1" dirty="0" err="1" smtClean="0"/>
+              <a:t>ioBox</a:t>
+            </a:r>
+            <a:r>
+              <a:rPr lang="en-GB" b="1" dirty="0" smtClean="0"/>
+              <a:t>, </a:t>
+            </a:r>
+            <a:r>
+              <a:rPr lang="en-GB" b="1" dirty="0" err="1" smtClean="0"/>
+              <a:t>Cedrus</a:t>
+            </a:r>
+            <a:r>
+              <a:rPr lang="en-GB" b="1" dirty="0"/>
+              <a:t> </a:t>
+            </a:r>
+            <a:r>
+              <a:rPr lang="en-GB" dirty="0" smtClean="0"/>
+              <a:t>– Input options for external hardware devices and button boxes</a:t>
+            </a:r>
+            <a:endParaRPr lang="en-GB" dirty="0"/>
+          </a:p>
+          <a:p>
+            <a:pPr marL="0" indent="0">
+              <a:buNone/>
+            </a:pPr>
+            <a:endParaRPr lang="en-GB" dirty="0" smtClean="0"/>
+          </a:p>
+          <a:p>
+            <a:pPr marL="0" indent="0">
+              <a:buNone/>
+            </a:pPr>
+            <a:r>
+              <a:rPr lang="en-GB" dirty="0" smtClean="0"/>
+              <a:t>Other:</a:t>
+            </a:r>
+          </a:p>
+          <a:p>
+            <a:r>
+              <a:rPr lang="en-GB" b="1" dirty="0" smtClean="0"/>
+              <a:t>Parallel icon </a:t>
+            </a:r>
+            <a:r>
+              <a:rPr lang="en-GB" dirty="0" smtClean="0"/>
+              <a:t>– Send signals down a cable (EEG)</a:t>
+            </a:r>
+          </a:p>
+          <a:p>
+            <a:r>
+              <a:rPr lang="en-GB" b="1" dirty="0" smtClean="0"/>
+              <a:t>Static</a:t>
+            </a:r>
+            <a:r>
+              <a:rPr lang="en-GB" dirty="0" smtClean="0"/>
+              <a:t> – A static period to allow for pre-loading images or other operations</a:t>
+            </a:r>
+          </a:p>
+          <a:p>
+            <a:endParaRPr lang="en-GB" dirty="0"/>
+          </a:p>
+          <a:p>
+            <a:pPr marL="0" indent="0">
+              <a:buNone/>
+            </a:pPr>
+            <a:r>
+              <a:rPr lang="en-GB" dirty="0" smtClean="0"/>
+              <a:t>More details can </a:t>
+            </a:r>
+            <a:r>
+              <a:rPr lang="en-GB" dirty="0"/>
+              <a:t>be found at </a:t>
+            </a:r>
+            <a:r>
+              <a:rPr lang="en-GB" b="1" dirty="0"/>
+              <a:t>http://</a:t>
+            </a:r>
+            <a:r>
+              <a:rPr lang="en-GB" b="1" dirty="0" smtClean="0"/>
+              <a:t>www.psychopy.org/builder/components.html</a:t>
+            </a:r>
+          </a:p>
+          <a:p>
+            <a:pPr marL="0" indent="0">
+              <a:buNone/>
+            </a:pPr>
+            <a:endParaRPr lang="en-US" dirty="0"/>
           </a:p>
         </p:txBody>
       </p:sp>
     </p:spTree>
     <p:extLst>
       <p:ext uri="{BB962C8B-B14F-4D97-AF65-F5344CB8AC3E}">
-        <p14:creationId xmlns:p14="http://schemas.microsoft.com/office/powerpoint/2010/main" val="3643920486"/>
+        <p14:creationId xmlns:p14="http://schemas.microsoft.com/office/powerpoint/2010/main" val="1997174920"/>
       </p:ext>
     </p:extLst>
   </p:cSld>
@@ -10189,6 +13817,245 @@
         </p:nvSpPr>
         <p:spPr/>
         <p:txBody>
+          <a:bodyPr/>
+          <a:lstStyle/>
+          <a:p>
+            <a:r>
+              <a:rPr lang="en-GB" smtClean="0"/>
+              <a:t>Demo: File preferences + settings</a:t>
+            </a:r>
+            <a:endParaRPr lang="en-US"/>
+          </a:p>
+        </p:txBody>
+      </p:sp>
+      <p:sp>
+        <p:nvSpPr>
+          <p:cNvPr id="3" name="Text Placeholder 2"/>
+          <p:cNvSpPr>
+            <a:spLocks noGrp="1"/>
+          </p:cNvSpPr>
+          <p:nvPr>
+            <p:ph type="body" idx="1"/>
+          </p:nvPr>
+        </p:nvSpPr>
+        <p:spPr/>
+        <p:txBody>
+          <a:bodyPr/>
+          <a:lstStyle/>
+          <a:p>
+            <a:pPr marL="0" indent="0">
+              <a:buNone/>
+            </a:pPr>
+            <a:r>
+              <a:rPr lang="en-GB" dirty="0" smtClean="0"/>
+              <a:t>Some additional settings hidden away in </a:t>
+            </a:r>
+            <a:r>
+              <a:rPr lang="en-GB" dirty="0" err="1" smtClean="0"/>
+              <a:t>PsychoPy</a:t>
+            </a:r>
+            <a:r>
+              <a:rPr lang="en-GB" dirty="0" smtClean="0"/>
+              <a:t>.</a:t>
+            </a:r>
+            <a:endParaRPr lang="en-US" dirty="0"/>
+          </a:p>
+        </p:txBody>
+      </p:sp>
+    </p:spTree>
+    <p:extLst>
+      <p:ext uri="{BB962C8B-B14F-4D97-AF65-F5344CB8AC3E}">
+        <p14:creationId xmlns:p14="http://schemas.microsoft.com/office/powerpoint/2010/main" val="3360946090"/>
+      </p:ext>
+    </p:extLst>
+  </p:cSld>
+  <p:clrMapOvr>
+    <a:masterClrMapping/>
+  </p:clrMapOvr>
+</p:sld>
+</file>
+
+<file path=ppt/slides/slide23.xml><?xml version="1.0" encoding="utf-8"?>
+<p:sld xmlns:a="http://schemas.openxmlformats.org/drawingml/2006/main" xmlns:r="http://schemas.openxmlformats.org/officeDocument/2006/relationships" xmlns:p="http://schemas.openxmlformats.org/presentationml/2006/main">
+  <p:cSld>
+    <p:spTree>
+      <p:nvGrpSpPr>
+        <p:cNvPr id="1" name=""/>
+        <p:cNvGrpSpPr/>
+        <p:nvPr/>
+      </p:nvGrpSpPr>
+      <p:grpSpPr>
+        <a:xfrm>
+          <a:off x="0" y="0"/>
+          <a:ext cx="0" cy="0"/>
+          <a:chOff x="0" y="0"/>
+          <a:chExt cx="0" cy="0"/>
+        </a:xfrm>
+      </p:grpSpPr>
+      <p:sp>
+        <p:nvSpPr>
+          <p:cNvPr id="2" name="Title 1"/>
+          <p:cNvSpPr>
+            <a:spLocks noGrp="1"/>
+          </p:cNvSpPr>
+          <p:nvPr>
+            <p:ph type="title"/>
+          </p:nvPr>
+        </p:nvSpPr>
+        <p:spPr/>
+        <p:txBody>
+          <a:bodyPr/>
+          <a:lstStyle/>
+          <a:p>
+            <a:r>
+              <a:rPr lang="en-GB" dirty="0" smtClean="0"/>
+              <a:t>Escaping from your experiment</a:t>
+            </a:r>
+            <a:endParaRPr lang="en-US" dirty="0"/>
+          </a:p>
+        </p:txBody>
+      </p:sp>
+      <p:sp>
+        <p:nvSpPr>
+          <p:cNvPr id="3" name="Text Placeholder 2"/>
+          <p:cNvSpPr>
+            <a:spLocks noGrp="1"/>
+          </p:cNvSpPr>
+          <p:nvPr>
+            <p:ph type="body" idx="1"/>
+          </p:nvPr>
+        </p:nvSpPr>
+        <p:spPr/>
+        <p:txBody>
+          <a:bodyPr/>
+          <a:lstStyle/>
+          <a:p>
+            <a:r>
+              <a:rPr lang="en-GB" dirty="0" smtClean="0"/>
+              <a:t>One of the key settings you may want to consider changing!</a:t>
+            </a:r>
+          </a:p>
+          <a:p>
+            <a:r>
+              <a:rPr lang="en-GB" dirty="0" smtClean="0"/>
+              <a:t>By </a:t>
+            </a:r>
+            <a:r>
+              <a:rPr lang="en-GB" dirty="0" smtClean="0"/>
+              <a:t>default, when running an experiment you can press ESC</a:t>
+            </a:r>
+          </a:p>
+          <a:p>
+            <a:r>
+              <a:rPr lang="en-GB" dirty="0" smtClean="0"/>
+              <a:t>This will halt the experiment</a:t>
+            </a:r>
+          </a:p>
+          <a:p>
+            <a:r>
+              <a:rPr lang="en-GB" dirty="0" smtClean="0"/>
+              <a:t>And save any data recorded so far.</a:t>
+            </a:r>
+          </a:p>
+          <a:p>
+            <a:endParaRPr lang="en-GB" dirty="0"/>
+          </a:p>
+          <a:p>
+            <a:pPr marL="0" indent="0">
+              <a:buNone/>
+            </a:pPr>
+            <a:r>
+              <a:rPr lang="en-GB" dirty="0" smtClean="0"/>
+              <a:t>This can be disabled:</a:t>
+            </a:r>
+          </a:p>
+          <a:p>
+            <a:pPr marL="0" indent="0">
+              <a:buNone/>
+            </a:pPr>
+            <a:endParaRPr lang="en-GB" dirty="0"/>
+          </a:p>
+          <a:p>
+            <a:r>
+              <a:rPr lang="en-GB" dirty="0" smtClean="0"/>
+              <a:t>E.g. </a:t>
+            </a:r>
+            <a:endParaRPr lang="en-US" dirty="0"/>
+          </a:p>
+        </p:txBody>
+      </p:sp>
+      <p:pic>
+        <p:nvPicPr>
+          <p:cNvPr id="4" name="Picture 3"/>
+          <p:cNvPicPr>
+            <a:picLocks noChangeAspect="1"/>
+          </p:cNvPicPr>
+          <p:nvPr/>
+        </p:nvPicPr>
+        <p:blipFill>
+          <a:blip r:embed="rId2">
+            <a:extLst>
+              <a:ext uri="{28A0092B-C50C-407E-A947-70E740481C1C}">
+                <a14:useLocalDpi xmlns:a14="http://schemas.microsoft.com/office/drawing/2010/main" val="0"/>
+              </a:ext>
+            </a:extLst>
+          </a:blip>
+          <a:stretch>
+            <a:fillRect/>
+          </a:stretch>
+        </p:blipFill>
+        <p:spPr>
+          <a:xfrm>
+            <a:off x="2411760" y="3356992"/>
+            <a:ext cx="3483313" cy="3393172"/>
+          </a:xfrm>
+          <a:prstGeom prst="rect">
+            <a:avLst/>
+          </a:prstGeom>
+        </p:spPr>
+      </p:pic>
+    </p:spTree>
+    <p:extLst>
+      <p:ext uri="{BB962C8B-B14F-4D97-AF65-F5344CB8AC3E}">
+        <p14:creationId xmlns:p14="http://schemas.microsoft.com/office/powerpoint/2010/main" val="657440853"/>
+      </p:ext>
+    </p:extLst>
+  </p:cSld>
+  <p:clrMapOvr>
+    <a:masterClrMapping/>
+  </p:clrMapOvr>
+</p:sld>
+</file>
+
+<file path=ppt/slides/slide24.xml><?xml version="1.0" encoding="utf-8"?>
+<p:sld xmlns:a="http://schemas.openxmlformats.org/drawingml/2006/main" xmlns:r="http://schemas.openxmlformats.org/officeDocument/2006/relationships" xmlns:p="http://schemas.openxmlformats.org/presentationml/2006/main">
+  <p:cSld>
+    <p:spTree>
+      <p:nvGrpSpPr>
+        <p:cNvPr id="1" name=""/>
+        <p:cNvGrpSpPr/>
+        <p:nvPr/>
+      </p:nvGrpSpPr>
+      <p:grpSpPr>
+        <a:xfrm>
+          <a:off x="0" y="0"/>
+          <a:ext cx="0" cy="0"/>
+          <a:chOff x="0" y="0"/>
+          <a:chExt cx="0" cy="0"/>
+        </a:xfrm>
+      </p:grpSpPr>
+      <p:sp>
+        <p:nvSpPr>
+          <p:cNvPr id="2" name="Title 1"/>
+          <p:cNvSpPr>
+            <a:spLocks noGrp="1"/>
+          </p:cNvSpPr>
+          <p:nvPr>
+            <p:ph type="title"/>
+          </p:nvPr>
+        </p:nvSpPr>
+        <p:spPr/>
+        <p:txBody>
           <a:bodyPr>
             <a:normAutofit fontScale="90000"/>
           </a:bodyPr>
@@ -10422,16 +14289,7 @@
           <a:p>
             <a:r>
               <a:rPr lang="en-GB" b="1" dirty="0" smtClean="0"/>
-              <a:t>If you don’t get chance to finish, have a go at home ready for </a:t>
-            </a:r>
-          </a:p>
-          <a:p>
-            <a:pPr marL="0" indent="0">
-              <a:buNone/>
-            </a:pPr>
-            <a:r>
-              <a:rPr lang="en-GB" b="1" dirty="0" smtClean="0"/>
-              <a:t>next week.</a:t>
+              <a:t>If you don’t get chance to finish, have a go at home.</a:t>
             </a:r>
             <a:endParaRPr lang="en-US" b="1" dirty="0"/>
           </a:p>
@@ -10539,7 +14397,7 @@
           <p:nvPr>
             <p:extLst>
               <p:ext uri="{D42A27DB-BD31-4B8C-83A1-F6EECF244321}">
-                <p14:modId xmlns:p14="http://schemas.microsoft.com/office/powerpoint/2010/main" val="223432660"/>
+                <p14:modId xmlns:p14="http://schemas.microsoft.com/office/powerpoint/2010/main" val="280733226"/>
               </p:ext>
             </p:extLst>
           </p:nvPr>
@@ -10780,7 +14638,7 @@
                             <a:srgbClr val="7030A0"/>
                           </a:solidFill>
                         </a:rPr>
-                        <a:t>, but not yet with </a:t>
+                        <a:t>, and we’ve managed to get things working with the </a:t>
                       </a:r>
                       <a:r>
                         <a:rPr lang="en-GB" sz="1400" b="1" i="1" baseline="0" dirty="0" err="1" smtClean="0">
@@ -10804,7 +14662,7 @@
                             <a:srgbClr val="7030A0"/>
                           </a:solidFill>
                         </a:rPr>
-                        <a:t>Eyetracker</a:t>
+                        <a:t>EyeTracker</a:t>
                       </a:r>
                       <a:r>
                         <a:rPr lang="en-GB" sz="1400" b="1" i="1" baseline="0" dirty="0" smtClean="0">
@@ -10812,8 +14670,13 @@
                             <a:srgbClr val="7030A0"/>
                           </a:solidFill>
                         </a:rPr>
-                        <a:t>.</a:t>
+                        <a:t> recently.</a:t>
                       </a:r>
+                      <a:endParaRPr lang="en-GB" sz="1400" b="1" i="1" baseline="0" dirty="0" smtClean="0">
+                        <a:solidFill>
+                          <a:srgbClr val="7030A0"/>
+                        </a:solidFill>
+                      </a:endParaRPr>
                     </a:p>
                   </a:txBody>
                   <a:tcPr/>
@@ -11515,7 +15378,7 @@
                   <a:schemeClr val="tx1"/>
                 </a:solidFill>
               </a:rPr>
-              <a:t>Fixed for consistency across School</a:t>
+              <a:t> Fixed for consistency across School</a:t>
             </a:r>
           </a:p>
           <a:p>
@@ -11735,8 +15598,27 @@
                 <a:cs typeface="Courier New"/>
                 <a:sym typeface="Courier New"/>
               </a:rPr>
-              <a:t>Student/staff PC’s (like you are on now), should already have it installed via the location you’ve used.</a:t>
-            </a:r>
+              <a:t>Student/staff PC’s (like you are on now), should already have it installed via the location you’ve used</a:t>
+            </a:r>
+            <a:r>
+              <a:rPr lang="en" sz="1400" dirty="0" smtClean="0">
+                <a:solidFill>
+                  <a:schemeClr val="tx1"/>
+                </a:solidFill>
+                <a:ea typeface="Courier New"/>
+                <a:cs typeface="Courier New"/>
+                <a:sym typeface="Courier New"/>
+              </a:rPr>
+              <a:t>.  We show how to load it a few slides on…</a:t>
+            </a:r>
+            <a:endParaRPr lang="en" sz="1400" dirty="0" smtClean="0">
+              <a:solidFill>
+                <a:schemeClr val="tx1"/>
+              </a:solidFill>
+              <a:ea typeface="Courier New"/>
+              <a:cs typeface="Courier New"/>
+              <a:sym typeface="Courier New"/>
+            </a:endParaRPr>
           </a:p>
           <a:p>
             <a:pPr marL="76200" indent="0">
@@ -12874,14 +16756,59 @@
         </p:nvSpPr>
         <p:spPr/>
         <p:txBody>
-          <a:bodyPr/>
+          <a:bodyPr>
+            <a:normAutofit fontScale="90000"/>
+          </a:bodyPr>
           <a:lstStyle/>
           <a:p>
             <a:r>
-              <a:rPr lang="en-GB" smtClean="0"/>
-              <a:t>Escaping from your experiment</a:t>
-            </a:r>
-            <a:endParaRPr lang="en-US"/>
+              <a:rPr lang="en-GB" sz="4000" dirty="0" smtClean="0"/>
+              <a:t>Exercise 1</a:t>
+            </a:r>
+            <a:r>
+              <a:rPr lang="en-GB" dirty="0" smtClean="0"/>
+              <a:t/>
+            </a:r>
+            <a:br>
+              <a:rPr lang="en-GB" dirty="0" smtClean="0"/>
+            </a:br>
+            <a:r>
+              <a:rPr lang="en-GB" sz="3100" dirty="0" smtClean="0">
+                <a:solidFill>
+                  <a:schemeClr val="accent1">
+                    <a:lumMod val="75000"/>
+                  </a:schemeClr>
+                </a:solidFill>
+              </a:rPr>
+              <a:t>Run a </a:t>
+            </a:r>
+            <a:r>
+              <a:rPr lang="en-GB" sz="3100" dirty="0" err="1" smtClean="0">
+                <a:solidFill>
+                  <a:schemeClr val="accent1">
+                    <a:lumMod val="75000"/>
+                  </a:schemeClr>
+                </a:solidFill>
+              </a:rPr>
+              <a:t>stroop</a:t>
+            </a:r>
+            <a:r>
+              <a:rPr lang="en-GB" sz="3100" dirty="0" smtClean="0">
+                <a:solidFill>
+                  <a:schemeClr val="accent1">
+                    <a:lumMod val="75000"/>
+                  </a:schemeClr>
+                </a:solidFill>
+              </a:rPr>
+              <a:t> demo</a:t>
+            </a:r>
+            <a:endParaRPr lang="en-US" sz="3100" dirty="0">
+              <a:solidFill>
+                <a:schemeClr val="accent1">
+                  <a:lumMod val="75000"/>
+                </a:schemeClr>
+              </a:solidFill>
+            </a:endParaRPr>
           </a:p>
         </p:txBody>
       </p:sp>
@@ -12900,90 +16827,158 @@
           <a:bodyPr/>
           <a:lstStyle/>
           <a:p>
+            <a:pPr marL="0" indent="0">
+              <a:buNone/>
+            </a:pPr>
+            <a:r>
+              <a:rPr lang="en-GB" b="1" dirty="0" smtClean="0"/>
+              <a:t>Exercise 1.1</a:t>
+            </a:r>
+          </a:p>
+          <a:p>
+            <a:pPr marL="0" indent="0">
+              <a:buNone/>
+            </a:pPr>
+            <a:endParaRPr lang="en-GB" dirty="0" smtClean="0"/>
+          </a:p>
+          <a:p>
             <a:r>
               <a:rPr lang="en-GB" dirty="0" smtClean="0"/>
-              <a:t>By default, when running an experiment you can press ESC</a:t>
-            </a:r>
-          </a:p>
-          <a:p>
+              <a:t>Open up </a:t>
+            </a:r>
+            <a:r>
+              <a:rPr lang="en-GB" dirty="0" err="1" smtClean="0">
+                <a:latin typeface="Courier New" panose="02070309020205020404" pitchFamily="49" charset="0"/>
+                <a:cs typeface="Courier New" panose="02070309020205020404" pitchFamily="49" charset="0"/>
+              </a:rPr>
+              <a:t>stroop</a:t>
+            </a:r>
+            <a:r>
+              <a:rPr lang="en-GB" dirty="0" smtClean="0">
+                <a:latin typeface="Courier New" panose="02070309020205020404" pitchFamily="49" charset="0"/>
+                <a:cs typeface="Courier New" panose="02070309020205020404" pitchFamily="49" charset="0"/>
+              </a:rPr>
+              <a:t>/</a:t>
+            </a:r>
+            <a:r>
+              <a:rPr lang="en-GB" dirty="0" err="1" smtClean="0">
+                <a:latin typeface="Courier New" panose="02070309020205020404" pitchFamily="49" charset="0"/>
+                <a:cs typeface="Courier New" panose="02070309020205020404" pitchFamily="49" charset="0"/>
+              </a:rPr>
+              <a:t>stroop.psyexp</a:t>
+            </a:r>
             <a:r>
               <a:rPr lang="en-GB" dirty="0" smtClean="0"/>
-              <a:t>This will halt the experiment</a:t>
+              <a:t> from within your directory</a:t>
             </a:r>
           </a:p>
           <a:p>
             <a:r>
               <a:rPr lang="en-GB" dirty="0" smtClean="0"/>
-              <a:t>And save any data recorded so far.</a:t>
-            </a:r>
-          </a:p>
-          <a:p>
-            <a:endParaRPr lang="en-GB" dirty="0"/>
+              <a:t>Don’t worry what everything is just yet, we’ll cover it later!</a:t>
+            </a:r>
+          </a:p>
+          <a:p>
+            <a:r>
+              <a:rPr lang="en-GB" dirty="0" smtClean="0"/>
+              <a:t>Click the green icon at the top to run it</a:t>
+            </a:r>
+          </a:p>
+          <a:p>
+            <a:r>
+              <a:rPr lang="en-GB" dirty="0" smtClean="0"/>
+              <a:t>See what it does.</a:t>
+            </a:r>
           </a:p>
           <a:p>
             <a:pPr marL="0" indent="0">
               <a:buNone/>
             </a:pPr>
+            <a:endParaRPr lang="en-GB" dirty="0" smtClean="0"/>
+          </a:p>
+          <a:p>
+            <a:pPr marL="0" indent="0">
+              <a:buNone/>
+            </a:pPr>
+            <a:r>
+              <a:rPr lang="en-GB" b="1" dirty="0" smtClean="0"/>
+              <a:t>Exercise 1.2</a:t>
+            </a:r>
+          </a:p>
+          <a:p>
+            <a:pPr marL="0" indent="0">
+              <a:buNone/>
+            </a:pPr>
+            <a:endParaRPr lang="en-GB" dirty="0" smtClean="0"/>
+          </a:p>
+          <a:p>
             <a:r>
               <a:rPr lang="en-GB" dirty="0" smtClean="0"/>
-              <a:t>This can be disabled:</a:t>
+              <a:t>Look inside the </a:t>
+            </a:r>
+            <a:r>
+              <a:rPr lang="en-GB" dirty="0" smtClean="0">
+                <a:latin typeface="Courier New" panose="02070309020205020404" pitchFamily="49" charset="0"/>
+                <a:cs typeface="Courier New" panose="02070309020205020404" pitchFamily="49" charset="0"/>
+              </a:rPr>
+              <a:t>/data </a:t>
+            </a:r>
+            <a:r>
+              <a:rPr lang="en-GB" dirty="0" smtClean="0"/>
+              <a:t>folder and see what is produced</a:t>
+            </a:r>
+          </a:p>
+          <a:p>
+            <a:r>
+              <a:rPr lang="en-GB" dirty="0" smtClean="0"/>
+              <a:t>Open one of the most recent CSV files that you find</a:t>
+            </a:r>
+            <a:endParaRPr lang="en-US" dirty="0"/>
+          </a:p>
+          <a:p>
+            <a:pPr lvl="1"/>
+            <a:r>
+              <a:rPr lang="en-US" sz="1800" dirty="0" smtClean="0"/>
+              <a:t>Study </a:t>
+            </a:r>
+            <a:r>
+              <a:rPr lang="en-US" sz="1800" dirty="0"/>
+              <a:t>the </a:t>
+            </a:r>
+            <a:r>
+              <a:rPr lang="en-US" sz="1800" dirty="0" smtClean="0"/>
+              <a:t>file, </a:t>
+            </a:r>
+            <a:r>
+              <a:rPr lang="en-US" sz="1800" dirty="0"/>
+              <a:t>noting the column headings.</a:t>
             </a:r>
           </a:p>
           <a:p>
             <a:pPr marL="0" indent="0">
               <a:buNone/>
             </a:pPr>
-            <a:endParaRPr lang="en-GB" dirty="0"/>
-          </a:p>
-          <a:p>
-            <a:r>
-              <a:rPr lang="en-GB" dirty="0" smtClean="0"/>
-              <a:t>E.g. </a:t>
-            </a:r>
             <a:endParaRPr lang="en-US" dirty="0"/>
           </a:p>
         </p:txBody>
       </p:sp>
-      <p:pic>
-        <p:nvPicPr>
-          <p:cNvPr id="4" name="Picture 3"/>
-          <p:cNvPicPr>
-            <a:picLocks noChangeAspect="1"/>
-          </p:cNvPicPr>
-          <p:nvPr/>
-        </p:nvPicPr>
-        <p:blipFill>
-          <a:blip r:embed="rId2">
-            <a:extLst>
-              <a:ext uri="{28A0092B-C50C-407E-A947-70E740481C1C}">
-                <a14:useLocalDpi xmlns:a14="http://schemas.microsoft.com/office/drawing/2010/main" val="0"/>
-              </a:ext>
-            </a:extLst>
-          </a:blip>
-          <a:stretch>
-            <a:fillRect/>
-          </a:stretch>
-        </p:blipFill>
-        <p:spPr>
-          <a:xfrm>
-            <a:off x="2411760" y="3356992"/>
-            <a:ext cx="3483313" cy="3393172"/>
-          </a:xfrm>
-          <a:prstGeom prst="rect">
-            <a:avLst/>
-          </a:prstGeom>
-        </p:spPr>
-      </p:pic>
     </p:spTree>
     <p:extLst>
       <p:ext uri="{BB962C8B-B14F-4D97-AF65-F5344CB8AC3E}">
-        <p14:creationId xmlns:p14="http://schemas.microsoft.com/office/powerpoint/2010/main" val="3273777081"/>
+        <p14:creationId xmlns:p14="http://schemas.microsoft.com/office/powerpoint/2010/main" val="3214493180"/>
       </p:ext>
     </p:extLst>
   </p:cSld>
   <p:clrMapOvr>
     <a:masterClrMapping/>
   </p:clrMapOvr>
+  <p:timing>
+    <p:tnLst>
+      <p:par>
+        <p:cTn id="1" dur="indefinite" restart="never" nodeType="tmRoot"/>
+      </p:par>
+    </p:tnLst>
+  </p:timing>
 </p:sld>
 </file>
 

--- a/PsychoPy-Part1/PsychoPy-part1.pptx
+++ b/PsychoPy-Part1/PsychoPy-part1.pptx
@@ -1670,7 +1670,7 @@
           <a:p>
             <a:fld id="{B4554F2B-4BCF-4197-901F-D7CA0C5C3346}" type="datetimeFigureOut">
               <a:rPr lang="en-US" smtClean="0"/>
-              <a:t>2/5/2016</a:t>
+              <a:t>9/20/2016</a:t>
             </a:fld>
             <a:endParaRPr lang="en-US" dirty="0"/>
           </a:p>
@@ -1927,7 +1927,7 @@
           <a:p>
             <a:fld id="{E28077EF-3DB9-4852-A8C8-9AA18A70A9F8}" type="datetimeFigureOut">
               <a:rPr lang="en-US" smtClean="0"/>
-              <a:t>2/5/2016</a:t>
+              <a:t>9/20/2016</a:t>
             </a:fld>
             <a:endParaRPr lang="en-US" dirty="0"/>
           </a:p>
@@ -2243,7 +2243,7 @@
           <a:p>
             <a:fld id="{E28077EF-3DB9-4852-A8C8-9AA18A70A9F8}" type="datetimeFigureOut">
               <a:rPr lang="en-US" smtClean="0"/>
-              <a:t>2/5/2016</a:t>
+              <a:t>9/20/2016</a:t>
             </a:fld>
             <a:endParaRPr lang="en-US" dirty="0"/>
           </a:p>
@@ -2578,7 +2578,7 @@
           <a:p>
             <a:fld id="{E28077EF-3DB9-4852-A8C8-9AA18A70A9F8}" type="datetimeFigureOut">
               <a:rPr lang="en-US" smtClean="0"/>
-              <a:t>2/5/2016</a:t>
+              <a:t>9/20/2016</a:t>
             </a:fld>
             <a:endParaRPr lang="en-US" dirty="0"/>
           </a:p>
@@ -2894,7 +2894,7 @@
           <a:p>
             <a:fld id="{E28077EF-3DB9-4852-A8C8-9AA18A70A9F8}" type="datetimeFigureOut">
               <a:rPr lang="en-US" smtClean="0"/>
-              <a:t>2/5/2016</a:t>
+              <a:t>9/20/2016</a:t>
             </a:fld>
             <a:endParaRPr lang="en-US" dirty="0"/>
           </a:p>
@@ -3289,7 +3289,7 @@
           <a:p>
             <a:fld id="{E28077EF-3DB9-4852-A8C8-9AA18A70A9F8}" type="datetimeFigureOut">
               <a:rPr lang="en-US" smtClean="0"/>
-              <a:t>2/5/2016</a:t>
+              <a:t>9/20/2016</a:t>
             </a:fld>
             <a:endParaRPr lang="en-US" dirty="0"/>
           </a:p>
@@ -3461,7 +3461,7 @@
           <a:p>
             <a:fld id="{80C08BB0-1F20-4C6B-A56C-896A9F73FB4A}" type="datetimeFigureOut">
               <a:rPr lang="en-US" smtClean="0"/>
-              <a:t>2/5/2016</a:t>
+              <a:t>9/20/2016</a:t>
             </a:fld>
             <a:endParaRPr lang="en-US" dirty="0"/>
           </a:p>
@@ -3642,7 +3642,7 @@
           <a:p>
             <a:fld id="{735C60DA-11B7-472A-AFEF-07FB059A27D8}" type="datetimeFigureOut">
               <a:rPr lang="en-US" smtClean="0"/>
-              <a:t>2/5/2016</a:t>
+              <a:t>9/20/2016</a:t>
             </a:fld>
             <a:endParaRPr lang="en-US" dirty="0"/>
           </a:p>
@@ -4018,7 +4018,7 @@
           <a:p>
             <a:fld id="{2651F21A-8405-4DA5-BEAC-3D4CC71D54EA}" type="datetimeFigureOut">
               <a:rPr lang="en-US" smtClean="0"/>
-              <a:t>2/5/2016</a:t>
+              <a:t>9/20/2016</a:t>
             </a:fld>
             <a:endParaRPr lang="en-US" dirty="0"/>
           </a:p>
@@ -4266,7 +4266,7 @@
           <a:p>
             <a:fld id="{78685F84-9683-4B1B-940C-516296C3B9E2}" type="datetimeFigureOut">
               <a:rPr lang="en-US" smtClean="0"/>
-              <a:t>2/5/2016</a:t>
+              <a:t>9/20/2016</a:t>
             </a:fld>
             <a:endParaRPr lang="en-US" dirty="0"/>
           </a:p>
@@ -4569,7 +4569,7 @@
           <a:p>
             <a:fld id="{0657B2AD-074C-4247-B20E-4BA1D1B80702}" type="datetimeFigureOut">
               <a:rPr lang="en-US" smtClean="0"/>
-              <a:t>2/5/2016</a:t>
+              <a:t>9/20/2016</a:t>
             </a:fld>
             <a:endParaRPr lang="en-US" dirty="0"/>
           </a:p>
@@ -4949,7 +4949,7 @@
           <a:p>
             <a:fld id="{8DCC26FB-39E8-4A97-A330-257F2E3058A9}" type="datetimeFigureOut">
               <a:rPr lang="en-US" smtClean="0"/>
-              <a:t>2/5/2016</a:t>
+              <a:t>9/20/2016</a:t>
             </a:fld>
             <a:endParaRPr lang="en-US" dirty="0"/>
           </a:p>
@@ -5073,7 +5073,7 @@
           <a:p>
             <a:fld id="{3EE6405D-5078-464B-95D5-AD1D787A29C3}" type="datetimeFigureOut">
               <a:rPr lang="en-US" smtClean="0"/>
-              <a:t>2/5/2016</a:t>
+              <a:t>9/20/2016</a:t>
             </a:fld>
             <a:endParaRPr lang="en-US" dirty="0"/>
           </a:p>
@@ -5168,7 +5168,7 @@
           <a:p>
             <a:fld id="{8CB55EF8-B59A-48DF-A116-AFDAD4B003AB}" type="datetimeFigureOut">
               <a:rPr lang="en-US" smtClean="0"/>
-              <a:t>2/5/2016</a:t>
+              <a:t>9/20/2016</a:t>
             </a:fld>
             <a:endParaRPr lang="en-US" dirty="0"/>
           </a:p>
@@ -5423,7 +5423,7 @@
           <a:p>
             <a:fld id="{EC94AEE7-DB1F-4DD1-9290-70ECE3C49600}" type="datetimeFigureOut">
               <a:rPr lang="en-US" smtClean="0"/>
-              <a:t>2/5/2016</a:t>
+              <a:t>9/20/2016</a:t>
             </a:fld>
             <a:endParaRPr lang="en-US" dirty="0"/>
           </a:p>
@@ -5687,7 +5687,7 @@
           <a:p>
             <a:fld id="{581F845D-AA64-4C6F-B170-8AA45DD4B329}" type="datetimeFigureOut">
               <a:rPr lang="en-US" smtClean="0"/>
-              <a:t>2/5/2016</a:t>
+              <a:t>9/20/2016</a:t>
             </a:fld>
             <a:endParaRPr lang="en-US" dirty="0"/>
           </a:p>
@@ -6503,7 +6503,7 @@
           <a:p>
             <a:fld id="{E28077EF-3DB9-4852-A8C8-9AA18A70A9F8}" type="datetimeFigureOut">
               <a:rPr lang="en-US" smtClean="0"/>
-              <a:t>2/5/2016</a:t>
+              <a:t>9/20/2016</a:t>
             </a:fld>
             <a:endParaRPr lang="en-US" dirty="0"/>
           </a:p>
@@ -7385,7 +7385,7 @@
               <a:buChar char="§"/>
             </a:pPr>
             <a:r>
-              <a:rPr lang="en-US" dirty="0">
+              <a:rPr lang="en-US" dirty="0" smtClean="0">
                 <a:latin typeface="Courier New"/>
                 <a:ea typeface="Courier New"/>
                 <a:cs typeface="Courier New"/>
@@ -7394,17 +7394,25 @@
               <a:t>x</a:t>
             </a:r>
             <a:r>
-              <a:rPr lang="en" dirty="0">
+              <a:rPr lang="en" dirty="0" smtClean="0">
                 <a:latin typeface="Courier New"/>
                 <a:ea typeface="Courier New"/>
                 <a:cs typeface="Courier New"/>
                 <a:sym typeface="Courier New"/>
               </a:rPr>
-              <a:t>lsx- </a:t>
+              <a:t>lsx - </a:t>
+            </a:r>
+            <a:r>
+              <a:rPr lang="en" dirty="0" smtClean="0"/>
+              <a:t>slightly simplified </a:t>
             </a:r>
             <a:r>
               <a:rPr lang="en" dirty="0"/>
-              <a:t>compacted version of the csv file</a:t>
+              <a:t>version of the csv </a:t>
+            </a:r>
+            <a:r>
+              <a:rPr lang="en" dirty="0" smtClean="0"/>
+              <a:t>file</a:t>
             </a:r>
           </a:p>
           <a:p>
@@ -7419,7 +7427,7 @@
               <a:buChar char="§"/>
             </a:pPr>
             <a:r>
-              <a:rPr lang="en-US" dirty="0">
+              <a:rPr lang="en-US" dirty="0" smtClean="0">
                 <a:latin typeface="Courier New"/>
                 <a:ea typeface="Courier New"/>
                 <a:cs typeface="Courier New"/>
@@ -7428,7 +7436,7 @@
               <a:t>p</a:t>
             </a:r>
             <a:r>
-              <a:rPr lang="en" dirty="0">
+              <a:rPr lang="en" dirty="0" smtClean="0">
                 <a:latin typeface="Courier New"/>
                 <a:ea typeface="Courier New"/>
                 <a:cs typeface="Courier New"/>
@@ -7437,7 +7445,7 @@
               <a:t>sydat - </a:t>
             </a:r>
             <a:r>
-              <a:rPr lang="en" dirty="0"/>
+              <a:rPr lang="en" dirty="0" smtClean="0"/>
               <a:t>complex - but useful for batch processing of results files. Possibly of interest if you are familiar with matplotlib</a:t>
             </a:r>
           </a:p>
@@ -7453,7 +7461,7 @@
               <a:buChar char="§"/>
             </a:pPr>
             <a:r>
-              <a:rPr lang="en-US" dirty="0">
+              <a:rPr lang="en-US" dirty="0" smtClean="0">
                 <a:latin typeface="Courier New"/>
                 <a:ea typeface="Courier New"/>
                 <a:cs typeface="Courier New"/>
@@ -7596,27 +7604,7 @@
                   </a:schemeClr>
                 </a:solidFill>
               </a:rPr>
-              <a:t>An overview </a:t>
-            </a:r>
-            <a:r>
-              <a:rPr lang="en-GB" dirty="0" smtClean="0">
-                <a:solidFill>
-                  <a:schemeClr val="accent1">
-                    <a:lumMod val="75000"/>
-                  </a:schemeClr>
-                </a:solidFill>
-              </a:rPr>
-              <a:t>of the </a:t>
-            </a:r>
-            <a:r>
-              <a:rPr lang="en-GB" dirty="0" smtClean="0">
-                <a:solidFill>
-                  <a:schemeClr val="accent1">
-                    <a:lumMod val="75000"/>
-                  </a:schemeClr>
-                </a:solidFill>
-              </a:rPr>
-              <a:t>interface</a:t>
+              <a:t>An overview of the interface</a:t>
             </a:r>
             <a:endParaRPr lang="en-US" dirty="0"/>
           </a:p>
@@ -7648,15 +7636,7 @@
             </a:r>
             <a:r>
               <a:rPr lang="en-GB" dirty="0" smtClean="0"/>
-              <a:t> </a:t>
-            </a:r>
-            <a:r>
-              <a:rPr lang="en-GB" dirty="0" smtClean="0"/>
-              <a:t>(key items</a:t>
-            </a:r>
-            <a:r>
-              <a:rPr lang="en-GB" dirty="0" smtClean="0"/>
-              <a:t>)</a:t>
+              <a:t> (key items)</a:t>
             </a:r>
           </a:p>
           <a:p>
@@ -8356,11 +8336,7 @@
             </a:pPr>
             <a:r>
               <a:rPr lang="en-GB" b="1" dirty="0" smtClean="0"/>
-              <a:t>Experiment </a:t>
-            </a:r>
-            <a:r>
-              <a:rPr lang="en-GB" b="1" dirty="0" smtClean="0"/>
-              <a:t>flow</a:t>
+              <a:t>Experiment flow</a:t>
             </a:r>
           </a:p>
           <a:p>
@@ -8408,11 +8384,7 @@
             </a:pPr>
             <a:r>
               <a:rPr lang="en-GB" b="1" dirty="0" smtClean="0"/>
-              <a:t>Routine </a:t>
-            </a:r>
-            <a:r>
-              <a:rPr lang="en-GB" b="1" dirty="0" smtClean="0"/>
-              <a:t>timelines</a:t>
+              <a:t>Routine timelines</a:t>
             </a:r>
           </a:p>
           <a:p>
@@ -8490,7 +8462,6 @@
               <a:rPr lang="en-GB" b="1" dirty="0" smtClean="0"/>
               <a:t>Components</a:t>
             </a:r>
-            <a:endParaRPr lang="en-GB" b="1" dirty="0" smtClean="0"/>
           </a:p>
           <a:p>
             <a:pPr lvl="1">
@@ -9188,19 +9159,11 @@
           <a:p>
             <a:r>
               <a:rPr lang="en-GB" b="1" dirty="0" smtClean="0"/>
-              <a:t>Text </a:t>
-            </a:r>
-            <a:r>
-              <a:rPr lang="en-GB" b="1" dirty="0" smtClean="0"/>
-              <a:t>box </a:t>
+              <a:t>Text box </a:t>
             </a:r>
             <a:r>
               <a:rPr lang="en-GB" dirty="0" smtClean="0"/>
-              <a:t>(display component</a:t>
-            </a:r>
-            <a:r>
-              <a:rPr lang="en-GB" dirty="0" smtClean="0"/>
-              <a:t>)</a:t>
+              <a:t>(display component)</a:t>
             </a:r>
           </a:p>
           <a:p>
@@ -9216,11 +9179,7 @@
             </a:r>
             <a:r>
               <a:rPr lang="en-GB" dirty="0" smtClean="0"/>
-              <a:t> </a:t>
-            </a:r>
-            <a:r>
-              <a:rPr lang="en-GB" dirty="0" smtClean="0"/>
-              <a:t>(response component)</a:t>
+              <a:t> (response component)</a:t>
             </a:r>
           </a:p>
           <a:p>
@@ -9315,15 +9274,7 @@
                   <a:srgbClr val="7030A0"/>
                 </a:solidFill>
               </a:rPr>
-              <a:t>When </a:t>
-            </a:r>
-            <a:r>
-              <a:rPr lang="en-GB" sz="1800" b="1" dirty="0" smtClean="0">
-                <a:solidFill>
-                  <a:srgbClr val="7030A0"/>
-                </a:solidFill>
-              </a:rPr>
-              <a:t>you add a component, you must give it a sensible name</a:t>
+              <a:t>When you add a component, you must give it a sensible name</a:t>
             </a:r>
           </a:p>
           <a:p>
@@ -9360,11 +9311,7 @@
             </a:pPr>
             <a:r>
               <a:rPr lang="en-GB" sz="1800" dirty="0" smtClean="0"/>
-              <a:t>These allow us to make them do different things</a:t>
-            </a:r>
-            <a:r>
-              <a:rPr lang="en-GB" sz="1800" dirty="0" smtClean="0"/>
-              <a:t>.</a:t>
+              <a:t>These allow us to make them do different things.</a:t>
             </a:r>
             <a:endParaRPr lang="en-GB" dirty="0" smtClean="0"/>
           </a:p>
@@ -9399,7 +9346,7 @@
         </p:blipFill>
         <p:spPr>
           <a:xfrm>
-            <a:off x="3995935" y="1916832"/>
+            <a:off x="4061902" y="1785291"/>
             <a:ext cx="444132" cy="429806"/>
           </a:xfrm>
           <a:prstGeom prst="rect">
@@ -9429,7 +9376,7 @@
         </p:blipFill>
         <p:spPr>
           <a:xfrm>
-            <a:off x="5861098" y="2492896"/>
+            <a:off x="5940152" y="2494018"/>
             <a:ext cx="422760" cy="429806"/>
           </a:xfrm>
           <a:prstGeom prst="rect">
@@ -9459,7 +9406,7 @@
         </p:blipFill>
         <p:spPr>
           <a:xfrm>
-            <a:off x="5854052" y="2994710"/>
+            <a:off x="5940152" y="3068961"/>
             <a:ext cx="429806" cy="429806"/>
           </a:xfrm>
           <a:prstGeom prst="rect">
@@ -9623,17 +9570,7 @@
                   </a:schemeClr>
                 </a:solidFill>
               </a:rPr>
-              <a:t>Key </a:t>
-            </a:r>
-            <a:r>
-              <a:rPr lang="en-GB" dirty="0" smtClean="0">
-                <a:solidFill>
-                  <a:schemeClr val="accent1">
-                    <a:lumMod val="75000"/>
-                  </a:schemeClr>
-                </a:solidFill>
-              </a:rPr>
-              <a:t>component properties</a:t>
+              <a:t>Key component properties</a:t>
             </a:r>
             <a:endParaRPr lang="en-US" dirty="0">
               <a:solidFill>
@@ -9667,7 +9604,6 @@
               <a:rPr lang="en-GB" dirty="0" smtClean="0"/>
               <a:t>When adding a new component or double clicking a pre-existing one to edit on your timeline, you’re presented with a properties box.</a:t>
             </a:r>
-            <a:endParaRPr lang="en-GB" dirty="0" smtClean="0"/>
           </a:p>
           <a:p>
             <a:pPr marL="0" indent="0">
@@ -9696,7 +9632,6 @@
               <a:rPr lang="en-GB" dirty="0" smtClean="0"/>
               <a:t>Position</a:t>
             </a:r>
-            <a:endParaRPr lang="en-GB" dirty="0" smtClean="0"/>
           </a:p>
           <a:p>
             <a:r>
@@ -9728,31 +9663,26 @@
               <a:rPr lang="en-GB" dirty="0" smtClean="0"/>
               <a:t>….</a:t>
             </a:r>
+          </a:p>
+          <a:p>
             <a:endParaRPr lang="en-GB" dirty="0" smtClean="0"/>
           </a:p>
           <a:p>
+            <a:endParaRPr lang="en-GB" dirty="0"/>
+          </a:p>
+          <a:p>
+            <a:pPr marL="0" indent="0">
+              <a:buNone/>
+            </a:pPr>
             <a:endParaRPr lang="en-GB" dirty="0" smtClean="0"/>
           </a:p>
           <a:p>
-            <a:endParaRPr lang="en-GB" dirty="0"/>
-          </a:p>
-          <a:p>
             <a:pPr marL="0" indent="0">
               <a:buNone/>
             </a:pPr>
-            <a:endParaRPr lang="en-GB" dirty="0" smtClean="0"/>
-          </a:p>
-          <a:p>
-            <a:pPr marL="0" indent="0">
-              <a:buNone/>
-            </a:pPr>
             <a:r>
               <a:rPr lang="en-GB" dirty="0" smtClean="0"/>
-              <a:t>…. And so on</a:t>
-            </a:r>
-            <a:r>
-              <a:rPr lang="en-GB" dirty="0" smtClean="0"/>
-              <a:t>.  Depending on the type of component.</a:t>
+              <a:t>…. And so on.  Depending on the type of component.</a:t>
             </a:r>
           </a:p>
           <a:p>
@@ -9955,11 +9885,7 @@
             </a:r>
             <a:r>
               <a:rPr lang="en-GB" b="1" dirty="0" smtClean="0"/>
-              <a:t> we want to present stimuli or </a:t>
-            </a:r>
-            <a:r>
-              <a:rPr lang="en-GB" b="1" dirty="0" smtClean="0"/>
-              <a:t>trials</a:t>
+              <a:t> we want to present stimuli or trials</a:t>
             </a:r>
           </a:p>
           <a:p>
@@ -9975,11 +9901,7 @@
             </a:pPr>
             <a:r>
               <a:rPr lang="en-GB" dirty="0" smtClean="0"/>
-              <a:t>Often routines are repeated using a </a:t>
-            </a:r>
-            <a:r>
-              <a:rPr lang="en-GB" dirty="0" smtClean="0"/>
-              <a:t>Loop</a:t>
+              <a:t>Often routines are repeated using a Loop</a:t>
             </a:r>
           </a:p>
           <a:p>
@@ -9995,7 +9917,6 @@
               <a:rPr lang="en-GB" b="1" dirty="0" smtClean="0"/>
               <a:t>trials</a:t>
             </a:r>
-            <a:endParaRPr lang="en-GB" b="1" dirty="0" smtClean="0"/>
           </a:p>
           <a:p>
             <a:pPr>
@@ -10004,23 +9925,7 @@
             </a:pPr>
             <a:r>
               <a:rPr lang="en-GB" dirty="0" smtClean="0"/>
-              <a:t>Text, Image or other </a:t>
-            </a:r>
-            <a:r>
-              <a:rPr lang="en-GB" dirty="0" smtClean="0"/>
-              <a:t>components are </a:t>
-            </a:r>
-            <a:r>
-              <a:rPr lang="en-GB" dirty="0" smtClean="0"/>
-              <a:t>repeated </a:t>
-            </a:r>
-            <a:r>
-              <a:rPr lang="en-GB" dirty="0" smtClean="0"/>
-              <a:t>within our </a:t>
-            </a:r>
-            <a:r>
-              <a:rPr lang="en-GB" dirty="0" smtClean="0"/>
-              <a:t>routine/s</a:t>
+              <a:t>Text, Image or other components are repeated within our routine/s</a:t>
             </a:r>
           </a:p>
           <a:p>
@@ -10032,7 +9937,6 @@
               <a:rPr lang="en-GB" dirty="0" smtClean="0"/>
               <a:t>Including their timelines and settings.</a:t>
             </a:r>
-            <a:endParaRPr lang="en-GB" dirty="0" smtClean="0"/>
           </a:p>
           <a:p>
             <a:pPr>
@@ -10041,19 +9945,7 @@
             </a:pPr>
             <a:r>
               <a:rPr lang="en-GB" dirty="0" smtClean="0"/>
-              <a:t>But the actual text/image </a:t>
-            </a:r>
-            <a:r>
-              <a:rPr lang="en-GB" dirty="0" smtClean="0"/>
-              <a:t>may need </a:t>
-            </a:r>
-            <a:r>
-              <a:rPr lang="en-GB" dirty="0" smtClean="0"/>
-              <a:t>to change each </a:t>
-            </a:r>
-            <a:r>
-              <a:rPr lang="en-GB" dirty="0" smtClean="0"/>
-              <a:t>time</a:t>
+              <a:t>But the actual text/image may need to change each time</a:t>
             </a:r>
             <a:r>
               <a:rPr lang="en-GB" dirty="0"/>
@@ -10063,7 +9955,6 @@
               <a:rPr lang="en-GB" dirty="0" smtClean="0"/>
               <a:t>to represent trial stimuli.</a:t>
             </a:r>
-            <a:endParaRPr lang="en-GB" dirty="0" smtClean="0"/>
           </a:p>
           <a:p>
             <a:pPr marL="457200" lvl="1" indent="0">
@@ -10087,11 +9978,6 @@
               </a:rPr>
               <a:t>But how?...</a:t>
             </a:r>
-            <a:endParaRPr lang="en-GB" sz="2800" dirty="0" smtClean="0">
-              <a:solidFill>
-                <a:srgbClr val="FF0000"/>
-              </a:solidFill>
-            </a:endParaRPr>
           </a:p>
         </p:txBody>
       </p:sp>
@@ -10191,15 +10077,7 @@
             </a:pPr>
             <a:r>
               <a:rPr lang="en-GB" b="1" dirty="0" smtClean="0"/>
-              <a:t>Created </a:t>
-            </a:r>
-            <a:r>
-              <a:rPr lang="en-GB" b="1" dirty="0" smtClean="0"/>
-              <a:t>in </a:t>
-            </a:r>
-            <a:r>
-              <a:rPr lang="en-GB" b="1" dirty="0" smtClean="0"/>
-              <a:t>Excel or package that can create CSV files</a:t>
+              <a:t>Created in Excel or package that can create CSV files</a:t>
             </a:r>
             <a:endParaRPr lang="en-GB" b="1" dirty="0"/>
           </a:p>
@@ -10223,15 +10101,7 @@
             </a:pPr>
             <a:r>
               <a:rPr lang="en-GB" dirty="0" smtClean="0"/>
-              <a:t>Headings </a:t>
-            </a:r>
-            <a:r>
-              <a:rPr lang="en-GB" dirty="0" smtClean="0"/>
-              <a:t>refer to “attributes” that are created for us that we can use as our trial </a:t>
-            </a:r>
-            <a:r>
-              <a:rPr lang="en-GB" dirty="0" smtClean="0"/>
-              <a:t>data</a:t>
+              <a:t>Headings refer to “attributes” that are created for us that we can use as our trial data</a:t>
             </a:r>
           </a:p>
           <a:p>
@@ -10608,7 +10478,15 @@
             </a:r>
             <a:r>
               <a:rPr lang="en-GB" sz="1100" dirty="0" smtClean="0"/>
-              <a:t>” routine and the components within.</a:t>
+              <a:t>” routine and the </a:t>
+            </a:r>
+            <a:r>
+              <a:rPr lang="en-GB" sz="1100" b="1" dirty="0" smtClean="0"/>
+              <a:t>components</a:t>
+            </a:r>
+            <a:r>
+              <a:rPr lang="en-GB" sz="1100" dirty="0" smtClean="0"/>
+              <a:t> within.</a:t>
             </a:r>
             <a:endParaRPr lang="en-US" sz="1100" dirty="0"/>
           </a:p>
@@ -11049,15 +10927,21 @@
           <p:nvPr/>
         </p:nvPicPr>
         <p:blipFill>
-          <a:blip r:embed="rId4"/>
+          <a:blip r:embed="rId4">
+            <a:extLst>
+              <a:ext uri="{28A0092B-C50C-407E-A947-70E740481C1C}">
+                <a14:useLocalDpi xmlns:a14="http://schemas.microsoft.com/office/drawing/2010/main" val="0"/>
+              </a:ext>
+            </a:extLst>
+          </a:blip>
           <a:stretch>
             <a:fillRect/>
           </a:stretch>
         </p:blipFill>
         <p:spPr>
           <a:xfrm>
-            <a:off x="4860032" y="1772816"/>
-            <a:ext cx="3748769" cy="3521571"/>
+            <a:off x="4860032" y="1773392"/>
+            <a:ext cx="3748769" cy="3520418"/>
           </a:xfrm>
           <a:prstGeom prst="rect">
             <a:avLst/>
@@ -11207,7 +11091,23 @@
             <a:pPr algn="ctr"/>
             <a:r>
               <a:rPr lang="en-GB" sz="1600" dirty="0" smtClean="0"/>
-              <a:t>Crucially, we MUST change the update method from “Constant” to “Set every repeat”.</a:t>
+              <a:t>Crucially, we MUST change the update method from “</a:t>
+            </a:r>
+            <a:r>
+              <a:rPr lang="en-GB" sz="1600" b="1" dirty="0" smtClean="0"/>
+              <a:t>Constant</a:t>
+            </a:r>
+            <a:r>
+              <a:rPr lang="en-GB" sz="1600" dirty="0" smtClean="0"/>
+              <a:t>” to “</a:t>
+            </a:r>
+            <a:r>
+              <a:rPr lang="en-GB" sz="1600" b="1" dirty="0" smtClean="0"/>
+              <a:t>Set every repeat</a:t>
+            </a:r>
+            <a:r>
+              <a:rPr lang="en-GB" sz="1600" dirty="0" smtClean="0"/>
+              <a:t>”.</a:t>
             </a:r>
           </a:p>
           <a:p>
@@ -12097,15 +11997,22 @@
           </p:cNvPicPr>
           <p:nvPr/>
         </p:nvPicPr>
-        <p:blipFill rotWithShape="1">
-          <a:blip r:embed="rId4"/>
-          <a:srcRect t="42581" r="22596" b="12304"/>
-          <a:stretch/>
+        <p:blipFill>
+          <a:blip r:embed="rId4">
+            <a:extLst>
+              <a:ext uri="{28A0092B-C50C-407E-A947-70E740481C1C}">
+                <a14:useLocalDpi xmlns:a14="http://schemas.microsoft.com/office/drawing/2010/main" val="0"/>
+              </a:ext>
+            </a:extLst>
+          </a:blip>
+          <a:stretch>
+            <a:fillRect/>
+          </a:stretch>
         </p:blipFill>
         <p:spPr>
           <a:xfrm>
-            <a:off x="5949421" y="2190876"/>
-            <a:ext cx="2901718" cy="1584176"/>
+            <a:off x="5949709" y="2190876"/>
+            <a:ext cx="2901141" cy="1584176"/>
           </a:xfrm>
           <a:prstGeom prst="rect">
             <a:avLst/>
@@ -12730,7 +12637,15 @@
                   <a:schemeClr val="tx1"/>
                 </a:solidFill>
               </a:rPr>
-              <a:t>=(update </a:t>
+              <a:t>= (</a:t>
+            </a:r>
+            <a:r>
+              <a:rPr lang="en-GB" sz="1800" dirty="0" smtClean="0">
+                <a:solidFill>
+                  <a:schemeClr val="tx1"/>
+                </a:solidFill>
+              </a:rPr>
+              <a:t>update </a:t>
             </a:r>
             <a:r>
               <a:rPr lang="en-GB" sz="1800" dirty="0">
@@ -12777,62 +12692,30 @@
                   <a:schemeClr val="tx1"/>
                 </a:solidFill>
               </a:rPr>
-              <a:t>“Set </a:t>
-            </a:r>
+              <a:t>“Set every frame” option updates </a:t>
+            </a:r>
+            <a:r>
+              <a:rPr lang="en-GB" sz="1400" dirty="0" smtClean="0">
+                <a:solidFill>
+                  <a:schemeClr val="tx1"/>
+                </a:solidFill>
+              </a:rPr>
+              <a:t>component at every single screen refresh</a:t>
+            </a:r>
+          </a:p>
+          <a:p>
+            <a:pPr marL="0" lvl="1" indent="0">
+              <a:buNone/>
+            </a:pPr>
             <a:r>
               <a:rPr lang="en-GB" sz="1400" b="1" dirty="0" smtClean="0">
                 <a:solidFill>
                   <a:schemeClr val="tx1"/>
                 </a:solidFill>
               </a:rPr>
-              <a:t>every </a:t>
-            </a:r>
-            <a:r>
-              <a:rPr lang="en-GB" sz="1400" b="1" dirty="0" smtClean="0">
-                <a:solidFill>
-                  <a:schemeClr val="tx1"/>
-                </a:solidFill>
-              </a:rPr>
-              <a:t>frame” option updates </a:t>
-            </a:r>
-            <a:r>
-              <a:rPr lang="en-GB" sz="1400" dirty="0" smtClean="0">
-                <a:solidFill>
-                  <a:schemeClr val="tx1"/>
-                </a:solidFill>
-              </a:rPr>
-              <a:t>component </a:t>
-            </a:r>
-            <a:r>
-              <a:rPr lang="en-GB" sz="1400" dirty="0" smtClean="0">
-                <a:solidFill>
-                  <a:schemeClr val="tx1"/>
-                </a:solidFill>
-              </a:rPr>
-              <a:t>at every single screen </a:t>
-            </a:r>
-            <a:r>
-              <a:rPr lang="en-GB" sz="1400" dirty="0" smtClean="0">
-                <a:solidFill>
-                  <a:schemeClr val="tx1"/>
-                </a:solidFill>
-              </a:rPr>
-              <a:t>refresh</a:t>
-            </a:r>
-          </a:p>
-          <a:p>
-            <a:pPr marL="0" lvl="1" indent="0">
-              <a:buNone/>
-            </a:pPr>
-            <a:r>
-              <a:rPr lang="en-GB" sz="1400" dirty="0" smtClean="0">
-                <a:solidFill>
-                  <a:schemeClr val="tx1"/>
-                </a:solidFill>
-              </a:rPr>
               <a:t>= Overkill!</a:t>
             </a:r>
-            <a:endParaRPr lang="en-GB" sz="1800" dirty="0" smtClean="0">
+            <a:endParaRPr lang="en-GB" sz="1800" b="1" dirty="0" smtClean="0">
               <a:solidFill>
                 <a:schemeClr val="tx1"/>
               </a:solidFill>
@@ -12894,11 +12777,6 @@
               </a:rPr>
               <a:t> new columns)</a:t>
             </a:r>
-            <a:endParaRPr lang="en-GB" sz="2000" dirty="0" smtClean="0">
-              <a:solidFill>
-                <a:schemeClr val="tx1"/>
-              </a:solidFill>
-            </a:endParaRPr>
           </a:p>
           <a:p>
             <a:pPr marL="457200" lvl="1" indent="0">
@@ -13339,7 +13217,23 @@
             </a:pPr>
             <a:r>
               <a:rPr lang="en-GB" dirty="0" smtClean="0"/>
-              <a:t>Change the intro text and the first line “OK. Ready for the real thing?” to “Instructions”</a:t>
+              <a:t>Change the intro text and the first line “</a:t>
+            </a:r>
+            <a:r>
+              <a:rPr lang="en-GB" b="1" dirty="0" smtClean="0"/>
+              <a:t>OK. Ready for the real thing?</a:t>
+            </a:r>
+            <a:r>
+              <a:rPr lang="en-GB" dirty="0" smtClean="0"/>
+              <a:t>” to “</a:t>
+            </a:r>
+            <a:r>
+              <a:rPr lang="en-GB" b="1" dirty="0" smtClean="0"/>
+              <a:t>Instructions</a:t>
+            </a:r>
+            <a:r>
+              <a:rPr lang="en-GB" dirty="0" smtClean="0"/>
+              <a:t>”</a:t>
             </a:r>
           </a:p>
           <a:p>
@@ -13349,7 +13243,19 @@
             </a:pPr>
             <a:r>
               <a:rPr lang="en-GB" dirty="0" smtClean="0"/>
-              <a:t>Update keyboard input from “left”, “down”, “right” to “a”, “s”, “d”</a:t>
+              <a:t>Update keyboard input from </a:t>
+            </a:r>
+            <a:r>
+              <a:rPr lang="en-GB" b="1" dirty="0" smtClean="0"/>
+              <a:t>“left”, “down”, “right” </a:t>
+            </a:r>
+            <a:r>
+              <a:rPr lang="en-GB" dirty="0" smtClean="0"/>
+              <a:t>to </a:t>
+            </a:r>
+            <a:r>
+              <a:rPr lang="en-GB" b="1" dirty="0" smtClean="0"/>
+              <a:t>“a”, “s”, “d”</a:t>
             </a:r>
           </a:p>
           <a:p>
@@ -13938,11 +13844,7 @@
           <a:p>
             <a:r>
               <a:rPr lang="en-GB" dirty="0" smtClean="0"/>
-              <a:t>By </a:t>
-            </a:r>
-            <a:r>
-              <a:rPr lang="en-GB" dirty="0" smtClean="0"/>
-              <a:t>default, when running an experiment you can press ESC</a:t>
+              <a:t>By default, when running an experiment you can press ESC</a:t>
             </a:r>
           </a:p>
           <a:p>
@@ -14219,8 +14121,29 @@
             </a:pPr>
             <a:r>
               <a:rPr lang="en-GB" dirty="0" smtClean="0"/>
-              <a:t>You will need to store a path to each image for each of the 5</a:t>
-            </a:r>
+              <a:t>You will need to </a:t>
+            </a:r>
+            <a:r>
+              <a:rPr lang="en-GB" dirty="0" smtClean="0"/>
+              <a:t>enter a </a:t>
+            </a:r>
+            <a:r>
+              <a:rPr lang="en-GB" b="1" dirty="0" smtClean="0"/>
+              <a:t>“relative” </a:t>
+            </a:r>
+            <a:r>
+              <a:rPr lang="en-GB" dirty="0" smtClean="0"/>
+              <a:t>path for </a:t>
+            </a:r>
+            <a:r>
+              <a:rPr lang="en-GB" dirty="0" smtClean="0"/>
+              <a:t>each </a:t>
+            </a:r>
+            <a:r>
+              <a:rPr lang="en-GB" dirty="0" smtClean="0"/>
+              <a:t>image</a:t>
+            </a:r>
+            <a:endParaRPr lang="en-GB" dirty="0" smtClean="0"/>
           </a:p>
           <a:p>
             <a:pPr lvl="2">
@@ -14240,8 +14163,35 @@
             </a:r>
             <a:r>
               <a:rPr lang="en-GB" dirty="0" smtClean="0"/>
-              <a:t>”  (without the quotes)</a:t>
-            </a:r>
+              <a:t>”  (without the quotes</a:t>
+            </a:r>
+            <a:r>
+              <a:rPr lang="en-GB" dirty="0" smtClean="0"/>
+              <a:t>)</a:t>
+            </a:r>
+          </a:p>
+          <a:p>
+            <a:pPr lvl="2">
+              <a:buFont typeface="Wingdings" panose="05000000000000000000" pitchFamily="2" charset="2"/>
+              <a:buChar char="§"/>
+            </a:pPr>
+            <a:r>
+              <a:rPr lang="en-GB" b="1" dirty="0" smtClean="0"/>
+              <a:t>Hint</a:t>
+            </a:r>
+            <a:r>
+              <a:rPr lang="en-GB" dirty="0" smtClean="0"/>
+              <a:t> - Create a new attribute called “</a:t>
+            </a:r>
+            <a:r>
+              <a:rPr lang="en-GB" dirty="0" err="1" smtClean="0"/>
+              <a:t>image_path</a:t>
+            </a:r>
+            <a:r>
+              <a:rPr lang="en-GB" dirty="0" smtClean="0"/>
+              <a:t>”</a:t>
+            </a:r>
+            <a:endParaRPr lang="en-GB" dirty="0" smtClean="0"/>
           </a:p>
           <a:p>
             <a:pPr lvl="1">
@@ -14250,7 +14200,19 @@
             </a:pPr>
             <a:r>
               <a:rPr lang="en-GB" dirty="0" smtClean="0"/>
-              <a:t>That path then needs to be passed to an image component</a:t>
+              <a:t>That path then needs to be passed to an </a:t>
+            </a:r>
+            <a:r>
+              <a:rPr lang="en-GB" b="1" dirty="0" smtClean="0"/>
+              <a:t>image</a:t>
+            </a:r>
+            <a:r>
+              <a:rPr lang="en-GB" dirty="0" smtClean="0"/>
+              <a:t> </a:t>
+            </a:r>
+            <a:r>
+              <a:rPr lang="en-GB" b="1" dirty="0" smtClean="0"/>
+              <a:t>component</a:t>
             </a:r>
           </a:p>
           <a:p>
@@ -14259,8 +14221,12 @@
               <a:buChar char="§"/>
             </a:pPr>
             <a:r>
+              <a:rPr lang="en-GB" b="1" dirty="0" smtClean="0"/>
+              <a:t>Remember: </a:t>
+            </a:r>
+            <a:r>
               <a:rPr lang="en-GB" dirty="0" smtClean="0"/>
-              <a:t>Remember: when trial data is updated, Excel link needs refreshing.</a:t>
+              <a:t>when trial data is updated, Excel link needs refreshing.</a:t>
             </a:r>
           </a:p>
           <a:p>
@@ -14270,9 +14236,21 @@
             </a:pPr>
             <a:r>
               <a:rPr lang="en-GB" dirty="0" smtClean="0"/>
-              <a:t>Attributes are accessed with $ and name of excel header</a:t>
-            </a:r>
-            <a:endParaRPr lang="en-GB" dirty="0"/>
+              <a:t>Attributes are accessed with </a:t>
+            </a:r>
+            <a:r>
+              <a:rPr lang="en-GB" b="1" dirty="0" smtClean="0"/>
+              <a:t>$</a:t>
+            </a:r>
+            <a:r>
+              <a:rPr lang="en-GB" dirty="0" smtClean="0"/>
+              <a:t> and </a:t>
+            </a:r>
+            <a:r>
+              <a:rPr lang="en-GB" b="1" dirty="0" smtClean="0"/>
+              <a:t>name of excel header</a:t>
+            </a:r>
+            <a:endParaRPr lang="en-GB" b="1" dirty="0"/>
           </a:p>
           <a:p>
             <a:pPr marL="0" indent="0">
@@ -14672,11 +14650,6 @@
                         </a:rPr>
                         <a:t> recently.</a:t>
                       </a:r>
-                      <a:endParaRPr lang="en-GB" sz="1400" b="1" i="1" baseline="0" dirty="0" smtClean="0">
-                        <a:solidFill>
-                          <a:srgbClr val="7030A0"/>
-                        </a:solidFill>
-                      </a:endParaRPr>
                     </a:p>
                   </a:txBody>
                   <a:tcPr/>
@@ -15310,7 +15283,7 @@
                 <a:cs typeface="Courier New"/>
                 <a:sym typeface="Courier New"/>
               </a:rPr>
-              <a:t>2015/16</a:t>
+              <a:t>2016/17</a:t>
             </a:r>
             <a:r>
               <a:rPr lang="en" sz="1400" dirty="0" smtClean="0">
@@ -15321,7 +15294,18 @@
                 <a:cs typeface="Courier New"/>
                 <a:sym typeface="Courier New"/>
               </a:rPr>
-              <a:t> we are using </a:t>
+              <a:t> </a:t>
+            </a:r>
+            <a:r>
+              <a:rPr lang="en" sz="1400" dirty="0" smtClean="0">
+                <a:solidFill>
+                  <a:schemeClr val="tx1"/>
+                </a:solidFill>
+                <a:ea typeface="Courier New"/>
+                <a:cs typeface="Courier New"/>
+                <a:sym typeface="Courier New"/>
+              </a:rPr>
+              <a:t>we are using </a:t>
             </a:r>
             <a:r>
               <a:rPr lang="en" sz="1400" dirty="0" smtClean="0">
@@ -15332,7 +15316,7 @@
                 <a:cs typeface="Courier New"/>
                 <a:sym typeface="Courier New"/>
               </a:rPr>
-              <a:t>v1.82.01</a:t>
+              <a:t>v1.83.04</a:t>
             </a:r>
             <a:r>
               <a:rPr lang="en" sz="1400" dirty="0" smtClean="0">
@@ -15343,7 +15327,18 @@
                 <a:cs typeface="Courier New"/>
                 <a:sym typeface="Courier New"/>
               </a:rPr>
-              <a:t> of PsychoPy</a:t>
+              <a:t> </a:t>
+            </a:r>
+            <a:r>
+              <a:rPr lang="en" sz="1400" dirty="0" smtClean="0">
+                <a:solidFill>
+                  <a:schemeClr val="tx1"/>
+                </a:solidFill>
+                <a:ea typeface="Courier New"/>
+                <a:cs typeface="Courier New"/>
+                <a:sym typeface="Courier New"/>
+              </a:rPr>
+              <a:t>of PsychoPy</a:t>
             </a:r>
           </a:p>
           <a:p>
@@ -15598,7 +15593,7 @@
                 <a:cs typeface="Courier New"/>
                 <a:sym typeface="Courier New"/>
               </a:rPr>
-              <a:t>Student/staff PC’s (like you are on now), should already have it installed via the location you’ve used</a:t>
+              <a:t>Student/staff PC’s (like you are on now), should already have it installed </a:t>
             </a:r>
             <a:r>
               <a:rPr lang="en" sz="1400" dirty="0" smtClean="0">
@@ -15609,16 +15604,19 @@
                 <a:cs typeface="Courier New"/>
                 <a:sym typeface="Courier New"/>
               </a:rPr>
-              <a:t>.  We show how to load it a few slides on…</a:t>
-            </a:r>
-            <a:endParaRPr lang="en" sz="1400" dirty="0" smtClean="0">
-              <a:solidFill>
-                <a:schemeClr val="tx1"/>
-              </a:solidFill>
-              <a:ea typeface="Courier New"/>
-              <a:cs typeface="Courier New"/>
-              <a:sym typeface="Courier New"/>
-            </a:endParaRPr>
+              <a:t>on the PC you are on.  </a:t>
+            </a:r>
+            <a:r>
+              <a:rPr lang="en" sz="1400" dirty="0" smtClean="0">
+                <a:solidFill>
+                  <a:schemeClr val="tx1"/>
+                </a:solidFill>
+                <a:ea typeface="Courier New"/>
+                <a:cs typeface="Courier New"/>
+                <a:sym typeface="Courier New"/>
+              </a:rPr>
+              <a:t>We show how to load it a few slides on…</a:t>
+            </a:r>
           </a:p>
           <a:p>
             <a:pPr marL="76200" indent="0">
@@ -16329,29 +16327,52 @@
               <a:buChar char="§"/>
             </a:pPr>
             <a:r>
+              <a:rPr lang="en" sz="2000" dirty="0" smtClean="0">
+                <a:latin typeface="Trebuchet MS" panose="020B0603020202020204" pitchFamily="34" charset="0"/>
+                <a:ea typeface="Courier New"/>
+                <a:cs typeface="Courier New"/>
+                <a:sym typeface="Courier New"/>
+              </a:rPr>
+              <a:t>Student PC’s (N1.04)</a:t>
+            </a:r>
+          </a:p>
+          <a:p>
+            <a:pPr marL="1314450" lvl="2" indent="-381000">
+              <a:buClr>
+                <a:schemeClr val="accent1">
+                  <a:lumMod val="75000"/>
+                </a:schemeClr>
+              </a:buClr>
+              <a:buFont typeface="Wingdings" panose="05000000000000000000" pitchFamily="2" charset="2"/>
+              <a:buChar char="§"/>
+            </a:pPr>
+            <a:r>
+              <a:rPr lang="en" sz="2000" dirty="0" smtClean="0">
+                <a:latin typeface="Courier New"/>
+                <a:ea typeface="Courier New"/>
+                <a:cs typeface="Courier New"/>
+                <a:sym typeface="Courier New"/>
+              </a:rPr>
+              <a:t>START </a:t>
+            </a:r>
+            <a:r>
               <a:rPr lang="en" sz="2000" dirty="0">
                 <a:latin typeface="Courier New"/>
                 <a:ea typeface="Courier New"/>
                 <a:cs typeface="Courier New"/>
                 <a:sym typeface="Courier New"/>
               </a:rPr>
-              <a:t>START | Programs | Departmental Software |</a:t>
-            </a:r>
-          </a:p>
-          <a:p>
-            <a:pPr marL="914400" lvl="1" indent="-381000" rtl="0">
-              <a:spcBef>
-                <a:spcPts val="0"/>
-              </a:spcBef>
-              <a:buClr>
-                <a:schemeClr val="accent1">
-                  <a:lumMod val="75000"/>
-                </a:schemeClr>
-              </a:buClr>
-              <a:buSzPct val="80000"/>
-              <a:buFont typeface="Wingdings" panose="05000000000000000000" pitchFamily="2" charset="2"/>
-              <a:buChar char="§"/>
-            </a:pPr>
+              <a:t>| Programs | Departmental Software </a:t>
+            </a:r>
+            <a:r>
+              <a:rPr lang="en" sz="2000" dirty="0" smtClean="0">
+                <a:latin typeface="Courier New"/>
+                <a:ea typeface="Courier New"/>
+                <a:cs typeface="Courier New"/>
+                <a:sym typeface="Courier New"/>
+              </a:rPr>
+              <a:t>| School </a:t>
+            </a:r>
             <a:r>
               <a:rPr lang="en" sz="2000" dirty="0">
                 <a:latin typeface="Courier New"/>
@@ -16359,7 +16380,7 @@
                 <a:cs typeface="Courier New"/>
                 <a:sym typeface="Courier New"/>
               </a:rPr>
-              <a:t>.. School of Psychology | </a:t>
+              <a:t>of Psychology | </a:t>
             </a:r>
             <a:r>
               <a:rPr lang="en" sz="2000" dirty="0" smtClean="0">
@@ -16372,18 +16393,70 @@
             </a:r>
           </a:p>
           <a:p>
-            <a:pPr marL="533400" lvl="1" indent="0" rtl="0">
-              <a:spcBef>
-                <a:spcPts val="0"/>
-              </a:spcBef>
+            <a:pPr marL="914400" lvl="1" indent="-381000">
               <a:buClr>
                 <a:schemeClr val="accent1">
                   <a:lumMod val="75000"/>
                 </a:schemeClr>
               </a:buClr>
-              <a:buSzPct val="80000"/>
-              <a:buNone/>
-            </a:pPr>
+              <a:buFont typeface="Wingdings" panose="05000000000000000000" pitchFamily="2" charset="2"/>
+              <a:buChar char="§"/>
+            </a:pPr>
+            <a:r>
+              <a:rPr lang="en" sz="2400" dirty="0" smtClean="0">
+                <a:latin typeface="Trebuchet MS" panose="020B0603020202020204" pitchFamily="34" charset="0"/>
+                <a:ea typeface="Courier New"/>
+                <a:cs typeface="Courier New"/>
+                <a:sym typeface="Courier New"/>
+              </a:rPr>
+              <a:t>Lab / Staff PC’s</a:t>
+            </a:r>
+            <a:endParaRPr lang="en" sz="2400" dirty="0">
+              <a:latin typeface="Trebuchet MS" panose="020B0603020202020204" pitchFamily="34" charset="0"/>
+              <a:ea typeface="Courier New"/>
+              <a:cs typeface="Courier New"/>
+              <a:sym typeface="Courier New"/>
+            </a:endParaRPr>
+          </a:p>
+          <a:p>
+            <a:pPr marL="1314450" lvl="2" indent="-381000">
+              <a:buClr>
+                <a:schemeClr val="accent1">
+                  <a:lumMod val="75000"/>
+                </a:schemeClr>
+              </a:buClr>
+              <a:buFont typeface="Wingdings" panose="05000000000000000000" pitchFamily="2" charset="2"/>
+              <a:buChar char="§"/>
+            </a:pPr>
+            <a:r>
+              <a:rPr lang="en" sz="2000" dirty="0" smtClean="0">
+                <a:latin typeface="Courier New"/>
+                <a:ea typeface="Courier New"/>
+                <a:cs typeface="Courier New"/>
+                <a:sym typeface="Courier New"/>
+              </a:rPr>
+              <a:t>START | PsychoPy</a:t>
+            </a:r>
+          </a:p>
+          <a:p>
+            <a:pPr marL="1314450" lvl="2" indent="-381000">
+              <a:buClr>
+                <a:schemeClr val="accent1">
+                  <a:lumMod val="75000"/>
+                </a:schemeClr>
+              </a:buClr>
+              <a:buFont typeface="Wingdings" panose="05000000000000000000" pitchFamily="2" charset="2"/>
+              <a:buChar char="§"/>
+            </a:pPr>
+            <a:r>
+              <a:rPr lang="en" sz="2000" dirty="0" smtClean="0">
+                <a:latin typeface="Courier New"/>
+                <a:ea typeface="Courier New"/>
+                <a:cs typeface="Courier New"/>
+                <a:sym typeface="Courier New"/>
+              </a:rPr>
+              <a:t>If not present, please contact psychsupport@kent.ac.uk</a:t>
+            </a:r>
             <a:endParaRPr lang="en" sz="2000" dirty="0">
               <a:latin typeface="Courier New"/>
               <a:ea typeface="Courier New"/>
@@ -16869,13 +16942,33 @@
             </a:r>
             <a:r>
               <a:rPr lang="en-GB" dirty="0" smtClean="0"/>
-              <a:t> from within your directory</a:t>
-            </a:r>
-          </a:p>
-          <a:p>
+              <a:t> from within your </a:t>
+            </a:r>
+            <a:r>
+              <a:rPr lang="en-GB" dirty="0" smtClean="0">
+                <a:latin typeface="Courier New" panose="02070309020205020404" pitchFamily="49" charset="0"/>
+                <a:cs typeface="Courier New" panose="02070309020205020404" pitchFamily="49" charset="0"/>
+              </a:rPr>
+              <a:t>C:/work </a:t>
+            </a:r>
             <a:r>
               <a:rPr lang="en-GB" dirty="0" smtClean="0"/>
-              <a:t>Don’t worry what everything is just yet, we’ll cover it later!</a:t>
+              <a:t>directory</a:t>
+            </a:r>
+            <a:endParaRPr lang="en-GB" dirty="0" smtClean="0"/>
+          </a:p>
+          <a:p>
+            <a:r>
+              <a:rPr lang="en-GB" dirty="0" smtClean="0"/>
+              <a:t>Don’t worry what everything is just yet, we’ll cover it </a:t>
+            </a:r>
+            <a:r>
+              <a:rPr lang="en-GB" dirty="0" smtClean="0"/>
+              <a:t>later</a:t>
+            </a:r>
+            <a:r>
+              <a:rPr lang="en-GB" dirty="0" smtClean="0"/>
+              <a:t>!</a:t>
             </a:r>
           </a:p>
           <a:p>

--- a/PsychoPy-Part1/PsychoPy-part1.pptx
+++ b/PsychoPy-Part1/PsychoPy-part1.pptx
@@ -1670,7 +1670,7 @@
           <a:p>
             <a:fld id="{B4554F2B-4BCF-4197-901F-D7CA0C5C3346}" type="datetimeFigureOut">
               <a:rPr lang="en-US" smtClean="0"/>
-              <a:t>9/20/2016</a:t>
+              <a:t>10/3/2017</a:t>
             </a:fld>
             <a:endParaRPr lang="en-US" dirty="0"/>
           </a:p>
@@ -1927,7 +1927,7 @@
           <a:p>
             <a:fld id="{E28077EF-3DB9-4852-A8C8-9AA18A70A9F8}" type="datetimeFigureOut">
               <a:rPr lang="en-US" smtClean="0"/>
-              <a:t>9/20/2016</a:t>
+              <a:t>10/3/2017</a:t>
             </a:fld>
             <a:endParaRPr lang="en-US" dirty="0"/>
           </a:p>
@@ -2243,7 +2243,7 @@
           <a:p>
             <a:fld id="{E28077EF-3DB9-4852-A8C8-9AA18A70A9F8}" type="datetimeFigureOut">
               <a:rPr lang="en-US" smtClean="0"/>
-              <a:t>9/20/2016</a:t>
+              <a:t>10/3/2017</a:t>
             </a:fld>
             <a:endParaRPr lang="en-US" dirty="0"/>
           </a:p>
@@ -2578,7 +2578,7 @@
           <a:p>
             <a:fld id="{E28077EF-3DB9-4852-A8C8-9AA18A70A9F8}" type="datetimeFigureOut">
               <a:rPr lang="en-US" smtClean="0"/>
-              <a:t>9/20/2016</a:t>
+              <a:t>10/3/2017</a:t>
             </a:fld>
             <a:endParaRPr lang="en-US" dirty="0"/>
           </a:p>
@@ -2894,7 +2894,7 @@
           <a:p>
             <a:fld id="{E28077EF-3DB9-4852-A8C8-9AA18A70A9F8}" type="datetimeFigureOut">
               <a:rPr lang="en-US" smtClean="0"/>
-              <a:t>9/20/2016</a:t>
+              <a:t>10/3/2017</a:t>
             </a:fld>
             <a:endParaRPr lang="en-US" dirty="0"/>
           </a:p>
@@ -3289,7 +3289,7 @@
           <a:p>
             <a:fld id="{E28077EF-3DB9-4852-A8C8-9AA18A70A9F8}" type="datetimeFigureOut">
               <a:rPr lang="en-US" smtClean="0"/>
-              <a:t>9/20/2016</a:t>
+              <a:t>10/3/2017</a:t>
             </a:fld>
             <a:endParaRPr lang="en-US" dirty="0"/>
           </a:p>
@@ -3461,7 +3461,7 @@
           <a:p>
             <a:fld id="{80C08BB0-1F20-4C6B-A56C-896A9F73FB4A}" type="datetimeFigureOut">
               <a:rPr lang="en-US" smtClean="0"/>
-              <a:t>9/20/2016</a:t>
+              <a:t>10/3/2017</a:t>
             </a:fld>
             <a:endParaRPr lang="en-US" dirty="0"/>
           </a:p>
@@ -3642,7 +3642,7 @@
           <a:p>
             <a:fld id="{735C60DA-11B7-472A-AFEF-07FB059A27D8}" type="datetimeFigureOut">
               <a:rPr lang="en-US" smtClean="0"/>
-              <a:t>9/20/2016</a:t>
+              <a:t>10/3/2017</a:t>
             </a:fld>
             <a:endParaRPr lang="en-US" dirty="0"/>
           </a:p>
@@ -4018,7 +4018,7 @@
           <a:p>
             <a:fld id="{2651F21A-8405-4DA5-BEAC-3D4CC71D54EA}" type="datetimeFigureOut">
               <a:rPr lang="en-US" smtClean="0"/>
-              <a:t>9/20/2016</a:t>
+              <a:t>10/3/2017</a:t>
             </a:fld>
             <a:endParaRPr lang="en-US" dirty="0"/>
           </a:p>
@@ -4266,7 +4266,7 @@
           <a:p>
             <a:fld id="{78685F84-9683-4B1B-940C-516296C3B9E2}" type="datetimeFigureOut">
               <a:rPr lang="en-US" smtClean="0"/>
-              <a:t>9/20/2016</a:t>
+              <a:t>10/3/2017</a:t>
             </a:fld>
             <a:endParaRPr lang="en-US" dirty="0"/>
           </a:p>
@@ -4569,7 +4569,7 @@
           <a:p>
             <a:fld id="{0657B2AD-074C-4247-B20E-4BA1D1B80702}" type="datetimeFigureOut">
               <a:rPr lang="en-US" smtClean="0"/>
-              <a:t>9/20/2016</a:t>
+              <a:t>10/3/2017</a:t>
             </a:fld>
             <a:endParaRPr lang="en-US" dirty="0"/>
           </a:p>
@@ -4949,7 +4949,7 @@
           <a:p>
             <a:fld id="{8DCC26FB-39E8-4A97-A330-257F2E3058A9}" type="datetimeFigureOut">
               <a:rPr lang="en-US" smtClean="0"/>
-              <a:t>9/20/2016</a:t>
+              <a:t>10/3/2017</a:t>
             </a:fld>
             <a:endParaRPr lang="en-US" dirty="0"/>
           </a:p>
@@ -5073,7 +5073,7 @@
           <a:p>
             <a:fld id="{3EE6405D-5078-464B-95D5-AD1D787A29C3}" type="datetimeFigureOut">
               <a:rPr lang="en-US" smtClean="0"/>
-              <a:t>9/20/2016</a:t>
+              <a:t>10/3/2017</a:t>
             </a:fld>
             <a:endParaRPr lang="en-US" dirty="0"/>
           </a:p>
@@ -5168,7 +5168,7 @@
           <a:p>
             <a:fld id="{8CB55EF8-B59A-48DF-A116-AFDAD4B003AB}" type="datetimeFigureOut">
               <a:rPr lang="en-US" smtClean="0"/>
-              <a:t>9/20/2016</a:t>
+              <a:t>10/3/2017</a:t>
             </a:fld>
             <a:endParaRPr lang="en-US" dirty="0"/>
           </a:p>
@@ -5423,7 +5423,7 @@
           <a:p>
             <a:fld id="{EC94AEE7-DB1F-4DD1-9290-70ECE3C49600}" type="datetimeFigureOut">
               <a:rPr lang="en-US" smtClean="0"/>
-              <a:t>9/20/2016</a:t>
+              <a:t>10/3/2017</a:t>
             </a:fld>
             <a:endParaRPr lang="en-US" dirty="0"/>
           </a:p>
@@ -5687,7 +5687,7 @@
           <a:p>
             <a:fld id="{581F845D-AA64-4C6F-B170-8AA45DD4B329}" type="datetimeFigureOut">
               <a:rPr lang="en-US" smtClean="0"/>
-              <a:t>9/20/2016</a:t>
+              <a:t>10/3/2017</a:t>
             </a:fld>
             <a:endParaRPr lang="en-US" dirty="0"/>
           </a:p>
@@ -6503,7 +6503,7 @@
           <a:p>
             <a:fld id="{E28077EF-3DB9-4852-A8C8-9AA18A70A9F8}" type="datetimeFigureOut">
               <a:rPr lang="en-US" smtClean="0"/>
-              <a:t>9/20/2016</a:t>
+              <a:t>10/3/2017</a:t>
             </a:fld>
             <a:endParaRPr lang="en-US" dirty="0"/>
           </a:p>
@@ -12637,15 +12637,7 @@
                   <a:schemeClr val="tx1"/>
                 </a:solidFill>
               </a:rPr>
-              <a:t>= (</a:t>
-            </a:r>
-            <a:r>
-              <a:rPr lang="en-GB" sz="1800" dirty="0" smtClean="0">
-                <a:solidFill>
-                  <a:schemeClr val="tx1"/>
-                </a:solidFill>
-              </a:rPr>
-              <a:t>update </a:t>
+              <a:t>= (update </a:t>
             </a:r>
             <a:r>
               <a:rPr lang="en-GB" sz="1800" dirty="0">
@@ -14121,11 +14113,7 @@
             </a:pPr>
             <a:r>
               <a:rPr lang="en-GB" dirty="0" smtClean="0"/>
-              <a:t>You will need to </a:t>
-            </a:r>
-            <a:r>
-              <a:rPr lang="en-GB" dirty="0" smtClean="0"/>
-              <a:t>enter a </a:t>
+              <a:t>You will need to enter a </a:t>
             </a:r>
             <a:r>
               <a:rPr lang="en-GB" b="1" dirty="0" smtClean="0"/>
@@ -14133,17 +14121,8 @@
             </a:r>
             <a:r>
               <a:rPr lang="en-GB" dirty="0" smtClean="0"/>
-              <a:t>path for </a:t>
-            </a:r>
-            <a:r>
-              <a:rPr lang="en-GB" dirty="0" smtClean="0"/>
-              <a:t>each </a:t>
-            </a:r>
-            <a:r>
-              <a:rPr lang="en-GB" dirty="0" smtClean="0"/>
-              <a:t>image</a:t>
-            </a:r>
-            <a:endParaRPr lang="en-GB" dirty="0" smtClean="0"/>
+              <a:t>path for each image</a:t>
+            </a:r>
           </a:p>
           <a:p>
             <a:pPr lvl="2">
@@ -14163,11 +14142,7 @@
             </a:r>
             <a:r>
               <a:rPr lang="en-GB" dirty="0" smtClean="0"/>
-              <a:t>”  (without the quotes</a:t>
-            </a:r>
-            <a:r>
-              <a:rPr lang="en-GB" dirty="0" smtClean="0"/>
-              <a:t>)</a:t>
+              <a:t>”  (without the quotes)</a:t>
             </a:r>
           </a:p>
           <a:p>
@@ -14191,7 +14166,6 @@
               <a:rPr lang="en-GB" dirty="0" smtClean="0"/>
               <a:t>”</a:t>
             </a:r>
-            <a:endParaRPr lang="en-GB" dirty="0" smtClean="0"/>
           </a:p>
           <a:p>
             <a:pPr lvl="1">
@@ -15283,7 +15257,7 @@
                 <a:cs typeface="Courier New"/>
                 <a:sym typeface="Courier New"/>
               </a:rPr>
-              <a:t>2016/17</a:t>
+              <a:t>2017/18</a:t>
             </a:r>
             <a:r>
               <a:rPr lang="en" sz="1400" dirty="0" smtClean="0">
@@ -15316,7 +15290,7 @@
                 <a:cs typeface="Courier New"/>
                 <a:sym typeface="Courier New"/>
               </a:rPr>
-              <a:t>v1.83.04</a:t>
+              <a:t>v1.85.03</a:t>
             </a:r>
             <a:r>
               <a:rPr lang="en" sz="1400" dirty="0" smtClean="0">
@@ -15593,29 +15567,7 @@
                 <a:cs typeface="Courier New"/>
                 <a:sym typeface="Courier New"/>
               </a:rPr>
-              <a:t>Student/staff PC’s (like you are on now), should already have it installed </a:t>
-            </a:r>
-            <a:r>
-              <a:rPr lang="en" sz="1400" dirty="0" smtClean="0">
-                <a:solidFill>
-                  <a:schemeClr val="tx1"/>
-                </a:solidFill>
-                <a:ea typeface="Courier New"/>
-                <a:cs typeface="Courier New"/>
-                <a:sym typeface="Courier New"/>
-              </a:rPr>
-              <a:t>on the PC you are on.  </a:t>
-            </a:r>
-            <a:r>
-              <a:rPr lang="en" sz="1400" dirty="0" smtClean="0">
-                <a:solidFill>
-                  <a:schemeClr val="tx1"/>
-                </a:solidFill>
-                <a:ea typeface="Courier New"/>
-                <a:cs typeface="Courier New"/>
-                <a:sym typeface="Courier New"/>
-              </a:rPr>
-              <a:t>We show how to load it a few slides on…</a:t>
+              <a:t>Student/staff PC’s (like you are on now), should already have it installed on the PC you are on.  We show how to load it a few slides on…</a:t>
             </a:r>
           </a:p>
           <a:p>
@@ -16362,7 +16314,7 @@
                 <a:cs typeface="Courier New"/>
                 <a:sym typeface="Courier New"/>
               </a:rPr>
-              <a:t>| Programs | Departmental Software </a:t>
+              <a:t>| </a:t>
             </a:r>
             <a:r>
               <a:rPr lang="en" sz="2000" dirty="0" smtClean="0">
@@ -16371,26 +16323,14 @@
                 <a:cs typeface="Courier New"/>
                 <a:sym typeface="Courier New"/>
               </a:rPr>
-              <a:t>| School </a:t>
-            </a:r>
-            <a:r>
-              <a:rPr lang="en" sz="2000" dirty="0">
-                <a:latin typeface="Courier New"/>
-                <a:ea typeface="Courier New"/>
-                <a:cs typeface="Courier New"/>
-                <a:sym typeface="Courier New"/>
-              </a:rPr>
-              <a:t>of Psychology | </a:t>
-            </a:r>
-            <a:r>
-              <a:rPr lang="en" sz="2000" dirty="0" smtClean="0">
-                <a:latin typeface="Courier New"/>
-                <a:ea typeface="Courier New"/>
-                <a:cs typeface="Courier New"/>
-                <a:sym typeface="Courier New"/>
-              </a:rPr>
-              <a:t>PsychoPy</a:t>
-            </a:r>
+              <a:t>Search for PsychoPy</a:t>
+            </a:r>
+            <a:endParaRPr lang="en" sz="2000" dirty="0" smtClean="0">
+              <a:latin typeface="Courier New"/>
+              <a:ea typeface="Courier New"/>
+              <a:cs typeface="Courier New"/>
+              <a:sym typeface="Courier New"/>
+            </a:endParaRPr>
           </a:p>
           <a:p>
             <a:pPr marL="914400" lvl="1" indent="-381000">
@@ -16455,7 +16395,16 @@
                 <a:cs typeface="Courier New"/>
                 <a:sym typeface="Courier New"/>
               </a:rPr>
-              <a:t>If not present, please contact psychsupport@kent.ac.uk</a:t>
+              <a:t>If not present, please contact </a:t>
+            </a:r>
+            <a:r>
+              <a:rPr lang="en" sz="2000" dirty="0" smtClean="0">
+                <a:latin typeface="Courier New"/>
+                <a:ea typeface="Courier New"/>
+                <a:cs typeface="Courier New"/>
+                <a:sym typeface="Courier New"/>
+              </a:rPr>
+              <a:t>psychsupport@kent.ac.uk</a:t>
             </a:r>
             <a:endParaRPr lang="en" sz="2000" dirty="0">
               <a:latin typeface="Courier New"/>
@@ -16463,50 +16412,6 @@
               <a:cs typeface="Courier New"/>
               <a:sym typeface="Courier New"/>
             </a:endParaRPr>
-          </a:p>
-          <a:p>
-            <a:pPr marL="381000">
-              <a:buClr>
-                <a:schemeClr val="accent1">
-                  <a:lumMod val="75000"/>
-                </a:schemeClr>
-              </a:buClr>
-              <a:buSzPct val="125000"/>
-            </a:pPr>
-            <a:r>
-              <a:rPr lang="en" sz="2400" dirty="0"/>
-              <a:t>PsychoPy has 2 modes, so if it starts in Coder view, you can switch mode using:</a:t>
-            </a:r>
-          </a:p>
-          <a:p>
-            <a:pPr marL="990600" lvl="1" indent="-457200">
-              <a:buClr>
-                <a:schemeClr val="accent1">
-                  <a:lumMod val="75000"/>
-                </a:schemeClr>
-              </a:buClr>
-              <a:buSzPct val="100000"/>
-              <a:buFont typeface="Wingdings" panose="05000000000000000000" pitchFamily="2" charset="2"/>
-              <a:buChar char="§"/>
-            </a:pPr>
-            <a:r>
-              <a:rPr lang="en" sz="2000" dirty="0">
-                <a:latin typeface="Courier New"/>
-                <a:ea typeface="Courier New"/>
-                <a:cs typeface="Courier New"/>
-                <a:sym typeface="Courier New"/>
-              </a:rPr>
-              <a:t>View | Go to Builder </a:t>
-            </a:r>
-            <a:r>
-              <a:rPr lang="en" sz="2000" dirty="0" smtClean="0">
-                <a:latin typeface="Courier New"/>
-                <a:ea typeface="Courier New"/>
-                <a:cs typeface="Courier New"/>
-                <a:sym typeface="Courier New"/>
-              </a:rPr>
-              <a:t>View</a:t>
-            </a:r>
           </a:p>
         </p:txBody>
       </p:sp>
@@ -16955,20 +16860,11 @@
               <a:rPr lang="en-GB" dirty="0" smtClean="0"/>
               <a:t>directory</a:t>
             </a:r>
-            <a:endParaRPr lang="en-GB" dirty="0" smtClean="0"/>
           </a:p>
           <a:p>
             <a:r>
               <a:rPr lang="en-GB" dirty="0" smtClean="0"/>
-              <a:t>Don’t worry what everything is just yet, we’ll cover it </a:t>
-            </a:r>
-            <a:r>
-              <a:rPr lang="en-GB" dirty="0" smtClean="0"/>
-              <a:t>later</a:t>
-            </a:r>
-            <a:r>
-              <a:rPr lang="en-GB" dirty="0" smtClean="0"/>
-              <a:t>!</a:t>
+              <a:t>Don’t worry what everything is just yet, we’ll cover it later!</a:t>
             </a:r>
           </a:p>
           <a:p>

--- a/PsychoPy-Part1/PsychoPy-part1.pptx
+++ b/PsychoPy-Part1/PsychoPy-part1.pptx
@@ -5,33 +5,34 @@
     <p:sldMasterId id="2147483829" r:id="rId1"/>
   </p:sldMasterIdLst>
   <p:notesMasterIdLst>
-    <p:notesMasterId r:id="rId26"/>
+    <p:notesMasterId r:id="rId27"/>
   </p:notesMasterIdLst>
   <p:sldIdLst>
     <p:sldId id="256" r:id="rId2"/>
-    <p:sldId id="293" r:id="rId3"/>
-    <p:sldId id="294" r:id="rId4"/>
-    <p:sldId id="259" r:id="rId5"/>
-    <p:sldId id="305" r:id="rId6"/>
-    <p:sldId id="295" r:id="rId7"/>
-    <p:sldId id="264" r:id="rId8"/>
-    <p:sldId id="296" r:id="rId9"/>
-    <p:sldId id="297" r:id="rId10"/>
-    <p:sldId id="310" r:id="rId11"/>
-    <p:sldId id="291" r:id="rId12"/>
-    <p:sldId id="311" r:id="rId13"/>
-    <p:sldId id="292" r:id="rId14"/>
-    <p:sldId id="299" r:id="rId15"/>
-    <p:sldId id="301" r:id="rId16"/>
-    <p:sldId id="312" r:id="rId17"/>
-    <p:sldId id="315" r:id="rId18"/>
-    <p:sldId id="307" r:id="rId19"/>
-    <p:sldId id="314" r:id="rId20"/>
-    <p:sldId id="300" r:id="rId21"/>
-    <p:sldId id="302" r:id="rId22"/>
-    <p:sldId id="308" r:id="rId23"/>
-    <p:sldId id="309" r:id="rId24"/>
-    <p:sldId id="304" r:id="rId25"/>
+    <p:sldId id="316" r:id="rId3"/>
+    <p:sldId id="293" r:id="rId4"/>
+    <p:sldId id="294" r:id="rId5"/>
+    <p:sldId id="259" r:id="rId6"/>
+    <p:sldId id="305" r:id="rId7"/>
+    <p:sldId id="295" r:id="rId8"/>
+    <p:sldId id="264" r:id="rId9"/>
+    <p:sldId id="296" r:id="rId10"/>
+    <p:sldId id="297" r:id="rId11"/>
+    <p:sldId id="310" r:id="rId12"/>
+    <p:sldId id="291" r:id="rId13"/>
+    <p:sldId id="311" r:id="rId14"/>
+    <p:sldId id="292" r:id="rId15"/>
+    <p:sldId id="299" r:id="rId16"/>
+    <p:sldId id="301" r:id="rId17"/>
+    <p:sldId id="312" r:id="rId18"/>
+    <p:sldId id="315" r:id="rId19"/>
+    <p:sldId id="307" r:id="rId20"/>
+    <p:sldId id="314" r:id="rId21"/>
+    <p:sldId id="300" r:id="rId22"/>
+    <p:sldId id="302" r:id="rId23"/>
+    <p:sldId id="308" r:id="rId24"/>
+    <p:sldId id="309" r:id="rId25"/>
+    <p:sldId id="304" r:id="rId26"/>
   </p:sldIdLst>
   <p:sldSz cx="9144000" cy="6858000" type="screen4x3"/>
   <p:notesSz cx="6797675" cy="9928225"/>
@@ -1670,7 +1671,7 @@
           <a:p>
             <a:fld id="{B4554F2B-4BCF-4197-901F-D7CA0C5C3346}" type="datetimeFigureOut">
               <a:rPr lang="en-US" smtClean="0"/>
-              <a:t>10/3/2017</a:t>
+              <a:t>9/27/2018</a:t>
             </a:fld>
             <a:endParaRPr lang="en-US" dirty="0"/>
           </a:p>
@@ -1927,7 +1928,7 @@
           <a:p>
             <a:fld id="{E28077EF-3DB9-4852-A8C8-9AA18A70A9F8}" type="datetimeFigureOut">
               <a:rPr lang="en-US" smtClean="0"/>
-              <a:t>10/3/2017</a:t>
+              <a:t>9/27/2018</a:t>
             </a:fld>
             <a:endParaRPr lang="en-US" dirty="0"/>
           </a:p>
@@ -2243,7 +2244,7 @@
           <a:p>
             <a:fld id="{E28077EF-3DB9-4852-A8C8-9AA18A70A9F8}" type="datetimeFigureOut">
               <a:rPr lang="en-US" smtClean="0"/>
-              <a:t>10/3/2017</a:t>
+              <a:t>9/27/2018</a:t>
             </a:fld>
             <a:endParaRPr lang="en-US" dirty="0"/>
           </a:p>
@@ -2578,7 +2579,7 @@
           <a:p>
             <a:fld id="{E28077EF-3DB9-4852-A8C8-9AA18A70A9F8}" type="datetimeFigureOut">
               <a:rPr lang="en-US" smtClean="0"/>
-              <a:t>10/3/2017</a:t>
+              <a:t>9/27/2018</a:t>
             </a:fld>
             <a:endParaRPr lang="en-US" dirty="0"/>
           </a:p>
@@ -2894,7 +2895,7 @@
           <a:p>
             <a:fld id="{E28077EF-3DB9-4852-A8C8-9AA18A70A9F8}" type="datetimeFigureOut">
               <a:rPr lang="en-US" smtClean="0"/>
-              <a:t>10/3/2017</a:t>
+              <a:t>9/27/2018</a:t>
             </a:fld>
             <a:endParaRPr lang="en-US" dirty="0"/>
           </a:p>
@@ -3289,7 +3290,7 @@
           <a:p>
             <a:fld id="{E28077EF-3DB9-4852-A8C8-9AA18A70A9F8}" type="datetimeFigureOut">
               <a:rPr lang="en-US" smtClean="0"/>
-              <a:t>10/3/2017</a:t>
+              <a:t>9/27/2018</a:t>
             </a:fld>
             <a:endParaRPr lang="en-US" dirty="0"/>
           </a:p>
@@ -3461,7 +3462,7 @@
           <a:p>
             <a:fld id="{80C08BB0-1F20-4C6B-A56C-896A9F73FB4A}" type="datetimeFigureOut">
               <a:rPr lang="en-US" smtClean="0"/>
-              <a:t>10/3/2017</a:t>
+              <a:t>9/27/2018</a:t>
             </a:fld>
             <a:endParaRPr lang="en-US" dirty="0"/>
           </a:p>
@@ -3642,7 +3643,7 @@
           <a:p>
             <a:fld id="{735C60DA-11B7-472A-AFEF-07FB059A27D8}" type="datetimeFigureOut">
               <a:rPr lang="en-US" smtClean="0"/>
-              <a:t>10/3/2017</a:t>
+              <a:t>9/27/2018</a:t>
             </a:fld>
             <a:endParaRPr lang="en-US" dirty="0"/>
           </a:p>
@@ -4018,7 +4019,7 @@
           <a:p>
             <a:fld id="{2651F21A-8405-4DA5-BEAC-3D4CC71D54EA}" type="datetimeFigureOut">
               <a:rPr lang="en-US" smtClean="0"/>
-              <a:t>10/3/2017</a:t>
+              <a:t>9/27/2018</a:t>
             </a:fld>
             <a:endParaRPr lang="en-US" dirty="0"/>
           </a:p>
@@ -4266,7 +4267,7 @@
           <a:p>
             <a:fld id="{78685F84-9683-4B1B-940C-516296C3B9E2}" type="datetimeFigureOut">
               <a:rPr lang="en-US" smtClean="0"/>
-              <a:t>10/3/2017</a:t>
+              <a:t>9/27/2018</a:t>
             </a:fld>
             <a:endParaRPr lang="en-US" dirty="0"/>
           </a:p>
@@ -4569,7 +4570,7 @@
           <a:p>
             <a:fld id="{0657B2AD-074C-4247-B20E-4BA1D1B80702}" type="datetimeFigureOut">
               <a:rPr lang="en-US" smtClean="0"/>
-              <a:t>10/3/2017</a:t>
+              <a:t>9/27/2018</a:t>
             </a:fld>
             <a:endParaRPr lang="en-US" dirty="0"/>
           </a:p>
@@ -4949,7 +4950,7 @@
           <a:p>
             <a:fld id="{8DCC26FB-39E8-4A97-A330-257F2E3058A9}" type="datetimeFigureOut">
               <a:rPr lang="en-US" smtClean="0"/>
-              <a:t>10/3/2017</a:t>
+              <a:t>9/27/2018</a:t>
             </a:fld>
             <a:endParaRPr lang="en-US" dirty="0"/>
           </a:p>
@@ -5073,7 +5074,7 @@
           <a:p>
             <a:fld id="{3EE6405D-5078-464B-95D5-AD1D787A29C3}" type="datetimeFigureOut">
               <a:rPr lang="en-US" smtClean="0"/>
-              <a:t>10/3/2017</a:t>
+              <a:t>9/27/2018</a:t>
             </a:fld>
             <a:endParaRPr lang="en-US" dirty="0"/>
           </a:p>
@@ -5168,7 +5169,7 @@
           <a:p>
             <a:fld id="{8CB55EF8-B59A-48DF-A116-AFDAD4B003AB}" type="datetimeFigureOut">
               <a:rPr lang="en-US" smtClean="0"/>
-              <a:t>10/3/2017</a:t>
+              <a:t>9/27/2018</a:t>
             </a:fld>
             <a:endParaRPr lang="en-US" dirty="0"/>
           </a:p>
@@ -5423,7 +5424,7 @@
           <a:p>
             <a:fld id="{EC94AEE7-DB1F-4DD1-9290-70ECE3C49600}" type="datetimeFigureOut">
               <a:rPr lang="en-US" smtClean="0"/>
-              <a:t>10/3/2017</a:t>
+              <a:t>9/27/2018</a:t>
             </a:fld>
             <a:endParaRPr lang="en-US" dirty="0"/>
           </a:p>
@@ -5687,7 +5688,7 @@
           <a:p>
             <a:fld id="{581F845D-AA64-4C6F-B170-8AA45DD4B329}" type="datetimeFigureOut">
               <a:rPr lang="en-US" smtClean="0"/>
-              <a:t>10/3/2017</a:t>
+              <a:t>9/27/2018</a:t>
             </a:fld>
             <a:endParaRPr lang="en-US" dirty="0"/>
           </a:p>
@@ -6503,7 +6504,7 @@
           <a:p>
             <a:fld id="{E28077EF-3DB9-4852-A8C8-9AA18A70A9F8}" type="datetimeFigureOut">
               <a:rPr lang="en-US" smtClean="0"/>
-              <a:t>10/3/2017</a:t>
+              <a:t>9/27/2018</a:t>
             </a:fld>
             <a:endParaRPr lang="en-US" dirty="0"/>
           </a:p>
@@ -7157,6 +7158,261 @@
           <a:lstStyle/>
           <a:p>
             <a:r>
+              <a:rPr lang="en-GB" sz="4000" dirty="0" smtClean="0"/>
+              <a:t>Exercise 1</a:t>
+            </a:r>
+            <a:r>
+              <a:rPr lang="en-GB" dirty="0" smtClean="0"/>
+              <a:t/>
+            </a:r>
+            <a:br>
+              <a:rPr lang="en-GB" dirty="0" smtClean="0"/>
+            </a:br>
+            <a:r>
+              <a:rPr lang="en-GB" sz="3100" dirty="0" smtClean="0">
+                <a:solidFill>
+                  <a:schemeClr val="accent1">
+                    <a:lumMod val="75000"/>
+                  </a:schemeClr>
+                </a:solidFill>
+              </a:rPr>
+              <a:t>Run a </a:t>
+            </a:r>
+            <a:r>
+              <a:rPr lang="en-GB" sz="3100" dirty="0" err="1" smtClean="0">
+                <a:solidFill>
+                  <a:schemeClr val="accent1">
+                    <a:lumMod val="75000"/>
+                  </a:schemeClr>
+                </a:solidFill>
+              </a:rPr>
+              <a:t>stroop</a:t>
+            </a:r>
+            <a:r>
+              <a:rPr lang="en-GB" sz="3100" dirty="0" smtClean="0">
+                <a:solidFill>
+                  <a:schemeClr val="accent1">
+                    <a:lumMod val="75000"/>
+                  </a:schemeClr>
+                </a:solidFill>
+              </a:rPr>
+              <a:t> demo</a:t>
+            </a:r>
+            <a:endParaRPr lang="en-US" sz="3100" dirty="0">
+              <a:solidFill>
+                <a:schemeClr val="accent1">
+                  <a:lumMod val="75000"/>
+                </a:schemeClr>
+              </a:solidFill>
+            </a:endParaRPr>
+          </a:p>
+        </p:txBody>
+      </p:sp>
+      <p:sp>
+        <p:nvSpPr>
+          <p:cNvPr id="3" name="Text Placeholder 2"/>
+          <p:cNvSpPr>
+            <a:spLocks noGrp="1"/>
+          </p:cNvSpPr>
+          <p:nvPr>
+            <p:ph type="body" idx="1"/>
+          </p:nvPr>
+        </p:nvSpPr>
+        <p:spPr/>
+        <p:txBody>
+          <a:bodyPr/>
+          <a:lstStyle/>
+          <a:p>
+            <a:pPr marL="0" indent="0">
+              <a:buNone/>
+            </a:pPr>
+            <a:r>
+              <a:rPr lang="en-GB" b="1" dirty="0" smtClean="0"/>
+              <a:t>Exercise 1.1</a:t>
+            </a:r>
+          </a:p>
+          <a:p>
+            <a:pPr marL="0" indent="0">
+              <a:buNone/>
+            </a:pPr>
+            <a:endParaRPr lang="en-GB" dirty="0" smtClean="0"/>
+          </a:p>
+          <a:p>
+            <a:r>
+              <a:rPr lang="en-GB" dirty="0" smtClean="0"/>
+              <a:t>Open up </a:t>
+            </a:r>
+            <a:r>
+              <a:rPr lang="en-GB" dirty="0" err="1" smtClean="0">
+                <a:latin typeface="Courier New" panose="02070309020205020404" pitchFamily="49" charset="0"/>
+                <a:cs typeface="Courier New" panose="02070309020205020404" pitchFamily="49" charset="0"/>
+              </a:rPr>
+              <a:t>stroop</a:t>
+            </a:r>
+            <a:r>
+              <a:rPr lang="en-GB" dirty="0" smtClean="0">
+                <a:latin typeface="Courier New" panose="02070309020205020404" pitchFamily="49" charset="0"/>
+                <a:cs typeface="Courier New" panose="02070309020205020404" pitchFamily="49" charset="0"/>
+              </a:rPr>
+              <a:t>/</a:t>
+            </a:r>
+            <a:r>
+              <a:rPr lang="en-GB" dirty="0" err="1" smtClean="0">
+                <a:latin typeface="Courier New" panose="02070309020205020404" pitchFamily="49" charset="0"/>
+                <a:cs typeface="Courier New" panose="02070309020205020404" pitchFamily="49" charset="0"/>
+              </a:rPr>
+              <a:t>stroop.psyexp</a:t>
+            </a:r>
+            <a:r>
+              <a:rPr lang="en-GB" dirty="0" smtClean="0"/>
+              <a:t> from within your extracted directory</a:t>
+            </a:r>
+          </a:p>
+          <a:p>
+            <a:r>
+              <a:rPr lang="en-GB" dirty="0" smtClean="0"/>
+              <a:t>Don’t worry what everything is just yet, we’ll cover it later!</a:t>
+            </a:r>
+          </a:p>
+          <a:p>
+            <a:r>
+              <a:rPr lang="en-GB" dirty="0" smtClean="0"/>
+              <a:t>Click the green icon at the top to run it</a:t>
+            </a:r>
+          </a:p>
+          <a:p>
+            <a:r>
+              <a:rPr lang="en-GB" dirty="0" smtClean="0"/>
+              <a:t>See what it does.</a:t>
+            </a:r>
+          </a:p>
+          <a:p>
+            <a:pPr marL="0" indent="0">
+              <a:buNone/>
+            </a:pPr>
+            <a:endParaRPr lang="en-GB" dirty="0" smtClean="0"/>
+          </a:p>
+          <a:p>
+            <a:pPr marL="0" indent="0">
+              <a:buNone/>
+            </a:pPr>
+            <a:r>
+              <a:rPr lang="en-GB" b="1" dirty="0" smtClean="0"/>
+              <a:t>Exercise 1.2</a:t>
+            </a:r>
+          </a:p>
+          <a:p>
+            <a:pPr marL="0" indent="0">
+              <a:buNone/>
+            </a:pPr>
+            <a:endParaRPr lang="en-GB" dirty="0" smtClean="0"/>
+          </a:p>
+          <a:p>
+            <a:r>
+              <a:rPr lang="en-GB" dirty="0" smtClean="0"/>
+              <a:t>Look inside the </a:t>
+            </a:r>
+            <a:r>
+              <a:rPr lang="en-GB" dirty="0" smtClean="0">
+                <a:latin typeface="Courier New" panose="02070309020205020404" pitchFamily="49" charset="0"/>
+                <a:cs typeface="Courier New" panose="02070309020205020404" pitchFamily="49" charset="0"/>
+              </a:rPr>
+              <a:t>/data </a:t>
+            </a:r>
+            <a:r>
+              <a:rPr lang="en-GB" dirty="0" smtClean="0"/>
+              <a:t>folder and see what is produced</a:t>
+            </a:r>
+          </a:p>
+          <a:p>
+            <a:r>
+              <a:rPr lang="en-GB" dirty="0" smtClean="0"/>
+              <a:t>Open one of the most recent CSV files that you find</a:t>
+            </a:r>
+            <a:endParaRPr lang="en-US" dirty="0"/>
+          </a:p>
+          <a:p>
+            <a:pPr lvl="1"/>
+            <a:r>
+              <a:rPr lang="en-US" sz="1800" dirty="0" smtClean="0"/>
+              <a:t>Study </a:t>
+            </a:r>
+            <a:r>
+              <a:rPr lang="en-US" sz="1800" dirty="0"/>
+              <a:t>the </a:t>
+            </a:r>
+            <a:r>
+              <a:rPr lang="en-US" sz="1800" dirty="0" smtClean="0"/>
+              <a:t>file, </a:t>
+            </a:r>
+            <a:r>
+              <a:rPr lang="en-US" sz="1800" dirty="0"/>
+              <a:t>noting the column headings.</a:t>
+            </a:r>
+          </a:p>
+          <a:p>
+            <a:pPr marL="0" indent="0">
+              <a:buNone/>
+            </a:pPr>
+            <a:endParaRPr lang="en-US" dirty="0"/>
+          </a:p>
+        </p:txBody>
+      </p:sp>
+    </p:spTree>
+    <p:extLst>
+      <p:ext uri="{BB962C8B-B14F-4D97-AF65-F5344CB8AC3E}">
+        <p14:creationId xmlns:p14="http://schemas.microsoft.com/office/powerpoint/2010/main" val="3214493180"/>
+      </p:ext>
+    </p:extLst>
+  </p:cSld>
+  <p:clrMapOvr>
+    <a:masterClrMapping/>
+  </p:clrMapOvr>
+  <p:timing>
+    <p:tnLst>
+      <p:par>
+        <p:cTn id="1" dur="indefinite" restart="never" nodeType="tmRoot"/>
+      </p:par>
+    </p:tnLst>
+  </p:timing>
+</p:sld>
+</file>
+
+<file path=ppt/slides/slide11.xml><?xml version="1.0" encoding="utf-8"?>
+<p:sld xmlns:a="http://schemas.openxmlformats.org/drawingml/2006/main" xmlns:r="http://schemas.openxmlformats.org/officeDocument/2006/relationships" xmlns:p="http://schemas.openxmlformats.org/presentationml/2006/main">
+  <p:cSld>
+    <p:spTree>
+      <p:nvGrpSpPr>
+        <p:cNvPr id="1" name=""/>
+        <p:cNvGrpSpPr/>
+        <p:nvPr/>
+      </p:nvGrpSpPr>
+      <p:grpSpPr>
+        <a:xfrm>
+          <a:off x="0" y="0"/>
+          <a:ext cx="0" cy="0"/>
+          <a:chOff x="0" y="0"/>
+          <a:chExt cx="0" cy="0"/>
+        </a:xfrm>
+      </p:grpSpPr>
+      <p:sp>
+        <p:nvSpPr>
+          <p:cNvPr id="2" name="Title 1"/>
+          <p:cNvSpPr>
+            <a:spLocks noGrp="1"/>
+          </p:cNvSpPr>
+          <p:nvPr>
+            <p:ph type="title"/>
+          </p:nvPr>
+        </p:nvSpPr>
+        <p:spPr/>
+        <p:txBody>
+          <a:bodyPr>
+            <a:normAutofit fontScale="90000"/>
+          </a:bodyPr>
+          <a:lstStyle/>
+          <a:p>
+            <a:r>
               <a:rPr lang="en-GB" dirty="0" smtClean="0"/>
               <a:t>Demo: </a:t>
             </a:r>
@@ -7261,8 +7517,21 @@
                   <a:srgbClr val="FF0000"/>
                 </a:solidFill>
               </a:rPr>
-              <a:t>(Demo)</a:t>
-            </a:r>
+              <a:t>(</a:t>
+            </a:r>
+            <a:r>
+              <a:rPr lang="en" dirty="0" smtClean="0">
+                <a:solidFill>
+                  <a:srgbClr val="FF0000"/>
+                </a:solidFill>
+              </a:rPr>
+              <a:t>Demo of code generated)</a:t>
+            </a:r>
+            <a:endParaRPr lang="en" dirty="0" smtClean="0">
+              <a:solidFill>
+                <a:srgbClr val="FF0000"/>
+              </a:solidFill>
+            </a:endParaRPr>
           </a:p>
           <a:p>
             <a:pPr marL="400050" indent="-285750">
@@ -7562,7 +7831,7 @@
 </p:sld>
 </file>
 
-<file path=ppt/slides/slide11.xml><?xml version="1.0" encoding="utf-8"?>
+<file path=ppt/slides/slide12.xml><?xml version="1.0" encoding="utf-8"?>
 <p:sld xmlns:a="http://schemas.openxmlformats.org/drawingml/2006/main" xmlns:r="http://schemas.openxmlformats.org/officeDocument/2006/relationships" xmlns:p="http://schemas.openxmlformats.org/presentationml/2006/main">
   <p:cSld>
     <p:spTree>
@@ -8256,7 +8525,7 @@
 </p:sld>
 </file>
 
-<file path=ppt/slides/slide12.xml><?xml version="1.0" encoding="utf-8"?>
+<file path=ppt/slides/slide13.xml><?xml version="1.0" encoding="utf-8"?>
 <p:sld xmlns:a="http://schemas.openxmlformats.org/drawingml/2006/main" xmlns:r="http://schemas.openxmlformats.org/officeDocument/2006/relationships" xmlns:p="http://schemas.openxmlformats.org/presentationml/2006/main">
   <p:cSld>
     <p:spTree>
@@ -9058,6 +9327,111 @@
           </a:p>
         </p:txBody>
       </p:sp>
+      <p:cxnSp>
+        <p:nvCxnSpPr>
+          <p:cNvPr id="22" name="Straight Arrow Connector 21"/>
+          <p:cNvCxnSpPr/>
+          <p:nvPr/>
+        </p:nvCxnSpPr>
+        <p:spPr>
+          <a:xfrm flipH="1" flipV="1">
+            <a:off x="2603686" y="4285691"/>
+            <a:ext cx="295063" cy="1002524"/>
+          </a:xfrm>
+          <a:prstGeom prst="straightConnector1">
+            <a:avLst/>
+          </a:prstGeom>
+          <a:ln>
+            <a:tailEnd type="triangle"/>
+          </a:ln>
+        </p:spPr>
+        <p:style>
+          <a:lnRef idx="1">
+            <a:schemeClr val="accent1"/>
+          </a:lnRef>
+          <a:fillRef idx="0">
+            <a:schemeClr val="accent1"/>
+          </a:fillRef>
+          <a:effectRef idx="0">
+            <a:schemeClr val="accent1"/>
+          </a:effectRef>
+          <a:fontRef idx="minor">
+            <a:schemeClr val="tx1"/>
+          </a:fontRef>
+        </p:style>
+      </p:cxnSp>
+      <p:cxnSp>
+        <p:nvCxnSpPr>
+          <p:cNvPr id="28" name="Straight Arrow Connector 27"/>
+          <p:cNvCxnSpPr/>
+          <p:nvPr/>
+        </p:nvCxnSpPr>
+        <p:spPr>
+          <a:xfrm flipV="1">
+            <a:off x="1652011" y="4506586"/>
+            <a:ext cx="699663" cy="181385"/>
+          </a:xfrm>
+          <a:prstGeom prst="straightConnector1">
+            <a:avLst/>
+          </a:prstGeom>
+          <a:ln>
+            <a:tailEnd type="triangle"/>
+          </a:ln>
+        </p:spPr>
+        <p:style>
+          <a:lnRef idx="1">
+            <a:schemeClr val="accent1"/>
+          </a:lnRef>
+          <a:fillRef idx="0">
+            <a:schemeClr val="accent1"/>
+          </a:fillRef>
+          <a:effectRef idx="0">
+            <a:schemeClr val="accent1"/>
+          </a:effectRef>
+          <a:fontRef idx="minor">
+            <a:schemeClr val="tx1"/>
+          </a:fontRef>
+        </p:style>
+      </p:cxnSp>
+      <p:sp>
+        <p:nvSpPr>
+          <p:cNvPr id="30" name="TextBox 29"/>
+          <p:cNvSpPr txBox="1"/>
+          <p:nvPr/>
+        </p:nvSpPr>
+        <p:spPr>
+          <a:xfrm>
+            <a:off x="2450787" y="5254746"/>
+            <a:ext cx="2121213" cy="430887"/>
+          </a:xfrm>
+          <a:prstGeom prst="rect">
+            <a:avLst/>
+          </a:prstGeom>
+          <a:noFill/>
+        </p:spPr>
+        <p:txBody>
+          <a:bodyPr wrap="square" rtlCol="0">
+            <a:spAutoFit/>
+          </a:bodyPr>
+          <a:lstStyle/>
+          <a:p>
+            <a:pPr algn="ctr"/>
+            <a:r>
+              <a:rPr lang="en-GB" sz="1100" dirty="0" smtClean="0">
+                <a:solidFill>
+                  <a:srgbClr val="FF0000"/>
+                </a:solidFill>
+              </a:rPr>
+              <a:t>Fixation could have been separated – but better if not.</a:t>
+            </a:r>
+            <a:endParaRPr lang="en-US" sz="1100" dirty="0">
+              <a:solidFill>
+                <a:srgbClr val="FF0000"/>
+              </a:solidFill>
+            </a:endParaRPr>
+          </a:p>
+        </p:txBody>
+      </p:sp>
     </p:spTree>
     <p:extLst>
       <p:ext uri="{BB962C8B-B14F-4D97-AF65-F5344CB8AC3E}">
@@ -9078,7 +9452,7 @@
 </p:sld>
 </file>
 
-<file path=ppt/slides/slide13.xml><?xml version="1.0" encoding="utf-8"?>
+<file path=ppt/slides/slide14.xml><?xml version="1.0" encoding="utf-8"?>
 <p:sld xmlns:a="http://schemas.openxmlformats.org/drawingml/2006/main" xmlns:r="http://schemas.openxmlformats.org/officeDocument/2006/relationships" xmlns:p="http://schemas.openxmlformats.org/presentationml/2006/main">
   <p:cSld>
     <p:spTree>
@@ -9528,7 +9902,7 @@
 </p:sld>
 </file>
 
-<file path=ppt/slides/slide14.xml><?xml version="1.0" encoding="utf-8"?>
+<file path=ppt/slides/slide15.xml><?xml version="1.0" encoding="utf-8"?>
 <p:sld xmlns:a="http://schemas.openxmlformats.org/drawingml/2006/main" xmlns:r="http://schemas.openxmlformats.org/officeDocument/2006/relationships" xmlns:p="http://schemas.openxmlformats.org/presentationml/2006/main">
   <p:cSld>
     <p:spTree>
@@ -9761,7 +10135,7 @@
 </p:sld>
 </file>
 
-<file path=ppt/slides/slide15.xml><?xml version="1.0" encoding="utf-8"?>
+<file path=ppt/slides/slide16.xml><?xml version="1.0" encoding="utf-8"?>
 <p:sld xmlns:a="http://schemas.openxmlformats.org/drawingml/2006/main" xmlns:r="http://schemas.openxmlformats.org/officeDocument/2006/relationships" xmlns:p="http://schemas.openxmlformats.org/presentationml/2006/main">
   <p:cSld>
     <p:spTree>
@@ -9795,7 +10169,7 @@
           <a:p>
             <a:r>
               <a:rPr lang="en-GB" dirty="0" smtClean="0"/>
-              <a:t>More on “loops”</a:t>
+              <a:t>“Loops”</a:t>
             </a:r>
             <a:endParaRPr lang="en-US" dirty="0"/>
           </a:p>
@@ -9826,26 +10200,26 @@
               <a:buNone/>
             </a:pPr>
             <a:r>
-              <a:rPr lang="en" dirty="0" smtClean="0"/>
+              <a:rPr lang="en" sz="2000" dirty="0" smtClean="0"/>
               <a:t>Loops are where we want to </a:t>
             </a:r>
             <a:r>
-              <a:rPr lang="en" b="1" dirty="0" smtClean="0"/>
+              <a:rPr lang="en" sz="2000" b="1" dirty="0" smtClean="0"/>
               <a:t>repeat</a:t>
             </a:r>
             <a:r>
-              <a:rPr lang="en" dirty="0" smtClean="0"/>
+              <a:rPr lang="en" sz="2000" dirty="0" smtClean="0"/>
               <a:t> </a:t>
             </a:r>
             <a:r>
-              <a:rPr lang="en" dirty="0"/>
+              <a:rPr lang="en" sz="2000" dirty="0"/>
               <a:t>something a number of </a:t>
             </a:r>
             <a:r>
-              <a:rPr lang="en" dirty="0" smtClean="0"/>
+              <a:rPr lang="en" sz="2000" dirty="0" smtClean="0"/>
               <a:t>times.</a:t>
             </a:r>
-            <a:endParaRPr lang="en" dirty="0"/>
+            <a:endParaRPr lang="en" sz="2000" dirty="0"/>
           </a:p>
           <a:p>
             <a:pPr marL="38100" lvl="0" indent="0">
@@ -9856,43 +10230,43 @@
               <a:buNone/>
             </a:pPr>
             <a:r>
-              <a:rPr lang="en" dirty="0" smtClean="0"/>
+              <a:rPr lang="en" sz="2000" dirty="0" smtClean="0"/>
               <a:t>You may </a:t>
             </a:r>
             <a:r>
-              <a:rPr lang="en" dirty="0"/>
+              <a:rPr lang="en" sz="2000" dirty="0"/>
               <a:t>hear the word “</a:t>
             </a:r>
             <a:r>
-              <a:rPr lang="en" dirty="0" smtClean="0"/>
+              <a:rPr lang="en" sz="2000" dirty="0" smtClean="0"/>
               <a:t>Iteration” used to describe a repetition.</a:t>
             </a:r>
           </a:p>
           <a:p>
-            <a:endParaRPr lang="en-GB" dirty="0" smtClean="0"/>
+            <a:endParaRPr lang="en-GB" sz="2000" dirty="0" smtClean="0"/>
           </a:p>
           <a:p>
             <a:pPr marL="0" indent="0">
               <a:buNone/>
             </a:pPr>
             <a:r>
-              <a:rPr lang="en-GB" b="1" dirty="0" smtClean="0"/>
+              <a:rPr lang="en-GB" sz="2000" b="1" dirty="0" smtClean="0"/>
               <a:t>In </a:t>
             </a:r>
             <a:r>
-              <a:rPr lang="en-GB" b="1" dirty="0" err="1" smtClean="0"/>
+              <a:rPr lang="en-GB" sz="2000" b="1" dirty="0" err="1" smtClean="0"/>
               <a:t>PsychoPy</a:t>
             </a:r>
             <a:r>
-              <a:rPr lang="en-GB" b="1" dirty="0" smtClean="0"/>
-              <a:t> we want to present stimuli or trials</a:t>
+              <a:rPr lang="en-GB" sz="2000" b="1" dirty="0" smtClean="0"/>
+              <a:t> we mostly want to present stimuli or trials</a:t>
             </a:r>
           </a:p>
           <a:p>
             <a:pPr marL="0" indent="0">
               <a:buNone/>
             </a:pPr>
-            <a:endParaRPr lang="en-GB" b="1" dirty="0" smtClean="0"/>
+            <a:endParaRPr lang="en-GB" sz="2000" b="1" dirty="0" smtClean="0"/>
           </a:p>
           <a:p>
             <a:pPr>
@@ -9900,8 +10274,8 @@
               <a:buChar char="§"/>
             </a:pPr>
             <a:r>
-              <a:rPr lang="en-GB" dirty="0" smtClean="0"/>
-              <a:t>Often routines are repeated using a Loop</a:t>
+              <a:rPr lang="en-GB" sz="2000" dirty="0" smtClean="0"/>
+              <a:t>Often routines are repeated using a “Loop”</a:t>
             </a:r>
           </a:p>
           <a:p>
@@ -9910,12 +10284,16 @@
               <a:buChar char="§"/>
             </a:pPr>
             <a:r>
-              <a:rPr lang="en-GB" dirty="0" smtClean="0"/>
-              <a:t>This usually to represent our </a:t>
-            </a:r>
-            <a:r>
-              <a:rPr lang="en-GB" b="1" dirty="0" smtClean="0"/>
-              <a:t>trials</a:t>
+              <a:rPr lang="en-GB" sz="2000" dirty="0" smtClean="0"/>
+              <a:t>This usually represents our </a:t>
+            </a:r>
+            <a:r>
+              <a:rPr lang="en-GB" sz="2000" b="1" dirty="0" smtClean="0"/>
+              <a:t>trials </a:t>
+            </a:r>
+            <a:r>
+              <a:rPr lang="en-GB" sz="2000" dirty="0" smtClean="0"/>
+              <a:t>for an experiment</a:t>
             </a:r>
           </a:p>
           <a:p>
@@ -9924,18 +10302,32 @@
               <a:buChar char="§"/>
             </a:pPr>
             <a:r>
-              <a:rPr lang="en-GB" dirty="0" smtClean="0"/>
-              <a:t>Text, Image or other components are repeated within our routine/s</a:t>
-            </a:r>
-          </a:p>
-          <a:p>
-            <a:pPr lvl="1">
-              <a:buFont typeface="Wingdings" panose="05000000000000000000" pitchFamily="2" charset="2"/>
-              <a:buChar char="§"/>
-            </a:pPr>
-            <a:r>
-              <a:rPr lang="en-GB" dirty="0" smtClean="0"/>
-              <a:t>Including their timelines and settings.</a:t>
+              <a:rPr lang="en-GB" sz="2000" b="1" dirty="0" smtClean="0"/>
+              <a:t>Text</a:t>
+            </a:r>
+            <a:r>
+              <a:rPr lang="en-GB" sz="2000" dirty="0" smtClean="0"/>
+              <a:t>, </a:t>
+            </a:r>
+            <a:r>
+              <a:rPr lang="en-GB" sz="2000" b="1" dirty="0" smtClean="0"/>
+              <a:t>Image</a:t>
+            </a:r>
+            <a:r>
+              <a:rPr lang="en-GB" sz="2000" dirty="0" smtClean="0"/>
+              <a:t> or other components are </a:t>
+            </a:r>
+            <a:r>
+              <a:rPr lang="en-GB" sz="2000" b="1" dirty="0" smtClean="0">
+                <a:solidFill>
+                  <a:srgbClr val="FF0000"/>
+                </a:solidFill>
+              </a:rPr>
+              <a:t>repeated </a:t>
+            </a:r>
+            <a:r>
+              <a:rPr lang="en-GB" sz="2000" dirty="0" smtClean="0"/>
+              <a:t>within our routine/s</a:t>
             </a:r>
           </a:p>
           <a:p>
@@ -9944,15 +10336,15 @@
               <a:buChar char="§"/>
             </a:pPr>
             <a:r>
-              <a:rPr lang="en-GB" dirty="0" smtClean="0"/>
+              <a:rPr lang="en-GB" sz="2000" dirty="0" smtClean="0"/>
               <a:t>But the actual text/image may need to change each time</a:t>
             </a:r>
             <a:r>
-              <a:rPr lang="en-GB" dirty="0"/>
+              <a:rPr lang="en-GB" sz="2000" dirty="0"/>
               <a:t> </a:t>
             </a:r>
             <a:r>
-              <a:rPr lang="en-GB" dirty="0" smtClean="0"/>
+              <a:rPr lang="en-GB" sz="2000" dirty="0" smtClean="0"/>
               <a:t>to represent trial stimuli.</a:t>
             </a:r>
           </a:p>
@@ -9976,11 +10368,40 @@
                   <a:srgbClr val="FF0000"/>
                 </a:solidFill>
               </a:rPr>
-              <a:t>But how?...</a:t>
-            </a:r>
-          </a:p>
-        </p:txBody>
-      </p:sp>
+              <a:t>How?...</a:t>
+            </a:r>
+          </a:p>
+        </p:txBody>
+      </p:sp>
+      <p:pic>
+        <p:nvPicPr>
+          <p:cNvPr id="4" name="Picture 3"/>
+          <p:cNvPicPr>
+            <a:picLocks noChangeAspect="1"/>
+          </p:cNvPicPr>
+          <p:nvPr/>
+        </p:nvPicPr>
+        <p:blipFill rotWithShape="1">
+          <a:blip r:embed="rId2">
+            <a:extLst>
+              <a:ext uri="{28A0092B-C50C-407E-A947-70E740481C1C}">
+                <a14:useLocalDpi xmlns:a14="http://schemas.microsoft.com/office/drawing/2010/main" val="0"/>
+              </a:ext>
+            </a:extLst>
+          </a:blip>
+          <a:srcRect l="33050" r="32088"/>
+          <a:stretch/>
+        </p:blipFill>
+        <p:spPr>
+          <a:xfrm>
+            <a:off x="2627784" y="689804"/>
+            <a:ext cx="1584177" cy="819264"/>
+          </a:xfrm>
+          <a:prstGeom prst="rect">
+            <a:avLst/>
+          </a:prstGeom>
+        </p:spPr>
+      </p:pic>
     </p:spTree>
     <p:extLst>
       <p:ext uri="{BB962C8B-B14F-4D97-AF65-F5344CB8AC3E}">
@@ -10001,7 +10422,7 @@
 </p:sld>
 </file>
 
-<file path=ppt/slides/slide16.xml><?xml version="1.0" encoding="utf-8"?>
+<file path=ppt/slides/slide17.xml><?xml version="1.0" encoding="utf-8"?>
 <p:sld xmlns:a="http://schemas.openxmlformats.org/drawingml/2006/main" xmlns:r="http://schemas.openxmlformats.org/officeDocument/2006/relationships" xmlns:p="http://schemas.openxmlformats.org/presentationml/2006/main">
   <p:cSld>
     <p:spTree>
@@ -10077,7 +10498,7 @@
             </a:pPr>
             <a:r>
               <a:rPr lang="en-GB" b="1" dirty="0" smtClean="0"/>
-              <a:t>Created in Excel or package that can create CSV files</a:t>
+              <a:t>Created in Excel or package that can create CSV files.</a:t>
             </a:r>
             <a:endParaRPr lang="en-GB" b="1" dirty="0"/>
           </a:p>
@@ -10101,7 +10522,28 @@
             </a:pPr>
             <a:r>
               <a:rPr lang="en-GB" dirty="0" smtClean="0"/>
-              <a:t>Headings refer to “attributes” that are created for us that we can use as our trial data</a:t>
+              <a:t>Headings refer to </a:t>
+            </a:r>
+            <a:r>
+              <a:rPr lang="en-GB" b="1" dirty="0" smtClean="0"/>
+              <a:t>“Attributes” </a:t>
+            </a:r>
+            <a:r>
+              <a:rPr lang="en-GB" dirty="0" smtClean="0"/>
+              <a:t>that are created for us that we can </a:t>
+            </a:r>
+          </a:p>
+          <a:p>
+            <a:pPr marL="38100" lvl="0" indent="0">
+              <a:buClr>
+                <a:schemeClr val="dk1"/>
+              </a:buClr>
+              <a:buSzPct val="166666"/>
+              <a:buNone/>
+            </a:pPr>
+            <a:r>
+              <a:rPr lang="en-GB" dirty="0" smtClean="0"/>
+              <a:t>use to pull in our trial data.</a:t>
             </a:r>
           </a:p>
           <a:p>
@@ -10431,7 +10873,7 @@
         <p:spPr>
           <a:xfrm>
             <a:off x="5076055" y="4887243"/>
-            <a:ext cx="2181011" cy="1277273"/>
+            <a:ext cx="2181011" cy="1785104"/>
           </a:xfrm>
           <a:prstGeom prst="rect">
             <a:avLst/>
@@ -10459,8 +10901,13 @@
             </a:r>
             <a:r>
               <a:rPr lang="en-GB" sz="1100" dirty="0" smtClean="0"/>
-              <a:t>”</a:t>
-            </a:r>
+              <a:t>” (or Python Variables).  These are CASE SENSITIVE</a:t>
+            </a:r>
+            <a:r>
+              <a:rPr lang="en-GB" sz="1100" dirty="0" smtClean="0"/>
+              <a:t>.  There should be NO WHITE SPACE!</a:t>
+            </a:r>
+            <a:endParaRPr lang="en-GB" sz="1100" dirty="0" smtClean="0"/>
           </a:p>
           <a:p>
             <a:pPr algn="ctr"/>
@@ -10686,7 +11133,7 @@
 </p:sld>
 </file>
 
-<file path=ppt/slides/slide17.xml><?xml version="1.0" encoding="utf-8"?>
+<file path=ppt/slides/slide18.xml><?xml version="1.0" encoding="utf-8"?>
 <p:sld xmlns:a="http://schemas.openxmlformats.org/drawingml/2006/main" xmlns:r="http://schemas.openxmlformats.org/officeDocument/2006/relationships" xmlns:p="http://schemas.openxmlformats.org/presentationml/2006/main">
   <p:cSld>
     <p:spTree>
@@ -10955,9 +11402,9 @@
           <p:nvPr/>
         </p:nvCxnSpPr>
         <p:spPr>
-          <a:xfrm>
-            <a:off x="1691680" y="1772816"/>
-            <a:ext cx="1440160" cy="0"/>
+          <a:xfrm flipV="1">
+            <a:off x="1583669" y="2112263"/>
+            <a:ext cx="1620179" cy="375582"/>
           </a:xfrm>
           <a:prstGeom prst="straightConnector1">
             <a:avLst/>
@@ -10992,7 +11439,7 @@
         </p:nvCxnSpPr>
         <p:spPr>
           <a:xfrm>
-            <a:off x="4211960" y="1772816"/>
+            <a:off x="3710114" y="2266741"/>
             <a:ext cx="1440160" cy="0"/>
           </a:xfrm>
           <a:prstGeom prst="straightConnector1">
@@ -11029,7 +11476,7 @@
         <p:spPr>
           <a:xfrm>
             <a:off x="1295636" y="3747840"/>
-            <a:ext cx="3168352" cy="1077218"/>
+            <a:ext cx="3168352" cy="1323439"/>
           </a:xfrm>
           <a:prstGeom prst="rect">
             <a:avLst/>
@@ -11061,7 +11508,7 @@
             </a:r>
             <a:r>
               <a:rPr lang="en-GB" sz="1600" dirty="0" smtClean="0"/>
-              <a:t> that we are using an attribute, which will contain data for our current trial</a:t>
+              <a:t> that we are using an attribute, which will contain data for our current trial from the Excel list.</a:t>
             </a:r>
           </a:p>
         </p:txBody>
@@ -11074,8 +11521,8 @@
         </p:nvSpPr>
         <p:spPr>
           <a:xfrm>
-            <a:off x="2195736" y="5383555"/>
-            <a:ext cx="4932549" cy="1323439"/>
+            <a:off x="971600" y="5383555"/>
+            <a:ext cx="6156685" cy="1323439"/>
           </a:xfrm>
           <a:prstGeom prst="rect">
             <a:avLst/>
@@ -11463,7 +11910,7 @@
 </p:sld>
 </file>
 
-<file path=ppt/slides/slide18.xml><?xml version="1.0" encoding="utf-8"?>
+<file path=ppt/slides/slide19.xml><?xml version="1.0" encoding="utf-8"?>
 <p:sld xmlns:a="http://schemas.openxmlformats.org/drawingml/2006/main" xmlns:r="http://schemas.openxmlformats.org/officeDocument/2006/relationships" xmlns:p="http://schemas.openxmlformats.org/presentationml/2006/main">
   <p:cSld>
     <p:spTree>
@@ -12510,322 +12957,6 @@
 </p:sld>
 </file>
 
-<file path=ppt/slides/slide19.xml><?xml version="1.0" encoding="utf-8"?>
-<p:sld xmlns:a="http://schemas.openxmlformats.org/drawingml/2006/main" xmlns:r="http://schemas.openxmlformats.org/officeDocument/2006/relationships" xmlns:p="http://schemas.openxmlformats.org/presentationml/2006/main">
-  <p:cSld>
-    <p:spTree>
-      <p:nvGrpSpPr>
-        <p:cNvPr id="1" name=""/>
-        <p:cNvGrpSpPr/>
-        <p:nvPr/>
-      </p:nvGrpSpPr>
-      <p:grpSpPr>
-        <a:xfrm>
-          <a:off x="0" y="0"/>
-          <a:ext cx="0" cy="0"/>
-          <a:chOff x="0" y="0"/>
-          <a:chExt cx="0" cy="0"/>
-        </a:xfrm>
-      </p:grpSpPr>
-      <p:sp>
-        <p:nvSpPr>
-          <p:cNvPr id="2" name="Title 1"/>
-          <p:cNvSpPr>
-            <a:spLocks noGrp="1"/>
-          </p:cNvSpPr>
-          <p:nvPr>
-            <p:ph type="title"/>
-          </p:nvPr>
-        </p:nvSpPr>
-        <p:spPr/>
-        <p:txBody>
-          <a:bodyPr/>
-          <a:lstStyle/>
-          <a:p>
-            <a:r>
-              <a:rPr lang="en-GB" dirty="0" smtClean="0"/>
-              <a:t>Some “</a:t>
-            </a:r>
-            <a:r>
-              <a:rPr lang="en-GB" dirty="0" err="1" smtClean="0"/>
-              <a:t>Gotchas</a:t>
-            </a:r>
-            <a:r>
-              <a:rPr lang="en-GB" dirty="0" smtClean="0"/>
-              <a:t>”</a:t>
-            </a:r>
-            <a:endParaRPr lang="en-US" dirty="0"/>
-          </a:p>
-        </p:txBody>
-      </p:sp>
-      <p:sp>
-        <p:nvSpPr>
-          <p:cNvPr id="3" name="Text Placeholder 2"/>
-          <p:cNvSpPr>
-            <a:spLocks noGrp="1"/>
-          </p:cNvSpPr>
-          <p:nvPr>
-            <p:ph type="body" idx="1"/>
-          </p:nvPr>
-        </p:nvSpPr>
-        <p:spPr/>
-        <p:txBody>
-          <a:bodyPr/>
-          <a:lstStyle/>
-          <a:p>
-            <a:pPr marL="0" lvl="1" indent="0">
-              <a:buNone/>
-            </a:pPr>
-            <a:r>
-              <a:rPr lang="en-GB" sz="2000" b="1" dirty="0" smtClean="0">
-                <a:solidFill>
-                  <a:schemeClr val="tx1"/>
-                </a:solidFill>
-              </a:rPr>
-              <a:t>1) Update properties</a:t>
-            </a:r>
-          </a:p>
-          <a:p>
-            <a:pPr marL="0" lvl="1" indent="0">
-              <a:buNone/>
-            </a:pPr>
-            <a:endParaRPr lang="en-GB" sz="1800" dirty="0" smtClean="0">
-              <a:solidFill>
-                <a:schemeClr val="tx1"/>
-              </a:solidFill>
-            </a:endParaRPr>
-          </a:p>
-          <a:p>
-            <a:pPr marL="0" lvl="1" indent="0">
-              <a:buNone/>
-            </a:pPr>
-            <a:r>
-              <a:rPr lang="en-GB" sz="1800" dirty="0" smtClean="0">
-                <a:solidFill>
-                  <a:schemeClr val="tx1"/>
-                </a:solidFill>
-              </a:rPr>
-              <a:t>It is key to set the properties where you have an attribute coming in from </a:t>
-            </a:r>
-            <a:r>
-              <a:rPr lang="en-GB" sz="1800" b="1" dirty="0" smtClean="0">
-                <a:solidFill>
-                  <a:schemeClr val="tx1"/>
-                </a:solidFill>
-              </a:rPr>
-              <a:t>“Constant” </a:t>
-            </a:r>
-            <a:r>
-              <a:rPr lang="en-GB" sz="1800" dirty="0" smtClean="0">
-                <a:solidFill>
-                  <a:schemeClr val="tx1"/>
-                </a:solidFill>
-              </a:rPr>
-              <a:t>(never changes) to </a:t>
-            </a:r>
-            <a:r>
-              <a:rPr lang="en-GB" sz="1800" b="1" dirty="0">
-                <a:solidFill>
-                  <a:schemeClr val="tx1"/>
-                </a:solidFill>
-              </a:rPr>
-              <a:t>“Set every repeat” </a:t>
-            </a:r>
-            <a:r>
-              <a:rPr lang="en-GB" sz="1800" dirty="0" smtClean="0">
-                <a:solidFill>
-                  <a:schemeClr val="tx1"/>
-                </a:solidFill>
-              </a:rPr>
-              <a:t>= (update </a:t>
-            </a:r>
-            <a:r>
-              <a:rPr lang="en-GB" sz="1800" dirty="0">
-                <a:solidFill>
-                  <a:schemeClr val="tx1"/>
-                </a:solidFill>
-              </a:rPr>
-              <a:t>and change on every </a:t>
-            </a:r>
-            <a:r>
-              <a:rPr lang="en-GB" sz="1800" dirty="0" smtClean="0">
-                <a:solidFill>
-                  <a:schemeClr val="tx1"/>
-                </a:solidFill>
-              </a:rPr>
-              <a:t>repetition/trial/loop).  Keeping as Constant will cause an error!</a:t>
-            </a:r>
-          </a:p>
-          <a:p>
-            <a:pPr marL="0" lvl="1" indent="0">
-              <a:buNone/>
-            </a:pPr>
-            <a:endParaRPr lang="en-GB" sz="1800" dirty="0">
-              <a:solidFill>
-                <a:schemeClr val="tx1"/>
-              </a:solidFill>
-            </a:endParaRPr>
-          </a:p>
-          <a:p>
-            <a:pPr marL="0" lvl="1" indent="0">
-              <a:buNone/>
-            </a:pPr>
-            <a:r>
-              <a:rPr lang="en-GB" sz="1400" dirty="0" smtClean="0">
-                <a:solidFill>
-                  <a:schemeClr val="tx1"/>
-                </a:solidFill>
-              </a:rPr>
-              <a:t>NOTE: The </a:t>
-            </a:r>
-            <a:r>
-              <a:rPr lang="en-GB" sz="1400" b="1" dirty="0" smtClean="0">
-                <a:solidFill>
-                  <a:schemeClr val="tx1"/>
-                </a:solidFill>
-              </a:rPr>
-              <a:t>“Set every frame” option updates </a:t>
-            </a:r>
-            <a:r>
-              <a:rPr lang="en-GB" sz="1400" dirty="0" smtClean="0">
-                <a:solidFill>
-                  <a:schemeClr val="tx1"/>
-                </a:solidFill>
-              </a:rPr>
-              <a:t>component at every single screen refresh</a:t>
-            </a:r>
-          </a:p>
-          <a:p>
-            <a:pPr marL="0" lvl="1" indent="0">
-              <a:buNone/>
-            </a:pPr>
-            <a:r>
-              <a:rPr lang="en-GB" sz="1400" b="1" dirty="0" smtClean="0">
-                <a:solidFill>
-                  <a:schemeClr val="tx1"/>
-                </a:solidFill>
-              </a:rPr>
-              <a:t>= Overkill!</a:t>
-            </a:r>
-            <a:endParaRPr lang="en-GB" sz="1800" b="1" dirty="0" smtClean="0">
-              <a:solidFill>
-                <a:schemeClr val="tx1"/>
-              </a:solidFill>
-            </a:endParaRPr>
-          </a:p>
-          <a:p>
-            <a:pPr marL="0" indent="0">
-              <a:buNone/>
-            </a:pPr>
-            <a:endParaRPr lang="en-GB" dirty="0">
-              <a:solidFill>
-                <a:schemeClr val="tx1"/>
-              </a:solidFill>
-            </a:endParaRPr>
-          </a:p>
-          <a:p>
-            <a:pPr marL="0" indent="0">
-              <a:buNone/>
-            </a:pPr>
-            <a:endParaRPr lang="en-GB" sz="2000" b="1" dirty="0" smtClean="0">
-              <a:solidFill>
-                <a:schemeClr val="tx1"/>
-              </a:solidFill>
-            </a:endParaRPr>
-          </a:p>
-          <a:p>
-            <a:pPr marL="0" indent="0">
-              <a:buNone/>
-            </a:pPr>
-            <a:r>
-              <a:rPr lang="en-GB" sz="2000" b="1" dirty="0" smtClean="0">
-                <a:solidFill>
-                  <a:schemeClr val="tx1"/>
-                </a:solidFill>
-              </a:rPr>
-              <a:t>2) Making updates to the data file </a:t>
-            </a:r>
-            <a:r>
-              <a:rPr lang="en-GB" sz="2000" dirty="0" smtClean="0">
-                <a:solidFill>
-                  <a:schemeClr val="tx1"/>
-                </a:solidFill>
-              </a:rPr>
-              <a:t>(</a:t>
-            </a:r>
-            <a:r>
-              <a:rPr lang="en-GB" sz="2000" dirty="0" err="1" smtClean="0">
-                <a:solidFill>
-                  <a:schemeClr val="tx1"/>
-                </a:solidFill>
-              </a:rPr>
-              <a:t>i.e</a:t>
-            </a:r>
-            <a:r>
-              <a:rPr lang="en-GB" sz="2000" dirty="0" smtClean="0">
-                <a:solidFill>
-                  <a:schemeClr val="tx1"/>
-                </a:solidFill>
-              </a:rPr>
-              <a:t> new columns)</a:t>
-            </a:r>
-          </a:p>
-          <a:p>
-            <a:pPr marL="457200" lvl="1" indent="0">
-              <a:buNone/>
-            </a:pPr>
-            <a:endParaRPr lang="en-GB" sz="1800" b="1" dirty="0">
-              <a:solidFill>
-                <a:srgbClr val="7030A0"/>
-              </a:solidFill>
-            </a:endParaRPr>
-          </a:p>
-          <a:p>
-            <a:pPr marL="0" lvl="0" indent="0">
-              <a:buNone/>
-            </a:pPr>
-            <a:r>
-              <a:rPr lang="en-GB" dirty="0"/>
-              <a:t>When a trial list is updated with new columns, you </a:t>
-            </a:r>
-            <a:r>
-              <a:rPr lang="en-GB" b="1" dirty="0"/>
-              <a:t>must re-attach the CSV file.   </a:t>
-            </a:r>
-            <a:r>
-              <a:rPr lang="en-GB" dirty="0"/>
-              <a:t>This is so </a:t>
-            </a:r>
-            <a:r>
-              <a:rPr lang="en-GB" dirty="0" err="1"/>
-              <a:t>PsychoPy</a:t>
-            </a:r>
-            <a:r>
-              <a:rPr lang="en-GB" dirty="0"/>
-              <a:t> will pick up the new attributes you add!</a:t>
-            </a:r>
-          </a:p>
-          <a:p>
-            <a:pPr marL="0" indent="0">
-              <a:buNone/>
-            </a:pPr>
-            <a:endParaRPr lang="en-US" dirty="0"/>
-          </a:p>
-        </p:txBody>
-      </p:sp>
-    </p:spTree>
-    <p:extLst>
-      <p:ext uri="{BB962C8B-B14F-4D97-AF65-F5344CB8AC3E}">
-        <p14:creationId xmlns:p14="http://schemas.microsoft.com/office/powerpoint/2010/main" val="3331521809"/>
-      </p:ext>
-    </p:extLst>
-  </p:cSld>
-  <p:clrMapOvr>
-    <a:masterClrMapping/>
-  </p:clrMapOvr>
-</p:sld>
-</file>
-
 <file path=ppt/slides/slide2.xml><?xml version="1.0" encoding="utf-8"?>
 <p:sld xmlns:a="http://schemas.openxmlformats.org/drawingml/2006/main" xmlns:r="http://schemas.openxmlformats.org/officeDocument/2006/relationships" xmlns:p="http://schemas.openxmlformats.org/presentationml/2006/main">
   <p:cSld>
@@ -12860,7 +12991,7 @@
           <a:p>
             <a:r>
               <a:rPr lang="en-GB" dirty="0" smtClean="0"/>
-              <a:t>Learning outcomes from training</a:t>
+              <a:t>First of all</a:t>
             </a:r>
             <a:endParaRPr lang="en-US" dirty="0"/>
           </a:p>
@@ -12885,174 +13016,149 @@
               <a:buNone/>
             </a:pPr>
             <a:r>
-              <a:rPr lang="en-US" b="1" dirty="0"/>
-              <a:t>At the end of this session you will be familiar with</a:t>
-            </a:r>
-            <a:r>
-              <a:rPr lang="en-US" b="1" dirty="0" smtClean="0"/>
-              <a:t>:</a:t>
-            </a:r>
-          </a:p>
-          <a:p>
-            <a:pPr marL="0" indent="0">
-              <a:buNone/>
-            </a:pPr>
-            <a:endParaRPr lang="en-US" dirty="0"/>
-          </a:p>
-          <a:p>
-            <a:r>
-              <a:rPr lang="en-US" dirty="0"/>
-              <a:t>What </a:t>
-            </a:r>
-            <a:r>
-              <a:rPr lang="en-US" dirty="0" err="1" smtClean="0"/>
-              <a:t>PsychoPy</a:t>
-            </a:r>
-            <a:r>
-              <a:rPr lang="en-US" dirty="0" smtClean="0"/>
-              <a:t> </a:t>
-            </a:r>
-            <a:r>
-              <a:rPr lang="en-US" dirty="0"/>
-              <a:t>and some similar applications can be used for.</a:t>
-            </a:r>
-          </a:p>
-          <a:p>
-            <a:r>
-              <a:rPr lang="en-US" dirty="0"/>
-              <a:t>The </a:t>
-            </a:r>
-            <a:r>
-              <a:rPr lang="en-US" dirty="0" err="1" smtClean="0"/>
-              <a:t>PsychoPy</a:t>
-            </a:r>
-            <a:r>
-              <a:rPr lang="en-US" dirty="0" smtClean="0"/>
-              <a:t> </a:t>
-            </a:r>
-            <a:r>
-              <a:rPr lang="en-US" dirty="0"/>
-              <a:t>programming environment</a:t>
-            </a:r>
-          </a:p>
-          <a:p>
-            <a:r>
-              <a:rPr lang="en-US" dirty="0"/>
-              <a:t>The flow of an </a:t>
-            </a:r>
-            <a:r>
-              <a:rPr lang="en-US" dirty="0" err="1" smtClean="0"/>
-              <a:t>PsychoPy</a:t>
-            </a:r>
-            <a:r>
-              <a:rPr lang="en-US" dirty="0" smtClean="0"/>
-              <a:t> </a:t>
-            </a:r>
-            <a:r>
-              <a:rPr lang="en-US" dirty="0"/>
-              <a:t>experiment</a:t>
-            </a:r>
-          </a:p>
-          <a:p>
-            <a:r>
-              <a:rPr lang="en-US" dirty="0"/>
-              <a:t>The display objects and their response objects</a:t>
-            </a:r>
-          </a:p>
-          <a:p>
-            <a:r>
-              <a:rPr lang="en-US" dirty="0" smtClean="0"/>
-              <a:t>Routines and Loops</a:t>
+              <a:rPr lang="en-GB" b="1" dirty="0" smtClean="0"/>
+              <a:t>Download materials for today</a:t>
+            </a:r>
+          </a:p>
+          <a:p>
+            <a:endParaRPr lang="en-GB" dirty="0" smtClean="0"/>
+          </a:p>
+          <a:p>
+            <a:r>
+              <a:rPr lang="en-GB" dirty="0" smtClean="0"/>
+              <a:t>Download the materials from SP850 (zip file)</a:t>
+            </a:r>
+          </a:p>
+          <a:p>
+            <a:r>
+              <a:rPr lang="en-GB" dirty="0" smtClean="0"/>
+              <a:t>Or for those not on SP850 from here:</a:t>
             </a:r>
           </a:p>
           <a:p>
             <a:pPr lvl="1"/>
-            <a:endParaRPr lang="en-US" dirty="0"/>
-          </a:p>
-          <a:p>
-            <a:pPr marL="0" indent="0">
-              <a:buNone/>
-            </a:pPr>
-            <a:r>
-              <a:rPr lang="en-US" b="1" dirty="0"/>
-              <a:t>At the end of the session you will be able to</a:t>
-            </a:r>
-            <a:r>
-              <a:rPr lang="en-US" b="1" dirty="0" smtClean="0"/>
-              <a:t>:</a:t>
-            </a:r>
-          </a:p>
-          <a:p>
-            <a:pPr marL="0" indent="0">
-              <a:buNone/>
-            </a:pPr>
-            <a:endParaRPr lang="en-US" dirty="0"/>
-          </a:p>
-          <a:p>
-            <a:r>
-              <a:rPr lang="en-GB" dirty="0" smtClean="0"/>
-              <a:t>Get yourself around the </a:t>
-            </a:r>
-            <a:r>
-              <a:rPr lang="en-GB" dirty="0" err="1" smtClean="0"/>
-              <a:t>PsychoPy</a:t>
-            </a:r>
-            <a:r>
-              <a:rPr lang="en-GB" dirty="0" smtClean="0"/>
-              <a:t> basic interface</a:t>
-            </a:r>
-          </a:p>
-          <a:p>
-            <a:r>
-              <a:rPr lang="en-GB" dirty="0" smtClean="0"/>
-              <a:t>Run experiments</a:t>
-            </a:r>
-            <a:endParaRPr lang="en-US" dirty="0" smtClean="0"/>
-          </a:p>
-          <a:p>
-            <a:r>
-              <a:rPr lang="en-US" dirty="0" smtClean="0"/>
-              <a:t>Do </a:t>
-            </a:r>
-            <a:r>
-              <a:rPr lang="en-US" dirty="0"/>
-              <a:t>basic editing on a pre-existing </a:t>
-            </a:r>
-            <a:r>
-              <a:rPr lang="en-US" dirty="0" smtClean="0"/>
-              <a:t>experiment</a:t>
-            </a:r>
-          </a:p>
-          <a:p>
-            <a:r>
-              <a:rPr lang="en-GB" dirty="0" smtClean="0"/>
-              <a:t>Be prepared for the next session</a:t>
-            </a:r>
-            <a:endParaRPr lang="en-US" dirty="0"/>
-          </a:p>
-          <a:p>
-            <a:pPr lvl="1"/>
-            <a:endParaRPr lang="en-US" dirty="0"/>
+            <a:r>
+              <a:rPr lang="en-US" dirty="0">
+                <a:hlinkClick r:id="rId2"/>
+              </a:rPr>
+              <a:t>http://</a:t>
+            </a:r>
+            <a:r>
+              <a:rPr lang="en-US" dirty="0" smtClean="0">
+                <a:hlinkClick r:id="rId2"/>
+              </a:rPr>
+              <a:t>www.kent.ac.uk/psychology/technical/part1.zip</a:t>
+            </a:r>
+            <a:endParaRPr lang="en-GB" dirty="0" smtClean="0"/>
+          </a:p>
+          <a:p>
+            <a:pPr marL="57150" indent="0">
+              <a:buNone/>
+            </a:pPr>
+            <a:endParaRPr lang="en-GB" dirty="0" smtClean="0"/>
+          </a:p>
+          <a:p>
+            <a:pPr marL="57150" indent="0">
+              <a:buNone/>
+            </a:pPr>
+            <a:endParaRPr lang="en-GB" dirty="0" smtClean="0"/>
+          </a:p>
+          <a:p>
+            <a:pPr marL="57150" indent="0">
+              <a:buNone/>
+            </a:pPr>
+            <a:endParaRPr lang="en-GB" dirty="0" smtClean="0"/>
+          </a:p>
+          <a:p>
+            <a:pPr marL="57150" indent="0">
+              <a:buNone/>
+            </a:pPr>
+            <a:r>
+              <a:rPr lang="en-GB" sz="3200" dirty="0" smtClean="0">
+                <a:solidFill>
+                  <a:srgbClr val="FF0000"/>
+                </a:solidFill>
+              </a:rPr>
+              <a:t>WARNING!!</a:t>
+            </a:r>
+          </a:p>
+          <a:p>
+            <a:pPr marL="57150" indent="0">
+              <a:buNone/>
+            </a:pPr>
+            <a:endParaRPr lang="en-GB" dirty="0">
+              <a:solidFill>
+                <a:srgbClr val="FF0000"/>
+              </a:solidFill>
+            </a:endParaRPr>
+          </a:p>
+          <a:p>
+            <a:pPr marL="57150" indent="0">
+              <a:buNone/>
+            </a:pPr>
+            <a:r>
+              <a:rPr lang="en-GB" dirty="0" smtClean="0">
+                <a:solidFill>
+                  <a:schemeClr val="tx1"/>
+                </a:solidFill>
+              </a:rPr>
+              <a:t>You must unzip the file first </a:t>
+            </a:r>
+            <a:r>
+              <a:rPr lang="en-GB" dirty="0" smtClean="0">
+                <a:solidFill>
+                  <a:schemeClr val="tx1"/>
+                </a:solidFill>
+              </a:rPr>
+              <a:t>by right clicking </a:t>
+            </a:r>
+            <a:endParaRPr lang="en-GB" dirty="0" smtClean="0">
+              <a:solidFill>
+                <a:schemeClr val="tx1"/>
+              </a:solidFill>
+            </a:endParaRPr>
+          </a:p>
+          <a:p>
+            <a:pPr marL="57150" indent="0">
+              <a:buNone/>
+            </a:pPr>
+            <a:r>
+              <a:rPr lang="en-GB" dirty="0" smtClean="0">
+                <a:solidFill>
+                  <a:schemeClr val="tx1"/>
+                </a:solidFill>
+              </a:rPr>
+              <a:t>and </a:t>
+            </a:r>
+            <a:r>
+              <a:rPr lang="en-GB" dirty="0" smtClean="0">
+                <a:solidFill>
+                  <a:schemeClr val="tx1"/>
+                </a:solidFill>
+              </a:rPr>
+              <a:t>selecting “Extract all</a:t>
+            </a:r>
+            <a:r>
+              <a:rPr lang="en-GB" dirty="0" smtClean="0">
+                <a:solidFill>
+                  <a:schemeClr val="tx1"/>
+                </a:solidFill>
+              </a:rPr>
+              <a:t>”.</a:t>
+            </a:r>
           </a:p>
         </p:txBody>
       </p:sp>
     </p:spTree>
     <p:extLst>
       <p:ext uri="{BB962C8B-B14F-4D97-AF65-F5344CB8AC3E}">
-        <p14:creationId xmlns:p14="http://schemas.microsoft.com/office/powerpoint/2010/main" val="1651248392"/>
+        <p14:creationId xmlns:p14="http://schemas.microsoft.com/office/powerpoint/2010/main" val="1081166787"/>
       </p:ext>
     </p:extLst>
   </p:cSld>
   <p:clrMapOvr>
     <a:masterClrMapping/>
   </p:clrMapOvr>
-  <p:timing>
-    <p:tnLst>
-      <p:par>
-        <p:cTn id="1" dur="indefinite" restart="never" nodeType="tmRoot"/>
-      </p:par>
-    </p:tnLst>
-  </p:timing>
 </p:sld>
 </file>
 
@@ -13085,55 +13191,22 @@
         </p:nvSpPr>
         <p:spPr/>
         <p:txBody>
-          <a:bodyPr>
-            <a:normAutofit fontScale="90000"/>
-          </a:bodyPr>
+          <a:bodyPr/>
           <a:lstStyle/>
           <a:p>
             <a:r>
               <a:rPr lang="en-GB" dirty="0" smtClean="0"/>
-              <a:t>Exercise 2:</a:t>
-            </a:r>
-            <a:br>
+              <a:t>Some “</a:t>
+            </a:r>
+            <a:r>
+              <a:rPr lang="en-GB" dirty="0" err="1" smtClean="0"/>
+              <a:t>Gotchas</a:t>
+            </a:r>
+            <a:r>
               <a:rPr lang="en-GB" dirty="0" smtClean="0"/>
-            </a:br>
-            <a:r>
-              <a:rPr lang="en-GB" dirty="0" smtClean="0">
-                <a:solidFill>
-                  <a:schemeClr val="accent1">
-                    <a:lumMod val="50000"/>
-                  </a:schemeClr>
-                </a:solidFill>
-              </a:rPr>
-              <a:t>Modify the </a:t>
-            </a:r>
-            <a:r>
-              <a:rPr lang="en-GB" dirty="0" err="1" smtClean="0">
-                <a:solidFill>
-                  <a:schemeClr val="accent1">
-                    <a:lumMod val="50000"/>
-                  </a:schemeClr>
-                </a:solidFill>
-              </a:rPr>
-              <a:t>Stroop</a:t>
-            </a:r>
-            <a:r>
-              <a:rPr lang="en-GB" dirty="0" smtClean="0">
-                <a:solidFill>
-                  <a:schemeClr val="accent1">
-                    <a:lumMod val="50000"/>
-                  </a:schemeClr>
-                </a:solidFill>
-              </a:rPr>
-              <a:t> demo</a:t>
-            </a:r>
-            <a:endParaRPr lang="en-US" dirty="0">
-              <a:solidFill>
-                <a:schemeClr val="accent1">
-                  <a:lumMod val="50000"/>
-                </a:schemeClr>
-              </a:solidFill>
-            </a:endParaRPr>
+              <a:t>”</a:t>
+            </a:r>
+            <a:endParaRPr lang="en-US" dirty="0"/>
           </a:p>
         </p:txBody>
       </p:sp>
@@ -13149,225 +13222,329 @@
         </p:nvSpPr>
         <p:spPr/>
         <p:txBody>
-          <a:bodyPr>
-            <a:normAutofit/>
-          </a:bodyPr>
+          <a:bodyPr/>
           <a:lstStyle/>
           <a:p>
-            <a:pPr>
-              <a:buFont typeface="+mj-lt"/>
-              <a:buAutoNum type="arabicPeriod"/>
-            </a:pPr>
+            <a:pPr marL="0" lvl="1" indent="0">
+              <a:buNone/>
+            </a:pPr>
+            <a:r>
+              <a:rPr lang="en-GB" sz="2000" b="1" dirty="0" smtClean="0">
+                <a:solidFill>
+                  <a:schemeClr val="tx1"/>
+                </a:solidFill>
+              </a:rPr>
+              <a:t>1) Update properties</a:t>
+            </a:r>
+          </a:p>
+          <a:p>
+            <a:pPr marL="0" lvl="1" indent="0">
+              <a:buNone/>
+            </a:pPr>
+            <a:endParaRPr lang="en-GB" sz="1800" dirty="0" smtClean="0">
+              <a:solidFill>
+                <a:schemeClr val="tx1"/>
+              </a:solidFill>
+            </a:endParaRPr>
+          </a:p>
+          <a:p>
+            <a:pPr marL="0" lvl="1" indent="0">
+              <a:buNone/>
+            </a:pPr>
+            <a:r>
+              <a:rPr lang="en-GB" sz="1800" dirty="0" smtClean="0">
+                <a:solidFill>
+                  <a:schemeClr val="tx1"/>
+                </a:solidFill>
+              </a:rPr>
+              <a:t>It is key to set the properties where you have an attribute coming in from </a:t>
+            </a:r>
+            <a:r>
+              <a:rPr lang="en-GB" sz="1800" b="1" dirty="0" smtClean="0">
+                <a:solidFill>
+                  <a:schemeClr val="tx1"/>
+                </a:solidFill>
+              </a:rPr>
+              <a:t>“Constant” </a:t>
+            </a:r>
+            <a:r>
+              <a:rPr lang="en-GB" sz="1800" dirty="0" smtClean="0">
+                <a:solidFill>
+                  <a:schemeClr val="tx1"/>
+                </a:solidFill>
+              </a:rPr>
+              <a:t>(never changes) to </a:t>
+            </a:r>
+            <a:r>
+              <a:rPr lang="en-GB" sz="1800" b="1" dirty="0">
+                <a:solidFill>
+                  <a:schemeClr val="tx1"/>
+                </a:solidFill>
+              </a:rPr>
+              <a:t>“Set every repeat” </a:t>
+            </a:r>
+            <a:r>
+              <a:rPr lang="en-GB" sz="1800" dirty="0" smtClean="0">
+                <a:solidFill>
+                  <a:schemeClr val="tx1"/>
+                </a:solidFill>
+              </a:rPr>
+              <a:t>= (update </a:t>
+            </a:r>
+            <a:r>
+              <a:rPr lang="en-GB" sz="1800" dirty="0">
+                <a:solidFill>
+                  <a:schemeClr val="tx1"/>
+                </a:solidFill>
+              </a:rPr>
+              <a:t>and change on every </a:t>
+            </a:r>
+            <a:r>
+              <a:rPr lang="en-GB" sz="1800" dirty="0" smtClean="0">
+                <a:solidFill>
+                  <a:schemeClr val="tx1"/>
+                </a:solidFill>
+              </a:rPr>
+              <a:t>repetition/trial/loop).  Keeping as Constant will cause an error!</a:t>
+            </a:r>
+          </a:p>
+          <a:p>
+            <a:pPr marL="0" lvl="1" indent="0">
+              <a:buNone/>
+            </a:pPr>
+            <a:endParaRPr lang="en-GB" sz="1800" dirty="0">
+              <a:solidFill>
+                <a:schemeClr val="tx1"/>
+              </a:solidFill>
+            </a:endParaRPr>
+          </a:p>
+          <a:p>
+            <a:pPr marL="0" lvl="1" indent="0">
+              <a:buNone/>
+            </a:pPr>
+            <a:r>
+              <a:rPr lang="en-GB" sz="1400" dirty="0" smtClean="0">
+                <a:solidFill>
+                  <a:srgbClr val="FF0000"/>
+                </a:solidFill>
+              </a:rPr>
+              <a:t>NOTE: </a:t>
+            </a:r>
+            <a:r>
+              <a:rPr lang="en-GB" sz="1400" dirty="0" smtClean="0">
+                <a:solidFill>
+                  <a:schemeClr val="tx1"/>
+                </a:solidFill>
+              </a:rPr>
+              <a:t>The </a:t>
+            </a:r>
+            <a:r>
+              <a:rPr lang="en-GB" sz="1400" b="1" dirty="0" smtClean="0">
+                <a:solidFill>
+                  <a:schemeClr val="tx1"/>
+                </a:solidFill>
+              </a:rPr>
+              <a:t>“Set every frame” option updates </a:t>
+            </a:r>
+            <a:r>
+              <a:rPr lang="en-GB" sz="1400" dirty="0" smtClean="0">
+                <a:solidFill>
+                  <a:schemeClr val="tx1"/>
+                </a:solidFill>
+              </a:rPr>
+              <a:t>component at every single screen refresh</a:t>
+            </a:r>
+          </a:p>
+          <a:p>
+            <a:pPr marL="0" lvl="1" indent="0">
+              <a:buNone/>
+            </a:pPr>
+            <a:r>
+              <a:rPr lang="en-GB" sz="1400" b="1" dirty="0" smtClean="0">
+                <a:solidFill>
+                  <a:schemeClr val="tx1"/>
+                </a:solidFill>
+              </a:rPr>
+              <a:t>= Overkill!</a:t>
+            </a:r>
+            <a:endParaRPr lang="en-GB" sz="1800" b="1" dirty="0" smtClean="0">
+              <a:solidFill>
+                <a:schemeClr val="tx1"/>
+              </a:solidFill>
+            </a:endParaRPr>
+          </a:p>
+          <a:p>
+            <a:pPr marL="0" indent="0">
+              <a:buNone/>
+            </a:pPr>
+            <a:endParaRPr lang="en-GB" dirty="0">
+              <a:solidFill>
+                <a:schemeClr val="tx1"/>
+              </a:solidFill>
+            </a:endParaRPr>
+          </a:p>
+          <a:p>
+            <a:pPr marL="0" indent="0">
+              <a:buNone/>
+            </a:pPr>
+            <a:r>
+              <a:rPr lang="en-GB" sz="2000" b="1" dirty="0" smtClean="0">
+                <a:solidFill>
+                  <a:schemeClr val="tx1"/>
+                </a:solidFill>
+              </a:rPr>
+              <a:t>2) Making updates to the data file </a:t>
+            </a:r>
+            <a:r>
+              <a:rPr lang="en-GB" sz="2000" dirty="0" smtClean="0">
+                <a:solidFill>
+                  <a:schemeClr val="tx1"/>
+                </a:solidFill>
+              </a:rPr>
+              <a:t>(</a:t>
+            </a:r>
+            <a:r>
+              <a:rPr lang="en-GB" sz="2000" dirty="0" err="1" smtClean="0">
+                <a:solidFill>
+                  <a:schemeClr val="tx1"/>
+                </a:solidFill>
+              </a:rPr>
+              <a:t>i.e</a:t>
+            </a:r>
+            <a:r>
+              <a:rPr lang="en-GB" sz="2000" dirty="0" smtClean="0">
+                <a:solidFill>
+                  <a:schemeClr val="tx1"/>
+                </a:solidFill>
+              </a:rPr>
+              <a:t> new columns)</a:t>
+            </a:r>
+          </a:p>
+          <a:p>
+            <a:pPr marL="457200" lvl="1" indent="0">
+              <a:buNone/>
+            </a:pPr>
+            <a:endParaRPr lang="en-GB" sz="1800" b="1" dirty="0">
+              <a:solidFill>
+                <a:srgbClr val="7030A0"/>
+              </a:solidFill>
+            </a:endParaRPr>
+          </a:p>
+          <a:p>
+            <a:pPr marL="0" lvl="0" indent="0">
+              <a:buNone/>
+            </a:pPr>
+            <a:r>
+              <a:rPr lang="en-GB" dirty="0"/>
+              <a:t>When a trial list is updated with new columns, you </a:t>
+            </a:r>
             <a:r>
               <a:rPr lang="en-GB" dirty="0" smtClean="0"/>
-              <a:t>Open up </a:t>
-            </a:r>
-            <a:r>
-              <a:rPr lang="en-GB" dirty="0" smtClean="0">
-                <a:latin typeface="Courier New" panose="02070309020205020404" pitchFamily="49" charset="0"/>
-                <a:cs typeface="Courier New" panose="02070309020205020404" pitchFamily="49" charset="0"/>
+              <a:t>should </a:t>
+            </a:r>
+            <a:r>
+              <a:rPr lang="en-GB" b="1" dirty="0"/>
+              <a:t>re-attach the CSV file.   </a:t>
+            </a:r>
+            <a:r>
+              <a:rPr lang="en-GB" dirty="0"/>
+              <a:t>This </a:t>
+            </a:r>
+            <a:r>
+              <a:rPr lang="en-GB" dirty="0" smtClean="0"/>
+              <a:t>is to make sure </a:t>
+            </a:r>
+            <a:r>
+              <a:rPr lang="en-GB" dirty="0" err="1" smtClean="0"/>
+              <a:t>PsychoPy</a:t>
+            </a:r>
+            <a:r>
+              <a:rPr lang="en-GB" dirty="0" smtClean="0"/>
+              <a:t> picks </a:t>
+            </a:r>
+            <a:r>
+              <a:rPr lang="en-GB" dirty="0"/>
+              <a:t>up the new attributes you add</a:t>
+            </a:r>
+            <a:r>
+              <a:rPr lang="en-GB" dirty="0" smtClean="0"/>
+              <a:t>!</a:t>
+            </a:r>
+          </a:p>
+          <a:p>
+            <a:pPr marL="0" lvl="0" indent="0">
+              <a:buNone/>
+            </a:pPr>
+            <a:endParaRPr lang="en-GB" dirty="0"/>
+          </a:p>
+          <a:p>
+            <a:pPr marL="0" lvl="0" indent="0">
+              <a:buNone/>
+            </a:pPr>
+            <a:r>
+              <a:rPr lang="en-GB" sz="2000" b="1" dirty="0" smtClean="0">
+                <a:solidFill>
+                  <a:schemeClr val="tx1"/>
+                </a:solidFill>
               </a:rPr>
-              <a:t>/</a:t>
-            </a:r>
-            <a:r>
-              <a:rPr lang="en-GB" dirty="0" err="1" smtClean="0">
-                <a:latin typeface="Courier New" panose="02070309020205020404" pitchFamily="49" charset="0"/>
-                <a:cs typeface="Courier New" panose="02070309020205020404" pitchFamily="49" charset="0"/>
+              <a:t>3) Attributes are “</a:t>
+            </a:r>
+            <a:r>
+              <a:rPr lang="en-GB" sz="2000" b="1" dirty="0" err="1" smtClean="0">
+                <a:solidFill>
+                  <a:schemeClr val="tx1"/>
+                </a:solidFill>
               </a:rPr>
-              <a:t>stroop</a:t>
-            </a:r>
-            <a:r>
-              <a:rPr lang="en-GB" dirty="0" smtClean="0">
-                <a:latin typeface="Courier New" panose="02070309020205020404" pitchFamily="49" charset="0"/>
-                <a:cs typeface="Courier New" panose="02070309020205020404" pitchFamily="49" charset="0"/>
-              </a:rPr>
-              <a:t>/</a:t>
-            </a:r>
-            <a:r>
-              <a:rPr lang="en-GB" dirty="0" err="1" smtClean="0">
-                <a:latin typeface="Courier New" panose="02070309020205020404" pitchFamily="49" charset="0"/>
-                <a:cs typeface="Courier New" panose="02070309020205020404" pitchFamily="49" charset="0"/>
-              </a:rPr>
-              <a:t>stroop.psyexp</a:t>
-            </a:r>
-            <a:r>
-              <a:rPr lang="en-GB" dirty="0" smtClean="0">
-                <a:latin typeface="Courier New" panose="02070309020205020404" pitchFamily="49" charset="0"/>
-                <a:cs typeface="Courier New" panose="02070309020205020404" pitchFamily="49" charset="0"/>
+              <a:t>CaSe</a:t>
+            </a:r>
+            <a:r>
+              <a:rPr lang="en-GB" sz="2000" b="1" dirty="0" smtClean="0">
+                <a:solidFill>
+                  <a:schemeClr val="tx1"/>
+                </a:solidFill>
               </a:rPr>
               <a:t> </a:t>
             </a:r>
             <a:r>
-              <a:rPr lang="en-GB" dirty="0" smtClean="0"/>
-              <a:t>from Exercise 1</a:t>
-            </a:r>
-          </a:p>
-          <a:p>
-            <a:pPr>
-              <a:buFont typeface="+mj-lt"/>
-              <a:buAutoNum type="arabicPeriod"/>
-            </a:pPr>
-            <a:r>
-              <a:rPr lang="en-GB" dirty="0" smtClean="0"/>
-              <a:t>Change the intro text and the first line “</a:t>
-            </a:r>
-            <a:r>
-              <a:rPr lang="en-GB" b="1" dirty="0" smtClean="0"/>
-              <a:t>OK. Ready for the real thing?</a:t>
-            </a:r>
-            <a:r>
-              <a:rPr lang="en-GB" dirty="0" smtClean="0"/>
-              <a:t>” to “</a:t>
-            </a:r>
-            <a:r>
-              <a:rPr lang="en-GB" b="1" dirty="0" smtClean="0"/>
-              <a:t>Instructions</a:t>
-            </a:r>
-            <a:r>
-              <a:rPr lang="en-GB" dirty="0" smtClean="0"/>
-              <a:t>”</a:t>
-            </a:r>
-          </a:p>
-          <a:p>
-            <a:pPr>
-              <a:buFont typeface="+mj-lt"/>
-              <a:buAutoNum type="arabicPeriod"/>
-            </a:pPr>
-            <a:r>
-              <a:rPr lang="en-GB" dirty="0" smtClean="0"/>
-              <a:t>Update keyboard input from </a:t>
-            </a:r>
-            <a:r>
-              <a:rPr lang="en-GB" b="1" dirty="0" smtClean="0"/>
-              <a:t>“left”, “down”, “right” </a:t>
-            </a:r>
-            <a:r>
-              <a:rPr lang="en-GB" dirty="0" smtClean="0"/>
-              <a:t>to </a:t>
-            </a:r>
-            <a:r>
-              <a:rPr lang="en-GB" b="1" dirty="0" smtClean="0"/>
-              <a:t>“a”, “s”, “d”</a:t>
-            </a:r>
-          </a:p>
-          <a:p>
-            <a:pPr lvl="1">
-              <a:buFont typeface="Wingdings" panose="05000000000000000000" pitchFamily="2" charset="2"/>
-              <a:buChar char="§"/>
-            </a:pPr>
-            <a:r>
-              <a:rPr lang="en-GB" sz="1800" dirty="0" smtClean="0"/>
-              <a:t>Ensure you update the instructions</a:t>
-            </a:r>
-          </a:p>
-          <a:p>
-            <a:pPr>
-              <a:buFont typeface="+mj-lt"/>
-              <a:buAutoNum type="arabicPeriod"/>
-            </a:pPr>
-            <a:r>
-              <a:rPr lang="en-GB" dirty="0" smtClean="0"/>
-              <a:t>Add another 5 trials to the </a:t>
-            </a:r>
-            <a:r>
-              <a:rPr lang="en-GB" dirty="0" err="1" smtClean="0"/>
-              <a:t>Stroop</a:t>
-            </a:r>
-            <a:endParaRPr lang="en-GB" dirty="0" smtClean="0"/>
-          </a:p>
-          <a:p>
-            <a:pPr lvl="1">
-              <a:buFont typeface="Wingdings" panose="05000000000000000000" pitchFamily="2" charset="2"/>
-              <a:buChar char="§"/>
-            </a:pPr>
-            <a:r>
-              <a:rPr lang="en-GB" sz="1800" dirty="0" smtClean="0">
-                <a:cs typeface="Courier New" panose="02070309020205020404" pitchFamily="49" charset="0"/>
+              <a:rPr lang="en-GB" sz="2000" b="1" dirty="0" err="1" smtClean="0">
+                <a:solidFill>
+                  <a:schemeClr val="tx1"/>
+                </a:solidFill>
               </a:rPr>
-              <a:t>Edit the </a:t>
-            </a:r>
-            <a:r>
-              <a:rPr lang="en-GB" sz="1800" dirty="0" smtClean="0">
-                <a:latin typeface="Courier New" panose="02070309020205020404" pitchFamily="49" charset="0"/>
-                <a:cs typeface="Courier New" panose="02070309020205020404" pitchFamily="49" charset="0"/>
+              <a:t>SeNsItIvE</a:t>
+            </a:r>
+            <a:r>
+              <a:rPr lang="en-GB" sz="2000" b="1" dirty="0" smtClean="0">
+                <a:solidFill>
+                  <a:schemeClr val="tx1"/>
+                </a:solidFill>
               </a:rPr>
-              <a:t>trialTypes.xlsx </a:t>
-            </a:r>
-            <a:r>
-              <a:rPr lang="en-GB" sz="1800" dirty="0" smtClean="0"/>
-              <a:t>is where the source trial data is!</a:t>
-            </a:r>
-          </a:p>
-          <a:p>
-            <a:pPr>
-              <a:buFont typeface="+mj-lt"/>
-              <a:buAutoNum type="arabicPeriod"/>
-            </a:pPr>
-            <a:r>
-              <a:rPr lang="en-GB" dirty="0" smtClean="0"/>
-              <a:t>Try adding a new routine which will act as a title page for the experiment</a:t>
-            </a:r>
-          </a:p>
-          <a:p>
-            <a:pPr lvl="1">
-              <a:buFont typeface="Wingdings" panose="05000000000000000000" pitchFamily="2" charset="2"/>
-              <a:buChar char="§"/>
-            </a:pPr>
-            <a:r>
-              <a:rPr lang="en-GB" sz="1800" dirty="0" smtClean="0"/>
-              <a:t>HINT: the “instruct” routine should give you some clues</a:t>
-            </a:r>
-          </a:p>
-          <a:p>
-            <a:pPr lvl="1">
-              <a:buFont typeface="Wingdings" panose="05000000000000000000" pitchFamily="2" charset="2"/>
-              <a:buChar char="§"/>
-            </a:pPr>
-            <a:r>
-              <a:rPr lang="en-GB" sz="1800" dirty="0" smtClean="0"/>
-              <a:t>Look at the properties of the Text and Keyboard component and replicate</a:t>
-            </a:r>
-          </a:p>
-          <a:p>
-            <a:pPr>
-              <a:buFont typeface="+mj-lt"/>
-              <a:buAutoNum type="arabicPeriod"/>
-            </a:pPr>
-            <a:r>
-              <a:rPr lang="en-GB" dirty="0" smtClean="0"/>
-              <a:t>Re-Run and see what you get</a:t>
-            </a:r>
+              <a:t>” and must not contain white space!</a:t>
+            </a:r>
+            <a:endParaRPr lang="en-GB" sz="2000" b="1" dirty="0">
+              <a:solidFill>
+                <a:schemeClr val="tx1"/>
+              </a:solidFill>
+            </a:endParaRPr>
+          </a:p>
+          <a:p>
+            <a:pPr marL="0" indent="0">
+              <a:buNone/>
+            </a:pPr>
             <a:endParaRPr lang="en-US" dirty="0"/>
-          </a:p>
-          <a:p>
-            <a:pPr lvl="1">
-              <a:buFont typeface="Wingdings" panose="05000000000000000000" pitchFamily="2" charset="2"/>
-              <a:buChar char="§"/>
-            </a:pPr>
-            <a:r>
-              <a:rPr lang="en-GB" sz="1800" dirty="0" smtClean="0"/>
-              <a:t>Look at the result file, has your new data column come over?</a:t>
-            </a:r>
           </a:p>
         </p:txBody>
       </p:sp>
     </p:spTree>
     <p:extLst>
       <p:ext uri="{BB962C8B-B14F-4D97-AF65-F5344CB8AC3E}">
-        <p14:creationId xmlns:p14="http://schemas.microsoft.com/office/powerpoint/2010/main" val="1662202215"/>
+        <p14:creationId xmlns:p14="http://schemas.microsoft.com/office/powerpoint/2010/main" val="3331521809"/>
       </p:ext>
     </p:extLst>
   </p:cSld>
   <p:clrMapOvr>
     <a:masterClrMapping/>
   </p:clrMapOvr>
-  <p:timing>
-    <p:tnLst>
-      <p:par>
-        <p:cTn id="1" dur="indefinite" restart="never" nodeType="tmRoot"/>
-      </p:par>
-    </p:tnLst>
-  </p:timing>
 </p:sld>
 </file>
 
@@ -13400,14 +13577,55 @@
         </p:nvSpPr>
         <p:spPr/>
         <p:txBody>
-          <a:bodyPr/>
+          <a:bodyPr>
+            <a:normAutofit fontScale="90000"/>
+          </a:bodyPr>
           <a:lstStyle/>
           <a:p>
             <a:r>
               <a:rPr lang="en-GB" dirty="0" smtClean="0"/>
-              <a:t>Components - Part 2</a:t>
-            </a:r>
-            <a:endParaRPr lang="en-US" dirty="0"/>
+              <a:t>Exercise 2:</a:t>
+            </a:r>
+            <a:br>
+              <a:rPr lang="en-GB" dirty="0" smtClean="0"/>
+            </a:br>
+            <a:r>
+              <a:rPr lang="en-GB" dirty="0" smtClean="0">
+                <a:solidFill>
+                  <a:schemeClr val="accent1">
+                    <a:lumMod val="50000"/>
+                  </a:schemeClr>
+                </a:solidFill>
+              </a:rPr>
+              <a:t>Modify the </a:t>
+            </a:r>
+            <a:r>
+              <a:rPr lang="en-GB" dirty="0" err="1" smtClean="0">
+                <a:solidFill>
+                  <a:schemeClr val="accent1">
+                    <a:lumMod val="50000"/>
+                  </a:schemeClr>
+                </a:solidFill>
+              </a:rPr>
+              <a:t>Stroop</a:t>
+            </a:r>
+            <a:r>
+              <a:rPr lang="en-GB" dirty="0" smtClean="0">
+                <a:solidFill>
+                  <a:schemeClr val="accent1">
+                    <a:lumMod val="50000"/>
+                  </a:schemeClr>
+                </a:solidFill>
+              </a:rPr>
+              <a:t> demo</a:t>
+            </a:r>
+            <a:endParaRPr lang="en-US" dirty="0">
+              <a:solidFill>
+                <a:schemeClr val="accent1">
+                  <a:lumMod val="50000"/>
+                </a:schemeClr>
+              </a:solidFill>
+            </a:endParaRPr>
           </a:p>
         </p:txBody>
       </p:sp>
@@ -13421,255 +13639,234 @@
             <p:ph type="body" idx="1"/>
           </p:nvPr>
         </p:nvSpPr>
-        <p:spPr>
-          <a:xfrm>
-            <a:off x="487328" y="1417936"/>
-            <a:ext cx="8229600" cy="4967700"/>
-          </a:xfrm>
-        </p:spPr>
+        <p:spPr/>
         <p:txBody>
           <a:bodyPr>
-            <a:normAutofit fontScale="92500" lnSpcReduction="20000"/>
+            <a:normAutofit/>
           </a:bodyPr>
           <a:lstStyle/>
           <a:p>
-            <a:pPr marL="0" indent="0">
-              <a:buNone/>
-            </a:pPr>
-            <a:r>
-              <a:rPr lang="en-GB" dirty="0" smtClean="0"/>
-              <a:t>Overview of remaining components in brief.</a:t>
-            </a:r>
-          </a:p>
-          <a:p>
-            <a:pPr marL="0" indent="0">
-              <a:buNone/>
-            </a:pPr>
-            <a:endParaRPr lang="en-GB" dirty="0" smtClean="0"/>
-          </a:p>
-          <a:p>
-            <a:pPr marL="0" indent="0">
-              <a:buNone/>
-            </a:pPr>
-            <a:r>
-              <a:rPr lang="en-GB" dirty="0" smtClean="0"/>
-              <a:t>Stimuli:</a:t>
-            </a:r>
-          </a:p>
-          <a:p>
-            <a:r>
-              <a:rPr lang="en-GB" b="1" dirty="0" smtClean="0"/>
-              <a:t>Sound</a:t>
-            </a:r>
-            <a:r>
-              <a:rPr lang="en-GB" dirty="0" smtClean="0"/>
-              <a:t> – Playback of sound</a:t>
-            </a:r>
-          </a:p>
-          <a:p>
-            <a:r>
-              <a:rPr lang="en-GB" b="1" dirty="0" smtClean="0"/>
-              <a:t>Image</a:t>
-            </a:r>
-            <a:r>
-              <a:rPr lang="en-GB" dirty="0" smtClean="0"/>
-              <a:t> – Display of image</a:t>
-            </a:r>
-          </a:p>
-          <a:p>
-            <a:r>
-              <a:rPr lang="en-GB" b="1" dirty="0" smtClean="0"/>
-              <a:t>Aperture</a:t>
-            </a:r>
-            <a:r>
-              <a:rPr lang="en-GB" dirty="0" smtClean="0"/>
-              <a:t> – Add a circular effect onto image component</a:t>
-            </a:r>
-          </a:p>
-          <a:p>
-            <a:r>
-              <a:rPr lang="en-GB" b="1" dirty="0" smtClean="0"/>
-              <a:t>Grating</a:t>
-            </a:r>
-            <a:r>
-              <a:rPr lang="en-GB" dirty="0" smtClean="0"/>
-              <a:t> – Wrapped texture that can be cycled in 2 dimensions</a:t>
-            </a:r>
-          </a:p>
-          <a:p>
-            <a:r>
-              <a:rPr lang="en-GB" b="1" dirty="0" smtClean="0"/>
-              <a:t>Movie</a:t>
-            </a:r>
-            <a:r>
-              <a:rPr lang="en-GB" dirty="0" smtClean="0"/>
-              <a:t> – Playback of movie files</a:t>
-            </a:r>
-          </a:p>
-          <a:p>
-            <a:r>
-              <a:rPr lang="en-GB" b="1" dirty="0" smtClean="0"/>
-              <a:t>Dots</a:t>
-            </a:r>
-            <a:r>
-              <a:rPr lang="en-GB" dirty="0" smtClean="0"/>
-              <a:t> – Presentation of Random Dot </a:t>
-            </a:r>
-            <a:r>
-              <a:rPr lang="en-GB" dirty="0" err="1" smtClean="0"/>
-              <a:t>Kinematogram</a:t>
-            </a:r>
-            <a:r>
-              <a:rPr lang="en-GB" dirty="0" smtClean="0"/>
-              <a:t> to participants</a:t>
-            </a:r>
-          </a:p>
-          <a:p>
-            <a:r>
-              <a:rPr lang="en-GB" b="1" dirty="0" smtClean="0"/>
-              <a:t>Polygon</a:t>
-            </a:r>
-            <a:r>
-              <a:rPr lang="en-GB" dirty="0" smtClean="0"/>
-              <a:t> – Shape presentation of different sides (square, rectangle, octagon)</a:t>
-            </a:r>
-          </a:p>
-          <a:p>
-            <a:endParaRPr lang="en-GB" dirty="0" smtClean="0"/>
-          </a:p>
-          <a:p>
-            <a:pPr marL="0" indent="0">
-              <a:buNone/>
-            </a:pPr>
-            <a:r>
-              <a:rPr lang="en-GB" dirty="0" smtClean="0"/>
-              <a:t>Responses:</a:t>
-            </a:r>
-          </a:p>
-          <a:p>
-            <a:r>
-              <a:rPr lang="en-GB" b="1" dirty="0" smtClean="0"/>
-              <a:t>Mouse</a:t>
-            </a:r>
-            <a:r>
-              <a:rPr lang="en-GB" dirty="0" smtClean="0"/>
-              <a:t> – Take responses from the mouse</a:t>
-            </a:r>
-          </a:p>
-          <a:p>
-            <a:r>
-              <a:rPr lang="en-GB" b="1" dirty="0" smtClean="0"/>
-              <a:t>Mic</a:t>
-            </a:r>
-            <a:r>
-              <a:rPr lang="en-GB" dirty="0" smtClean="0"/>
-              <a:t> – Only records sound, doesn’t register response to sound</a:t>
-            </a:r>
-          </a:p>
-          <a:p>
-            <a:r>
-              <a:rPr lang="en-GB" b="1" dirty="0" smtClean="0"/>
-              <a:t>Scale</a:t>
-            </a:r>
-            <a:r>
-              <a:rPr lang="en-GB" dirty="0" smtClean="0"/>
-              <a:t> – Mouse friendly scale to choose a value</a:t>
-            </a:r>
-          </a:p>
-          <a:p>
-            <a:r>
-              <a:rPr lang="en-GB" b="1" dirty="0" err="1" smtClean="0"/>
-              <a:t>ioBox</a:t>
-            </a:r>
-            <a:r>
-              <a:rPr lang="en-GB" b="1" dirty="0" smtClean="0"/>
-              <a:t>, </a:t>
-            </a:r>
-            <a:r>
-              <a:rPr lang="en-GB" b="1" dirty="0" err="1" smtClean="0"/>
-              <a:t>Cedrus</a:t>
-            </a:r>
-            <a:r>
-              <a:rPr lang="en-GB" b="1" dirty="0"/>
+            <a:pPr>
+              <a:buFont typeface="+mj-lt"/>
+              <a:buAutoNum type="arabicPeriod"/>
+            </a:pPr>
+            <a:r>
+              <a:rPr lang="en-GB" sz="2000" dirty="0" smtClean="0"/>
+              <a:t>Open up </a:t>
+            </a:r>
+            <a:r>
+              <a:rPr lang="en-GB" sz="2000" dirty="0" smtClean="0">
+                <a:latin typeface="Courier New" panose="02070309020205020404" pitchFamily="49" charset="0"/>
+                <a:cs typeface="Courier New" panose="02070309020205020404" pitchFamily="49" charset="0"/>
+              </a:rPr>
+              <a:t>/</a:t>
+            </a:r>
+            <a:r>
+              <a:rPr lang="en-GB" sz="2000" dirty="0" err="1" smtClean="0">
+                <a:latin typeface="Courier New" panose="02070309020205020404" pitchFamily="49" charset="0"/>
+                <a:cs typeface="Courier New" panose="02070309020205020404" pitchFamily="49" charset="0"/>
+              </a:rPr>
+              <a:t>stroop</a:t>
+            </a:r>
+            <a:r>
+              <a:rPr lang="en-GB" sz="2000" dirty="0" smtClean="0">
+                <a:latin typeface="Courier New" panose="02070309020205020404" pitchFamily="49" charset="0"/>
+                <a:cs typeface="Courier New" panose="02070309020205020404" pitchFamily="49" charset="0"/>
+              </a:rPr>
+              <a:t>/</a:t>
+            </a:r>
+            <a:r>
+              <a:rPr lang="en-GB" sz="2000" dirty="0" err="1" smtClean="0">
+                <a:latin typeface="Courier New" panose="02070309020205020404" pitchFamily="49" charset="0"/>
+                <a:cs typeface="Courier New" panose="02070309020205020404" pitchFamily="49" charset="0"/>
+              </a:rPr>
+              <a:t>stroop.psyexp</a:t>
+            </a:r>
+            <a:r>
+              <a:rPr lang="en-GB" sz="2000" dirty="0" smtClean="0">
+                <a:latin typeface="Courier New" panose="02070309020205020404" pitchFamily="49" charset="0"/>
+                <a:cs typeface="Courier New" panose="02070309020205020404" pitchFamily="49" charset="0"/>
+              </a:rPr>
               <a:t> </a:t>
             </a:r>
             <a:r>
-              <a:rPr lang="en-GB" dirty="0" smtClean="0"/>
-              <a:t>– Input options for external hardware devices and button boxes</a:t>
-            </a:r>
-            <a:endParaRPr lang="en-GB" dirty="0"/>
-          </a:p>
-          <a:p>
-            <a:pPr marL="0" indent="0">
-              <a:buNone/>
-            </a:pPr>
-            <a:endParaRPr lang="en-GB" dirty="0" smtClean="0"/>
-          </a:p>
-          <a:p>
-            <a:pPr marL="0" indent="0">
-              <a:buNone/>
-            </a:pPr>
-            <a:r>
-              <a:rPr lang="en-GB" dirty="0" smtClean="0"/>
-              <a:t>Other:</a:t>
-            </a:r>
-          </a:p>
-          <a:p>
-            <a:r>
-              <a:rPr lang="en-GB" b="1" dirty="0" smtClean="0"/>
-              <a:t>Parallel icon </a:t>
-            </a:r>
-            <a:r>
-              <a:rPr lang="en-GB" dirty="0" smtClean="0"/>
-              <a:t>– Send signals down a cable (EEG)</a:t>
-            </a:r>
-          </a:p>
-          <a:p>
-            <a:r>
-              <a:rPr lang="en-GB" b="1" dirty="0" smtClean="0"/>
-              <a:t>Static</a:t>
-            </a:r>
-            <a:r>
-              <a:rPr lang="en-GB" dirty="0" smtClean="0"/>
-              <a:t> – A static period to allow for pre-loading images or other operations</a:t>
-            </a:r>
-          </a:p>
-          <a:p>
-            <a:endParaRPr lang="en-GB" dirty="0"/>
-          </a:p>
-          <a:p>
-            <a:pPr marL="0" indent="0">
-              <a:buNone/>
-            </a:pPr>
-            <a:r>
-              <a:rPr lang="en-GB" dirty="0" smtClean="0"/>
-              <a:t>More details can </a:t>
-            </a:r>
-            <a:r>
-              <a:rPr lang="en-GB" dirty="0"/>
-              <a:t>be found at </a:t>
-            </a:r>
-            <a:r>
-              <a:rPr lang="en-GB" b="1" dirty="0"/>
-              <a:t>http://</a:t>
-            </a:r>
-            <a:r>
-              <a:rPr lang="en-GB" b="1" dirty="0" smtClean="0"/>
-              <a:t>www.psychopy.org/builder/components.html</a:t>
-            </a:r>
-          </a:p>
-          <a:p>
-            <a:pPr marL="0" indent="0">
-              <a:buNone/>
-            </a:pPr>
-            <a:endParaRPr lang="en-US" dirty="0"/>
+              <a:rPr lang="en-GB" sz="2000" dirty="0" smtClean="0"/>
+              <a:t>from Exercise 1</a:t>
+            </a:r>
+          </a:p>
+          <a:p>
+            <a:pPr>
+              <a:buFont typeface="+mj-lt"/>
+              <a:buAutoNum type="arabicPeriod"/>
+            </a:pPr>
+            <a:r>
+              <a:rPr lang="en-GB" sz="2000" dirty="0" smtClean="0"/>
+              <a:t>Change the intro text and the first line “</a:t>
+            </a:r>
+            <a:r>
+              <a:rPr lang="en-GB" sz="2000" b="1" dirty="0" smtClean="0"/>
+              <a:t>OK. Ready for the real thing?</a:t>
+            </a:r>
+            <a:r>
+              <a:rPr lang="en-GB" sz="2000" dirty="0" smtClean="0"/>
+              <a:t>” to “</a:t>
+            </a:r>
+            <a:r>
+              <a:rPr lang="en-GB" sz="2000" b="1" dirty="0" smtClean="0"/>
+              <a:t>Instructions</a:t>
+            </a:r>
+            <a:r>
+              <a:rPr lang="en-GB" sz="2000" dirty="0" smtClean="0"/>
+              <a:t>”</a:t>
+            </a:r>
+          </a:p>
+          <a:p>
+            <a:pPr>
+              <a:buFont typeface="+mj-lt"/>
+              <a:buAutoNum type="arabicPeriod"/>
+            </a:pPr>
+            <a:r>
+              <a:rPr lang="en-GB" sz="2000" dirty="0" smtClean="0"/>
+              <a:t>Change keys </a:t>
+            </a:r>
+            <a:r>
+              <a:rPr lang="en-GB" sz="2000" dirty="0" smtClean="0"/>
+              <a:t>from </a:t>
+            </a:r>
+            <a:r>
+              <a:rPr lang="en-GB" sz="2000" b="1" dirty="0" smtClean="0"/>
+              <a:t>“left”, “down”, “right” </a:t>
+            </a:r>
+            <a:r>
+              <a:rPr lang="en-GB" sz="2000" dirty="0" smtClean="0"/>
+              <a:t>to </a:t>
+            </a:r>
+            <a:r>
+              <a:rPr lang="en-GB" sz="2000" b="1" dirty="0" smtClean="0"/>
+              <a:t>“a”, “s”, “d”</a:t>
+            </a:r>
+          </a:p>
+          <a:p>
+            <a:pPr lvl="1">
+              <a:buFont typeface="Wingdings" panose="05000000000000000000" pitchFamily="2" charset="2"/>
+              <a:buChar char="§"/>
+            </a:pPr>
+            <a:r>
+              <a:rPr lang="en-GB" sz="2000" dirty="0" smtClean="0"/>
+              <a:t>Ensure you update the instructions</a:t>
+            </a:r>
+          </a:p>
+          <a:p>
+            <a:pPr>
+              <a:buFont typeface="+mj-lt"/>
+              <a:buAutoNum type="arabicPeriod"/>
+            </a:pPr>
+            <a:r>
+              <a:rPr lang="en-GB" sz="2000" dirty="0" smtClean="0"/>
+              <a:t>Add another 5 trials to the </a:t>
+            </a:r>
+            <a:r>
+              <a:rPr lang="en-GB" sz="2000" dirty="0" err="1" smtClean="0"/>
+              <a:t>Stroop</a:t>
+            </a:r>
+            <a:endParaRPr lang="en-GB" sz="2000" dirty="0" smtClean="0"/>
+          </a:p>
+          <a:p>
+            <a:pPr lvl="1">
+              <a:buFont typeface="Wingdings" panose="05000000000000000000" pitchFamily="2" charset="2"/>
+              <a:buChar char="§"/>
+            </a:pPr>
+            <a:r>
+              <a:rPr lang="en-GB" sz="2000" dirty="0" smtClean="0">
+                <a:cs typeface="Courier New" panose="02070309020205020404" pitchFamily="49" charset="0"/>
+              </a:rPr>
+              <a:t>Edit the </a:t>
+            </a:r>
+            <a:r>
+              <a:rPr lang="en-GB" sz="2000" dirty="0" smtClean="0">
+                <a:latin typeface="Courier New" panose="02070309020205020404" pitchFamily="49" charset="0"/>
+                <a:cs typeface="Courier New" panose="02070309020205020404" pitchFamily="49" charset="0"/>
+              </a:rPr>
+              <a:t>trialTypes.xlsx </a:t>
+            </a:r>
+            <a:r>
+              <a:rPr lang="en-GB" sz="2000" dirty="0" smtClean="0"/>
+              <a:t>is where the source trial data is!</a:t>
+            </a:r>
+          </a:p>
+          <a:p>
+            <a:pPr>
+              <a:buFont typeface="+mj-lt"/>
+              <a:buAutoNum type="arabicPeriod"/>
+            </a:pPr>
+            <a:r>
+              <a:rPr lang="en-GB" sz="2000" dirty="0" smtClean="0"/>
+              <a:t>Try adding a new routine which will act as a title page for the experiment</a:t>
+            </a:r>
+          </a:p>
+          <a:p>
+            <a:pPr lvl="1">
+              <a:buFont typeface="Wingdings" panose="05000000000000000000" pitchFamily="2" charset="2"/>
+              <a:buChar char="§"/>
+            </a:pPr>
+            <a:r>
+              <a:rPr lang="en-GB" sz="2000" dirty="0" smtClean="0"/>
+              <a:t>HINT: the “instruct” routine should give you some clues</a:t>
+            </a:r>
+          </a:p>
+          <a:p>
+            <a:pPr lvl="1">
+              <a:buFont typeface="Wingdings" panose="05000000000000000000" pitchFamily="2" charset="2"/>
+              <a:buChar char="§"/>
+            </a:pPr>
+            <a:r>
+              <a:rPr lang="en-GB" sz="2000" dirty="0" smtClean="0"/>
+              <a:t>Look at the properties of the </a:t>
+            </a:r>
+            <a:r>
+              <a:rPr lang="en-GB" sz="2000" b="1" dirty="0" smtClean="0"/>
+              <a:t>Text</a:t>
+            </a:r>
+            <a:r>
+              <a:rPr lang="en-GB" sz="2000" dirty="0" smtClean="0"/>
+              <a:t> and </a:t>
+            </a:r>
+            <a:r>
+              <a:rPr lang="en-GB" sz="2000" b="1" dirty="0" smtClean="0"/>
+              <a:t>Keyboard</a:t>
+            </a:r>
+            <a:r>
+              <a:rPr lang="en-GB" sz="2000" dirty="0" smtClean="0"/>
+              <a:t> component and replicate</a:t>
+            </a:r>
+          </a:p>
+          <a:p>
+            <a:pPr>
+              <a:buFont typeface="+mj-lt"/>
+              <a:buAutoNum type="arabicPeriod"/>
+            </a:pPr>
+            <a:r>
+              <a:rPr lang="en-GB" sz="2000" dirty="0" smtClean="0"/>
+              <a:t>Re-Run and see what you get</a:t>
+            </a:r>
+            <a:endParaRPr lang="en-US" sz="2000" dirty="0"/>
+          </a:p>
+          <a:p>
+            <a:pPr lvl="1">
+              <a:buFont typeface="Wingdings" panose="05000000000000000000" pitchFamily="2" charset="2"/>
+              <a:buChar char="§"/>
+            </a:pPr>
+            <a:r>
+              <a:rPr lang="en-GB" sz="2000" dirty="0" smtClean="0"/>
+              <a:t>Look at the result file, has your new data column come over?</a:t>
+            </a:r>
           </a:p>
         </p:txBody>
       </p:sp>
     </p:spTree>
     <p:extLst>
       <p:ext uri="{BB962C8B-B14F-4D97-AF65-F5344CB8AC3E}">
-        <p14:creationId xmlns:p14="http://schemas.microsoft.com/office/powerpoint/2010/main" val="1997174920"/>
+        <p14:creationId xmlns:p14="http://schemas.microsoft.com/office/powerpoint/2010/main" val="1662202215"/>
       </p:ext>
     </p:extLst>
   </p:cSld>
@@ -13719,10 +13916,333 @@
           <a:lstStyle/>
           <a:p>
             <a:r>
-              <a:rPr lang="en-GB" smtClean="0"/>
-              <a:t>Demo: File preferences + settings</a:t>
-            </a:r>
-            <a:endParaRPr lang="en-US"/>
+              <a:rPr lang="en-GB" dirty="0" smtClean="0"/>
+              <a:t>Components - Part 2</a:t>
+            </a:r>
+            <a:endParaRPr lang="en-US" dirty="0"/>
+          </a:p>
+        </p:txBody>
+      </p:sp>
+      <p:sp>
+        <p:nvSpPr>
+          <p:cNvPr id="3" name="Text Placeholder 2"/>
+          <p:cNvSpPr>
+            <a:spLocks noGrp="1"/>
+          </p:cNvSpPr>
+          <p:nvPr>
+            <p:ph type="body" idx="1"/>
+          </p:nvPr>
+        </p:nvSpPr>
+        <p:spPr>
+          <a:xfrm>
+            <a:off x="487328" y="1417936"/>
+            <a:ext cx="8229600" cy="4967700"/>
+          </a:xfrm>
+        </p:spPr>
+        <p:txBody>
+          <a:bodyPr>
+            <a:normAutofit fontScale="92500" lnSpcReduction="20000"/>
+          </a:bodyPr>
+          <a:lstStyle/>
+          <a:p>
+            <a:pPr marL="0" indent="0">
+              <a:buNone/>
+            </a:pPr>
+            <a:r>
+              <a:rPr lang="en-GB" dirty="0" smtClean="0"/>
+              <a:t>Brief overview of remaining components in brief.</a:t>
+            </a:r>
+          </a:p>
+          <a:p>
+            <a:pPr marL="0" indent="0">
+              <a:buNone/>
+            </a:pPr>
+            <a:endParaRPr lang="en-GB" dirty="0" smtClean="0"/>
+          </a:p>
+          <a:p>
+            <a:pPr marL="0" indent="0">
+              <a:buNone/>
+            </a:pPr>
+            <a:r>
+              <a:rPr lang="en-GB" dirty="0" smtClean="0"/>
+              <a:t>Stimuli:</a:t>
+            </a:r>
+          </a:p>
+          <a:p>
+            <a:r>
+              <a:rPr lang="en-GB" b="1" dirty="0" smtClean="0"/>
+              <a:t>Sound</a:t>
+            </a:r>
+            <a:r>
+              <a:rPr lang="en-GB" dirty="0" smtClean="0"/>
+              <a:t> – Playback of sound</a:t>
+            </a:r>
+          </a:p>
+          <a:p>
+            <a:r>
+              <a:rPr lang="en-GB" b="1" dirty="0" smtClean="0"/>
+              <a:t>Image</a:t>
+            </a:r>
+            <a:r>
+              <a:rPr lang="en-GB" dirty="0" smtClean="0"/>
+              <a:t> – Display of image</a:t>
+            </a:r>
+          </a:p>
+          <a:p>
+            <a:r>
+              <a:rPr lang="en-GB" b="1" dirty="0" smtClean="0"/>
+              <a:t>Aperture</a:t>
+            </a:r>
+            <a:r>
+              <a:rPr lang="en-GB" dirty="0" smtClean="0"/>
+              <a:t> – Add a circular effect onto image component</a:t>
+            </a:r>
+          </a:p>
+          <a:p>
+            <a:r>
+              <a:rPr lang="en-GB" b="1" dirty="0" smtClean="0"/>
+              <a:t>Grating</a:t>
+            </a:r>
+            <a:r>
+              <a:rPr lang="en-GB" dirty="0" smtClean="0"/>
+              <a:t> – Wrapped texture that can be cycled in 2 dimensions</a:t>
+            </a:r>
+          </a:p>
+          <a:p>
+            <a:r>
+              <a:rPr lang="en-GB" b="1" dirty="0" smtClean="0"/>
+              <a:t>Movie</a:t>
+            </a:r>
+            <a:r>
+              <a:rPr lang="en-GB" dirty="0" smtClean="0"/>
+              <a:t> – Playback of movie files</a:t>
+            </a:r>
+          </a:p>
+          <a:p>
+            <a:r>
+              <a:rPr lang="en-GB" b="1" dirty="0" smtClean="0"/>
+              <a:t>Dots</a:t>
+            </a:r>
+            <a:r>
+              <a:rPr lang="en-GB" dirty="0" smtClean="0"/>
+              <a:t> – Presentation of Random Dot </a:t>
+            </a:r>
+            <a:r>
+              <a:rPr lang="en-GB" dirty="0" err="1" smtClean="0"/>
+              <a:t>Kinematogram</a:t>
+            </a:r>
+            <a:r>
+              <a:rPr lang="en-GB" dirty="0" smtClean="0"/>
+              <a:t> to participants</a:t>
+            </a:r>
+          </a:p>
+          <a:p>
+            <a:r>
+              <a:rPr lang="en-GB" b="1" dirty="0" smtClean="0"/>
+              <a:t>Polygon</a:t>
+            </a:r>
+            <a:r>
+              <a:rPr lang="en-GB" dirty="0" smtClean="0"/>
+              <a:t> – Shape presentation of different sides (square, rectangle, octagon)</a:t>
+            </a:r>
+          </a:p>
+          <a:p>
+            <a:endParaRPr lang="en-GB" dirty="0" smtClean="0"/>
+          </a:p>
+          <a:p>
+            <a:pPr marL="0" indent="0">
+              <a:buNone/>
+            </a:pPr>
+            <a:r>
+              <a:rPr lang="en-GB" dirty="0" smtClean="0"/>
+              <a:t>Responses:</a:t>
+            </a:r>
+          </a:p>
+          <a:p>
+            <a:r>
+              <a:rPr lang="en-GB" b="1" dirty="0" smtClean="0"/>
+              <a:t>Mouse</a:t>
+            </a:r>
+            <a:r>
+              <a:rPr lang="en-GB" dirty="0" smtClean="0"/>
+              <a:t> – Take responses from the mouse</a:t>
+            </a:r>
+          </a:p>
+          <a:p>
+            <a:r>
+              <a:rPr lang="en-GB" b="1" dirty="0" smtClean="0"/>
+              <a:t>Mic</a:t>
+            </a:r>
+            <a:r>
+              <a:rPr lang="en-GB" dirty="0" smtClean="0"/>
+              <a:t> – Only records sound, doesn’t register response to sound</a:t>
+            </a:r>
+          </a:p>
+          <a:p>
+            <a:r>
+              <a:rPr lang="en-GB" b="1" dirty="0" smtClean="0"/>
+              <a:t>Scale</a:t>
+            </a:r>
+            <a:r>
+              <a:rPr lang="en-GB" dirty="0" smtClean="0"/>
+              <a:t> – Mouse friendly scale to choose a value</a:t>
+            </a:r>
+          </a:p>
+          <a:p>
+            <a:r>
+              <a:rPr lang="en-GB" b="1" dirty="0" err="1" smtClean="0"/>
+              <a:t>ioBox</a:t>
+            </a:r>
+            <a:r>
+              <a:rPr lang="en-GB" b="1" dirty="0" smtClean="0"/>
+              <a:t>, </a:t>
+            </a:r>
+            <a:r>
+              <a:rPr lang="en-GB" b="1" dirty="0" err="1" smtClean="0"/>
+              <a:t>Cedrus</a:t>
+            </a:r>
+            <a:r>
+              <a:rPr lang="en-GB" b="1" dirty="0"/>
+              <a:t> </a:t>
+            </a:r>
+            <a:r>
+              <a:rPr lang="en-GB" dirty="0" smtClean="0"/>
+              <a:t>– Input options for external hardware devices and button boxes</a:t>
+            </a:r>
+            <a:endParaRPr lang="en-GB" dirty="0"/>
+          </a:p>
+          <a:p>
+            <a:pPr marL="0" indent="0">
+              <a:buNone/>
+            </a:pPr>
+            <a:endParaRPr lang="en-GB" dirty="0" smtClean="0"/>
+          </a:p>
+          <a:p>
+            <a:pPr marL="0" indent="0">
+              <a:buNone/>
+            </a:pPr>
+            <a:r>
+              <a:rPr lang="en-GB" dirty="0" smtClean="0"/>
+              <a:t>Other:</a:t>
+            </a:r>
+          </a:p>
+          <a:p>
+            <a:r>
+              <a:rPr lang="en-GB" b="1" dirty="0" smtClean="0"/>
+              <a:t>Parallel icon </a:t>
+            </a:r>
+            <a:r>
+              <a:rPr lang="en-GB" dirty="0" smtClean="0"/>
+              <a:t>– Send signals down a cable (EEG)</a:t>
+            </a:r>
+          </a:p>
+          <a:p>
+            <a:r>
+              <a:rPr lang="en-GB" b="1" dirty="0" smtClean="0"/>
+              <a:t>Static</a:t>
+            </a:r>
+            <a:r>
+              <a:rPr lang="en-GB" dirty="0" smtClean="0"/>
+              <a:t> – A static period to allow for pre-loading images or other operations</a:t>
+            </a:r>
+          </a:p>
+          <a:p>
+            <a:endParaRPr lang="en-GB" dirty="0"/>
+          </a:p>
+          <a:p>
+            <a:pPr marL="0" indent="0">
+              <a:buNone/>
+            </a:pPr>
+            <a:r>
+              <a:rPr lang="en-GB" dirty="0" smtClean="0"/>
+              <a:t>More details can </a:t>
+            </a:r>
+            <a:r>
+              <a:rPr lang="en-GB" dirty="0"/>
+              <a:t>be found at </a:t>
+            </a:r>
+            <a:r>
+              <a:rPr lang="en-GB" b="1" dirty="0"/>
+              <a:t>http://</a:t>
+            </a:r>
+            <a:r>
+              <a:rPr lang="en-GB" b="1" dirty="0" smtClean="0"/>
+              <a:t>www.psychopy.org/builder/components.html</a:t>
+            </a:r>
+          </a:p>
+          <a:p>
+            <a:pPr marL="0" indent="0">
+              <a:buNone/>
+            </a:pPr>
+            <a:endParaRPr lang="en-US" dirty="0"/>
+          </a:p>
+        </p:txBody>
+      </p:sp>
+    </p:spTree>
+    <p:extLst>
+      <p:ext uri="{BB962C8B-B14F-4D97-AF65-F5344CB8AC3E}">
+        <p14:creationId xmlns:p14="http://schemas.microsoft.com/office/powerpoint/2010/main" val="1997174920"/>
+      </p:ext>
+    </p:extLst>
+  </p:cSld>
+  <p:clrMapOvr>
+    <a:masterClrMapping/>
+  </p:clrMapOvr>
+  <p:timing>
+    <p:tnLst>
+      <p:par>
+        <p:cTn id="1" dur="indefinite" restart="never" nodeType="tmRoot"/>
+      </p:par>
+    </p:tnLst>
+  </p:timing>
+</p:sld>
+</file>
+
+<file path=ppt/slides/slide23.xml><?xml version="1.0" encoding="utf-8"?>
+<p:sld xmlns:a="http://schemas.openxmlformats.org/drawingml/2006/main" xmlns:r="http://schemas.openxmlformats.org/officeDocument/2006/relationships" xmlns:p="http://schemas.openxmlformats.org/presentationml/2006/main">
+  <p:cSld>
+    <p:spTree>
+      <p:nvGrpSpPr>
+        <p:cNvPr id="1" name=""/>
+        <p:cNvGrpSpPr/>
+        <p:nvPr/>
+      </p:nvGrpSpPr>
+      <p:grpSpPr>
+        <a:xfrm>
+          <a:off x="0" y="0"/>
+          <a:ext cx="0" cy="0"/>
+          <a:chOff x="0" y="0"/>
+          <a:chExt cx="0" cy="0"/>
+        </a:xfrm>
+      </p:grpSpPr>
+      <p:sp>
+        <p:nvSpPr>
+          <p:cNvPr id="2" name="Title 1"/>
+          <p:cNvSpPr>
+            <a:spLocks noGrp="1"/>
+          </p:cNvSpPr>
+          <p:nvPr>
+            <p:ph type="title"/>
+          </p:nvPr>
+        </p:nvSpPr>
+        <p:spPr/>
+        <p:txBody>
+          <a:bodyPr/>
+          <a:lstStyle/>
+          <a:p>
+            <a:r>
+              <a:rPr lang="en-GB" dirty="0" smtClean="0"/>
+              <a:t>Demo: “</a:t>
+            </a:r>
+            <a:r>
+              <a:rPr lang="en-GB" dirty="0" err="1" smtClean="0"/>
+              <a:t>Psychopy</a:t>
+            </a:r>
+            <a:r>
+              <a:rPr lang="en-GB" dirty="0" smtClean="0"/>
+              <a:t> preferences”</a:t>
+            </a:r>
+            <a:endParaRPr lang="en-US" dirty="0"/>
           </a:p>
         </p:txBody>
       </p:sp>
@@ -13773,7 +14293,7 @@
 </p:sld>
 </file>
 
-<file path=ppt/slides/slide23.xml><?xml version="1.0" encoding="utf-8"?>
+<file path=ppt/slides/slide24.xml><?xml version="1.0" encoding="utf-8"?>
 <p:sld xmlns:a="http://schemas.openxmlformats.org/drawingml/2006/main" xmlns:r="http://schemas.openxmlformats.org/officeDocument/2006/relationships" xmlns:p="http://schemas.openxmlformats.org/presentationml/2006/main">
   <p:cSld>
     <p:spTree>
@@ -13921,7 +14441,7 @@
 </p:sld>
 </file>
 
-<file path=ppt/slides/slide24.xml><?xml version="1.0" encoding="utf-8"?>
+<file path=ppt/slides/slide25.xml><?xml version="1.0" encoding="utf-8"?>
 <p:sld xmlns:a="http://schemas.openxmlformats.org/drawingml/2006/main" xmlns:r="http://schemas.openxmlformats.org/officeDocument/2006/relationships" xmlns:p="http://schemas.openxmlformats.org/presentationml/2006/main">
   <p:cSld>
     <p:spTree>
@@ -14024,22 +14544,24 @@
         </p:nvSpPr>
         <p:spPr/>
         <p:txBody>
-          <a:bodyPr/>
+          <a:bodyPr>
+            <a:normAutofit lnSpcReduction="10000"/>
+          </a:bodyPr>
           <a:lstStyle/>
           <a:p>
             <a:pPr marL="0" indent="0">
               <a:buNone/>
             </a:pPr>
             <a:r>
-              <a:rPr lang="en-GB" dirty="0" smtClean="0"/>
+              <a:rPr lang="en-GB" sz="2000" dirty="0" smtClean="0"/>
               <a:t>Simply add images to the </a:t>
             </a:r>
             <a:r>
-              <a:rPr lang="en-GB" dirty="0" err="1" smtClean="0"/>
+              <a:rPr lang="en-GB" sz="2000" dirty="0" err="1" smtClean="0"/>
               <a:t>stroop</a:t>
             </a:r>
             <a:r>
-              <a:rPr lang="en-GB" dirty="0" smtClean="0"/>
+              <a:rPr lang="en-GB" sz="2000" dirty="0" smtClean="0"/>
               <a:t> trials as a distractor.</a:t>
             </a:r>
           </a:p>
@@ -14047,50 +14569,87 @@
             <a:pPr marL="0" indent="0">
               <a:buNone/>
             </a:pPr>
-            <a:endParaRPr lang="en-GB" dirty="0" smtClean="0"/>
-          </a:p>
-          <a:p>
-            <a:r>
-              <a:rPr lang="en-GB" dirty="0" smtClean="0"/>
-              <a:t>Open up the picture-</a:t>
-            </a:r>
-            <a:r>
-              <a:rPr lang="en-GB" dirty="0" err="1" smtClean="0"/>
+            <a:endParaRPr lang="en-GB" sz="2000" dirty="0" smtClean="0"/>
+          </a:p>
+          <a:p>
+            <a:r>
+              <a:rPr lang="en-GB" sz="2000" dirty="0" smtClean="0"/>
+              <a:t>Close your previous Stoop task if still open.</a:t>
+            </a:r>
+          </a:p>
+          <a:p>
+            <a:r>
+              <a:rPr lang="en-GB" sz="2000" dirty="0" smtClean="0"/>
+              <a:t>Now open </a:t>
+            </a:r>
+            <a:r>
+              <a:rPr lang="en-GB" sz="2000" dirty="0" smtClean="0"/>
+              <a:t>up the picture-</a:t>
+            </a:r>
+            <a:r>
+              <a:rPr lang="en-GB" sz="2000" dirty="0" err="1" smtClean="0"/>
               <a:t>stroop</a:t>
             </a:r>
             <a:r>
-              <a:rPr lang="en-GB" dirty="0" smtClean="0"/>
-              <a:t> folder in your directory</a:t>
+              <a:rPr lang="en-GB" sz="2000" dirty="0" smtClean="0"/>
+              <a:t> folder in your </a:t>
+            </a:r>
+            <a:r>
+              <a:rPr lang="en-GB" sz="2000" dirty="0" smtClean="0"/>
+              <a:t>directory</a:t>
             </a:r>
           </a:p>
           <a:p>
             <a:pPr lvl="1">
-              <a:buFont typeface="Wingdings" panose="05000000000000000000" pitchFamily="2" charset="2"/>
-              <a:buChar char="§"/>
-            </a:pPr>
-            <a:r>
-              <a:rPr lang="en-GB" dirty="0" smtClean="0">
+              <a:buFont typeface="Arial" panose="020B0604020202020204" pitchFamily="34" charset="0"/>
+              <a:buChar char="•"/>
+            </a:pPr>
+            <a:r>
+              <a:rPr lang="en-GB" sz="1800" dirty="0" smtClean="0"/>
+              <a:t>Open up the </a:t>
+            </a:r>
+            <a:r>
+              <a:rPr lang="en-GB" sz="1800" b="1" dirty="0" smtClean="0"/>
+              <a:t>picture-</a:t>
+            </a:r>
+            <a:r>
+              <a:rPr lang="en-GB" sz="1800" b="1" dirty="0" err="1" smtClean="0"/>
+              <a:t>stroop.psyexp</a:t>
+            </a:r>
+            <a:r>
+              <a:rPr lang="en-GB" sz="1800" dirty="0" smtClean="0"/>
+              <a:t> file</a:t>
+            </a:r>
+            <a:endParaRPr lang="en-GB" sz="1800" dirty="0"/>
+          </a:p>
+          <a:p>
+            <a:pPr lvl="1">
+              <a:buFont typeface="Arial" panose="020B0604020202020204" pitchFamily="34" charset="0"/>
+              <a:buChar char="•"/>
+            </a:pPr>
+            <a:r>
+              <a:rPr lang="en-GB" sz="1800" dirty="0" smtClean="0">
                 <a:latin typeface="Courier New" panose="02070309020205020404" pitchFamily="49" charset="0"/>
                 <a:cs typeface="Courier New" panose="02070309020205020404" pitchFamily="49" charset="0"/>
               </a:rPr>
               <a:t>/picture-</a:t>
             </a:r>
             <a:r>
-              <a:rPr lang="en-GB" dirty="0" err="1" smtClean="0">
+              <a:rPr lang="en-GB" sz="1800" dirty="0" err="1" smtClean="0">
                 <a:latin typeface="Courier New" panose="02070309020205020404" pitchFamily="49" charset="0"/>
                 <a:cs typeface="Courier New" panose="02070309020205020404" pitchFamily="49" charset="0"/>
               </a:rPr>
               <a:t>stroop</a:t>
             </a:r>
             <a:r>
-              <a:rPr lang="en-GB" dirty="0" smtClean="0">
+              <a:rPr lang="en-GB" sz="1800" dirty="0" smtClean="0">
                 <a:latin typeface="Courier New" panose="02070309020205020404" pitchFamily="49" charset="0"/>
                 <a:cs typeface="Courier New" panose="02070309020205020404" pitchFamily="49" charset="0"/>
               </a:rPr>
               <a:t>/images </a:t>
             </a:r>
             <a:r>
-              <a:rPr lang="en-GB" dirty="0" smtClean="0"/>
+              <a:rPr lang="en-GB" sz="1800" dirty="0" smtClean="0"/>
               <a:t>contains 6 images for you to use and link to each of the 6 trials.</a:t>
             </a:r>
           </a:p>
@@ -14098,11 +14657,11 @@
             <a:pPr marL="457200" lvl="1" indent="0">
               <a:buNone/>
             </a:pPr>
-            <a:endParaRPr lang="en-GB" dirty="0" smtClean="0"/>
-          </a:p>
-          <a:p>
-            <a:r>
-              <a:rPr lang="en-GB" b="1" dirty="0" smtClean="0"/>
+            <a:endParaRPr lang="en-GB" sz="1800" dirty="0" smtClean="0"/>
+          </a:p>
+          <a:p>
+            <a:r>
+              <a:rPr lang="en-GB" sz="2000" b="1" dirty="0" smtClean="0"/>
               <a:t>Hints:</a:t>
             </a:r>
           </a:p>
@@ -14112,15 +14671,15 @@
               <a:buChar char="§"/>
             </a:pPr>
             <a:r>
-              <a:rPr lang="en-GB" dirty="0" smtClean="0"/>
+              <a:rPr lang="en-GB" sz="1800" dirty="0" smtClean="0"/>
               <a:t>You will need to enter a </a:t>
             </a:r>
             <a:r>
-              <a:rPr lang="en-GB" b="1" dirty="0" smtClean="0"/>
+              <a:rPr lang="en-GB" sz="1800" b="1" dirty="0" smtClean="0"/>
               <a:t>“relative” </a:t>
             </a:r>
             <a:r>
-              <a:rPr lang="en-GB" dirty="0" smtClean="0"/>
+              <a:rPr lang="en-GB" sz="1800" dirty="0" smtClean="0"/>
               <a:t>path for each image</a:t>
             </a:r>
           </a:p>
@@ -14130,18 +14689,18 @@
               <a:buChar char="§"/>
             </a:pPr>
             <a:r>
-              <a:rPr lang="en-GB" dirty="0" smtClean="0"/>
+              <a:rPr lang="en-GB" sz="1600" dirty="0" smtClean="0"/>
               <a:t>E.g. “</a:t>
             </a:r>
             <a:r>
-              <a:rPr lang="en-GB" dirty="0" smtClean="0">
+              <a:rPr lang="en-GB" sz="1600" dirty="0" smtClean="0">
                 <a:latin typeface="Courier New" panose="02070309020205020404" pitchFamily="49" charset="0"/>
                 <a:cs typeface="Courier New" panose="02070309020205020404" pitchFamily="49" charset="0"/>
               </a:rPr>
               <a:t>images/1.jpg</a:t>
             </a:r>
             <a:r>
-              <a:rPr lang="en-GB" dirty="0" smtClean="0"/>
+              <a:rPr lang="en-GB" sz="1600" dirty="0" smtClean="0"/>
               <a:t>”  (without the quotes)</a:t>
             </a:r>
           </a:p>
@@ -14151,19 +14710,19 @@
               <a:buChar char="§"/>
             </a:pPr>
             <a:r>
-              <a:rPr lang="en-GB" b="1" dirty="0" smtClean="0"/>
+              <a:rPr lang="en-GB" sz="1600" b="1" dirty="0" smtClean="0"/>
               <a:t>Hint</a:t>
             </a:r>
             <a:r>
-              <a:rPr lang="en-GB" dirty="0" smtClean="0"/>
+              <a:rPr lang="en-GB" sz="1600" dirty="0" smtClean="0"/>
               <a:t> - Create a new attribute called “</a:t>
             </a:r>
             <a:r>
-              <a:rPr lang="en-GB" dirty="0" err="1" smtClean="0"/>
+              <a:rPr lang="en-GB" sz="1600" dirty="0" err="1" smtClean="0"/>
               <a:t>image_path</a:t>
             </a:r>
             <a:r>
-              <a:rPr lang="en-GB" dirty="0" smtClean="0"/>
+              <a:rPr lang="en-GB" sz="1600" dirty="0" smtClean="0"/>
               <a:t>”</a:t>
             </a:r>
           </a:p>
@@ -14173,19 +14732,19 @@
               <a:buChar char="§"/>
             </a:pPr>
             <a:r>
-              <a:rPr lang="en-GB" dirty="0" smtClean="0"/>
+              <a:rPr lang="en-GB" sz="1800" dirty="0" smtClean="0"/>
               <a:t>That path then needs to be passed to an </a:t>
             </a:r>
             <a:r>
-              <a:rPr lang="en-GB" b="1" dirty="0" smtClean="0"/>
+              <a:rPr lang="en-GB" sz="1800" b="1" dirty="0" smtClean="0"/>
               <a:t>image</a:t>
             </a:r>
             <a:r>
-              <a:rPr lang="en-GB" dirty="0" smtClean="0"/>
+              <a:rPr lang="en-GB" sz="1800" dirty="0" smtClean="0"/>
               <a:t> </a:t>
             </a:r>
             <a:r>
-              <a:rPr lang="en-GB" b="1" dirty="0" smtClean="0"/>
+              <a:rPr lang="en-GB" sz="1800" b="1" dirty="0" smtClean="0"/>
               <a:t>component</a:t>
             </a:r>
           </a:p>
@@ -14195,11 +14754,11 @@
               <a:buChar char="§"/>
             </a:pPr>
             <a:r>
-              <a:rPr lang="en-GB" b="1" dirty="0" smtClean="0"/>
+              <a:rPr lang="en-GB" sz="1800" b="1" dirty="0" smtClean="0"/>
               <a:t>Remember: </a:t>
             </a:r>
             <a:r>
-              <a:rPr lang="en-GB" dirty="0" smtClean="0"/>
+              <a:rPr lang="en-GB" sz="1800" dirty="0" smtClean="0"/>
               <a:t>when trial data is updated, Excel link needs refreshing.</a:t>
             </a:r>
           </a:p>
@@ -14209,41 +14768,41 @@
               <a:buChar char="§"/>
             </a:pPr>
             <a:r>
-              <a:rPr lang="en-GB" dirty="0" smtClean="0"/>
+              <a:rPr lang="en-GB" sz="1800" dirty="0" smtClean="0"/>
               <a:t>Attributes are accessed with </a:t>
             </a:r>
             <a:r>
-              <a:rPr lang="en-GB" b="1" dirty="0" smtClean="0"/>
+              <a:rPr lang="en-GB" sz="1800" b="1" dirty="0" smtClean="0"/>
               <a:t>$</a:t>
             </a:r>
             <a:r>
-              <a:rPr lang="en-GB" dirty="0" smtClean="0"/>
+              <a:rPr lang="en-GB" sz="1800" dirty="0" smtClean="0"/>
               <a:t> and </a:t>
             </a:r>
             <a:r>
-              <a:rPr lang="en-GB" b="1" dirty="0" smtClean="0"/>
+              <a:rPr lang="en-GB" sz="1800" b="1" dirty="0" smtClean="0"/>
               <a:t>name of excel header</a:t>
             </a:r>
-            <a:endParaRPr lang="en-GB" b="1" dirty="0"/>
+            <a:endParaRPr lang="en-GB" sz="1800" b="1" dirty="0"/>
           </a:p>
           <a:p>
             <a:pPr marL="0" indent="0">
               <a:buNone/>
             </a:pPr>
-            <a:endParaRPr lang="en-GB" dirty="0" smtClean="0"/>
-          </a:p>
-          <a:p>
-            <a:r>
-              <a:rPr lang="en-GB" dirty="0" smtClean="0"/>
+            <a:endParaRPr lang="en-GB" sz="2000" dirty="0" smtClean="0"/>
+          </a:p>
+          <a:p>
+            <a:r>
+              <a:rPr lang="en-GB" sz="2000" dirty="0" smtClean="0"/>
               <a:t>We will come round and help</a:t>
             </a:r>
           </a:p>
           <a:p>
             <a:r>
-              <a:rPr lang="en-GB" b="1" dirty="0" smtClean="0"/>
+              <a:rPr lang="en-GB" sz="2000" b="1" dirty="0" smtClean="0"/>
               <a:t>If you don’t get chance to finish, have a go at home.</a:t>
             </a:r>
-            <a:endParaRPr lang="en-US" b="1" dirty="0"/>
+            <a:endParaRPr lang="en-US" sz="2000" b="1" dirty="0"/>
           </a:p>
         </p:txBody>
       </p:sp>
@@ -14301,6 +14860,236 @@
           <a:p>
             <a:r>
               <a:rPr lang="en-GB" dirty="0" smtClean="0"/>
+              <a:t>Learning outcomes from training</a:t>
+            </a:r>
+            <a:endParaRPr lang="en-US" dirty="0"/>
+          </a:p>
+        </p:txBody>
+      </p:sp>
+      <p:sp>
+        <p:nvSpPr>
+          <p:cNvPr id="3" name="Text Placeholder 2"/>
+          <p:cNvSpPr>
+            <a:spLocks noGrp="1"/>
+          </p:cNvSpPr>
+          <p:nvPr>
+            <p:ph type="body" idx="1"/>
+          </p:nvPr>
+        </p:nvSpPr>
+        <p:spPr/>
+        <p:txBody>
+          <a:bodyPr/>
+          <a:lstStyle/>
+          <a:p>
+            <a:pPr marL="0" indent="0">
+              <a:buNone/>
+            </a:pPr>
+            <a:r>
+              <a:rPr lang="en-US" b="1" dirty="0"/>
+              <a:t>At the end of this session you will be familiar with</a:t>
+            </a:r>
+            <a:r>
+              <a:rPr lang="en-US" b="1" dirty="0" smtClean="0"/>
+              <a:t>:</a:t>
+            </a:r>
+          </a:p>
+          <a:p>
+            <a:pPr marL="0" indent="0">
+              <a:buNone/>
+            </a:pPr>
+            <a:endParaRPr lang="en-US" dirty="0"/>
+          </a:p>
+          <a:p>
+            <a:r>
+              <a:rPr lang="en-US" dirty="0"/>
+              <a:t>What </a:t>
+            </a:r>
+            <a:r>
+              <a:rPr lang="en-US" dirty="0" err="1" smtClean="0"/>
+              <a:t>PsychoPy</a:t>
+            </a:r>
+            <a:r>
+              <a:rPr lang="en-US" dirty="0" smtClean="0"/>
+              <a:t> </a:t>
+            </a:r>
+            <a:r>
+              <a:rPr lang="en-US" dirty="0"/>
+              <a:t>and some similar applications can be used for.</a:t>
+            </a:r>
+          </a:p>
+          <a:p>
+            <a:r>
+              <a:rPr lang="en-US" dirty="0"/>
+              <a:t>The </a:t>
+            </a:r>
+            <a:r>
+              <a:rPr lang="en-US" dirty="0" err="1" smtClean="0"/>
+              <a:t>PsychoPy</a:t>
+            </a:r>
+            <a:r>
+              <a:rPr lang="en-US" dirty="0" smtClean="0"/>
+              <a:t> </a:t>
+            </a:r>
+            <a:r>
+              <a:rPr lang="en-US" dirty="0"/>
+              <a:t>programming environment</a:t>
+            </a:r>
+          </a:p>
+          <a:p>
+            <a:r>
+              <a:rPr lang="en-US" dirty="0"/>
+              <a:t>The flow of an </a:t>
+            </a:r>
+            <a:r>
+              <a:rPr lang="en-US" dirty="0" err="1" smtClean="0"/>
+              <a:t>PsychoPy</a:t>
+            </a:r>
+            <a:r>
+              <a:rPr lang="en-US" dirty="0" smtClean="0"/>
+              <a:t> </a:t>
+            </a:r>
+            <a:r>
+              <a:rPr lang="en-US" dirty="0"/>
+              <a:t>experiment</a:t>
+            </a:r>
+          </a:p>
+          <a:p>
+            <a:r>
+              <a:rPr lang="en-US" dirty="0"/>
+              <a:t>The display objects and their response objects</a:t>
+            </a:r>
+          </a:p>
+          <a:p>
+            <a:r>
+              <a:rPr lang="en-US" dirty="0" smtClean="0"/>
+              <a:t>Routines and Loops</a:t>
+            </a:r>
+          </a:p>
+          <a:p>
+            <a:pPr lvl="1"/>
+            <a:endParaRPr lang="en-US" dirty="0"/>
+          </a:p>
+          <a:p>
+            <a:pPr marL="0" indent="0">
+              <a:buNone/>
+            </a:pPr>
+            <a:r>
+              <a:rPr lang="en-US" b="1" dirty="0"/>
+              <a:t>At the end of the session you will be able to</a:t>
+            </a:r>
+            <a:r>
+              <a:rPr lang="en-US" b="1" dirty="0" smtClean="0"/>
+              <a:t>:</a:t>
+            </a:r>
+          </a:p>
+          <a:p>
+            <a:pPr marL="0" indent="0">
+              <a:buNone/>
+            </a:pPr>
+            <a:endParaRPr lang="en-US" dirty="0"/>
+          </a:p>
+          <a:p>
+            <a:r>
+              <a:rPr lang="en-GB" dirty="0" smtClean="0"/>
+              <a:t>Get yourself around the </a:t>
+            </a:r>
+            <a:r>
+              <a:rPr lang="en-GB" dirty="0" err="1" smtClean="0"/>
+              <a:t>PsychoPy</a:t>
+            </a:r>
+            <a:r>
+              <a:rPr lang="en-GB" dirty="0" smtClean="0"/>
+              <a:t> basic interface</a:t>
+            </a:r>
+          </a:p>
+          <a:p>
+            <a:r>
+              <a:rPr lang="en-GB" dirty="0" smtClean="0"/>
+              <a:t>Run experiments</a:t>
+            </a:r>
+            <a:endParaRPr lang="en-US" dirty="0" smtClean="0"/>
+          </a:p>
+          <a:p>
+            <a:r>
+              <a:rPr lang="en-US" dirty="0" smtClean="0"/>
+              <a:t>Do </a:t>
+            </a:r>
+            <a:r>
+              <a:rPr lang="en-US" dirty="0"/>
+              <a:t>basic editing on a pre-existing </a:t>
+            </a:r>
+            <a:r>
+              <a:rPr lang="en-US" dirty="0" smtClean="0"/>
+              <a:t>experiment</a:t>
+            </a:r>
+          </a:p>
+          <a:p>
+            <a:r>
+              <a:rPr lang="en-GB" dirty="0" smtClean="0"/>
+              <a:t>Be prepared for the next session</a:t>
+            </a:r>
+            <a:endParaRPr lang="en-US" dirty="0"/>
+          </a:p>
+          <a:p>
+            <a:pPr lvl="1"/>
+            <a:endParaRPr lang="en-US" dirty="0"/>
+          </a:p>
+        </p:txBody>
+      </p:sp>
+    </p:spTree>
+    <p:extLst>
+      <p:ext uri="{BB962C8B-B14F-4D97-AF65-F5344CB8AC3E}">
+        <p14:creationId xmlns:p14="http://schemas.microsoft.com/office/powerpoint/2010/main" val="1651248392"/>
+      </p:ext>
+    </p:extLst>
+  </p:cSld>
+  <p:clrMapOvr>
+    <a:masterClrMapping/>
+  </p:clrMapOvr>
+  <p:timing>
+    <p:tnLst>
+      <p:par>
+        <p:cTn id="1" dur="indefinite" restart="never" nodeType="tmRoot"/>
+      </p:par>
+    </p:tnLst>
+  </p:timing>
+</p:sld>
+</file>
+
+<file path=ppt/slides/slide4.xml><?xml version="1.0" encoding="utf-8"?>
+<p:sld xmlns:a="http://schemas.openxmlformats.org/drawingml/2006/main" xmlns:r="http://schemas.openxmlformats.org/officeDocument/2006/relationships" xmlns:p="http://schemas.openxmlformats.org/presentationml/2006/main">
+  <p:cSld>
+    <p:spTree>
+      <p:nvGrpSpPr>
+        <p:cNvPr id="1" name=""/>
+        <p:cNvGrpSpPr/>
+        <p:nvPr/>
+      </p:nvGrpSpPr>
+      <p:grpSpPr>
+        <a:xfrm>
+          <a:off x="0" y="0"/>
+          <a:ext cx="0" cy="0"/>
+          <a:chOff x="0" y="0"/>
+          <a:chExt cx="0" cy="0"/>
+        </a:xfrm>
+      </p:grpSpPr>
+      <p:sp>
+        <p:nvSpPr>
+          <p:cNvPr id="2" name="Title 1"/>
+          <p:cNvSpPr>
+            <a:spLocks noGrp="1"/>
+          </p:cNvSpPr>
+          <p:nvPr>
+            <p:ph type="title"/>
+          </p:nvPr>
+        </p:nvSpPr>
+        <p:spPr/>
+        <p:txBody>
+          <a:bodyPr/>
+          <a:lstStyle/>
+          <a:p>
+            <a:r>
+              <a:rPr lang="en-GB" dirty="0" smtClean="0"/>
               <a:t>Experimental software</a:t>
             </a:r>
             <a:endParaRPr lang="en-US" dirty="0"/>
@@ -14349,14 +15138,14 @@
           <p:nvPr>
             <p:extLst>
               <p:ext uri="{D42A27DB-BD31-4B8C-83A1-F6EECF244321}">
-                <p14:modId xmlns:p14="http://schemas.microsoft.com/office/powerpoint/2010/main" val="280733226"/>
+                <p14:modId xmlns:p14="http://schemas.microsoft.com/office/powerpoint/2010/main" val="2071089590"/>
               </p:ext>
             </p:extLst>
           </p:nvPr>
         </p:nvGraphicFramePr>
         <p:xfrm>
           <a:off x="524106" y="1916832"/>
-          <a:ext cx="7792311" cy="4091229"/>
+          <a:ext cx="7792311" cy="4678037"/>
         </p:xfrm>
         <a:graphic>
           <a:graphicData uri="http://schemas.openxmlformats.org/drawingml/2006/table">
@@ -14365,10 +15154,34 @@
                 <a:tableStyleId>{9DCAF9ED-07DC-4A11-8D7F-57B35C25682E}</a:tableStyleId>
               </a:tblPr>
               <a:tblGrid>
-                <a:gridCol w="1145500"/>
-                <a:gridCol w="609069"/>
-                <a:gridCol w="1083389"/>
-                <a:gridCol w="4954353"/>
+                <a:gridCol w="1145500">
+                  <a:extLst>
+                    <a:ext uri="{9D8B030D-6E8A-4147-A177-3AD203B41FA5}">
+                      <a16:colId xmlns:a16="http://schemas.microsoft.com/office/drawing/2014/main" val="20000"/>
+                    </a:ext>
+                  </a:extLst>
+                </a:gridCol>
+                <a:gridCol w="609069">
+                  <a:extLst>
+                    <a:ext uri="{9D8B030D-6E8A-4147-A177-3AD203B41FA5}">
+                      <a16:colId xmlns:a16="http://schemas.microsoft.com/office/drawing/2014/main" val="20001"/>
+                    </a:ext>
+                  </a:extLst>
+                </a:gridCol>
+                <a:gridCol w="1083389">
+                  <a:extLst>
+                    <a:ext uri="{9D8B030D-6E8A-4147-A177-3AD203B41FA5}">
+                      <a16:colId xmlns:a16="http://schemas.microsoft.com/office/drawing/2014/main" val="20002"/>
+                    </a:ext>
+                  </a:extLst>
+                </a:gridCol>
+                <a:gridCol w="4954353">
+                  <a:extLst>
+                    <a:ext uri="{9D8B030D-6E8A-4147-A177-3AD203B41FA5}">
+                      <a16:colId xmlns:a16="http://schemas.microsoft.com/office/drawing/2014/main" val="20003"/>
+                    </a:ext>
+                  </a:extLst>
+                </a:gridCol>
               </a:tblGrid>
               <a:tr h="360040">
                 <a:tc>
@@ -14427,6 +15240,11 @@
                   </a:txBody>
                   <a:tcPr/>
                 </a:tc>
+                <a:extLst>
+                  <a:ext uri="{0D108BD9-81ED-4DB2-BD59-A6C34878D82A}">
+                    <a16:rowId xmlns:a16="http://schemas.microsoft.com/office/drawing/2014/main" val="10000"/>
+                  </a:ext>
+                </a:extLst>
               </a:tr>
               <a:tr h="578295">
                 <a:tc>
@@ -14487,6 +15305,11 @@
                   </a:txBody>
                   <a:tcPr/>
                 </a:tc>
+                <a:extLst>
+                  <a:ext uri="{0D108BD9-81ED-4DB2-BD59-A6C34878D82A}">
+                    <a16:rowId xmlns:a16="http://schemas.microsoft.com/office/drawing/2014/main" val="10001"/>
+                  </a:ext>
+                </a:extLst>
               </a:tr>
               <a:tr h="998152">
                 <a:tc>
@@ -14622,12 +15445,47 @@
                             <a:srgbClr val="7030A0"/>
                           </a:solidFill>
                         </a:rPr>
-                        <a:t> recently.</a:t>
+                        <a:t> recently</a:t>
                       </a:r>
+                      <a:r>
+                        <a:rPr lang="en-GB" sz="1400" b="1" i="1" baseline="0" dirty="0" smtClean="0">
+                          <a:solidFill>
+                            <a:srgbClr val="7030A0"/>
+                          </a:solidFill>
+                        </a:rPr>
+                        <a:t>.</a:t>
+                      </a:r>
+                    </a:p>
+                    <a:p>
+                      <a:endParaRPr lang="en-GB" sz="1400" b="1" i="1" baseline="0" dirty="0" smtClean="0">
+                        <a:solidFill>
+                          <a:srgbClr val="7030A0"/>
+                        </a:solidFill>
+                      </a:endParaRPr>
+                    </a:p>
+                    <a:p>
+                      <a:r>
+                        <a:rPr lang="en-GB" sz="1400" b="1" i="1" baseline="0" dirty="0" smtClean="0">
+                          <a:solidFill>
+                            <a:srgbClr val="7030A0"/>
+                          </a:solidFill>
+                        </a:rPr>
+                        <a:t>Also web browser based experiment capabilities in Beta stage at the moment.  Not yet fully stable.</a:t>
+                      </a:r>
+                      <a:endParaRPr lang="en-GB" sz="1400" b="1" i="1" baseline="0" dirty="0" smtClean="0">
+                        <a:solidFill>
+                          <a:srgbClr val="7030A0"/>
+                        </a:solidFill>
+                      </a:endParaRPr>
                     </a:p>
                   </a:txBody>
                   <a:tcPr/>
                 </a:tc>
+                <a:extLst>
+                  <a:ext uri="{0D108BD9-81ED-4DB2-BD59-A6C34878D82A}">
+                    <a16:rowId xmlns:a16="http://schemas.microsoft.com/office/drawing/2014/main" val="10002"/>
+                  </a:ext>
+                </a:extLst>
               </a:tr>
               <a:tr h="998152">
                 <a:tc>
@@ -14692,6 +15550,11 @@
                   </a:txBody>
                   <a:tcPr/>
                 </a:tc>
+                <a:extLst>
+                  <a:ext uri="{0D108BD9-81ED-4DB2-BD59-A6C34878D82A}">
+                    <a16:rowId xmlns:a16="http://schemas.microsoft.com/office/drawing/2014/main" val="10003"/>
+                  </a:ext>
+                </a:extLst>
               </a:tr>
               <a:tr h="578295">
                 <a:tc>
@@ -14756,6 +15619,11 @@
                   </a:txBody>
                   <a:tcPr/>
                 </a:tc>
+                <a:extLst>
+                  <a:ext uri="{0D108BD9-81ED-4DB2-BD59-A6C34878D82A}">
+                    <a16:rowId xmlns:a16="http://schemas.microsoft.com/office/drawing/2014/main" val="10004"/>
+                  </a:ext>
+                </a:extLst>
               </a:tr>
               <a:tr h="578295">
                 <a:tc>
@@ -14814,6 +15682,11 @@
                   </a:txBody>
                   <a:tcPr/>
                 </a:tc>
+                <a:extLst>
+                  <a:ext uri="{0D108BD9-81ED-4DB2-BD59-A6C34878D82A}">
+                    <a16:rowId xmlns:a16="http://schemas.microsoft.com/office/drawing/2014/main" val="10005"/>
+                  </a:ext>
+                </a:extLst>
               </a:tr>
             </a:tbl>
           </a:graphicData>
@@ -14839,7 +15712,7 @@
 </p:sld>
 </file>
 
-<file path=ppt/slides/slide4.xml><?xml version="1.0" encoding="utf-8"?>
+<file path=ppt/slides/slide5.xml><?xml version="1.0" encoding="utf-8"?>
 <p:sld xmlns:a="http://schemas.openxmlformats.org/drawingml/2006/main" xmlns:r="http://schemas.openxmlformats.org/officeDocument/2006/relationships" xmlns:p="http://schemas.openxmlformats.org/presentationml/2006/main">
   <p:cSld>
     <p:spTree>
@@ -15159,721 +16032,6 @@
   <p:transition spd="slow">
     <p:cut/>
   </p:transition>
-  <p:timing>
-    <p:tnLst>
-      <p:par>
-        <p:cTn id="1" dur="indefinite" restart="never" nodeType="tmRoot"/>
-      </p:par>
-    </p:tnLst>
-  </p:timing>
-</p:sld>
-</file>
-
-<file path=ppt/slides/slide5.xml><?xml version="1.0" encoding="utf-8"?>
-<p:sld xmlns:a="http://schemas.openxmlformats.org/drawingml/2006/main" xmlns:r="http://schemas.openxmlformats.org/officeDocument/2006/relationships" xmlns:p="http://schemas.openxmlformats.org/presentationml/2006/main">
-  <p:cSld>
-    <p:spTree>
-      <p:nvGrpSpPr>
-        <p:cNvPr id="1" name=""/>
-        <p:cNvGrpSpPr/>
-        <p:nvPr/>
-      </p:nvGrpSpPr>
-      <p:grpSpPr>
-        <a:xfrm>
-          <a:off x="0" y="0"/>
-          <a:ext cx="0" cy="0"/>
-          <a:chOff x="0" y="0"/>
-          <a:chExt cx="0" cy="0"/>
-        </a:xfrm>
-      </p:grpSpPr>
-      <p:sp>
-        <p:nvSpPr>
-          <p:cNvPr id="2" name="Title 1"/>
-          <p:cNvSpPr>
-            <a:spLocks noGrp="1"/>
-          </p:cNvSpPr>
-          <p:nvPr>
-            <p:ph type="title"/>
-          </p:nvPr>
-        </p:nvSpPr>
-        <p:spPr/>
-        <p:txBody>
-          <a:bodyPr/>
-          <a:lstStyle/>
-          <a:p>
-            <a:r>
-              <a:rPr lang="en-GB" dirty="0" smtClean="0"/>
-              <a:t>Using and installing </a:t>
-            </a:r>
-            <a:r>
-              <a:rPr lang="en-GB" dirty="0" err="1" smtClean="0"/>
-              <a:t>PsychoPy</a:t>
-            </a:r>
-            <a:endParaRPr lang="en-US" dirty="0"/>
-          </a:p>
-        </p:txBody>
-      </p:sp>
-      <p:sp>
-        <p:nvSpPr>
-          <p:cNvPr id="3" name="Text Placeholder 2"/>
-          <p:cNvSpPr>
-            <a:spLocks noGrp="1"/>
-          </p:cNvSpPr>
-          <p:nvPr>
-            <p:ph type="body" idx="1"/>
-          </p:nvPr>
-        </p:nvSpPr>
-        <p:spPr/>
-        <p:txBody>
-          <a:bodyPr>
-            <a:normAutofit lnSpcReduction="10000"/>
-          </a:bodyPr>
-          <a:lstStyle/>
-          <a:p>
-            <a:pPr marL="76200" indent="0">
-              <a:buClr>
-                <a:schemeClr val="dk1"/>
-              </a:buClr>
-              <a:buSzPct val="100000"/>
-              <a:buNone/>
-            </a:pPr>
-            <a:r>
-              <a:rPr lang="en" sz="1400" dirty="0" smtClean="0">
-                <a:solidFill>
-                  <a:schemeClr val="tx1"/>
-                </a:solidFill>
-                <a:ea typeface="Courier New"/>
-                <a:cs typeface="Courier New"/>
-                <a:sym typeface="Courier New"/>
-              </a:rPr>
-              <a:t>For all of </a:t>
-            </a:r>
-            <a:r>
-              <a:rPr lang="en" sz="1400" dirty="0" smtClean="0">
-                <a:solidFill>
-                  <a:srgbClr val="FF0000"/>
-                </a:solidFill>
-                <a:ea typeface="Courier New"/>
-                <a:cs typeface="Courier New"/>
-                <a:sym typeface="Courier New"/>
-              </a:rPr>
-              <a:t>2017/18</a:t>
-            </a:r>
-            <a:r>
-              <a:rPr lang="en" sz="1400" dirty="0" smtClean="0">
-                <a:solidFill>
-                  <a:schemeClr val="tx1"/>
-                </a:solidFill>
-                <a:ea typeface="Courier New"/>
-                <a:cs typeface="Courier New"/>
-                <a:sym typeface="Courier New"/>
-              </a:rPr>
-              <a:t> </a:t>
-            </a:r>
-            <a:r>
-              <a:rPr lang="en" sz="1400" dirty="0" smtClean="0">
-                <a:solidFill>
-                  <a:schemeClr val="tx1"/>
-                </a:solidFill>
-                <a:ea typeface="Courier New"/>
-                <a:cs typeface="Courier New"/>
-                <a:sym typeface="Courier New"/>
-              </a:rPr>
-              <a:t>we are using </a:t>
-            </a:r>
-            <a:r>
-              <a:rPr lang="en" sz="1400" dirty="0" smtClean="0">
-                <a:solidFill>
-                  <a:srgbClr val="FF0000"/>
-                </a:solidFill>
-                <a:ea typeface="Courier New"/>
-                <a:cs typeface="Courier New"/>
-                <a:sym typeface="Courier New"/>
-              </a:rPr>
-              <a:t>v1.85.03</a:t>
-            </a:r>
-            <a:r>
-              <a:rPr lang="en" sz="1400" dirty="0" smtClean="0">
-                <a:solidFill>
-                  <a:schemeClr val="tx1"/>
-                </a:solidFill>
-                <a:ea typeface="Courier New"/>
-                <a:cs typeface="Courier New"/>
-                <a:sym typeface="Courier New"/>
-              </a:rPr>
-              <a:t> </a:t>
-            </a:r>
-            <a:r>
-              <a:rPr lang="en" sz="1400" dirty="0" smtClean="0">
-                <a:solidFill>
-                  <a:schemeClr val="tx1"/>
-                </a:solidFill>
-                <a:ea typeface="Courier New"/>
-                <a:cs typeface="Courier New"/>
-                <a:sym typeface="Courier New"/>
-              </a:rPr>
-              <a:t>of PsychoPy</a:t>
-            </a:r>
-          </a:p>
-          <a:p>
-            <a:pPr marL="76200" indent="0">
-              <a:buClr>
-                <a:schemeClr val="dk1"/>
-              </a:buClr>
-              <a:buSzPct val="100000"/>
-              <a:buNone/>
-            </a:pPr>
-            <a:endParaRPr lang="en" sz="1400" dirty="0" smtClean="0">
-              <a:solidFill>
-                <a:schemeClr val="tx1"/>
-              </a:solidFill>
-              <a:ea typeface="Courier New"/>
-              <a:cs typeface="Courier New"/>
-              <a:sym typeface="Courier New"/>
-            </a:endParaRPr>
-          </a:p>
-          <a:p>
-            <a:pPr marL="247650" indent="-171450">
-              <a:buClr>
-                <a:schemeClr val="accent1">
-                  <a:lumMod val="75000"/>
-                </a:schemeClr>
-              </a:buClr>
-              <a:buSzPct val="100000"/>
-            </a:pPr>
-            <a:r>
-              <a:rPr lang="en" sz="1400" dirty="0" smtClean="0">
-                <a:solidFill>
-                  <a:schemeClr val="tx1"/>
-                </a:solidFill>
-              </a:rPr>
-              <a:t> Fixed for consistency across School</a:t>
-            </a:r>
-          </a:p>
-          <a:p>
-            <a:pPr marL="247650" indent="-171450">
-              <a:buClr>
-                <a:schemeClr val="accent1">
-                  <a:lumMod val="75000"/>
-                </a:schemeClr>
-              </a:buClr>
-              <a:buSzPct val="100000"/>
-            </a:pPr>
-            <a:r>
-              <a:rPr lang="en" sz="1400" dirty="0" smtClean="0">
-                <a:solidFill>
-                  <a:schemeClr val="tx1"/>
-                </a:solidFill>
-              </a:rPr>
-              <a:t> Experiments </a:t>
-            </a:r>
-            <a:r>
-              <a:rPr lang="en" sz="1400" dirty="0">
-                <a:solidFill>
-                  <a:schemeClr val="tx1"/>
-                </a:solidFill>
-              </a:rPr>
-              <a:t>created in an older version should upgrade </a:t>
-            </a:r>
-            <a:r>
-              <a:rPr lang="en" sz="1400" dirty="0" smtClean="0">
-                <a:solidFill>
-                  <a:schemeClr val="tx1"/>
-                </a:solidFill>
-              </a:rPr>
-              <a:t>fine.</a:t>
-            </a:r>
-          </a:p>
-          <a:p>
-            <a:pPr marL="762000" lvl="1">
-              <a:buClr>
-                <a:schemeClr val="accent1">
-                  <a:lumMod val="75000"/>
-                </a:schemeClr>
-              </a:buClr>
-              <a:buSzPct val="100000"/>
-              <a:buFont typeface="Wingdings" panose="05000000000000000000" pitchFamily="2" charset="2"/>
-              <a:buChar char="§"/>
-            </a:pPr>
-            <a:r>
-              <a:rPr lang="en" sz="1400" dirty="0" smtClean="0">
-                <a:solidFill>
-                  <a:schemeClr val="tx1"/>
-                </a:solidFill>
-              </a:rPr>
-              <a:t> Let </a:t>
-            </a:r>
-            <a:r>
-              <a:rPr lang="en" sz="1400" dirty="0">
-                <a:solidFill>
-                  <a:schemeClr val="tx1"/>
-                </a:solidFill>
-              </a:rPr>
-              <a:t>us know if you have any </a:t>
-            </a:r>
-            <a:r>
-              <a:rPr lang="en" sz="1400" dirty="0" smtClean="0">
-                <a:solidFill>
-                  <a:schemeClr val="tx1"/>
-                </a:solidFill>
-              </a:rPr>
-              <a:t>problems with any upgrade process.</a:t>
-            </a:r>
-          </a:p>
-          <a:p>
-            <a:pPr marL="247650" indent="-171450">
-              <a:buClr>
-                <a:schemeClr val="accent1">
-                  <a:lumMod val="75000"/>
-                </a:schemeClr>
-              </a:buClr>
-              <a:buSzPct val="100000"/>
-            </a:pPr>
-            <a:r>
-              <a:rPr lang="en" sz="1400" dirty="0" smtClean="0">
-                <a:solidFill>
-                  <a:srgbClr val="FF0000"/>
-                </a:solidFill>
-              </a:rPr>
-              <a:t> Warning</a:t>
-            </a:r>
-            <a:r>
-              <a:rPr lang="en" sz="1400" dirty="0">
-                <a:solidFill>
-                  <a:srgbClr val="FF0000"/>
-                </a:solidFill>
-              </a:rPr>
-              <a:t>! </a:t>
-            </a:r>
-            <a:r>
-              <a:rPr lang="en" sz="1400" dirty="0">
-                <a:solidFill>
-                  <a:schemeClr val="tx1"/>
-                </a:solidFill>
-              </a:rPr>
-              <a:t>- Experiments created in an newer version will not run </a:t>
-            </a:r>
-            <a:r>
-              <a:rPr lang="en" sz="1400" dirty="0" smtClean="0">
-                <a:solidFill>
-                  <a:schemeClr val="tx1"/>
-                </a:solidFill>
-              </a:rPr>
-              <a:t>properly on an older version!</a:t>
-            </a:r>
-          </a:p>
-          <a:p>
-            <a:pPr marL="247650" indent="-171450">
-              <a:buClr>
-                <a:schemeClr val="accent1">
-                  <a:lumMod val="75000"/>
-                </a:schemeClr>
-              </a:buClr>
-              <a:buSzPct val="100000"/>
-            </a:pPr>
-            <a:r>
-              <a:rPr lang="en" sz="1400" dirty="0" smtClean="0">
-                <a:solidFill>
-                  <a:schemeClr val="tx1"/>
-                </a:solidFill>
-              </a:rPr>
-              <a:t> Any </a:t>
-            </a:r>
-            <a:r>
-              <a:rPr lang="en" sz="1400" dirty="0">
-                <a:solidFill>
-                  <a:schemeClr val="tx1"/>
-                </a:solidFill>
-              </a:rPr>
-              <a:t>upgrade to the version will only occur if a major bug is found with PsychoPy, and will be communicated</a:t>
-            </a:r>
-            <a:r>
-              <a:rPr lang="en" sz="1400" dirty="0" smtClean="0">
-                <a:solidFill>
-                  <a:schemeClr val="tx1"/>
-                </a:solidFill>
-              </a:rPr>
-              <a:t>.</a:t>
-            </a:r>
-          </a:p>
-          <a:p>
-            <a:pPr marL="247650" indent="-171450">
-              <a:buClr>
-                <a:schemeClr val="dk1"/>
-              </a:buClr>
-              <a:buSzPct val="100000"/>
-            </a:pPr>
-            <a:endParaRPr lang="en" sz="1400" u="sng" dirty="0">
-              <a:solidFill>
-                <a:schemeClr val="tx1"/>
-              </a:solidFill>
-              <a:ea typeface="Courier New"/>
-              <a:cs typeface="Courier New"/>
-              <a:sym typeface="Courier New"/>
-              <a:hlinkClick r:id="rId2"/>
-            </a:endParaRPr>
-          </a:p>
-          <a:p>
-            <a:pPr marL="76200" indent="0">
-              <a:buClr>
-                <a:schemeClr val="dk1"/>
-              </a:buClr>
-              <a:buSzPct val="100000"/>
-              <a:buNone/>
-            </a:pPr>
-            <a:r>
-              <a:rPr lang="en" sz="1500" b="1" dirty="0" smtClean="0">
-                <a:solidFill>
-                  <a:schemeClr val="tx1"/>
-                </a:solidFill>
-                <a:ea typeface="Courier New"/>
-                <a:cs typeface="Courier New"/>
-                <a:sym typeface="Courier New"/>
-              </a:rPr>
-              <a:t>Installation instructions</a:t>
-            </a:r>
-          </a:p>
-          <a:p>
-            <a:pPr marL="76200" indent="0">
-              <a:buClr>
-                <a:schemeClr val="dk1"/>
-              </a:buClr>
-              <a:buSzPct val="100000"/>
-              <a:buNone/>
-            </a:pPr>
-            <a:endParaRPr lang="en" sz="1400" b="1" dirty="0">
-              <a:solidFill>
-                <a:schemeClr val="tx1"/>
-              </a:solidFill>
-              <a:ea typeface="Courier New"/>
-              <a:cs typeface="Courier New"/>
-              <a:sym typeface="Courier New"/>
-            </a:endParaRPr>
-          </a:p>
-          <a:p>
-            <a:pPr marL="76200" indent="0">
-              <a:buClr>
-                <a:schemeClr val="dk1"/>
-              </a:buClr>
-              <a:buSzPct val="100000"/>
-              <a:buNone/>
-            </a:pPr>
-            <a:r>
-              <a:rPr lang="en" sz="1400" dirty="0" smtClean="0">
-                <a:solidFill>
-                  <a:schemeClr val="tx1"/>
-                </a:solidFill>
-                <a:ea typeface="Courier New"/>
-                <a:cs typeface="Courier New"/>
-                <a:sym typeface="Courier New"/>
-              </a:rPr>
-              <a:t>Student/staff PC’s (like you are on now), should already have it installed on the PC you are on.  We show how to load it a few slides on…</a:t>
-            </a:r>
-          </a:p>
-          <a:p>
-            <a:pPr marL="76200" indent="0">
-              <a:buClr>
-                <a:schemeClr val="dk1"/>
-              </a:buClr>
-              <a:buSzPct val="100000"/>
-              <a:buNone/>
-            </a:pPr>
-            <a:endParaRPr lang="en" sz="1400" dirty="0">
-              <a:solidFill>
-                <a:schemeClr val="tx1"/>
-              </a:solidFill>
-              <a:ea typeface="Courier New"/>
-              <a:cs typeface="Courier New"/>
-              <a:sym typeface="Courier New"/>
-            </a:endParaRPr>
-          </a:p>
-          <a:p>
-            <a:pPr marL="76200" indent="0">
-              <a:buClr>
-                <a:schemeClr val="dk1"/>
-              </a:buClr>
-              <a:buSzPct val="100000"/>
-              <a:buNone/>
-            </a:pPr>
-            <a:r>
-              <a:rPr lang="en" sz="1400" b="1" dirty="0" smtClean="0">
-                <a:solidFill>
-                  <a:schemeClr val="tx1"/>
-                </a:solidFill>
-                <a:ea typeface="Courier New"/>
-                <a:cs typeface="Courier New"/>
-                <a:sym typeface="Courier New"/>
-              </a:rPr>
-              <a:t>For home use, visit:</a:t>
-            </a:r>
-          </a:p>
-          <a:p>
-            <a:pPr marL="76200" indent="0">
-              <a:buClr>
-                <a:schemeClr val="dk1"/>
-              </a:buClr>
-              <a:buSzPct val="100000"/>
-              <a:buNone/>
-            </a:pPr>
-            <a:endParaRPr lang="en" sz="1400" u="sng" dirty="0" smtClean="0">
-              <a:solidFill>
-                <a:schemeClr val="tx1"/>
-              </a:solidFill>
-              <a:ea typeface="Courier New"/>
-              <a:cs typeface="Courier New"/>
-              <a:sym typeface="Courier New"/>
-              <a:hlinkClick r:id="rId2"/>
-            </a:endParaRPr>
-          </a:p>
-          <a:p>
-            <a:pPr marL="76200" lvl="0" indent="0">
-              <a:buClr>
-                <a:schemeClr val="dk1"/>
-              </a:buClr>
-              <a:buSzPct val="100000"/>
-              <a:buNone/>
-            </a:pPr>
-            <a:r>
-              <a:rPr lang="en" sz="1400" u="sng" dirty="0" smtClean="0">
-                <a:solidFill>
-                  <a:srgbClr val="FF0000"/>
-                </a:solidFill>
-                <a:ea typeface="Courier New"/>
-                <a:cs typeface="Courier New"/>
-                <a:sym typeface="Courier New"/>
-                <a:hlinkClick r:id="rId2"/>
-              </a:rPr>
-              <a:t>http</a:t>
-            </a:r>
-            <a:r>
-              <a:rPr lang="en" sz="1400" u="sng" dirty="0">
-                <a:solidFill>
-                  <a:srgbClr val="FF0000"/>
-                </a:solidFill>
-                <a:ea typeface="Courier New"/>
-                <a:cs typeface="Courier New"/>
-                <a:sym typeface="Courier New"/>
-                <a:hlinkClick r:id="rId2"/>
-              </a:rPr>
-              <a:t>://psychopy.org</a:t>
-            </a:r>
-            <a:r>
-              <a:rPr lang="en" sz="1400" u="sng" dirty="0" smtClean="0">
-                <a:solidFill>
-                  <a:srgbClr val="FF0000"/>
-                </a:solidFill>
-                <a:ea typeface="Courier New"/>
-                <a:cs typeface="Courier New"/>
-                <a:sym typeface="Courier New"/>
-                <a:hlinkClick r:id="rId2"/>
-              </a:rPr>
-              <a:t>/</a:t>
-            </a:r>
-          </a:p>
-          <a:p>
-            <a:pPr marL="76200" lvl="0" indent="0">
-              <a:buClr>
-                <a:schemeClr val="dk1"/>
-              </a:buClr>
-              <a:buSzPct val="100000"/>
-              <a:buNone/>
-            </a:pPr>
-            <a:endParaRPr lang="en" sz="1400" u="sng" dirty="0">
-              <a:solidFill>
-                <a:schemeClr val="tx1"/>
-              </a:solidFill>
-              <a:ea typeface="Courier New"/>
-              <a:cs typeface="Courier New"/>
-              <a:sym typeface="Courier New"/>
-              <a:hlinkClick r:id="rId2"/>
-            </a:endParaRPr>
-          </a:p>
-          <a:p>
-            <a:pPr marL="704850" lvl="1" indent="-228600">
-              <a:buClr>
-                <a:schemeClr val="dk1"/>
-              </a:buClr>
-              <a:buSzPct val="100000"/>
-              <a:buFont typeface="+mj-lt"/>
-              <a:buAutoNum type="arabicPeriod"/>
-            </a:pPr>
-            <a:r>
-              <a:rPr lang="en" sz="1300" dirty="0" smtClean="0">
-                <a:solidFill>
-                  <a:schemeClr val="tx1"/>
-                </a:solidFill>
-              </a:rPr>
-              <a:t>Select </a:t>
-            </a:r>
-            <a:r>
-              <a:rPr lang="en" sz="1300" dirty="0">
-                <a:solidFill>
-                  <a:schemeClr val="tx1"/>
-                </a:solidFill>
-              </a:rPr>
-              <a:t>the </a:t>
-            </a:r>
-            <a:r>
-              <a:rPr lang="en" sz="1300" dirty="0">
-                <a:solidFill>
-                  <a:schemeClr val="tx1"/>
-                </a:solidFill>
-                <a:ea typeface="Courier New"/>
-                <a:cs typeface="Courier New"/>
-                <a:sym typeface="Courier New"/>
-              </a:rPr>
-              <a:t>DOWNLOAD</a:t>
-            </a:r>
-            <a:r>
-              <a:rPr lang="en" sz="1300" dirty="0">
-                <a:solidFill>
-                  <a:schemeClr val="tx1"/>
-                </a:solidFill>
-              </a:rPr>
-              <a:t> link </a:t>
-            </a:r>
-            <a:r>
-              <a:rPr lang="en" sz="1300" dirty="0" smtClean="0">
-                <a:solidFill>
-                  <a:schemeClr val="tx1"/>
-                </a:solidFill>
-              </a:rPr>
-              <a:t>- </a:t>
-            </a:r>
-            <a:r>
-              <a:rPr lang="en" sz="1300" dirty="0">
-                <a:solidFill>
-                  <a:schemeClr val="tx1"/>
-                </a:solidFill>
-              </a:rPr>
-              <a:t>this takes you to the SOURCEFORGE website which hosts the download files</a:t>
-            </a:r>
-          </a:p>
-          <a:p>
-            <a:pPr marL="704850" lvl="1" indent="-228600">
-              <a:buClr>
-                <a:schemeClr val="dk1"/>
-              </a:buClr>
-              <a:buSzPct val="100000"/>
-              <a:buFont typeface="+mj-lt"/>
-              <a:buAutoNum type="arabicPeriod"/>
-            </a:pPr>
-            <a:r>
-              <a:rPr lang="en" sz="1300" dirty="0">
-                <a:solidFill>
-                  <a:schemeClr val="tx1"/>
-                </a:solidFill>
-              </a:rPr>
-              <a:t>Select the PsychoPy folder and then choose the appropriate installer to download and then </a:t>
-            </a:r>
-            <a:r>
-              <a:rPr lang="en" sz="1300" dirty="0" smtClean="0">
-                <a:solidFill>
-                  <a:schemeClr val="tx1"/>
-                </a:solidFill>
-              </a:rPr>
-              <a:t>run</a:t>
-            </a:r>
-          </a:p>
-          <a:p>
-            <a:pPr marL="704850" lvl="1" indent="-228600">
-              <a:buClr>
-                <a:schemeClr val="dk1"/>
-              </a:buClr>
-              <a:buSzPct val="100000"/>
-              <a:buFont typeface="+mj-lt"/>
-              <a:buAutoNum type="arabicPeriod"/>
-            </a:pPr>
-            <a:r>
-              <a:rPr lang="en" sz="1300" dirty="0" smtClean="0">
-                <a:solidFill>
-                  <a:schemeClr val="tx1"/>
-                </a:solidFill>
-              </a:rPr>
-              <a:t>If </a:t>
-            </a:r>
-            <a:r>
-              <a:rPr lang="en" sz="1300" dirty="0">
-                <a:solidFill>
-                  <a:schemeClr val="tx1"/>
-                </a:solidFill>
-              </a:rPr>
-              <a:t>in doubt, choose the latest ‘STANDALONE’ version, MAC or Windows as </a:t>
-            </a:r>
-            <a:r>
-              <a:rPr lang="en" sz="1300" dirty="0" smtClean="0">
-                <a:solidFill>
-                  <a:schemeClr val="tx1"/>
-                </a:solidFill>
-              </a:rPr>
-              <a:t>appropriate</a:t>
-            </a:r>
-            <a:endParaRPr lang="en" sz="1300" dirty="0">
-              <a:solidFill>
-                <a:schemeClr val="tx1"/>
-              </a:solidFill>
-            </a:endParaRPr>
-          </a:p>
-          <a:p>
-            <a:pPr marL="704850" lvl="1" indent="-228600">
-              <a:buClr>
-                <a:schemeClr val="dk1"/>
-              </a:buClr>
-              <a:buSzPct val="100000"/>
-              <a:buFont typeface="+mj-lt"/>
-              <a:buAutoNum type="arabicPeriod"/>
-            </a:pPr>
-            <a:r>
-              <a:rPr lang="en" sz="1300" dirty="0">
-                <a:solidFill>
-                  <a:schemeClr val="tx1"/>
-                </a:solidFill>
-              </a:rPr>
-              <a:t>see also </a:t>
-            </a:r>
-            <a:r>
-              <a:rPr lang="en" sz="1300" u="sng" dirty="0">
-                <a:solidFill>
-                  <a:schemeClr val="tx1"/>
-                </a:solidFill>
-                <a:ea typeface="Courier New"/>
-                <a:cs typeface="Courier New"/>
-                <a:sym typeface="Courier New"/>
-                <a:hlinkClick r:id="rId3"/>
-              </a:rPr>
-              <a:t>www.psychopy.org/installation</a:t>
-            </a:r>
-            <a:r>
-              <a:rPr lang="en" sz="1300" dirty="0">
-                <a:solidFill>
-                  <a:schemeClr val="tx1"/>
-                </a:solidFill>
-              </a:rPr>
-              <a:t> </a:t>
-            </a:r>
-          </a:p>
-          <a:p>
-            <a:pPr marL="0" indent="0">
-              <a:buNone/>
-            </a:pPr>
-            <a:endParaRPr lang="en-GB" sz="1200" dirty="0" smtClean="0">
-              <a:solidFill>
-                <a:schemeClr val="tx1"/>
-              </a:solidFill>
-            </a:endParaRPr>
-          </a:p>
-        </p:txBody>
-      </p:sp>
-    </p:spTree>
-    <p:extLst>
-      <p:ext uri="{BB962C8B-B14F-4D97-AF65-F5344CB8AC3E}">
-        <p14:creationId xmlns:p14="http://schemas.microsoft.com/office/powerpoint/2010/main" val="25062452"/>
-      </p:ext>
-    </p:extLst>
-  </p:cSld>
-  <p:clrMapOvr>
-    <a:masterClrMapping/>
-  </p:clrMapOvr>
   <p:timing>
     <p:tnLst>
       <p:par>
@@ -15918,7 +16076,11 @@
           <a:p>
             <a:r>
               <a:rPr lang="en-GB" dirty="0" smtClean="0"/>
-              <a:t>Know your file types</a:t>
+              <a:t>Using and installing </a:t>
+            </a:r>
+            <a:r>
+              <a:rPr lang="en-GB" dirty="0" err="1" smtClean="0"/>
+              <a:t>PsychoPy</a:t>
             </a:r>
             <a:endParaRPr lang="en-US" dirty="0"/>
           </a:p>
@@ -15936,201 +16098,620 @@
         </p:nvSpPr>
         <p:spPr/>
         <p:txBody>
-          <a:bodyPr/>
+          <a:bodyPr>
+            <a:normAutofit/>
+          </a:bodyPr>
           <a:lstStyle/>
           <a:p>
             <a:pPr marL="76200" indent="0">
+              <a:buClr>
+                <a:schemeClr val="dk1"/>
+              </a:buClr>
               <a:buSzPct val="100000"/>
               <a:buNone/>
             </a:pPr>
             <a:r>
-              <a:rPr lang="en" sz="2000" dirty="0" smtClean="0">
+              <a:rPr lang="en" sz="1400" dirty="0" smtClean="0">
+                <a:solidFill>
+                  <a:schemeClr val="tx1"/>
+                </a:solidFill>
                 <a:ea typeface="Courier New"/>
                 <a:cs typeface="Courier New"/>
                 <a:sym typeface="Courier New"/>
               </a:rPr>
-              <a:t>Experimental files:</a:t>
-            </a:r>
-          </a:p>
-          <a:p>
-            <a:pPr marL="361950" indent="-285750">
+              <a:t>For all of </a:t>
+            </a:r>
+            <a:r>
+              <a:rPr lang="en" sz="1400" dirty="0" smtClean="0">
+                <a:solidFill>
+                  <a:srgbClr val="FF0000"/>
+                </a:solidFill>
+                <a:ea typeface="Courier New"/>
+                <a:cs typeface="Courier New"/>
+                <a:sym typeface="Courier New"/>
+              </a:rPr>
+              <a:t>2018/19</a:t>
+            </a:r>
+            <a:r>
+              <a:rPr lang="en" sz="1400" dirty="0" smtClean="0">
+                <a:solidFill>
+                  <a:schemeClr val="tx1"/>
+                </a:solidFill>
+                <a:ea typeface="Courier New"/>
+                <a:cs typeface="Courier New"/>
+                <a:sym typeface="Courier New"/>
+              </a:rPr>
+              <a:t> </a:t>
+            </a:r>
+            <a:r>
+              <a:rPr lang="en" sz="1400" dirty="0" smtClean="0">
+                <a:solidFill>
+                  <a:schemeClr val="tx1"/>
+                </a:solidFill>
+                <a:ea typeface="Courier New"/>
+                <a:cs typeface="Courier New"/>
+                <a:sym typeface="Courier New"/>
+              </a:rPr>
+              <a:t>we are using </a:t>
+            </a:r>
+            <a:r>
+              <a:rPr lang="en" sz="1400" dirty="0" smtClean="0">
+                <a:solidFill>
+                  <a:srgbClr val="FF0000"/>
+                </a:solidFill>
+                <a:ea typeface="Courier New"/>
+                <a:cs typeface="Courier New"/>
+                <a:sym typeface="Courier New"/>
+              </a:rPr>
+              <a:t>v1.85.03</a:t>
+            </a:r>
+            <a:r>
+              <a:rPr lang="en" sz="1400" dirty="0" smtClean="0">
+                <a:solidFill>
+                  <a:schemeClr val="tx1"/>
+                </a:solidFill>
+                <a:ea typeface="Courier New"/>
+                <a:cs typeface="Courier New"/>
+                <a:sym typeface="Courier New"/>
+              </a:rPr>
+              <a:t> of PsychoPy</a:t>
+            </a:r>
+          </a:p>
+          <a:p>
+            <a:pPr marL="76200" indent="0">
+              <a:buClr>
+                <a:schemeClr val="dk1"/>
+              </a:buClr>
               <a:buSzPct val="100000"/>
-            </a:pPr>
-            <a:endParaRPr lang="en" dirty="0">
-              <a:latin typeface="Courier New"/>
+              <a:buNone/>
+            </a:pPr>
+            <a:endParaRPr lang="en" sz="1400" dirty="0" smtClean="0">
+              <a:solidFill>
+                <a:schemeClr val="tx1"/>
+              </a:solidFill>
               <a:ea typeface="Courier New"/>
               <a:cs typeface="Courier New"/>
               <a:sym typeface="Courier New"/>
             </a:endParaRPr>
           </a:p>
           <a:p>
-            <a:pPr marL="361950" indent="-285750">
+            <a:pPr marL="247650" indent="-171450">
+              <a:buClr>
+                <a:schemeClr val="accent1">
+                  <a:lumMod val="75000"/>
+                </a:schemeClr>
+              </a:buClr>
               <a:buSzPct val="100000"/>
             </a:pPr>
             <a:r>
-              <a:rPr lang="en" dirty="0" smtClean="0">
-                <a:latin typeface="Courier New"/>
+              <a:rPr lang="en" sz="1400" dirty="0" smtClean="0">
+                <a:solidFill>
+                  <a:schemeClr val="tx1"/>
+                </a:solidFill>
+              </a:rPr>
+              <a:t> Fixed for consistency across </a:t>
+            </a:r>
+            <a:r>
+              <a:rPr lang="en" sz="1400" dirty="0" smtClean="0">
+                <a:solidFill>
+                  <a:schemeClr val="tx1"/>
+                </a:solidFill>
+              </a:rPr>
+              <a:t>School</a:t>
+            </a:r>
+          </a:p>
+          <a:p>
+            <a:pPr marL="247650" indent="-171450">
+              <a:buClr>
+                <a:schemeClr val="accent1">
+                  <a:lumMod val="75000"/>
+                </a:schemeClr>
+              </a:buClr>
+              <a:buSzPct val="100000"/>
+            </a:pPr>
+            <a:r>
+              <a:rPr lang="en" sz="1400" dirty="0">
+                <a:solidFill>
+                  <a:schemeClr val="tx1"/>
+                </a:solidFill>
+              </a:rPr>
+              <a:t> </a:t>
+            </a:r>
+            <a:r>
+              <a:rPr lang="en" sz="1400" dirty="0" smtClean="0">
+                <a:solidFill>
+                  <a:schemeClr val="tx1"/>
+                </a:solidFill>
+              </a:rPr>
+              <a:t>Sticking on an older version for now due to stability issues with the latest version</a:t>
+            </a:r>
+            <a:endParaRPr lang="en" sz="1400" dirty="0" smtClean="0">
+              <a:solidFill>
+                <a:schemeClr val="tx1"/>
+              </a:solidFill>
+            </a:endParaRPr>
+          </a:p>
+          <a:p>
+            <a:pPr marL="247650" indent="-171450">
+              <a:buClr>
+                <a:schemeClr val="accent1">
+                  <a:lumMod val="75000"/>
+                </a:schemeClr>
+              </a:buClr>
+              <a:buSzPct val="100000"/>
+            </a:pPr>
+            <a:r>
+              <a:rPr lang="en" sz="1400" dirty="0" smtClean="0">
+                <a:solidFill>
+                  <a:schemeClr val="tx1"/>
+                </a:solidFill>
+              </a:rPr>
+              <a:t> Experiments </a:t>
+            </a:r>
+            <a:r>
+              <a:rPr lang="en" sz="1400" dirty="0">
+                <a:solidFill>
+                  <a:schemeClr val="tx1"/>
+                </a:solidFill>
+              </a:rPr>
+              <a:t>created in an older version should upgrade </a:t>
+            </a:r>
+            <a:r>
+              <a:rPr lang="en" sz="1400" dirty="0" smtClean="0">
+                <a:solidFill>
+                  <a:schemeClr val="tx1"/>
+                </a:solidFill>
+              </a:rPr>
+              <a:t>fine.</a:t>
+            </a:r>
+          </a:p>
+          <a:p>
+            <a:pPr marL="762000" lvl="1">
+              <a:buClr>
+                <a:schemeClr val="accent1">
+                  <a:lumMod val="75000"/>
+                </a:schemeClr>
+              </a:buClr>
+              <a:buSzPct val="100000"/>
+              <a:buFont typeface="Wingdings" panose="05000000000000000000" pitchFamily="2" charset="2"/>
+              <a:buChar char="§"/>
+            </a:pPr>
+            <a:r>
+              <a:rPr lang="en" sz="1400" dirty="0" smtClean="0">
+                <a:solidFill>
+                  <a:schemeClr val="tx1"/>
+                </a:solidFill>
+              </a:rPr>
+              <a:t> Let </a:t>
+            </a:r>
+            <a:r>
+              <a:rPr lang="en" sz="1400" dirty="0">
+                <a:solidFill>
+                  <a:schemeClr val="tx1"/>
+                </a:solidFill>
+              </a:rPr>
+              <a:t>us know if you have any </a:t>
+            </a:r>
+            <a:r>
+              <a:rPr lang="en" sz="1400" dirty="0" smtClean="0">
+                <a:solidFill>
+                  <a:schemeClr val="tx1"/>
+                </a:solidFill>
+              </a:rPr>
+              <a:t>problems with any upgrade process.</a:t>
+            </a:r>
+          </a:p>
+          <a:p>
+            <a:pPr marL="247650" indent="-171450">
+              <a:buClr>
+                <a:schemeClr val="accent1">
+                  <a:lumMod val="75000"/>
+                </a:schemeClr>
+              </a:buClr>
+              <a:buSzPct val="100000"/>
+            </a:pPr>
+            <a:r>
+              <a:rPr lang="en" sz="1400" dirty="0" smtClean="0">
+                <a:solidFill>
+                  <a:srgbClr val="FF0000"/>
+                </a:solidFill>
+              </a:rPr>
+              <a:t> Warning</a:t>
+            </a:r>
+            <a:r>
+              <a:rPr lang="en" sz="1400" dirty="0">
+                <a:solidFill>
+                  <a:srgbClr val="FF0000"/>
+                </a:solidFill>
+              </a:rPr>
+              <a:t>! </a:t>
+            </a:r>
+            <a:r>
+              <a:rPr lang="en" sz="1400" dirty="0">
+                <a:solidFill>
+                  <a:schemeClr val="tx1"/>
+                </a:solidFill>
+              </a:rPr>
+              <a:t>- Experiments created in an newer version </a:t>
+            </a:r>
+            <a:r>
+              <a:rPr lang="en" sz="1400" dirty="0" smtClean="0">
+                <a:solidFill>
+                  <a:schemeClr val="tx1"/>
+                </a:solidFill>
+              </a:rPr>
+              <a:t>MAY not </a:t>
+            </a:r>
+            <a:r>
+              <a:rPr lang="en" sz="1400" dirty="0">
+                <a:solidFill>
+                  <a:schemeClr val="tx1"/>
+                </a:solidFill>
+              </a:rPr>
+              <a:t>run </a:t>
+            </a:r>
+            <a:r>
+              <a:rPr lang="en" sz="1400" dirty="0" smtClean="0">
+                <a:solidFill>
+                  <a:schemeClr val="tx1"/>
+                </a:solidFill>
+              </a:rPr>
+              <a:t>properly on an older version!</a:t>
+            </a:r>
+          </a:p>
+          <a:p>
+            <a:pPr marL="76200" indent="0">
+              <a:buClr>
+                <a:schemeClr val="dk1"/>
+              </a:buClr>
+              <a:buSzPct val="100000"/>
+              <a:buNone/>
+            </a:pPr>
+            <a:endParaRPr lang="en" sz="1400" u="sng" dirty="0">
+              <a:solidFill>
+                <a:schemeClr val="tx1"/>
+              </a:solidFill>
+              <a:ea typeface="Courier New"/>
+              <a:cs typeface="Courier New"/>
+              <a:sym typeface="Courier New"/>
+              <a:hlinkClick r:id="rId2"/>
+            </a:endParaRPr>
+          </a:p>
+          <a:p>
+            <a:pPr marL="76200" indent="0">
+              <a:buClr>
+                <a:schemeClr val="dk1"/>
+              </a:buClr>
+              <a:buSzPct val="100000"/>
+              <a:buNone/>
+            </a:pPr>
+            <a:r>
+              <a:rPr lang="en" sz="1500" b="1" dirty="0" smtClean="0">
+                <a:solidFill>
+                  <a:schemeClr val="tx1"/>
+                </a:solidFill>
                 <a:ea typeface="Courier New"/>
                 <a:cs typeface="Courier New"/>
                 <a:sym typeface="Courier New"/>
               </a:rPr>
-              <a:t>*.</a:t>
-            </a:r>
-            <a:r>
-              <a:rPr lang="en" dirty="0">
-                <a:latin typeface="Courier New"/>
+              <a:t>Installation instructions</a:t>
+            </a:r>
+          </a:p>
+          <a:p>
+            <a:pPr marL="76200" indent="0">
+              <a:buClr>
+                <a:schemeClr val="dk1"/>
+              </a:buClr>
+              <a:buSzPct val="100000"/>
+              <a:buNone/>
+            </a:pPr>
+            <a:endParaRPr lang="en" sz="1400" b="1" dirty="0">
+              <a:solidFill>
+                <a:schemeClr val="tx1"/>
+              </a:solidFill>
+              <a:ea typeface="Courier New"/>
+              <a:cs typeface="Courier New"/>
+              <a:sym typeface="Courier New"/>
+            </a:endParaRPr>
+          </a:p>
+          <a:p>
+            <a:pPr marL="76200" indent="0">
+              <a:buClr>
+                <a:schemeClr val="dk1"/>
+              </a:buClr>
+              <a:buSzPct val="100000"/>
+              <a:buNone/>
+            </a:pPr>
+            <a:r>
+              <a:rPr lang="en" sz="1400" dirty="0" smtClean="0">
+                <a:solidFill>
+                  <a:schemeClr val="tx1"/>
+                </a:solidFill>
                 <a:ea typeface="Courier New"/>
                 <a:cs typeface="Courier New"/>
                 <a:sym typeface="Courier New"/>
               </a:rPr>
-              <a:t>psyexp</a:t>
-            </a:r>
-            <a:r>
-              <a:rPr lang="en" dirty="0"/>
-              <a:t> : these are PsychoPy </a:t>
-            </a:r>
-            <a:r>
-              <a:rPr lang="en" dirty="0">
-                <a:latin typeface="Courier New"/>
+              <a:t>Student/staff PC’s (like you are on now), should already have it installed on the PC you are on.  We show how to load it a few slides on…</a:t>
+            </a:r>
+          </a:p>
+          <a:p>
+            <a:pPr marL="76200" indent="0">
+              <a:buClr>
+                <a:schemeClr val="dk1"/>
+              </a:buClr>
+              <a:buSzPct val="100000"/>
+              <a:buNone/>
+            </a:pPr>
+            <a:endParaRPr lang="en" sz="1400" dirty="0">
+              <a:solidFill>
+                <a:schemeClr val="tx1"/>
+              </a:solidFill>
+              <a:ea typeface="Courier New"/>
+              <a:cs typeface="Courier New"/>
+              <a:sym typeface="Courier New"/>
+            </a:endParaRPr>
+          </a:p>
+          <a:p>
+            <a:pPr marL="76200" indent="0">
+              <a:buClr>
+                <a:schemeClr val="dk1"/>
+              </a:buClr>
+              <a:buSzPct val="100000"/>
+              <a:buNone/>
+            </a:pPr>
+            <a:r>
+              <a:rPr lang="en" sz="1400" b="1" dirty="0" smtClean="0">
+                <a:solidFill>
+                  <a:schemeClr val="tx1"/>
+                </a:solidFill>
                 <a:ea typeface="Courier New"/>
                 <a:cs typeface="Courier New"/>
                 <a:sym typeface="Courier New"/>
               </a:rPr>
-              <a:t>BUILDER</a:t>
-            </a:r>
-            <a:r>
-              <a:rPr lang="en" dirty="0"/>
-              <a:t> source </a:t>
-            </a:r>
-            <a:r>
-              <a:rPr lang="en" dirty="0" smtClean="0"/>
-              <a:t>files</a:t>
-            </a:r>
-          </a:p>
-          <a:p>
-            <a:pPr marL="76200" indent="0">
-              <a:buSzPct val="100000"/>
-              <a:buNone/>
-            </a:pPr>
-            <a:endParaRPr lang="en" dirty="0" smtClean="0"/>
-          </a:p>
-          <a:p>
-            <a:pPr marL="361950" indent="-285750">
-              <a:buSzPct val="100000"/>
-            </a:pPr>
-            <a:r>
-              <a:rPr lang="en" dirty="0">
-                <a:latin typeface="Courier New"/>
+              <a:t>For home use, </a:t>
+            </a:r>
+            <a:r>
+              <a:rPr lang="en" sz="1400" b="1" dirty="0" smtClean="0">
+                <a:solidFill>
+                  <a:schemeClr val="tx1"/>
+                </a:solidFill>
                 <a:ea typeface="Courier New"/>
                 <a:cs typeface="Courier New"/>
                 <a:sym typeface="Courier New"/>
               </a:rPr>
-              <a:t>*.py</a:t>
-            </a:r>
-            <a:r>
-              <a:rPr lang="en" dirty="0"/>
-              <a:t> : these are Python source code files. Your PsychoPy </a:t>
-            </a:r>
-            <a:r>
-              <a:rPr lang="en" dirty="0">
-                <a:latin typeface="Courier New"/>
+              <a:t>download from:</a:t>
+            </a:r>
+          </a:p>
+          <a:p>
+            <a:pPr marL="76200" indent="0">
+              <a:buClr>
+                <a:schemeClr val="dk1"/>
+              </a:buClr>
+              <a:buSzPct val="100000"/>
+              <a:buNone/>
+            </a:pPr>
+            <a:endParaRPr lang="en" sz="1400" b="1" dirty="0">
+              <a:solidFill>
+                <a:schemeClr val="tx1"/>
+              </a:solidFill>
+              <a:ea typeface="Courier New"/>
+              <a:cs typeface="Courier New"/>
+              <a:sym typeface="Courier New"/>
+            </a:endParaRPr>
+          </a:p>
+          <a:p>
+            <a:pPr marL="76200" indent="0">
+              <a:buClr>
+                <a:schemeClr val="dk1"/>
+              </a:buClr>
+              <a:buSzPct val="100000"/>
+              <a:buNone/>
+            </a:pPr>
+            <a:r>
+              <a:rPr lang="en" sz="1400" b="1" dirty="0" smtClean="0">
+                <a:solidFill>
+                  <a:schemeClr val="tx1"/>
+                </a:solidFill>
                 <a:ea typeface="Courier New"/>
                 <a:cs typeface="Courier New"/>
                 <a:sym typeface="Courier New"/>
               </a:rPr>
-              <a:t>CODER</a:t>
-            </a:r>
-            <a:r>
-              <a:rPr lang="en" dirty="0"/>
-              <a:t> </a:t>
-            </a:r>
-            <a:r>
-              <a:rPr lang="en" dirty="0" smtClean="0"/>
-              <a:t>files</a:t>
-            </a:r>
+              <a:t>Windows:</a:t>
+            </a:r>
+            <a:endParaRPr lang="en" sz="1400" b="1" dirty="0" smtClean="0">
+              <a:solidFill>
+                <a:schemeClr val="tx1"/>
+              </a:solidFill>
+              <a:ea typeface="Courier New"/>
+              <a:cs typeface="Courier New"/>
+              <a:sym typeface="Courier New"/>
+            </a:endParaRPr>
           </a:p>
           <a:p>
             <a:pPr marL="76200" indent="0">
+              <a:buClr>
+                <a:schemeClr val="dk1"/>
+              </a:buClr>
               <a:buSzPct val="100000"/>
               <a:buNone/>
             </a:pPr>
-            <a:endParaRPr lang="en-GB" dirty="0"/>
-          </a:p>
-          <a:p>
-            <a:pPr marL="361950" indent="-285750">
+            <a:r>
+              <a:rPr lang="en-GB" sz="1400" b="1" dirty="0">
+                <a:solidFill>
+                  <a:schemeClr val="tx1"/>
+                </a:solidFill>
+                <a:ea typeface="Courier New"/>
+                <a:cs typeface="Courier New"/>
+                <a:sym typeface="Courier New"/>
+                <a:hlinkClick r:id="rId3"/>
+              </a:rPr>
+              <a:t>https://</a:t>
+            </a:r>
+            <a:r>
+              <a:rPr lang="en-GB" sz="1400" b="1" dirty="0" smtClean="0">
+                <a:solidFill>
+                  <a:schemeClr val="tx1"/>
+                </a:solidFill>
+                <a:ea typeface="Courier New"/>
+                <a:cs typeface="Courier New"/>
+                <a:sym typeface="Courier New"/>
+                <a:hlinkClick r:id="rId3"/>
+              </a:rPr>
+              <a:t>github.com/psychopy/psychopy/releases/download/1.85.3/StandalonePsychoPy-1.85.3b-win32.exe</a:t>
+            </a:r>
+            <a:endParaRPr lang="en-GB" sz="1400" b="1" dirty="0" smtClean="0">
+              <a:solidFill>
+                <a:schemeClr val="tx1"/>
+              </a:solidFill>
+              <a:ea typeface="Courier New"/>
+              <a:cs typeface="Courier New"/>
+              <a:sym typeface="Courier New"/>
+            </a:endParaRPr>
+          </a:p>
+          <a:p>
+            <a:pPr marL="76200" indent="0">
+              <a:buClr>
+                <a:schemeClr val="dk1"/>
+              </a:buClr>
               <a:buSzPct val="100000"/>
-            </a:pPr>
-            <a:r>
-              <a:rPr lang="en" dirty="0" smtClean="0">
-                <a:latin typeface="Courier New"/>
+              <a:buNone/>
+            </a:pPr>
+            <a:endParaRPr lang="en" sz="1400" b="1" dirty="0">
+              <a:solidFill>
+                <a:schemeClr val="tx1"/>
+              </a:solidFill>
+              <a:ea typeface="Courier New"/>
+              <a:cs typeface="Courier New"/>
+              <a:sym typeface="Courier New"/>
+            </a:endParaRPr>
+          </a:p>
+          <a:p>
+            <a:pPr marL="76200" indent="0">
+              <a:buClr>
+                <a:schemeClr val="dk1"/>
+              </a:buClr>
+              <a:buSzPct val="100000"/>
+              <a:buNone/>
+            </a:pPr>
+            <a:r>
+              <a:rPr lang="en" sz="1400" b="1" dirty="0" smtClean="0">
+                <a:solidFill>
+                  <a:schemeClr val="tx1"/>
+                </a:solidFill>
                 <a:ea typeface="Courier New"/>
                 <a:cs typeface="Courier New"/>
                 <a:sym typeface="Courier New"/>
               </a:rPr>
-              <a:t>*.</a:t>
-            </a:r>
-            <a:r>
-              <a:rPr lang="en" dirty="0">
-                <a:latin typeface="Courier New"/>
+              <a:t>Mac: </a:t>
+            </a:r>
+            <a:r>
+              <a:rPr lang="en" sz="1400" b="1" dirty="0" smtClean="0">
+                <a:solidFill>
+                  <a:schemeClr val="bg1">
+                    <a:lumMod val="50000"/>
+                  </a:schemeClr>
+                </a:solidFill>
                 <a:ea typeface="Courier New"/>
                 <a:cs typeface="Courier New"/>
                 <a:sym typeface="Courier New"/>
               </a:rPr>
-              <a:t>pyc</a:t>
-            </a:r>
-            <a:r>
-              <a:rPr lang="en" dirty="0"/>
-              <a:t> : these are your ‘</a:t>
-            </a:r>
-            <a:r>
-              <a:rPr lang="en" dirty="0">
-                <a:latin typeface="Courier New"/>
+              <a:t>(Version 1.85.4 due to a Mac specific bug in previous version)</a:t>
+            </a:r>
+          </a:p>
+          <a:p>
+            <a:pPr marL="76200" indent="0">
+              <a:buClr>
+                <a:schemeClr val="dk1"/>
+              </a:buClr>
+              <a:buSzPct val="100000"/>
+              <a:buNone/>
+            </a:pPr>
+            <a:r>
+              <a:rPr lang="en-GB" sz="1400" b="1" dirty="0">
+                <a:solidFill>
+                  <a:schemeClr val="tx1"/>
+                </a:solidFill>
                 <a:ea typeface="Courier New"/>
                 <a:cs typeface="Courier New"/>
                 <a:sym typeface="Courier New"/>
+                <a:hlinkClick r:id="rId4"/>
               </a:rPr>
-              <a:t>byte compiled</a:t>
-            </a:r>
-            <a:r>
-              <a:rPr lang="en" dirty="0"/>
-              <a:t>’ files. You can safely ignore them for now</a:t>
-            </a:r>
-            <a:r>
-              <a:rPr lang="en" dirty="0" smtClean="0"/>
-              <a:t>.</a:t>
-            </a:r>
-          </a:p>
-          <a:p>
-            <a:pPr marL="361950" indent="-285750">
+              <a:t>https://</a:t>
+            </a:r>
+            <a:r>
+              <a:rPr lang="en-GB" sz="1400" b="1" dirty="0" smtClean="0">
+                <a:solidFill>
+                  <a:schemeClr val="tx1"/>
+                </a:solidFill>
+                <a:ea typeface="Courier New"/>
+                <a:cs typeface="Courier New"/>
+                <a:sym typeface="Courier New"/>
+                <a:hlinkClick r:id="rId4"/>
+              </a:rPr>
+              <a:t>github.com/psychopy/psychopy/releases/download/1.85.4/StandalonePsychoPy-1.85.4b-OSX_64bit.dmg</a:t>
+            </a:r>
+            <a:endParaRPr lang="en-GB" sz="1400" b="1" dirty="0" smtClean="0">
+              <a:solidFill>
+                <a:schemeClr val="tx1"/>
+              </a:solidFill>
+              <a:ea typeface="Courier New"/>
+              <a:cs typeface="Courier New"/>
+              <a:sym typeface="Courier New"/>
+            </a:endParaRPr>
+          </a:p>
+          <a:p>
+            <a:pPr marL="76200" indent="0">
+              <a:buClr>
+                <a:schemeClr val="dk1"/>
+              </a:buClr>
               <a:buSzPct val="100000"/>
-            </a:pPr>
-            <a:endParaRPr lang="en" dirty="0"/>
-          </a:p>
-          <a:p>
-            <a:pPr marL="76200" indent="0">
-              <a:buSzPct val="100000"/>
-              <a:buNone/>
-            </a:pPr>
-            <a:endParaRPr lang="en" dirty="0" smtClean="0"/>
-          </a:p>
-          <a:p>
-            <a:pPr marL="361950" indent="-285750">
-              <a:buSzPct val="100000"/>
-            </a:pPr>
-            <a:endParaRPr lang="en" dirty="0"/>
-          </a:p>
-          <a:p>
-            <a:endParaRPr lang="en-GB" dirty="0" smtClean="0"/>
-          </a:p>
-          <a:p>
-            <a:endParaRPr lang="en-US" dirty="0"/>
+              <a:buNone/>
+            </a:pPr>
+            <a:endParaRPr lang="en" sz="1400" b="1" dirty="0">
+              <a:solidFill>
+                <a:schemeClr val="tx1"/>
+              </a:solidFill>
+              <a:ea typeface="Courier New"/>
+              <a:cs typeface="Courier New"/>
+              <a:sym typeface="Courier New"/>
+            </a:endParaRPr>
+          </a:p>
+          <a:p>
+            <a:pPr marL="0" indent="0">
+              <a:buNone/>
+            </a:pPr>
+            <a:endParaRPr lang="en-GB" sz="1200" dirty="0" smtClean="0">
+              <a:solidFill>
+                <a:schemeClr val="tx1"/>
+              </a:solidFill>
+            </a:endParaRPr>
           </a:p>
         </p:txBody>
       </p:sp>
     </p:spTree>
     <p:extLst>
       <p:ext uri="{BB962C8B-B14F-4D97-AF65-F5344CB8AC3E}">
-        <p14:creationId xmlns:p14="http://schemas.microsoft.com/office/powerpoint/2010/main" val="1393442090"/>
+        <p14:creationId xmlns:p14="http://schemas.microsoft.com/office/powerpoint/2010/main" val="25062452"/>
       </p:ext>
     </p:extLst>
   </p:cSld>
@@ -16152,6 +16733,269 @@
   <p:cSld>
     <p:spTree>
       <p:nvGrpSpPr>
+        <p:cNvPr id="1" name=""/>
+        <p:cNvGrpSpPr/>
+        <p:nvPr/>
+      </p:nvGrpSpPr>
+      <p:grpSpPr>
+        <a:xfrm>
+          <a:off x="0" y="0"/>
+          <a:ext cx="0" cy="0"/>
+          <a:chOff x="0" y="0"/>
+          <a:chExt cx="0" cy="0"/>
+        </a:xfrm>
+      </p:grpSpPr>
+      <p:sp>
+        <p:nvSpPr>
+          <p:cNvPr id="2" name="Title 1"/>
+          <p:cNvSpPr>
+            <a:spLocks noGrp="1"/>
+          </p:cNvSpPr>
+          <p:nvPr>
+            <p:ph type="title"/>
+          </p:nvPr>
+        </p:nvSpPr>
+        <p:spPr/>
+        <p:txBody>
+          <a:bodyPr/>
+          <a:lstStyle/>
+          <a:p>
+            <a:r>
+              <a:rPr lang="en-GB" dirty="0" smtClean="0"/>
+              <a:t>Know your file types</a:t>
+            </a:r>
+            <a:endParaRPr lang="en-US" dirty="0"/>
+          </a:p>
+        </p:txBody>
+      </p:sp>
+      <p:sp>
+        <p:nvSpPr>
+          <p:cNvPr id="3" name="Text Placeholder 2"/>
+          <p:cNvSpPr>
+            <a:spLocks noGrp="1"/>
+          </p:cNvSpPr>
+          <p:nvPr>
+            <p:ph type="body" idx="1"/>
+          </p:nvPr>
+        </p:nvSpPr>
+        <p:spPr/>
+        <p:txBody>
+          <a:bodyPr/>
+          <a:lstStyle/>
+          <a:p>
+            <a:pPr marL="76200" indent="0">
+              <a:buSzPct val="100000"/>
+              <a:buNone/>
+            </a:pPr>
+            <a:r>
+              <a:rPr lang="en" sz="2000" dirty="0" smtClean="0">
+                <a:ea typeface="Courier New"/>
+                <a:cs typeface="Courier New"/>
+                <a:sym typeface="Courier New"/>
+              </a:rPr>
+              <a:t>Experimental files:</a:t>
+            </a:r>
+          </a:p>
+          <a:p>
+            <a:pPr marL="361950" indent="-285750">
+              <a:buSzPct val="100000"/>
+            </a:pPr>
+            <a:endParaRPr lang="en" dirty="0">
+              <a:latin typeface="Courier New"/>
+              <a:ea typeface="Courier New"/>
+              <a:cs typeface="Courier New"/>
+              <a:sym typeface="Courier New"/>
+            </a:endParaRPr>
+          </a:p>
+          <a:p>
+            <a:pPr marL="361950" indent="-285750">
+              <a:buSzPct val="100000"/>
+            </a:pPr>
+            <a:r>
+              <a:rPr lang="en" dirty="0" smtClean="0">
+                <a:latin typeface="Courier New"/>
+                <a:ea typeface="Courier New"/>
+                <a:cs typeface="Courier New"/>
+                <a:sym typeface="Courier New"/>
+              </a:rPr>
+              <a:t>*.</a:t>
+            </a:r>
+            <a:r>
+              <a:rPr lang="en" dirty="0">
+                <a:latin typeface="Courier New"/>
+                <a:ea typeface="Courier New"/>
+                <a:cs typeface="Courier New"/>
+                <a:sym typeface="Courier New"/>
+              </a:rPr>
+              <a:t>psyexp</a:t>
+            </a:r>
+            <a:r>
+              <a:rPr lang="en" dirty="0"/>
+              <a:t> : these are PsychoPy </a:t>
+            </a:r>
+            <a:r>
+              <a:rPr lang="en" dirty="0">
+                <a:latin typeface="Courier New"/>
+                <a:ea typeface="Courier New"/>
+                <a:cs typeface="Courier New"/>
+                <a:sym typeface="Courier New"/>
+              </a:rPr>
+              <a:t>BUILDER</a:t>
+            </a:r>
+            <a:r>
+              <a:rPr lang="en" dirty="0"/>
+              <a:t> source </a:t>
+            </a:r>
+            <a:r>
+              <a:rPr lang="en" dirty="0" smtClean="0"/>
+              <a:t>files</a:t>
+            </a:r>
+          </a:p>
+          <a:p>
+            <a:pPr marL="76200" indent="0">
+              <a:buSzPct val="100000"/>
+              <a:buNone/>
+            </a:pPr>
+            <a:endParaRPr lang="en" dirty="0" smtClean="0"/>
+          </a:p>
+          <a:p>
+            <a:pPr marL="361950" indent="-285750">
+              <a:buSzPct val="100000"/>
+            </a:pPr>
+            <a:r>
+              <a:rPr lang="en" dirty="0">
+                <a:latin typeface="Courier New"/>
+                <a:ea typeface="Courier New"/>
+                <a:cs typeface="Courier New"/>
+                <a:sym typeface="Courier New"/>
+              </a:rPr>
+              <a:t>*.py</a:t>
+            </a:r>
+            <a:r>
+              <a:rPr lang="en" dirty="0"/>
+              <a:t> : these are Python source code files. Your PsychoPy </a:t>
+            </a:r>
+            <a:r>
+              <a:rPr lang="en" dirty="0">
+                <a:latin typeface="Courier New"/>
+                <a:ea typeface="Courier New"/>
+                <a:cs typeface="Courier New"/>
+                <a:sym typeface="Courier New"/>
+              </a:rPr>
+              <a:t>CODER</a:t>
+            </a:r>
+            <a:r>
+              <a:rPr lang="en" dirty="0"/>
+              <a:t> </a:t>
+            </a:r>
+            <a:r>
+              <a:rPr lang="en" dirty="0" smtClean="0"/>
+              <a:t>files</a:t>
+            </a:r>
+          </a:p>
+          <a:p>
+            <a:pPr marL="76200" indent="0">
+              <a:buSzPct val="100000"/>
+              <a:buNone/>
+            </a:pPr>
+            <a:endParaRPr lang="en-GB" dirty="0"/>
+          </a:p>
+          <a:p>
+            <a:pPr marL="361950" indent="-285750">
+              <a:buSzPct val="100000"/>
+            </a:pPr>
+            <a:r>
+              <a:rPr lang="en" dirty="0" smtClean="0">
+                <a:latin typeface="Courier New"/>
+                <a:ea typeface="Courier New"/>
+                <a:cs typeface="Courier New"/>
+                <a:sym typeface="Courier New"/>
+              </a:rPr>
+              <a:t>*.</a:t>
+            </a:r>
+            <a:r>
+              <a:rPr lang="en" dirty="0">
+                <a:latin typeface="Courier New"/>
+                <a:ea typeface="Courier New"/>
+                <a:cs typeface="Courier New"/>
+                <a:sym typeface="Courier New"/>
+              </a:rPr>
+              <a:t>pyc</a:t>
+            </a:r>
+            <a:r>
+              <a:rPr lang="en" dirty="0"/>
+              <a:t> : these are your ‘</a:t>
+            </a:r>
+            <a:r>
+              <a:rPr lang="en" dirty="0">
+                <a:latin typeface="Courier New"/>
+                <a:ea typeface="Courier New"/>
+                <a:cs typeface="Courier New"/>
+                <a:sym typeface="Courier New"/>
+              </a:rPr>
+              <a:t>byte compiled</a:t>
+            </a:r>
+            <a:r>
+              <a:rPr lang="en" dirty="0"/>
+              <a:t>’ files. You can safely ignore them for now</a:t>
+            </a:r>
+            <a:r>
+              <a:rPr lang="en" dirty="0" smtClean="0"/>
+              <a:t>.</a:t>
+            </a:r>
+          </a:p>
+          <a:p>
+            <a:pPr marL="361950" indent="-285750">
+              <a:buSzPct val="100000"/>
+            </a:pPr>
+            <a:endParaRPr lang="en" dirty="0"/>
+          </a:p>
+          <a:p>
+            <a:pPr marL="76200" indent="0">
+              <a:buSzPct val="100000"/>
+              <a:buNone/>
+            </a:pPr>
+            <a:endParaRPr lang="en" dirty="0" smtClean="0"/>
+          </a:p>
+          <a:p>
+            <a:pPr marL="361950" indent="-285750">
+              <a:buSzPct val="100000"/>
+            </a:pPr>
+            <a:endParaRPr lang="en" dirty="0"/>
+          </a:p>
+          <a:p>
+            <a:endParaRPr lang="en-GB" dirty="0" smtClean="0"/>
+          </a:p>
+          <a:p>
+            <a:endParaRPr lang="en-US" dirty="0"/>
+          </a:p>
+        </p:txBody>
+      </p:sp>
+    </p:spTree>
+    <p:extLst>
+      <p:ext uri="{BB962C8B-B14F-4D97-AF65-F5344CB8AC3E}">
+        <p14:creationId xmlns:p14="http://schemas.microsoft.com/office/powerpoint/2010/main" val="1393442090"/>
+      </p:ext>
+    </p:extLst>
+  </p:cSld>
+  <p:clrMapOvr>
+    <a:masterClrMapping/>
+  </p:clrMapOvr>
+  <p:timing>
+    <p:tnLst>
+      <p:par>
+        <p:cTn id="1" dur="indefinite" restart="never" nodeType="tmRoot"/>
+      </p:par>
+    </p:tnLst>
+  </p:timing>
+</p:sld>
+</file>
+
+<file path=ppt/slides/slide8.xml><?xml version="1.0" encoding="utf-8"?>
+<p:sld xmlns:a="http://schemas.openxmlformats.org/drawingml/2006/main" xmlns:r="http://schemas.openxmlformats.org/officeDocument/2006/relationships" xmlns:p="http://schemas.openxmlformats.org/presentationml/2006/main">
+  <p:cSld>
+    <p:spTree>
+      <p:nvGrpSpPr>
         <p:cNvPr id="1" name="Shape 104"/>
         <p:cNvGrpSpPr/>
         <p:nvPr/>
@@ -16285,8 +17129,23 @@
                 <a:cs typeface="Courier New"/>
                 <a:sym typeface="Courier New"/>
               </a:rPr>
-              <a:t>Student PC’s (N1.04)</a:t>
-            </a:r>
+              <a:t>Student PC’s (</a:t>
+            </a:r>
+            <a:r>
+              <a:rPr lang="en" sz="2000" dirty="0" smtClean="0">
+                <a:latin typeface="Trebuchet MS" panose="020B0603020202020204" pitchFamily="34" charset="0"/>
+                <a:ea typeface="Courier New"/>
+                <a:cs typeface="Courier New"/>
+                <a:sym typeface="Courier New"/>
+              </a:rPr>
+              <a:t>N1.04, Oaks, MSc computing room)</a:t>
+            </a:r>
+            <a:endParaRPr lang="en" sz="2000" dirty="0" smtClean="0">
+              <a:latin typeface="Trebuchet MS" panose="020B0603020202020204" pitchFamily="34" charset="0"/>
+              <a:ea typeface="Courier New"/>
+              <a:cs typeface="Courier New"/>
+              <a:sym typeface="Courier New"/>
+            </a:endParaRPr>
           </a:p>
           <a:p>
             <a:pPr marL="1314450" lvl="2" indent="-381000">
@@ -16325,12 +17184,6 @@
               </a:rPr>
               <a:t>Search for PsychoPy</a:t>
             </a:r>
-            <a:endParaRPr lang="en" sz="2000" dirty="0" smtClean="0">
-              <a:latin typeface="Courier New"/>
-              <a:ea typeface="Courier New"/>
-              <a:cs typeface="Courier New"/>
-              <a:sym typeface="Courier New"/>
-            </a:endParaRPr>
           </a:p>
           <a:p>
             <a:pPr marL="914400" lvl="1" indent="-381000">
@@ -16395,16 +17248,7 @@
                 <a:cs typeface="Courier New"/>
                 <a:sym typeface="Courier New"/>
               </a:rPr>
-              <a:t>If not present, please contact </a:t>
-            </a:r>
-            <a:r>
-              <a:rPr lang="en" sz="2000" dirty="0" smtClean="0">
-                <a:latin typeface="Courier New"/>
-                <a:ea typeface="Courier New"/>
-                <a:cs typeface="Courier New"/>
-                <a:sym typeface="Courier New"/>
-              </a:rPr>
-              <a:t>psychsupport@kent.ac.uk</a:t>
+              <a:t>If not present, please contact psychsupport@kent.ac.uk</a:t>
             </a:r>
             <a:endParaRPr lang="en" sz="2000" dirty="0">
               <a:latin typeface="Courier New"/>
@@ -16461,7 +17305,7 @@
 </p:sld>
 </file>
 
-<file path=ppt/slides/slide8.xml><?xml version="1.0" encoding="utf-8"?>
+<file path=ppt/slides/slide9.xml><?xml version="1.0" encoding="utf-8"?>
 <p:sld xmlns:a="http://schemas.openxmlformats.org/drawingml/2006/main" xmlns:r="http://schemas.openxmlformats.org/officeDocument/2006/relationships" xmlns:p="http://schemas.openxmlformats.org/presentationml/2006/main">
   <p:cSld>
     <p:spTree>
@@ -16689,272 +17533,6 @@
     <p:extLst>
       <p:ext uri="{BB962C8B-B14F-4D97-AF65-F5344CB8AC3E}">
         <p14:creationId xmlns:p14="http://schemas.microsoft.com/office/powerpoint/2010/main" val="2770033350"/>
-      </p:ext>
-    </p:extLst>
-  </p:cSld>
-  <p:clrMapOvr>
-    <a:masterClrMapping/>
-  </p:clrMapOvr>
-  <p:timing>
-    <p:tnLst>
-      <p:par>
-        <p:cTn id="1" dur="indefinite" restart="never" nodeType="tmRoot"/>
-      </p:par>
-    </p:tnLst>
-  </p:timing>
-</p:sld>
-</file>
-
-<file path=ppt/slides/slide9.xml><?xml version="1.0" encoding="utf-8"?>
-<p:sld xmlns:a="http://schemas.openxmlformats.org/drawingml/2006/main" xmlns:r="http://schemas.openxmlformats.org/officeDocument/2006/relationships" xmlns:p="http://schemas.openxmlformats.org/presentationml/2006/main">
-  <p:cSld>
-    <p:spTree>
-      <p:nvGrpSpPr>
-        <p:cNvPr id="1" name=""/>
-        <p:cNvGrpSpPr/>
-        <p:nvPr/>
-      </p:nvGrpSpPr>
-      <p:grpSpPr>
-        <a:xfrm>
-          <a:off x="0" y="0"/>
-          <a:ext cx="0" cy="0"/>
-          <a:chOff x="0" y="0"/>
-          <a:chExt cx="0" cy="0"/>
-        </a:xfrm>
-      </p:grpSpPr>
-      <p:sp>
-        <p:nvSpPr>
-          <p:cNvPr id="2" name="Title 1"/>
-          <p:cNvSpPr>
-            <a:spLocks noGrp="1"/>
-          </p:cNvSpPr>
-          <p:nvPr>
-            <p:ph type="title"/>
-          </p:nvPr>
-        </p:nvSpPr>
-        <p:spPr/>
-        <p:txBody>
-          <a:bodyPr>
-            <a:normAutofit fontScale="90000"/>
-          </a:bodyPr>
-          <a:lstStyle/>
-          <a:p>
-            <a:r>
-              <a:rPr lang="en-GB" sz="4000" dirty="0" smtClean="0"/>
-              <a:t>Exercise 1</a:t>
-            </a:r>
-            <a:r>
-              <a:rPr lang="en-GB" dirty="0" smtClean="0"/>
-              <a:t/>
-            </a:r>
-            <a:br>
-              <a:rPr lang="en-GB" dirty="0" smtClean="0"/>
-            </a:br>
-            <a:r>
-              <a:rPr lang="en-GB" sz="3100" dirty="0" smtClean="0">
-                <a:solidFill>
-                  <a:schemeClr val="accent1">
-                    <a:lumMod val="75000"/>
-                  </a:schemeClr>
-                </a:solidFill>
-              </a:rPr>
-              <a:t>Run a </a:t>
-            </a:r>
-            <a:r>
-              <a:rPr lang="en-GB" sz="3100" dirty="0" err="1" smtClean="0">
-                <a:solidFill>
-                  <a:schemeClr val="accent1">
-                    <a:lumMod val="75000"/>
-                  </a:schemeClr>
-                </a:solidFill>
-              </a:rPr>
-              <a:t>stroop</a:t>
-            </a:r>
-            <a:r>
-              <a:rPr lang="en-GB" sz="3100" dirty="0" smtClean="0">
-                <a:solidFill>
-                  <a:schemeClr val="accent1">
-                    <a:lumMod val="75000"/>
-                  </a:schemeClr>
-                </a:solidFill>
-              </a:rPr>
-              <a:t> demo</a:t>
-            </a:r>
-            <a:endParaRPr lang="en-US" sz="3100" dirty="0">
-              <a:solidFill>
-                <a:schemeClr val="accent1">
-                  <a:lumMod val="75000"/>
-                </a:schemeClr>
-              </a:solidFill>
-            </a:endParaRPr>
-          </a:p>
-        </p:txBody>
-      </p:sp>
-      <p:sp>
-        <p:nvSpPr>
-          <p:cNvPr id="3" name="Text Placeholder 2"/>
-          <p:cNvSpPr>
-            <a:spLocks noGrp="1"/>
-          </p:cNvSpPr>
-          <p:nvPr>
-            <p:ph type="body" idx="1"/>
-          </p:nvPr>
-        </p:nvSpPr>
-        <p:spPr/>
-        <p:txBody>
-          <a:bodyPr/>
-          <a:lstStyle/>
-          <a:p>
-            <a:pPr marL="0" indent="0">
-              <a:buNone/>
-            </a:pPr>
-            <a:r>
-              <a:rPr lang="en-GB" b="1" dirty="0" smtClean="0"/>
-              <a:t>Exercise 1.1</a:t>
-            </a:r>
-          </a:p>
-          <a:p>
-            <a:pPr marL="0" indent="0">
-              <a:buNone/>
-            </a:pPr>
-            <a:endParaRPr lang="en-GB" dirty="0" smtClean="0"/>
-          </a:p>
-          <a:p>
-            <a:r>
-              <a:rPr lang="en-GB" dirty="0" smtClean="0"/>
-              <a:t>Open up </a:t>
-            </a:r>
-            <a:r>
-              <a:rPr lang="en-GB" dirty="0" err="1" smtClean="0">
-                <a:latin typeface="Courier New" panose="02070309020205020404" pitchFamily="49" charset="0"/>
-                <a:cs typeface="Courier New" panose="02070309020205020404" pitchFamily="49" charset="0"/>
-              </a:rPr>
-              <a:t>stroop</a:t>
-            </a:r>
-            <a:r>
-              <a:rPr lang="en-GB" dirty="0" smtClean="0">
-                <a:latin typeface="Courier New" panose="02070309020205020404" pitchFamily="49" charset="0"/>
-                <a:cs typeface="Courier New" panose="02070309020205020404" pitchFamily="49" charset="0"/>
-              </a:rPr>
-              <a:t>/</a:t>
-            </a:r>
-            <a:r>
-              <a:rPr lang="en-GB" dirty="0" err="1" smtClean="0">
-                <a:latin typeface="Courier New" panose="02070309020205020404" pitchFamily="49" charset="0"/>
-                <a:cs typeface="Courier New" panose="02070309020205020404" pitchFamily="49" charset="0"/>
-              </a:rPr>
-              <a:t>stroop.psyexp</a:t>
-            </a:r>
-            <a:r>
-              <a:rPr lang="en-GB" dirty="0" smtClean="0"/>
-              <a:t> from within your </a:t>
-            </a:r>
-            <a:r>
-              <a:rPr lang="en-GB" dirty="0" smtClean="0">
-                <a:latin typeface="Courier New" panose="02070309020205020404" pitchFamily="49" charset="0"/>
-                <a:cs typeface="Courier New" panose="02070309020205020404" pitchFamily="49" charset="0"/>
-              </a:rPr>
-              <a:t>C:/work </a:t>
-            </a:r>
-            <a:r>
-              <a:rPr lang="en-GB" dirty="0" smtClean="0"/>
-              <a:t>directory</a:t>
-            </a:r>
-          </a:p>
-          <a:p>
-            <a:r>
-              <a:rPr lang="en-GB" dirty="0" smtClean="0"/>
-              <a:t>Don’t worry what everything is just yet, we’ll cover it later!</a:t>
-            </a:r>
-          </a:p>
-          <a:p>
-            <a:r>
-              <a:rPr lang="en-GB" dirty="0" smtClean="0"/>
-              <a:t>Click the green icon at the top to run it</a:t>
-            </a:r>
-          </a:p>
-          <a:p>
-            <a:r>
-              <a:rPr lang="en-GB" dirty="0" smtClean="0"/>
-              <a:t>See what it does.</a:t>
-            </a:r>
-          </a:p>
-          <a:p>
-            <a:pPr marL="0" indent="0">
-              <a:buNone/>
-            </a:pPr>
-            <a:endParaRPr lang="en-GB" dirty="0" smtClean="0"/>
-          </a:p>
-          <a:p>
-            <a:pPr marL="0" indent="0">
-              <a:buNone/>
-            </a:pPr>
-            <a:r>
-              <a:rPr lang="en-GB" b="1" dirty="0" smtClean="0"/>
-              <a:t>Exercise 1.2</a:t>
-            </a:r>
-          </a:p>
-          <a:p>
-            <a:pPr marL="0" indent="0">
-              <a:buNone/>
-            </a:pPr>
-            <a:endParaRPr lang="en-GB" dirty="0" smtClean="0"/>
-          </a:p>
-          <a:p>
-            <a:r>
-              <a:rPr lang="en-GB" dirty="0" smtClean="0"/>
-              <a:t>Look inside the </a:t>
-            </a:r>
-            <a:r>
-              <a:rPr lang="en-GB" dirty="0" smtClean="0">
-                <a:latin typeface="Courier New" panose="02070309020205020404" pitchFamily="49" charset="0"/>
-                <a:cs typeface="Courier New" panose="02070309020205020404" pitchFamily="49" charset="0"/>
-              </a:rPr>
-              <a:t>/data </a:t>
-            </a:r>
-            <a:r>
-              <a:rPr lang="en-GB" dirty="0" smtClean="0"/>
-              <a:t>folder and see what is produced</a:t>
-            </a:r>
-          </a:p>
-          <a:p>
-            <a:r>
-              <a:rPr lang="en-GB" dirty="0" smtClean="0"/>
-              <a:t>Open one of the most recent CSV files that you find</a:t>
-            </a:r>
-            <a:endParaRPr lang="en-US" dirty="0"/>
-          </a:p>
-          <a:p>
-            <a:pPr lvl="1"/>
-            <a:r>
-              <a:rPr lang="en-US" sz="1800" dirty="0" smtClean="0"/>
-              <a:t>Study </a:t>
-            </a:r>
-            <a:r>
-              <a:rPr lang="en-US" sz="1800" dirty="0"/>
-              <a:t>the </a:t>
-            </a:r>
-            <a:r>
-              <a:rPr lang="en-US" sz="1800" dirty="0" smtClean="0"/>
-              <a:t>file, </a:t>
-            </a:r>
-            <a:r>
-              <a:rPr lang="en-US" sz="1800" dirty="0"/>
-              <a:t>noting the column headings.</a:t>
-            </a:r>
-          </a:p>
-          <a:p>
-            <a:pPr marL="0" indent="0">
-              <a:buNone/>
-            </a:pPr>
-            <a:endParaRPr lang="en-US" dirty="0"/>
-          </a:p>
-        </p:txBody>
-      </p:sp>
-    </p:spTree>
-    <p:extLst>
-      <p:ext uri="{BB962C8B-B14F-4D97-AF65-F5344CB8AC3E}">
-        <p14:creationId xmlns:p14="http://schemas.microsoft.com/office/powerpoint/2010/main" val="3214493180"/>
       </p:ext>
     </p:extLst>
   </p:cSld>

--- a/PsychoPy-Part1/PsychoPy-part1.pptx
+++ b/PsychoPy-Part1/PsychoPy-part1.pptx
@@ -5,7 +5,7 @@
     <p:sldMasterId id="2147483829" r:id="rId1"/>
   </p:sldMasterIdLst>
   <p:notesMasterIdLst>
-    <p:notesMasterId r:id="rId27"/>
+    <p:notesMasterId r:id="rId28"/>
   </p:notesMasterIdLst>
   <p:sldIdLst>
     <p:sldId id="256" r:id="rId2"/>
@@ -19,20 +19,21 @@
     <p:sldId id="296" r:id="rId10"/>
     <p:sldId id="297" r:id="rId11"/>
     <p:sldId id="310" r:id="rId12"/>
-    <p:sldId id="291" r:id="rId13"/>
-    <p:sldId id="311" r:id="rId14"/>
-    <p:sldId id="292" r:id="rId15"/>
-    <p:sldId id="299" r:id="rId16"/>
-    <p:sldId id="301" r:id="rId17"/>
-    <p:sldId id="312" r:id="rId18"/>
-    <p:sldId id="315" r:id="rId19"/>
-    <p:sldId id="307" r:id="rId20"/>
-    <p:sldId id="314" r:id="rId21"/>
-    <p:sldId id="300" r:id="rId22"/>
-    <p:sldId id="302" r:id="rId23"/>
-    <p:sldId id="308" r:id="rId24"/>
-    <p:sldId id="309" r:id="rId25"/>
-    <p:sldId id="304" r:id="rId26"/>
+    <p:sldId id="317" r:id="rId13"/>
+    <p:sldId id="291" r:id="rId14"/>
+    <p:sldId id="311" r:id="rId15"/>
+    <p:sldId id="292" r:id="rId16"/>
+    <p:sldId id="299" r:id="rId17"/>
+    <p:sldId id="301" r:id="rId18"/>
+    <p:sldId id="312" r:id="rId19"/>
+    <p:sldId id="315" r:id="rId20"/>
+    <p:sldId id="307" r:id="rId21"/>
+    <p:sldId id="314" r:id="rId22"/>
+    <p:sldId id="300" r:id="rId23"/>
+    <p:sldId id="302" r:id="rId24"/>
+    <p:sldId id="308" r:id="rId25"/>
+    <p:sldId id="309" r:id="rId26"/>
+    <p:sldId id="304" r:id="rId27"/>
   </p:sldIdLst>
   <p:sldSz cx="9144000" cy="6858000" type="screen4x3"/>
   <p:notesSz cx="6797675" cy="9928225"/>
@@ -1671,7 +1672,7 @@
           <a:p>
             <a:fld id="{B4554F2B-4BCF-4197-901F-D7CA0C5C3346}" type="datetimeFigureOut">
               <a:rPr lang="en-US" smtClean="0"/>
-              <a:t>9/27/2018</a:t>
+              <a:t>10/2/2019</a:t>
             </a:fld>
             <a:endParaRPr lang="en-US" dirty="0"/>
           </a:p>
@@ -1928,7 +1929,7 @@
           <a:p>
             <a:fld id="{E28077EF-3DB9-4852-A8C8-9AA18A70A9F8}" type="datetimeFigureOut">
               <a:rPr lang="en-US" smtClean="0"/>
-              <a:t>9/27/2018</a:t>
+              <a:t>10/2/2019</a:t>
             </a:fld>
             <a:endParaRPr lang="en-US" dirty="0"/>
           </a:p>
@@ -2244,7 +2245,7 @@
           <a:p>
             <a:fld id="{E28077EF-3DB9-4852-A8C8-9AA18A70A9F8}" type="datetimeFigureOut">
               <a:rPr lang="en-US" smtClean="0"/>
-              <a:t>9/27/2018</a:t>
+              <a:t>10/2/2019</a:t>
             </a:fld>
             <a:endParaRPr lang="en-US" dirty="0"/>
           </a:p>
@@ -2579,7 +2580,7 @@
           <a:p>
             <a:fld id="{E28077EF-3DB9-4852-A8C8-9AA18A70A9F8}" type="datetimeFigureOut">
               <a:rPr lang="en-US" smtClean="0"/>
-              <a:t>9/27/2018</a:t>
+              <a:t>10/2/2019</a:t>
             </a:fld>
             <a:endParaRPr lang="en-US" dirty="0"/>
           </a:p>
@@ -2895,7 +2896,7 @@
           <a:p>
             <a:fld id="{E28077EF-3DB9-4852-A8C8-9AA18A70A9F8}" type="datetimeFigureOut">
               <a:rPr lang="en-US" smtClean="0"/>
-              <a:t>9/27/2018</a:t>
+              <a:t>10/2/2019</a:t>
             </a:fld>
             <a:endParaRPr lang="en-US" dirty="0"/>
           </a:p>
@@ -3290,7 +3291,7 @@
           <a:p>
             <a:fld id="{E28077EF-3DB9-4852-A8C8-9AA18A70A9F8}" type="datetimeFigureOut">
               <a:rPr lang="en-US" smtClean="0"/>
-              <a:t>9/27/2018</a:t>
+              <a:t>10/2/2019</a:t>
             </a:fld>
             <a:endParaRPr lang="en-US" dirty="0"/>
           </a:p>
@@ -3462,7 +3463,7 @@
           <a:p>
             <a:fld id="{80C08BB0-1F20-4C6B-A56C-896A9F73FB4A}" type="datetimeFigureOut">
               <a:rPr lang="en-US" smtClean="0"/>
-              <a:t>9/27/2018</a:t>
+              <a:t>10/2/2019</a:t>
             </a:fld>
             <a:endParaRPr lang="en-US" dirty="0"/>
           </a:p>
@@ -3643,7 +3644,7 @@
           <a:p>
             <a:fld id="{735C60DA-11B7-472A-AFEF-07FB059A27D8}" type="datetimeFigureOut">
               <a:rPr lang="en-US" smtClean="0"/>
-              <a:t>9/27/2018</a:t>
+              <a:t>10/2/2019</a:t>
             </a:fld>
             <a:endParaRPr lang="en-US" dirty="0"/>
           </a:p>
@@ -4019,7 +4020,7 @@
           <a:p>
             <a:fld id="{2651F21A-8405-4DA5-BEAC-3D4CC71D54EA}" type="datetimeFigureOut">
               <a:rPr lang="en-US" smtClean="0"/>
-              <a:t>9/27/2018</a:t>
+              <a:t>10/2/2019</a:t>
             </a:fld>
             <a:endParaRPr lang="en-US" dirty="0"/>
           </a:p>
@@ -4267,7 +4268,7 @@
           <a:p>
             <a:fld id="{78685F84-9683-4B1B-940C-516296C3B9E2}" type="datetimeFigureOut">
               <a:rPr lang="en-US" smtClean="0"/>
-              <a:t>9/27/2018</a:t>
+              <a:t>10/2/2019</a:t>
             </a:fld>
             <a:endParaRPr lang="en-US" dirty="0"/>
           </a:p>
@@ -4570,7 +4571,7 @@
           <a:p>
             <a:fld id="{0657B2AD-074C-4247-B20E-4BA1D1B80702}" type="datetimeFigureOut">
               <a:rPr lang="en-US" smtClean="0"/>
-              <a:t>9/27/2018</a:t>
+              <a:t>10/2/2019</a:t>
             </a:fld>
             <a:endParaRPr lang="en-US" dirty="0"/>
           </a:p>
@@ -4950,7 +4951,7 @@
           <a:p>
             <a:fld id="{8DCC26FB-39E8-4A97-A330-257F2E3058A9}" type="datetimeFigureOut">
               <a:rPr lang="en-US" smtClean="0"/>
-              <a:t>9/27/2018</a:t>
+              <a:t>10/2/2019</a:t>
             </a:fld>
             <a:endParaRPr lang="en-US" dirty="0"/>
           </a:p>
@@ -5074,7 +5075,7 @@
           <a:p>
             <a:fld id="{3EE6405D-5078-464B-95D5-AD1D787A29C3}" type="datetimeFigureOut">
               <a:rPr lang="en-US" smtClean="0"/>
-              <a:t>9/27/2018</a:t>
+              <a:t>10/2/2019</a:t>
             </a:fld>
             <a:endParaRPr lang="en-US" dirty="0"/>
           </a:p>
@@ -5169,7 +5170,7 @@
           <a:p>
             <a:fld id="{8CB55EF8-B59A-48DF-A116-AFDAD4B003AB}" type="datetimeFigureOut">
               <a:rPr lang="en-US" smtClean="0"/>
-              <a:t>9/27/2018</a:t>
+              <a:t>10/2/2019</a:t>
             </a:fld>
             <a:endParaRPr lang="en-US" dirty="0"/>
           </a:p>
@@ -5424,7 +5425,7 @@
           <a:p>
             <a:fld id="{EC94AEE7-DB1F-4DD1-9290-70ECE3C49600}" type="datetimeFigureOut">
               <a:rPr lang="en-US" smtClean="0"/>
-              <a:t>9/27/2018</a:t>
+              <a:t>10/2/2019</a:t>
             </a:fld>
             <a:endParaRPr lang="en-US" dirty="0"/>
           </a:p>
@@ -5688,7 +5689,7 @@
           <a:p>
             <a:fld id="{581F845D-AA64-4C6F-B170-8AA45DD4B329}" type="datetimeFigureOut">
               <a:rPr lang="en-US" smtClean="0"/>
-              <a:t>9/27/2018</a:t>
+              <a:t>10/2/2019</a:t>
             </a:fld>
             <a:endParaRPr lang="en-US" dirty="0"/>
           </a:p>
@@ -6504,7 +6505,7 @@
           <a:p>
             <a:fld id="{E28077EF-3DB9-4852-A8C8-9AA18A70A9F8}" type="datetimeFigureOut">
               <a:rPr lang="en-US" smtClean="0"/>
-              <a:t>9/27/2018</a:t>
+              <a:t>10/2/2019</a:t>
             </a:fld>
             <a:endParaRPr lang="en-US" dirty="0"/>
           </a:p>
@@ -7176,7 +7177,17 @@
                   </a:schemeClr>
                 </a:solidFill>
               </a:rPr>
-              <a:t>Run a </a:t>
+              <a:t>Run </a:t>
+            </a:r>
+            <a:r>
+              <a:rPr lang="en-GB" sz="3100" dirty="0" smtClean="0">
+                <a:solidFill>
+                  <a:schemeClr val="accent1">
+                    <a:lumMod val="75000"/>
+                  </a:schemeClr>
+                </a:solidFill>
+              </a:rPr>
+              <a:t>the </a:t>
             </a:r>
             <a:r>
               <a:rPr lang="en-GB" sz="3100" dirty="0" err="1" smtClean="0">
@@ -7240,7 +7251,11 @@
           <a:p>
             <a:r>
               <a:rPr lang="en-GB" dirty="0" smtClean="0"/>
-              <a:t>Open up </a:t>
+              <a:t>From the downloaded materials - open </a:t>
+            </a:r>
+            <a:r>
+              <a:rPr lang="en-GB" dirty="0" smtClean="0"/>
+              <a:t>up </a:t>
             </a:r>
             <a:r>
               <a:rPr lang="en-GB" dirty="0" err="1" smtClean="0">
@@ -7277,8 +7292,13 @@
           <a:p>
             <a:r>
               <a:rPr lang="en-GB" dirty="0" smtClean="0"/>
-              <a:t>Click the green icon at the top to run it</a:t>
-            </a:r>
+              <a:t>Click the green icon at the top to run </a:t>
+            </a:r>
+            <a:r>
+              <a:rPr lang="en-GB" dirty="0" smtClean="0"/>
+              <a:t>it for yourself</a:t>
+            </a:r>
+            <a:endParaRPr lang="en-GB" dirty="0" smtClean="0"/>
           </a:p>
           <a:p>
             <a:r>
@@ -7517,21 +7537,8 @@
                   <a:srgbClr val="FF0000"/>
                 </a:solidFill>
               </a:rPr>
-              <a:t>(</a:t>
-            </a:r>
-            <a:r>
-              <a:rPr lang="en" dirty="0" smtClean="0">
-                <a:solidFill>
-                  <a:srgbClr val="FF0000"/>
-                </a:solidFill>
-              </a:rPr>
-              <a:t>Demo of code generated)</a:t>
-            </a:r>
-            <a:endParaRPr lang="en" dirty="0" smtClean="0">
-              <a:solidFill>
-                <a:srgbClr val="FF0000"/>
-              </a:solidFill>
-            </a:endParaRPr>
+              <a:t>(Demo of code generated)</a:t>
+            </a:r>
           </a:p>
           <a:p>
             <a:pPr marL="400050" indent="-285750">
@@ -7832,6 +7839,239 @@
 </file>
 
 <file path=ppt/slides/slide12.xml><?xml version="1.0" encoding="utf-8"?>
+<p:sld xmlns:a="http://schemas.openxmlformats.org/drawingml/2006/main" xmlns:r="http://schemas.openxmlformats.org/officeDocument/2006/relationships" xmlns:p="http://schemas.openxmlformats.org/presentationml/2006/main">
+  <p:cSld>
+    <p:spTree>
+      <p:nvGrpSpPr>
+        <p:cNvPr id="1" name=""/>
+        <p:cNvGrpSpPr/>
+        <p:nvPr/>
+      </p:nvGrpSpPr>
+      <p:grpSpPr>
+        <a:xfrm>
+          <a:off x="0" y="0"/>
+          <a:ext cx="0" cy="0"/>
+          <a:chOff x="0" y="0"/>
+          <a:chExt cx="0" cy="0"/>
+        </a:xfrm>
+      </p:grpSpPr>
+      <p:sp>
+        <p:nvSpPr>
+          <p:cNvPr id="2" name="Title 1"/>
+          <p:cNvSpPr>
+            <a:spLocks noGrp="1"/>
+          </p:cNvSpPr>
+          <p:nvPr>
+            <p:ph type="title"/>
+          </p:nvPr>
+        </p:nvSpPr>
+        <p:spPr/>
+        <p:txBody>
+          <a:bodyPr/>
+          <a:lstStyle/>
+          <a:p>
+            <a:r>
+              <a:rPr lang="en-GB" dirty="0" smtClean="0"/>
+              <a:t>Result </a:t>
+            </a:r>
+            <a:r>
+              <a:rPr lang="en-GB" dirty="0" smtClean="0"/>
+              <a:t>files and adding information</a:t>
+            </a:r>
+            <a:endParaRPr lang="en-US" dirty="0"/>
+          </a:p>
+        </p:txBody>
+      </p:sp>
+      <p:sp>
+        <p:nvSpPr>
+          <p:cNvPr id="3" name="Text Placeholder 2"/>
+          <p:cNvSpPr>
+            <a:spLocks noGrp="1"/>
+          </p:cNvSpPr>
+          <p:nvPr>
+            <p:ph type="body" idx="1"/>
+          </p:nvPr>
+        </p:nvSpPr>
+        <p:spPr/>
+        <p:txBody>
+          <a:bodyPr>
+            <a:normAutofit/>
+          </a:bodyPr>
+          <a:lstStyle/>
+          <a:p>
+            <a:pPr marL="0" indent="0">
+              <a:buNone/>
+            </a:pPr>
+            <a:r>
+              <a:rPr lang="en-GB" sz="2400" dirty="0" smtClean="0"/>
+              <a:t>How do we add extra information to our data output?</a:t>
+            </a:r>
+          </a:p>
+          <a:p>
+            <a:pPr marL="0" indent="0">
+              <a:buNone/>
+            </a:pPr>
+            <a:endParaRPr lang="en-GB" dirty="0" smtClean="0"/>
+          </a:p>
+          <a:p>
+            <a:pPr marL="0" indent="0">
+              <a:buNone/>
+            </a:pPr>
+            <a:r>
+              <a:rPr lang="en-GB" b="1" dirty="0" smtClean="0"/>
+              <a:t>1. Start up parameters</a:t>
+            </a:r>
+          </a:p>
+          <a:p>
+            <a:pPr marL="0" indent="0">
+              <a:buNone/>
+            </a:pPr>
+            <a:endParaRPr lang="en-GB" dirty="0" smtClean="0"/>
+          </a:p>
+          <a:p>
+            <a:r>
+              <a:rPr lang="en-GB" dirty="0" smtClean="0"/>
+              <a:t>By default – prompted at the start for </a:t>
+            </a:r>
+            <a:r>
+              <a:rPr lang="en-GB" b="1" dirty="0" smtClean="0"/>
+              <a:t>Participant</a:t>
+            </a:r>
+            <a:r>
+              <a:rPr lang="en-GB" dirty="0" smtClean="0"/>
+              <a:t> and </a:t>
+            </a:r>
+            <a:r>
+              <a:rPr lang="en-GB" b="1" dirty="0" smtClean="0"/>
+              <a:t>Session ID</a:t>
+            </a:r>
+          </a:p>
+          <a:p>
+            <a:r>
+              <a:rPr lang="en-GB" dirty="0" smtClean="0"/>
+              <a:t>To add your own, click the experiment settings icon</a:t>
+            </a:r>
+          </a:p>
+          <a:p>
+            <a:pPr marL="0" indent="0">
+              <a:buNone/>
+            </a:pPr>
+            <a:endParaRPr lang="en-GB" dirty="0"/>
+          </a:p>
+          <a:p>
+            <a:pPr marL="0" indent="0">
+              <a:buNone/>
+            </a:pPr>
+            <a:r>
+              <a:rPr lang="en-GB" b="1" dirty="0" smtClean="0"/>
+              <a:t>2. Add to Excel data file</a:t>
+            </a:r>
+            <a:endParaRPr lang="en-GB" b="1" dirty="0"/>
+          </a:p>
+          <a:p>
+            <a:pPr marL="0" indent="0">
+              <a:buNone/>
+            </a:pPr>
+            <a:endParaRPr lang="en-GB" dirty="0"/>
+          </a:p>
+          <a:p>
+            <a:r>
+              <a:rPr lang="en-GB" dirty="0" smtClean="0"/>
+              <a:t>You can add a new column in your data file – that is it!</a:t>
+            </a:r>
+          </a:p>
+          <a:p>
+            <a:r>
+              <a:rPr lang="en-GB" dirty="0" smtClean="0"/>
+              <a:t>It will appear in your output files automatically.</a:t>
+            </a:r>
+          </a:p>
+          <a:p>
+            <a:endParaRPr lang="en-GB" dirty="0"/>
+          </a:p>
+          <a:p>
+            <a:pPr marL="0" indent="0">
+              <a:buNone/>
+            </a:pPr>
+            <a:r>
+              <a:rPr lang="en-GB" b="1" dirty="0" smtClean="0"/>
+              <a:t>3. Through embedded Python code</a:t>
+            </a:r>
+            <a:endParaRPr lang="en-GB" b="1" dirty="0"/>
+          </a:p>
+          <a:p>
+            <a:pPr marL="0" indent="0">
+              <a:buNone/>
+            </a:pPr>
+            <a:endParaRPr lang="en-GB" dirty="0"/>
+          </a:p>
+          <a:p>
+            <a:r>
+              <a:rPr lang="en-GB" dirty="0" smtClean="0"/>
+              <a:t>Possible to run complex calculations and store into our data file</a:t>
+            </a:r>
+          </a:p>
+          <a:p>
+            <a:r>
+              <a:rPr lang="en-GB" dirty="0" smtClean="0"/>
+              <a:t>Outside the scope of this session, but it is possible!</a:t>
+            </a:r>
+            <a:endParaRPr lang="en-GB" dirty="0"/>
+          </a:p>
+          <a:p>
+            <a:endParaRPr lang="en-GB" dirty="0" smtClean="0"/>
+          </a:p>
+        </p:txBody>
+      </p:sp>
+      <p:pic>
+        <p:nvPicPr>
+          <p:cNvPr id="4" name="Shape 156"/>
+          <p:cNvPicPr preferRelativeResize="0"/>
+          <p:nvPr/>
+        </p:nvPicPr>
+        <p:blipFill>
+          <a:blip r:embed="rId2">
+            <a:alphaModFix/>
+          </a:blip>
+          <a:stretch>
+            <a:fillRect/>
+          </a:stretch>
+        </p:blipFill>
+        <p:spPr>
+          <a:xfrm>
+            <a:off x="6322112" y="3123158"/>
+            <a:ext cx="489731" cy="377851"/>
+          </a:xfrm>
+          <a:prstGeom prst="rect">
+            <a:avLst/>
+          </a:prstGeom>
+          <a:noFill/>
+          <a:ln>
+            <a:noFill/>
+          </a:ln>
+        </p:spPr>
+      </p:pic>
+    </p:spTree>
+    <p:extLst>
+      <p:ext uri="{BB962C8B-B14F-4D97-AF65-F5344CB8AC3E}">
+        <p14:creationId xmlns:p14="http://schemas.microsoft.com/office/powerpoint/2010/main" val="1336114862"/>
+      </p:ext>
+    </p:extLst>
+  </p:cSld>
+  <p:clrMapOvr>
+    <a:masterClrMapping/>
+  </p:clrMapOvr>
+  <p:timing>
+    <p:tnLst>
+      <p:par>
+        <p:cTn id="1" dur="indefinite" restart="never" nodeType="tmRoot"/>
+      </p:par>
+    </p:tnLst>
+  </p:timing>
+</p:sld>
+</file>
+
+<file path=ppt/slides/slide13.xml><?xml version="1.0" encoding="utf-8"?>
 <p:sld xmlns:a="http://schemas.openxmlformats.org/drawingml/2006/main" xmlns:r="http://schemas.openxmlformats.org/officeDocument/2006/relationships" xmlns:p="http://schemas.openxmlformats.org/presentationml/2006/main">
   <p:cSld>
     <p:spTree>
@@ -8525,7 +8765,7 @@
 </p:sld>
 </file>
 
-<file path=ppt/slides/slide13.xml><?xml version="1.0" encoding="utf-8"?>
+<file path=ppt/slides/slide14.xml><?xml version="1.0" encoding="utf-8"?>
 <p:sld xmlns:a="http://schemas.openxmlformats.org/drawingml/2006/main" xmlns:r="http://schemas.openxmlformats.org/officeDocument/2006/relationships" xmlns:p="http://schemas.openxmlformats.org/presentationml/2006/main">
   <p:cSld>
     <p:spTree>
@@ -9452,7 +9692,7 @@
 </p:sld>
 </file>
 
-<file path=ppt/slides/slide14.xml><?xml version="1.0" encoding="utf-8"?>
+<file path=ppt/slides/slide15.xml><?xml version="1.0" encoding="utf-8"?>
 <p:sld xmlns:a="http://schemas.openxmlformats.org/drawingml/2006/main" xmlns:r="http://schemas.openxmlformats.org/officeDocument/2006/relationships" xmlns:p="http://schemas.openxmlformats.org/presentationml/2006/main">
   <p:cSld>
     <p:spTree>
@@ -9902,7 +10142,7 @@
 </p:sld>
 </file>
 
-<file path=ppt/slides/slide15.xml><?xml version="1.0" encoding="utf-8"?>
+<file path=ppt/slides/slide16.xml><?xml version="1.0" encoding="utf-8"?>
 <p:sld xmlns:a="http://schemas.openxmlformats.org/drawingml/2006/main" xmlns:r="http://schemas.openxmlformats.org/officeDocument/2006/relationships" xmlns:p="http://schemas.openxmlformats.org/presentationml/2006/main">
   <p:cSld>
     <p:spTree>
@@ -10135,7 +10375,7 @@
 </p:sld>
 </file>
 
-<file path=ppt/slides/slide16.xml><?xml version="1.0" encoding="utf-8"?>
+<file path=ppt/slides/slide17.xml><?xml version="1.0" encoding="utf-8"?>
 <p:sld xmlns:a="http://schemas.openxmlformats.org/drawingml/2006/main" xmlns:r="http://schemas.openxmlformats.org/officeDocument/2006/relationships" xmlns:p="http://schemas.openxmlformats.org/presentationml/2006/main">
   <p:cSld>
     <p:spTree>
@@ -10422,7 +10662,7 @@
 </p:sld>
 </file>
 
-<file path=ppt/slides/slide17.xml><?xml version="1.0" encoding="utf-8"?>
+<file path=ppt/slides/slide18.xml><?xml version="1.0" encoding="utf-8"?>
 <p:sld xmlns:a="http://schemas.openxmlformats.org/drawingml/2006/main" xmlns:r="http://schemas.openxmlformats.org/officeDocument/2006/relationships" xmlns:p="http://schemas.openxmlformats.org/presentationml/2006/main">
   <p:cSld>
     <p:spTree>
@@ -10901,13 +11141,8 @@
             </a:r>
             <a:r>
               <a:rPr lang="en-GB" sz="1100" dirty="0" smtClean="0"/>
-              <a:t>” (or Python Variables).  These are CASE SENSITIVE</a:t>
-            </a:r>
-            <a:r>
-              <a:rPr lang="en-GB" sz="1100" dirty="0" smtClean="0"/>
-              <a:t>.  There should be NO WHITE SPACE!</a:t>
-            </a:r>
-            <a:endParaRPr lang="en-GB" sz="1100" dirty="0" smtClean="0"/>
+              <a:t>” (or Python Variables).  These are CASE SENSITIVE.  There should be NO WHITE SPACE!</a:t>
+            </a:r>
           </a:p>
           <a:p>
             <a:pPr algn="ctr"/>
@@ -11133,7 +11368,7 @@
 </p:sld>
 </file>
 
-<file path=ppt/slides/slide18.xml><?xml version="1.0" encoding="utf-8"?>
+<file path=ppt/slides/slide19.xml><?xml version="1.0" encoding="utf-8"?>
 <p:sld xmlns:a="http://schemas.openxmlformats.org/drawingml/2006/main" xmlns:r="http://schemas.openxmlformats.org/officeDocument/2006/relationships" xmlns:p="http://schemas.openxmlformats.org/presentationml/2006/main">
   <p:cSld>
     <p:spTree>
@@ -11910,7 +12145,183 @@
 </p:sld>
 </file>
 
-<file path=ppt/slides/slide19.xml><?xml version="1.0" encoding="utf-8"?>
+<file path=ppt/slides/slide2.xml><?xml version="1.0" encoding="utf-8"?>
+<p:sld xmlns:a="http://schemas.openxmlformats.org/drawingml/2006/main" xmlns:r="http://schemas.openxmlformats.org/officeDocument/2006/relationships" xmlns:p="http://schemas.openxmlformats.org/presentationml/2006/main">
+  <p:cSld>
+    <p:spTree>
+      <p:nvGrpSpPr>
+        <p:cNvPr id="1" name=""/>
+        <p:cNvGrpSpPr/>
+        <p:nvPr/>
+      </p:nvGrpSpPr>
+      <p:grpSpPr>
+        <a:xfrm>
+          <a:off x="0" y="0"/>
+          <a:ext cx="0" cy="0"/>
+          <a:chOff x="0" y="0"/>
+          <a:chExt cx="0" cy="0"/>
+        </a:xfrm>
+      </p:grpSpPr>
+      <p:sp>
+        <p:nvSpPr>
+          <p:cNvPr id="2" name="Title 1"/>
+          <p:cNvSpPr>
+            <a:spLocks noGrp="1"/>
+          </p:cNvSpPr>
+          <p:nvPr>
+            <p:ph type="title"/>
+          </p:nvPr>
+        </p:nvSpPr>
+        <p:spPr/>
+        <p:txBody>
+          <a:bodyPr/>
+          <a:lstStyle/>
+          <a:p>
+            <a:r>
+              <a:rPr lang="en-GB" dirty="0" smtClean="0"/>
+              <a:t>First of all</a:t>
+            </a:r>
+            <a:endParaRPr lang="en-US" dirty="0"/>
+          </a:p>
+        </p:txBody>
+      </p:sp>
+      <p:sp>
+        <p:nvSpPr>
+          <p:cNvPr id="3" name="Text Placeholder 2"/>
+          <p:cNvSpPr>
+            <a:spLocks noGrp="1"/>
+          </p:cNvSpPr>
+          <p:nvPr>
+            <p:ph type="body" idx="1"/>
+          </p:nvPr>
+        </p:nvSpPr>
+        <p:spPr/>
+        <p:txBody>
+          <a:bodyPr/>
+          <a:lstStyle/>
+          <a:p>
+            <a:pPr marL="0" indent="0">
+              <a:buNone/>
+            </a:pPr>
+            <a:r>
+              <a:rPr lang="en-GB" b="1" dirty="0" smtClean="0"/>
+              <a:t>Download materials for today</a:t>
+            </a:r>
+          </a:p>
+          <a:p>
+            <a:endParaRPr lang="en-GB" dirty="0" smtClean="0"/>
+          </a:p>
+          <a:p>
+            <a:r>
+              <a:rPr lang="en-GB" dirty="0" smtClean="0"/>
+              <a:t>Download the materials from SP850 (zip file)</a:t>
+            </a:r>
+          </a:p>
+          <a:p>
+            <a:r>
+              <a:rPr lang="en-GB" dirty="0" smtClean="0"/>
+              <a:t>Or for those not on SP850 from here:</a:t>
+            </a:r>
+          </a:p>
+          <a:p>
+            <a:pPr lvl="1"/>
+            <a:r>
+              <a:rPr lang="en-US" dirty="0">
+                <a:hlinkClick r:id="rId2"/>
+              </a:rPr>
+              <a:t>http://</a:t>
+            </a:r>
+            <a:r>
+              <a:rPr lang="en-US" dirty="0" smtClean="0">
+                <a:hlinkClick r:id="rId2"/>
+              </a:rPr>
+              <a:t>www.kent.ac.uk/school-of-psychology/downloads/part1.zip</a:t>
+            </a:r>
+            <a:endParaRPr lang="en-GB" dirty="0" smtClean="0"/>
+          </a:p>
+          <a:p>
+            <a:pPr marL="57150" indent="0">
+              <a:buNone/>
+            </a:pPr>
+            <a:endParaRPr lang="en-GB" dirty="0" smtClean="0"/>
+          </a:p>
+          <a:p>
+            <a:pPr marL="57150" indent="0">
+              <a:buNone/>
+            </a:pPr>
+            <a:endParaRPr lang="en-GB" dirty="0" smtClean="0"/>
+          </a:p>
+          <a:p>
+            <a:pPr marL="57150" indent="0">
+              <a:buNone/>
+            </a:pPr>
+            <a:endParaRPr lang="en-GB" dirty="0" smtClean="0"/>
+          </a:p>
+          <a:p>
+            <a:pPr marL="57150" indent="0">
+              <a:buNone/>
+            </a:pPr>
+            <a:r>
+              <a:rPr lang="en-GB" sz="3200" dirty="0" smtClean="0">
+                <a:solidFill>
+                  <a:srgbClr val="FF0000"/>
+                </a:solidFill>
+              </a:rPr>
+              <a:t>WARNING!!</a:t>
+            </a:r>
+          </a:p>
+          <a:p>
+            <a:pPr marL="57150" indent="0">
+              <a:buNone/>
+            </a:pPr>
+            <a:endParaRPr lang="en-GB" dirty="0">
+              <a:solidFill>
+                <a:srgbClr val="FF0000"/>
+              </a:solidFill>
+            </a:endParaRPr>
+          </a:p>
+          <a:p>
+            <a:pPr marL="57150" indent="0">
+              <a:buNone/>
+            </a:pPr>
+            <a:r>
+              <a:rPr lang="en-GB" dirty="0" smtClean="0">
+                <a:solidFill>
+                  <a:schemeClr val="tx1"/>
+                </a:solidFill>
+              </a:rPr>
+              <a:t>You must unzip the file first by right clicking </a:t>
+            </a:r>
+          </a:p>
+          <a:p>
+            <a:pPr marL="57150" indent="0">
+              <a:buNone/>
+            </a:pPr>
+            <a:r>
+              <a:rPr lang="en-GB" dirty="0" smtClean="0">
+                <a:solidFill>
+                  <a:schemeClr val="tx1"/>
+                </a:solidFill>
+              </a:rPr>
+              <a:t>and selecting “Extract all”.</a:t>
+            </a:r>
+          </a:p>
+        </p:txBody>
+      </p:sp>
+    </p:spTree>
+    <p:extLst>
+      <p:ext uri="{BB962C8B-B14F-4D97-AF65-F5344CB8AC3E}">
+        <p14:creationId xmlns:p14="http://schemas.microsoft.com/office/powerpoint/2010/main" val="1081166787"/>
+      </p:ext>
+    </p:extLst>
+  </p:cSld>
+  <p:clrMapOvr>
+    <a:masterClrMapping/>
+  </p:clrMapOvr>
+</p:sld>
+</file>
+
+<file path=ppt/slides/slide20.xml><?xml version="1.0" encoding="utf-8"?>
 <p:sld xmlns:a="http://schemas.openxmlformats.org/drawingml/2006/main" xmlns:r="http://schemas.openxmlformats.org/officeDocument/2006/relationships" xmlns:p="http://schemas.openxmlformats.org/presentationml/2006/main">
   <p:cSld>
     <p:spTree>
@@ -12957,597 +13368,6 @@
 </p:sld>
 </file>
 
-<file path=ppt/slides/slide2.xml><?xml version="1.0" encoding="utf-8"?>
-<p:sld xmlns:a="http://schemas.openxmlformats.org/drawingml/2006/main" xmlns:r="http://schemas.openxmlformats.org/officeDocument/2006/relationships" xmlns:p="http://schemas.openxmlformats.org/presentationml/2006/main">
-  <p:cSld>
-    <p:spTree>
-      <p:nvGrpSpPr>
-        <p:cNvPr id="1" name=""/>
-        <p:cNvGrpSpPr/>
-        <p:nvPr/>
-      </p:nvGrpSpPr>
-      <p:grpSpPr>
-        <a:xfrm>
-          <a:off x="0" y="0"/>
-          <a:ext cx="0" cy="0"/>
-          <a:chOff x="0" y="0"/>
-          <a:chExt cx="0" cy="0"/>
-        </a:xfrm>
-      </p:grpSpPr>
-      <p:sp>
-        <p:nvSpPr>
-          <p:cNvPr id="2" name="Title 1"/>
-          <p:cNvSpPr>
-            <a:spLocks noGrp="1"/>
-          </p:cNvSpPr>
-          <p:nvPr>
-            <p:ph type="title"/>
-          </p:nvPr>
-        </p:nvSpPr>
-        <p:spPr/>
-        <p:txBody>
-          <a:bodyPr/>
-          <a:lstStyle/>
-          <a:p>
-            <a:r>
-              <a:rPr lang="en-GB" dirty="0" smtClean="0"/>
-              <a:t>First of all</a:t>
-            </a:r>
-            <a:endParaRPr lang="en-US" dirty="0"/>
-          </a:p>
-        </p:txBody>
-      </p:sp>
-      <p:sp>
-        <p:nvSpPr>
-          <p:cNvPr id="3" name="Text Placeholder 2"/>
-          <p:cNvSpPr>
-            <a:spLocks noGrp="1"/>
-          </p:cNvSpPr>
-          <p:nvPr>
-            <p:ph type="body" idx="1"/>
-          </p:nvPr>
-        </p:nvSpPr>
-        <p:spPr/>
-        <p:txBody>
-          <a:bodyPr/>
-          <a:lstStyle/>
-          <a:p>
-            <a:pPr marL="0" indent="0">
-              <a:buNone/>
-            </a:pPr>
-            <a:r>
-              <a:rPr lang="en-GB" b="1" dirty="0" smtClean="0"/>
-              <a:t>Download materials for today</a:t>
-            </a:r>
-          </a:p>
-          <a:p>
-            <a:endParaRPr lang="en-GB" dirty="0" smtClean="0"/>
-          </a:p>
-          <a:p>
-            <a:r>
-              <a:rPr lang="en-GB" dirty="0" smtClean="0"/>
-              <a:t>Download the materials from SP850 (zip file)</a:t>
-            </a:r>
-          </a:p>
-          <a:p>
-            <a:r>
-              <a:rPr lang="en-GB" dirty="0" smtClean="0"/>
-              <a:t>Or for those not on SP850 from here:</a:t>
-            </a:r>
-          </a:p>
-          <a:p>
-            <a:pPr lvl="1"/>
-            <a:r>
-              <a:rPr lang="en-US" dirty="0">
-                <a:hlinkClick r:id="rId2"/>
-              </a:rPr>
-              <a:t>http://</a:t>
-            </a:r>
-            <a:r>
-              <a:rPr lang="en-US" dirty="0" smtClean="0">
-                <a:hlinkClick r:id="rId2"/>
-              </a:rPr>
-              <a:t>www.kent.ac.uk/psychology/technical/part1.zip</a:t>
-            </a:r>
-            <a:endParaRPr lang="en-GB" dirty="0" smtClean="0"/>
-          </a:p>
-          <a:p>
-            <a:pPr marL="57150" indent="0">
-              <a:buNone/>
-            </a:pPr>
-            <a:endParaRPr lang="en-GB" dirty="0" smtClean="0"/>
-          </a:p>
-          <a:p>
-            <a:pPr marL="57150" indent="0">
-              <a:buNone/>
-            </a:pPr>
-            <a:endParaRPr lang="en-GB" dirty="0" smtClean="0"/>
-          </a:p>
-          <a:p>
-            <a:pPr marL="57150" indent="0">
-              <a:buNone/>
-            </a:pPr>
-            <a:endParaRPr lang="en-GB" dirty="0" smtClean="0"/>
-          </a:p>
-          <a:p>
-            <a:pPr marL="57150" indent="0">
-              <a:buNone/>
-            </a:pPr>
-            <a:r>
-              <a:rPr lang="en-GB" sz="3200" dirty="0" smtClean="0">
-                <a:solidFill>
-                  <a:srgbClr val="FF0000"/>
-                </a:solidFill>
-              </a:rPr>
-              <a:t>WARNING!!</a:t>
-            </a:r>
-          </a:p>
-          <a:p>
-            <a:pPr marL="57150" indent="0">
-              <a:buNone/>
-            </a:pPr>
-            <a:endParaRPr lang="en-GB" dirty="0">
-              <a:solidFill>
-                <a:srgbClr val="FF0000"/>
-              </a:solidFill>
-            </a:endParaRPr>
-          </a:p>
-          <a:p>
-            <a:pPr marL="57150" indent="0">
-              <a:buNone/>
-            </a:pPr>
-            <a:r>
-              <a:rPr lang="en-GB" dirty="0" smtClean="0">
-                <a:solidFill>
-                  <a:schemeClr val="tx1"/>
-                </a:solidFill>
-              </a:rPr>
-              <a:t>You must unzip the file first </a:t>
-            </a:r>
-            <a:r>
-              <a:rPr lang="en-GB" dirty="0" smtClean="0">
-                <a:solidFill>
-                  <a:schemeClr val="tx1"/>
-                </a:solidFill>
-              </a:rPr>
-              <a:t>by right clicking </a:t>
-            </a:r>
-            <a:endParaRPr lang="en-GB" dirty="0" smtClean="0">
-              <a:solidFill>
-                <a:schemeClr val="tx1"/>
-              </a:solidFill>
-            </a:endParaRPr>
-          </a:p>
-          <a:p>
-            <a:pPr marL="57150" indent="0">
-              <a:buNone/>
-            </a:pPr>
-            <a:r>
-              <a:rPr lang="en-GB" dirty="0" smtClean="0">
-                <a:solidFill>
-                  <a:schemeClr val="tx1"/>
-                </a:solidFill>
-              </a:rPr>
-              <a:t>and </a:t>
-            </a:r>
-            <a:r>
-              <a:rPr lang="en-GB" dirty="0" smtClean="0">
-                <a:solidFill>
-                  <a:schemeClr val="tx1"/>
-                </a:solidFill>
-              </a:rPr>
-              <a:t>selecting “Extract all</a:t>
-            </a:r>
-            <a:r>
-              <a:rPr lang="en-GB" dirty="0" smtClean="0">
-                <a:solidFill>
-                  <a:schemeClr val="tx1"/>
-                </a:solidFill>
-              </a:rPr>
-              <a:t>”.</a:t>
-            </a:r>
-          </a:p>
-        </p:txBody>
-      </p:sp>
-    </p:spTree>
-    <p:extLst>
-      <p:ext uri="{BB962C8B-B14F-4D97-AF65-F5344CB8AC3E}">
-        <p14:creationId xmlns:p14="http://schemas.microsoft.com/office/powerpoint/2010/main" val="1081166787"/>
-      </p:ext>
-    </p:extLst>
-  </p:cSld>
-  <p:clrMapOvr>
-    <a:masterClrMapping/>
-  </p:clrMapOvr>
-</p:sld>
-</file>
-
-<file path=ppt/slides/slide20.xml><?xml version="1.0" encoding="utf-8"?>
-<p:sld xmlns:a="http://schemas.openxmlformats.org/drawingml/2006/main" xmlns:r="http://schemas.openxmlformats.org/officeDocument/2006/relationships" xmlns:p="http://schemas.openxmlformats.org/presentationml/2006/main">
-  <p:cSld>
-    <p:spTree>
-      <p:nvGrpSpPr>
-        <p:cNvPr id="1" name=""/>
-        <p:cNvGrpSpPr/>
-        <p:nvPr/>
-      </p:nvGrpSpPr>
-      <p:grpSpPr>
-        <a:xfrm>
-          <a:off x="0" y="0"/>
-          <a:ext cx="0" cy="0"/>
-          <a:chOff x="0" y="0"/>
-          <a:chExt cx="0" cy="0"/>
-        </a:xfrm>
-      </p:grpSpPr>
-      <p:sp>
-        <p:nvSpPr>
-          <p:cNvPr id="2" name="Title 1"/>
-          <p:cNvSpPr>
-            <a:spLocks noGrp="1"/>
-          </p:cNvSpPr>
-          <p:nvPr>
-            <p:ph type="title"/>
-          </p:nvPr>
-        </p:nvSpPr>
-        <p:spPr/>
-        <p:txBody>
-          <a:bodyPr/>
-          <a:lstStyle/>
-          <a:p>
-            <a:r>
-              <a:rPr lang="en-GB" dirty="0" smtClean="0"/>
-              <a:t>Some “</a:t>
-            </a:r>
-            <a:r>
-              <a:rPr lang="en-GB" dirty="0" err="1" smtClean="0"/>
-              <a:t>Gotchas</a:t>
-            </a:r>
-            <a:r>
-              <a:rPr lang="en-GB" dirty="0" smtClean="0"/>
-              <a:t>”</a:t>
-            </a:r>
-            <a:endParaRPr lang="en-US" dirty="0"/>
-          </a:p>
-        </p:txBody>
-      </p:sp>
-      <p:sp>
-        <p:nvSpPr>
-          <p:cNvPr id="3" name="Text Placeholder 2"/>
-          <p:cNvSpPr>
-            <a:spLocks noGrp="1"/>
-          </p:cNvSpPr>
-          <p:nvPr>
-            <p:ph type="body" idx="1"/>
-          </p:nvPr>
-        </p:nvSpPr>
-        <p:spPr/>
-        <p:txBody>
-          <a:bodyPr/>
-          <a:lstStyle/>
-          <a:p>
-            <a:pPr marL="0" lvl="1" indent="0">
-              <a:buNone/>
-            </a:pPr>
-            <a:r>
-              <a:rPr lang="en-GB" sz="2000" b="1" dirty="0" smtClean="0">
-                <a:solidFill>
-                  <a:schemeClr val="tx1"/>
-                </a:solidFill>
-              </a:rPr>
-              <a:t>1) Update properties</a:t>
-            </a:r>
-          </a:p>
-          <a:p>
-            <a:pPr marL="0" lvl="1" indent="0">
-              <a:buNone/>
-            </a:pPr>
-            <a:endParaRPr lang="en-GB" sz="1800" dirty="0" smtClean="0">
-              <a:solidFill>
-                <a:schemeClr val="tx1"/>
-              </a:solidFill>
-            </a:endParaRPr>
-          </a:p>
-          <a:p>
-            <a:pPr marL="0" lvl="1" indent="0">
-              <a:buNone/>
-            </a:pPr>
-            <a:r>
-              <a:rPr lang="en-GB" sz="1800" dirty="0" smtClean="0">
-                <a:solidFill>
-                  <a:schemeClr val="tx1"/>
-                </a:solidFill>
-              </a:rPr>
-              <a:t>It is key to set the properties where you have an attribute coming in from </a:t>
-            </a:r>
-            <a:r>
-              <a:rPr lang="en-GB" sz="1800" b="1" dirty="0" smtClean="0">
-                <a:solidFill>
-                  <a:schemeClr val="tx1"/>
-                </a:solidFill>
-              </a:rPr>
-              <a:t>“Constant” </a:t>
-            </a:r>
-            <a:r>
-              <a:rPr lang="en-GB" sz="1800" dirty="0" smtClean="0">
-                <a:solidFill>
-                  <a:schemeClr val="tx1"/>
-                </a:solidFill>
-              </a:rPr>
-              <a:t>(never changes) to </a:t>
-            </a:r>
-            <a:r>
-              <a:rPr lang="en-GB" sz="1800" b="1" dirty="0">
-                <a:solidFill>
-                  <a:schemeClr val="tx1"/>
-                </a:solidFill>
-              </a:rPr>
-              <a:t>“Set every repeat” </a:t>
-            </a:r>
-            <a:r>
-              <a:rPr lang="en-GB" sz="1800" dirty="0" smtClean="0">
-                <a:solidFill>
-                  <a:schemeClr val="tx1"/>
-                </a:solidFill>
-              </a:rPr>
-              <a:t>= (update </a:t>
-            </a:r>
-            <a:r>
-              <a:rPr lang="en-GB" sz="1800" dirty="0">
-                <a:solidFill>
-                  <a:schemeClr val="tx1"/>
-                </a:solidFill>
-              </a:rPr>
-              <a:t>and change on every </a:t>
-            </a:r>
-            <a:r>
-              <a:rPr lang="en-GB" sz="1800" dirty="0" smtClean="0">
-                <a:solidFill>
-                  <a:schemeClr val="tx1"/>
-                </a:solidFill>
-              </a:rPr>
-              <a:t>repetition/trial/loop).  Keeping as Constant will cause an error!</a:t>
-            </a:r>
-          </a:p>
-          <a:p>
-            <a:pPr marL="0" lvl="1" indent="0">
-              <a:buNone/>
-            </a:pPr>
-            <a:endParaRPr lang="en-GB" sz="1800" dirty="0">
-              <a:solidFill>
-                <a:schemeClr val="tx1"/>
-              </a:solidFill>
-            </a:endParaRPr>
-          </a:p>
-          <a:p>
-            <a:pPr marL="0" lvl="1" indent="0">
-              <a:buNone/>
-            </a:pPr>
-            <a:r>
-              <a:rPr lang="en-GB" sz="1400" dirty="0" smtClean="0">
-                <a:solidFill>
-                  <a:srgbClr val="FF0000"/>
-                </a:solidFill>
-              </a:rPr>
-              <a:t>NOTE: </a:t>
-            </a:r>
-            <a:r>
-              <a:rPr lang="en-GB" sz="1400" dirty="0" smtClean="0">
-                <a:solidFill>
-                  <a:schemeClr val="tx1"/>
-                </a:solidFill>
-              </a:rPr>
-              <a:t>The </a:t>
-            </a:r>
-            <a:r>
-              <a:rPr lang="en-GB" sz="1400" b="1" dirty="0" smtClean="0">
-                <a:solidFill>
-                  <a:schemeClr val="tx1"/>
-                </a:solidFill>
-              </a:rPr>
-              <a:t>“Set every frame” option updates </a:t>
-            </a:r>
-            <a:r>
-              <a:rPr lang="en-GB" sz="1400" dirty="0" smtClean="0">
-                <a:solidFill>
-                  <a:schemeClr val="tx1"/>
-                </a:solidFill>
-              </a:rPr>
-              <a:t>component at every single screen refresh</a:t>
-            </a:r>
-          </a:p>
-          <a:p>
-            <a:pPr marL="0" lvl="1" indent="0">
-              <a:buNone/>
-            </a:pPr>
-            <a:r>
-              <a:rPr lang="en-GB" sz="1400" b="1" dirty="0" smtClean="0">
-                <a:solidFill>
-                  <a:schemeClr val="tx1"/>
-                </a:solidFill>
-              </a:rPr>
-              <a:t>= Overkill!</a:t>
-            </a:r>
-            <a:endParaRPr lang="en-GB" sz="1800" b="1" dirty="0" smtClean="0">
-              <a:solidFill>
-                <a:schemeClr val="tx1"/>
-              </a:solidFill>
-            </a:endParaRPr>
-          </a:p>
-          <a:p>
-            <a:pPr marL="0" indent="0">
-              <a:buNone/>
-            </a:pPr>
-            <a:endParaRPr lang="en-GB" dirty="0">
-              <a:solidFill>
-                <a:schemeClr val="tx1"/>
-              </a:solidFill>
-            </a:endParaRPr>
-          </a:p>
-          <a:p>
-            <a:pPr marL="0" indent="0">
-              <a:buNone/>
-            </a:pPr>
-            <a:r>
-              <a:rPr lang="en-GB" sz="2000" b="1" dirty="0" smtClean="0">
-                <a:solidFill>
-                  <a:schemeClr val="tx1"/>
-                </a:solidFill>
-              </a:rPr>
-              <a:t>2) Making updates to the data file </a:t>
-            </a:r>
-            <a:r>
-              <a:rPr lang="en-GB" sz="2000" dirty="0" smtClean="0">
-                <a:solidFill>
-                  <a:schemeClr val="tx1"/>
-                </a:solidFill>
-              </a:rPr>
-              <a:t>(</a:t>
-            </a:r>
-            <a:r>
-              <a:rPr lang="en-GB" sz="2000" dirty="0" err="1" smtClean="0">
-                <a:solidFill>
-                  <a:schemeClr val="tx1"/>
-                </a:solidFill>
-              </a:rPr>
-              <a:t>i.e</a:t>
-            </a:r>
-            <a:r>
-              <a:rPr lang="en-GB" sz="2000" dirty="0" smtClean="0">
-                <a:solidFill>
-                  <a:schemeClr val="tx1"/>
-                </a:solidFill>
-              </a:rPr>
-              <a:t> new columns)</a:t>
-            </a:r>
-          </a:p>
-          <a:p>
-            <a:pPr marL="457200" lvl="1" indent="0">
-              <a:buNone/>
-            </a:pPr>
-            <a:endParaRPr lang="en-GB" sz="1800" b="1" dirty="0">
-              <a:solidFill>
-                <a:srgbClr val="7030A0"/>
-              </a:solidFill>
-            </a:endParaRPr>
-          </a:p>
-          <a:p>
-            <a:pPr marL="0" lvl="0" indent="0">
-              <a:buNone/>
-            </a:pPr>
-            <a:r>
-              <a:rPr lang="en-GB" dirty="0"/>
-              <a:t>When a trial list is updated with new columns, you </a:t>
-            </a:r>
-            <a:r>
-              <a:rPr lang="en-GB" dirty="0" smtClean="0"/>
-              <a:t>should </a:t>
-            </a:r>
-            <a:r>
-              <a:rPr lang="en-GB" b="1" dirty="0"/>
-              <a:t>re-attach the CSV file.   </a:t>
-            </a:r>
-            <a:r>
-              <a:rPr lang="en-GB" dirty="0"/>
-              <a:t>This </a:t>
-            </a:r>
-            <a:r>
-              <a:rPr lang="en-GB" dirty="0" smtClean="0"/>
-              <a:t>is to make sure </a:t>
-            </a:r>
-            <a:r>
-              <a:rPr lang="en-GB" dirty="0" err="1" smtClean="0"/>
-              <a:t>PsychoPy</a:t>
-            </a:r>
-            <a:r>
-              <a:rPr lang="en-GB" dirty="0" smtClean="0"/>
-              <a:t> picks </a:t>
-            </a:r>
-            <a:r>
-              <a:rPr lang="en-GB" dirty="0"/>
-              <a:t>up the new attributes you add</a:t>
-            </a:r>
-            <a:r>
-              <a:rPr lang="en-GB" dirty="0" smtClean="0"/>
-              <a:t>!</a:t>
-            </a:r>
-          </a:p>
-          <a:p>
-            <a:pPr marL="0" lvl="0" indent="0">
-              <a:buNone/>
-            </a:pPr>
-            <a:endParaRPr lang="en-GB" dirty="0"/>
-          </a:p>
-          <a:p>
-            <a:pPr marL="0" lvl="0" indent="0">
-              <a:buNone/>
-            </a:pPr>
-            <a:r>
-              <a:rPr lang="en-GB" sz="2000" b="1" dirty="0" smtClean="0">
-                <a:solidFill>
-                  <a:schemeClr val="tx1"/>
-                </a:solidFill>
-              </a:rPr>
-              <a:t>3) Attributes are “</a:t>
-            </a:r>
-            <a:r>
-              <a:rPr lang="en-GB" sz="2000" b="1" dirty="0" err="1" smtClean="0">
-                <a:solidFill>
-                  <a:schemeClr val="tx1"/>
-                </a:solidFill>
-              </a:rPr>
-              <a:t>CaSe</a:t>
-            </a:r>
-            <a:r>
-              <a:rPr lang="en-GB" sz="2000" b="1" dirty="0" smtClean="0">
-                <a:solidFill>
-                  <a:schemeClr val="tx1"/>
-                </a:solidFill>
-              </a:rPr>
-              <a:t> </a:t>
-            </a:r>
-            <a:r>
-              <a:rPr lang="en-GB" sz="2000" b="1" dirty="0" err="1" smtClean="0">
-                <a:solidFill>
-                  <a:schemeClr val="tx1"/>
-                </a:solidFill>
-              </a:rPr>
-              <a:t>SeNsItIvE</a:t>
-            </a:r>
-            <a:r>
-              <a:rPr lang="en-GB" sz="2000" b="1" dirty="0" smtClean="0">
-                <a:solidFill>
-                  <a:schemeClr val="tx1"/>
-                </a:solidFill>
-              </a:rPr>
-              <a:t>” and must not contain white space!</a:t>
-            </a:r>
-            <a:endParaRPr lang="en-GB" sz="2000" b="1" dirty="0">
-              <a:solidFill>
-                <a:schemeClr val="tx1"/>
-              </a:solidFill>
-            </a:endParaRPr>
-          </a:p>
-          <a:p>
-            <a:pPr marL="0" indent="0">
-              <a:buNone/>
-            </a:pPr>
-            <a:endParaRPr lang="en-US" dirty="0"/>
-          </a:p>
-        </p:txBody>
-      </p:sp>
-    </p:spTree>
-    <p:extLst>
-      <p:ext uri="{BB962C8B-B14F-4D97-AF65-F5344CB8AC3E}">
-        <p14:creationId xmlns:p14="http://schemas.microsoft.com/office/powerpoint/2010/main" val="3331521809"/>
-      </p:ext>
-    </p:extLst>
-  </p:cSld>
-  <p:clrMapOvr>
-    <a:masterClrMapping/>
-  </p:clrMapOvr>
-</p:sld>
-</file>
-
 <file path=ppt/slides/slide21.xml><?xml version="1.0" encoding="utf-8"?>
 <p:sld xmlns:a="http://schemas.openxmlformats.org/drawingml/2006/main" xmlns:r="http://schemas.openxmlformats.org/officeDocument/2006/relationships" xmlns:p="http://schemas.openxmlformats.org/presentationml/2006/main">
   <p:cSld>
@@ -13577,55 +13397,22 @@
         </p:nvSpPr>
         <p:spPr/>
         <p:txBody>
-          <a:bodyPr>
-            <a:normAutofit fontScale="90000"/>
-          </a:bodyPr>
+          <a:bodyPr/>
           <a:lstStyle/>
           <a:p>
             <a:r>
               <a:rPr lang="en-GB" dirty="0" smtClean="0"/>
-              <a:t>Exercise 2:</a:t>
-            </a:r>
-            <a:br>
+              <a:t>Some “</a:t>
+            </a:r>
+            <a:r>
+              <a:rPr lang="en-GB" dirty="0" err="1" smtClean="0"/>
+              <a:t>Gotchas</a:t>
+            </a:r>
+            <a:r>
               <a:rPr lang="en-GB" dirty="0" smtClean="0"/>
-            </a:br>
-            <a:r>
-              <a:rPr lang="en-GB" dirty="0" smtClean="0">
-                <a:solidFill>
-                  <a:schemeClr val="accent1">
-                    <a:lumMod val="50000"/>
-                  </a:schemeClr>
-                </a:solidFill>
-              </a:rPr>
-              <a:t>Modify the </a:t>
-            </a:r>
-            <a:r>
-              <a:rPr lang="en-GB" dirty="0" err="1" smtClean="0">
-                <a:solidFill>
-                  <a:schemeClr val="accent1">
-                    <a:lumMod val="50000"/>
-                  </a:schemeClr>
-                </a:solidFill>
-              </a:rPr>
-              <a:t>Stroop</a:t>
-            </a:r>
-            <a:r>
-              <a:rPr lang="en-GB" dirty="0" smtClean="0">
-                <a:solidFill>
-                  <a:schemeClr val="accent1">
-                    <a:lumMod val="50000"/>
-                  </a:schemeClr>
-                </a:solidFill>
-              </a:rPr>
-              <a:t> demo</a:t>
-            </a:r>
-            <a:endParaRPr lang="en-US" dirty="0">
-              <a:solidFill>
-                <a:schemeClr val="accent1">
-                  <a:lumMod val="50000"/>
-                </a:schemeClr>
-              </a:solidFill>
-            </a:endParaRPr>
+              <a:t>”</a:t>
+            </a:r>
+            <a:endParaRPr lang="en-US" dirty="0"/>
           </a:p>
         </p:txBody>
       </p:sp>
@@ -13641,245 +13428,329 @@
         </p:nvSpPr>
         <p:spPr/>
         <p:txBody>
-          <a:bodyPr>
-            <a:normAutofit/>
-          </a:bodyPr>
+          <a:bodyPr/>
           <a:lstStyle/>
           <a:p>
-            <a:pPr>
-              <a:buFont typeface="+mj-lt"/>
-              <a:buAutoNum type="arabicPeriod"/>
-            </a:pPr>
-            <a:r>
-              <a:rPr lang="en-GB" sz="2000" dirty="0" smtClean="0"/>
-              <a:t>Open up </a:t>
+            <a:pPr marL="0" lvl="1" indent="0">
+              <a:buNone/>
+            </a:pPr>
+            <a:r>
+              <a:rPr lang="en-GB" sz="2000" b="1" dirty="0" smtClean="0">
+                <a:solidFill>
+                  <a:schemeClr val="tx1"/>
+                </a:solidFill>
+              </a:rPr>
+              <a:t>1) Update properties</a:t>
+            </a:r>
+          </a:p>
+          <a:p>
+            <a:pPr marL="0" lvl="1" indent="0">
+              <a:buNone/>
+            </a:pPr>
+            <a:endParaRPr lang="en-GB" sz="1800" dirty="0" smtClean="0">
+              <a:solidFill>
+                <a:schemeClr val="tx1"/>
+              </a:solidFill>
+            </a:endParaRPr>
+          </a:p>
+          <a:p>
+            <a:pPr marL="0" lvl="1" indent="0">
+              <a:buNone/>
+            </a:pPr>
+            <a:r>
+              <a:rPr lang="en-GB" sz="1800" dirty="0" smtClean="0">
+                <a:solidFill>
+                  <a:schemeClr val="tx1"/>
+                </a:solidFill>
+              </a:rPr>
+              <a:t>It is key to set the properties where you have an attribute coming in from </a:t>
+            </a:r>
+            <a:r>
+              <a:rPr lang="en-GB" sz="1800" b="1" dirty="0" smtClean="0">
+                <a:solidFill>
+                  <a:schemeClr val="tx1"/>
+                </a:solidFill>
+              </a:rPr>
+              <a:t>“Constant” </a:t>
+            </a:r>
+            <a:r>
+              <a:rPr lang="en-GB" sz="1800" dirty="0" smtClean="0">
+                <a:solidFill>
+                  <a:schemeClr val="tx1"/>
+                </a:solidFill>
+              </a:rPr>
+              <a:t>(never changes) to </a:t>
+            </a:r>
+            <a:r>
+              <a:rPr lang="en-GB" sz="1800" b="1" dirty="0">
+                <a:solidFill>
+                  <a:schemeClr val="tx1"/>
+                </a:solidFill>
+              </a:rPr>
+              <a:t>“Set every repeat” </a:t>
+            </a:r>
+            <a:r>
+              <a:rPr lang="en-GB" sz="1800" dirty="0" smtClean="0">
+                <a:solidFill>
+                  <a:schemeClr val="tx1"/>
+                </a:solidFill>
+              </a:rPr>
+              <a:t>= (update </a:t>
+            </a:r>
+            <a:r>
+              <a:rPr lang="en-GB" sz="1800" dirty="0">
+                <a:solidFill>
+                  <a:schemeClr val="tx1"/>
+                </a:solidFill>
+              </a:rPr>
+              <a:t>and change on every </a:t>
+            </a:r>
+            <a:r>
+              <a:rPr lang="en-GB" sz="1800" dirty="0" smtClean="0">
+                <a:solidFill>
+                  <a:schemeClr val="tx1"/>
+                </a:solidFill>
+              </a:rPr>
+              <a:t>repetition/trial/loop).  Keeping as Constant will cause an error!</a:t>
+            </a:r>
+          </a:p>
+          <a:p>
+            <a:pPr marL="0" lvl="1" indent="0">
+              <a:buNone/>
+            </a:pPr>
+            <a:endParaRPr lang="en-GB" sz="1800" dirty="0">
+              <a:solidFill>
+                <a:schemeClr val="tx1"/>
+              </a:solidFill>
+            </a:endParaRPr>
+          </a:p>
+          <a:p>
+            <a:pPr marL="0" lvl="1" indent="0">
+              <a:buNone/>
+            </a:pPr>
+            <a:r>
+              <a:rPr lang="en-GB" sz="1400" dirty="0" smtClean="0">
+                <a:solidFill>
+                  <a:srgbClr val="FF0000"/>
+                </a:solidFill>
+              </a:rPr>
+              <a:t>NOTE: </a:t>
+            </a:r>
+            <a:r>
+              <a:rPr lang="en-GB" sz="1400" dirty="0" smtClean="0">
+                <a:solidFill>
+                  <a:schemeClr val="tx1"/>
+                </a:solidFill>
+              </a:rPr>
+              <a:t>The </a:t>
+            </a:r>
+            <a:r>
+              <a:rPr lang="en-GB" sz="1400" b="1" dirty="0" smtClean="0">
+                <a:solidFill>
+                  <a:schemeClr val="tx1"/>
+                </a:solidFill>
+              </a:rPr>
+              <a:t>“Set every frame” option updates </a:t>
+            </a:r>
+            <a:r>
+              <a:rPr lang="en-GB" sz="1400" dirty="0" smtClean="0">
+                <a:solidFill>
+                  <a:schemeClr val="tx1"/>
+                </a:solidFill>
+              </a:rPr>
+              <a:t>component at every single screen refresh</a:t>
+            </a:r>
+          </a:p>
+          <a:p>
+            <a:pPr marL="0" lvl="1" indent="0">
+              <a:buNone/>
+            </a:pPr>
+            <a:r>
+              <a:rPr lang="en-GB" sz="1400" b="1" dirty="0" smtClean="0">
+                <a:solidFill>
+                  <a:schemeClr val="tx1"/>
+                </a:solidFill>
+              </a:rPr>
+              <a:t>= Overkill!</a:t>
+            </a:r>
+            <a:endParaRPr lang="en-GB" sz="1800" b="1" dirty="0" smtClean="0">
+              <a:solidFill>
+                <a:schemeClr val="tx1"/>
+              </a:solidFill>
+            </a:endParaRPr>
+          </a:p>
+          <a:p>
+            <a:pPr marL="0" indent="0">
+              <a:buNone/>
+            </a:pPr>
+            <a:endParaRPr lang="en-GB" dirty="0">
+              <a:solidFill>
+                <a:schemeClr val="tx1"/>
+              </a:solidFill>
+            </a:endParaRPr>
+          </a:p>
+          <a:p>
+            <a:pPr marL="0" indent="0">
+              <a:buNone/>
+            </a:pPr>
+            <a:r>
+              <a:rPr lang="en-GB" sz="2000" b="1" dirty="0" smtClean="0">
+                <a:solidFill>
+                  <a:schemeClr val="tx1"/>
+                </a:solidFill>
+              </a:rPr>
+              <a:t>2) Making updates to the data file </a:t>
             </a:r>
             <a:r>
               <a:rPr lang="en-GB" sz="2000" dirty="0" smtClean="0">
-                <a:latin typeface="Courier New" panose="02070309020205020404" pitchFamily="49" charset="0"/>
-                <a:cs typeface="Courier New" panose="02070309020205020404" pitchFamily="49" charset="0"/>
+                <a:solidFill>
+                  <a:schemeClr val="tx1"/>
+                </a:solidFill>
               </a:rPr>
-              <a:t>/</a:t>
+              <a:t>(</a:t>
             </a:r>
             <a:r>
               <a:rPr lang="en-GB" sz="2000" dirty="0" err="1" smtClean="0">
-                <a:latin typeface="Courier New" panose="02070309020205020404" pitchFamily="49" charset="0"/>
-                <a:cs typeface="Courier New" panose="02070309020205020404" pitchFamily="49" charset="0"/>
+                <a:solidFill>
+                  <a:schemeClr val="tx1"/>
+                </a:solidFill>
               </a:rPr>
-              <a:t>stroop</a:t>
+              <a:t>i.e</a:t>
             </a:r>
             <a:r>
               <a:rPr lang="en-GB" sz="2000" dirty="0" smtClean="0">
-                <a:latin typeface="Courier New" panose="02070309020205020404" pitchFamily="49" charset="0"/>
-                <a:cs typeface="Courier New" panose="02070309020205020404" pitchFamily="49" charset="0"/>
+                <a:solidFill>
+                  <a:schemeClr val="tx1"/>
+                </a:solidFill>
               </a:rPr>
-              <a:t>/</a:t>
-            </a:r>
-            <a:r>
-              <a:rPr lang="en-GB" sz="2000" dirty="0" err="1" smtClean="0">
-                <a:latin typeface="Courier New" panose="02070309020205020404" pitchFamily="49" charset="0"/>
-                <a:cs typeface="Courier New" panose="02070309020205020404" pitchFamily="49" charset="0"/>
+              <a:t> new columns)</a:t>
+            </a:r>
+          </a:p>
+          <a:p>
+            <a:pPr marL="457200" lvl="1" indent="0">
+              <a:buNone/>
+            </a:pPr>
+            <a:endParaRPr lang="en-GB" sz="1800" b="1" dirty="0">
+              <a:solidFill>
+                <a:srgbClr val="7030A0"/>
+              </a:solidFill>
+            </a:endParaRPr>
+          </a:p>
+          <a:p>
+            <a:pPr marL="0" lvl="0" indent="0">
+              <a:buNone/>
+            </a:pPr>
+            <a:r>
+              <a:rPr lang="en-GB" dirty="0"/>
+              <a:t>When a trial list is updated with new columns, you </a:t>
+            </a:r>
+            <a:r>
+              <a:rPr lang="en-GB" dirty="0" smtClean="0"/>
+              <a:t>should </a:t>
+            </a:r>
+            <a:r>
+              <a:rPr lang="en-GB" b="1" dirty="0"/>
+              <a:t>re-attach the CSV file.   </a:t>
+            </a:r>
+            <a:r>
+              <a:rPr lang="en-GB" dirty="0"/>
+              <a:t>This </a:t>
+            </a:r>
+            <a:r>
+              <a:rPr lang="en-GB" dirty="0" smtClean="0"/>
+              <a:t>is to make sure </a:t>
+            </a:r>
+            <a:r>
+              <a:rPr lang="en-GB" dirty="0" err="1" smtClean="0"/>
+              <a:t>PsychoPy</a:t>
+            </a:r>
+            <a:r>
+              <a:rPr lang="en-GB" dirty="0" smtClean="0"/>
+              <a:t> picks </a:t>
+            </a:r>
+            <a:r>
+              <a:rPr lang="en-GB" dirty="0"/>
+              <a:t>up the new attributes you add</a:t>
+            </a:r>
+            <a:r>
+              <a:rPr lang="en-GB" dirty="0" smtClean="0"/>
+              <a:t>!</a:t>
+            </a:r>
+          </a:p>
+          <a:p>
+            <a:pPr marL="0" lvl="0" indent="0">
+              <a:buNone/>
+            </a:pPr>
+            <a:endParaRPr lang="en-GB" dirty="0"/>
+          </a:p>
+          <a:p>
+            <a:pPr marL="0" lvl="0" indent="0">
+              <a:buNone/>
+            </a:pPr>
+            <a:r>
+              <a:rPr lang="en-GB" sz="2000" b="1" dirty="0" smtClean="0">
+                <a:solidFill>
+                  <a:schemeClr val="tx1"/>
+                </a:solidFill>
               </a:rPr>
-              <a:t>stroop.psyexp</a:t>
-            </a:r>
-            <a:r>
-              <a:rPr lang="en-GB" sz="2000" dirty="0" smtClean="0">
-                <a:latin typeface="Courier New" panose="02070309020205020404" pitchFamily="49" charset="0"/>
-                <a:cs typeface="Courier New" panose="02070309020205020404" pitchFamily="49" charset="0"/>
+              <a:t>3) Attributes are “</a:t>
+            </a:r>
+            <a:r>
+              <a:rPr lang="en-GB" sz="2000" b="1" dirty="0" err="1" smtClean="0">
+                <a:solidFill>
+                  <a:schemeClr val="tx1"/>
+                </a:solidFill>
+              </a:rPr>
+              <a:t>CaSe</a:t>
+            </a:r>
+            <a:r>
+              <a:rPr lang="en-GB" sz="2000" b="1" dirty="0" smtClean="0">
+                <a:solidFill>
+                  <a:schemeClr val="tx1"/>
+                </a:solidFill>
               </a:rPr>
               <a:t> </a:t>
             </a:r>
             <a:r>
-              <a:rPr lang="en-GB" sz="2000" dirty="0" smtClean="0"/>
-              <a:t>from Exercise 1</a:t>
-            </a:r>
-          </a:p>
-          <a:p>
-            <a:pPr>
-              <a:buFont typeface="+mj-lt"/>
-              <a:buAutoNum type="arabicPeriod"/>
-            </a:pPr>
-            <a:r>
-              <a:rPr lang="en-GB" sz="2000" dirty="0" smtClean="0"/>
-              <a:t>Change the intro text and the first line “</a:t>
-            </a:r>
-            <a:r>
-              <a:rPr lang="en-GB" sz="2000" b="1" dirty="0" smtClean="0"/>
-              <a:t>OK. Ready for the real thing?</a:t>
-            </a:r>
-            <a:r>
-              <a:rPr lang="en-GB" sz="2000" dirty="0" smtClean="0"/>
-              <a:t>” to “</a:t>
-            </a:r>
-            <a:r>
-              <a:rPr lang="en-GB" sz="2000" b="1" dirty="0" smtClean="0"/>
-              <a:t>Instructions</a:t>
-            </a:r>
-            <a:r>
-              <a:rPr lang="en-GB" sz="2000" dirty="0" smtClean="0"/>
-              <a:t>”</a:t>
-            </a:r>
-          </a:p>
-          <a:p>
-            <a:pPr>
-              <a:buFont typeface="+mj-lt"/>
-              <a:buAutoNum type="arabicPeriod"/>
-            </a:pPr>
-            <a:r>
-              <a:rPr lang="en-GB" sz="2000" dirty="0" smtClean="0"/>
-              <a:t>Change keys </a:t>
-            </a:r>
-            <a:r>
-              <a:rPr lang="en-GB" sz="2000" dirty="0" smtClean="0"/>
-              <a:t>from </a:t>
-            </a:r>
-            <a:r>
-              <a:rPr lang="en-GB" sz="2000" b="1" dirty="0" smtClean="0"/>
-              <a:t>“left”, “down”, “right” </a:t>
-            </a:r>
-            <a:r>
-              <a:rPr lang="en-GB" sz="2000" dirty="0" smtClean="0"/>
-              <a:t>to </a:t>
-            </a:r>
-            <a:r>
-              <a:rPr lang="en-GB" sz="2000" b="1" dirty="0" smtClean="0"/>
-              <a:t>“a”, “s”, “d”</a:t>
-            </a:r>
-          </a:p>
-          <a:p>
-            <a:pPr lvl="1">
-              <a:buFont typeface="Wingdings" panose="05000000000000000000" pitchFamily="2" charset="2"/>
-              <a:buChar char="§"/>
-            </a:pPr>
-            <a:r>
-              <a:rPr lang="en-GB" sz="2000" dirty="0" smtClean="0"/>
-              <a:t>Ensure you update the instructions</a:t>
-            </a:r>
-          </a:p>
-          <a:p>
-            <a:pPr>
-              <a:buFont typeface="+mj-lt"/>
-              <a:buAutoNum type="arabicPeriod"/>
-            </a:pPr>
-            <a:r>
-              <a:rPr lang="en-GB" sz="2000" dirty="0" smtClean="0"/>
-              <a:t>Add another 5 trials to the </a:t>
-            </a:r>
-            <a:r>
-              <a:rPr lang="en-GB" sz="2000" dirty="0" err="1" smtClean="0"/>
-              <a:t>Stroop</a:t>
-            </a:r>
-            <a:endParaRPr lang="en-GB" sz="2000" dirty="0" smtClean="0"/>
-          </a:p>
-          <a:p>
-            <a:pPr lvl="1">
-              <a:buFont typeface="Wingdings" panose="05000000000000000000" pitchFamily="2" charset="2"/>
-              <a:buChar char="§"/>
-            </a:pPr>
-            <a:r>
-              <a:rPr lang="en-GB" sz="2000" dirty="0" smtClean="0">
-                <a:cs typeface="Courier New" panose="02070309020205020404" pitchFamily="49" charset="0"/>
+              <a:rPr lang="en-GB" sz="2000" b="1" dirty="0" err="1" smtClean="0">
+                <a:solidFill>
+                  <a:schemeClr val="tx1"/>
+                </a:solidFill>
               </a:rPr>
-              <a:t>Edit the </a:t>
-            </a:r>
-            <a:r>
-              <a:rPr lang="en-GB" sz="2000" dirty="0" smtClean="0">
-                <a:latin typeface="Courier New" panose="02070309020205020404" pitchFamily="49" charset="0"/>
-                <a:cs typeface="Courier New" panose="02070309020205020404" pitchFamily="49" charset="0"/>
+              <a:t>SeNsItIvE</a:t>
+            </a:r>
+            <a:r>
+              <a:rPr lang="en-GB" sz="2000" b="1" dirty="0" smtClean="0">
+                <a:solidFill>
+                  <a:schemeClr val="tx1"/>
+                </a:solidFill>
               </a:rPr>
-              <a:t>trialTypes.xlsx </a:t>
-            </a:r>
-            <a:r>
-              <a:rPr lang="en-GB" sz="2000" dirty="0" smtClean="0"/>
-              <a:t>is where the source trial data is!</a:t>
-            </a:r>
-          </a:p>
-          <a:p>
-            <a:pPr>
-              <a:buFont typeface="+mj-lt"/>
-              <a:buAutoNum type="arabicPeriod"/>
-            </a:pPr>
-            <a:r>
-              <a:rPr lang="en-GB" sz="2000" dirty="0" smtClean="0"/>
-              <a:t>Try adding a new routine which will act as a title page for the experiment</a:t>
-            </a:r>
-          </a:p>
-          <a:p>
-            <a:pPr lvl="1">
-              <a:buFont typeface="Wingdings" panose="05000000000000000000" pitchFamily="2" charset="2"/>
-              <a:buChar char="§"/>
-            </a:pPr>
-            <a:r>
-              <a:rPr lang="en-GB" sz="2000" dirty="0" smtClean="0"/>
-              <a:t>HINT: the “instruct” routine should give you some clues</a:t>
-            </a:r>
-          </a:p>
-          <a:p>
-            <a:pPr lvl="1">
-              <a:buFont typeface="Wingdings" panose="05000000000000000000" pitchFamily="2" charset="2"/>
-              <a:buChar char="§"/>
-            </a:pPr>
-            <a:r>
-              <a:rPr lang="en-GB" sz="2000" dirty="0" smtClean="0"/>
-              <a:t>Look at the properties of the </a:t>
-            </a:r>
-            <a:r>
-              <a:rPr lang="en-GB" sz="2000" b="1" dirty="0" smtClean="0"/>
-              <a:t>Text</a:t>
-            </a:r>
-            <a:r>
-              <a:rPr lang="en-GB" sz="2000" dirty="0" smtClean="0"/>
-              <a:t> and </a:t>
-            </a:r>
-            <a:r>
-              <a:rPr lang="en-GB" sz="2000" b="1" dirty="0" smtClean="0"/>
-              <a:t>Keyboard</a:t>
-            </a:r>
-            <a:r>
-              <a:rPr lang="en-GB" sz="2000" dirty="0" smtClean="0"/>
-              <a:t> component and replicate</a:t>
-            </a:r>
-          </a:p>
-          <a:p>
-            <a:pPr>
-              <a:buFont typeface="+mj-lt"/>
-              <a:buAutoNum type="arabicPeriod"/>
-            </a:pPr>
-            <a:r>
-              <a:rPr lang="en-GB" sz="2000" dirty="0" smtClean="0"/>
-              <a:t>Re-Run and see what you get</a:t>
-            </a:r>
-            <a:endParaRPr lang="en-US" sz="2000" dirty="0"/>
-          </a:p>
-          <a:p>
-            <a:pPr lvl="1">
-              <a:buFont typeface="Wingdings" panose="05000000000000000000" pitchFamily="2" charset="2"/>
-              <a:buChar char="§"/>
-            </a:pPr>
-            <a:r>
-              <a:rPr lang="en-GB" sz="2000" dirty="0" smtClean="0"/>
-              <a:t>Look at the result file, has your new data column come over?</a:t>
-            </a:r>
+              <a:t>” and must not contain white space!</a:t>
+            </a:r>
+            <a:endParaRPr lang="en-GB" sz="2000" b="1" dirty="0">
+              <a:solidFill>
+                <a:schemeClr val="tx1"/>
+              </a:solidFill>
+            </a:endParaRPr>
+          </a:p>
+          <a:p>
+            <a:pPr marL="0" indent="0">
+              <a:buNone/>
+            </a:pPr>
+            <a:endParaRPr lang="en-US" dirty="0"/>
           </a:p>
         </p:txBody>
       </p:sp>
     </p:spTree>
     <p:extLst>
       <p:ext uri="{BB962C8B-B14F-4D97-AF65-F5344CB8AC3E}">
-        <p14:creationId xmlns:p14="http://schemas.microsoft.com/office/powerpoint/2010/main" val="1662202215"/>
+        <p14:creationId xmlns:p14="http://schemas.microsoft.com/office/powerpoint/2010/main" val="3331521809"/>
       </p:ext>
     </p:extLst>
   </p:cSld>
   <p:clrMapOvr>
     <a:masterClrMapping/>
   </p:clrMapOvr>
-  <p:timing>
-    <p:tnLst>
-      <p:par>
-        <p:cTn id="1" dur="indefinite" restart="never" nodeType="tmRoot"/>
-      </p:par>
-    </p:tnLst>
-  </p:timing>
 </p:sld>
 </file>
 
@@ -13912,14 +13783,55 @@
         </p:nvSpPr>
         <p:spPr/>
         <p:txBody>
-          <a:bodyPr/>
+          <a:bodyPr>
+            <a:normAutofit fontScale="90000"/>
+          </a:bodyPr>
           <a:lstStyle/>
           <a:p>
             <a:r>
               <a:rPr lang="en-GB" dirty="0" smtClean="0"/>
-              <a:t>Components - Part 2</a:t>
-            </a:r>
-            <a:endParaRPr lang="en-US" dirty="0"/>
+              <a:t>Exercise 2:</a:t>
+            </a:r>
+            <a:br>
+              <a:rPr lang="en-GB" dirty="0" smtClean="0"/>
+            </a:br>
+            <a:r>
+              <a:rPr lang="en-GB" dirty="0" smtClean="0">
+                <a:solidFill>
+                  <a:schemeClr val="accent1">
+                    <a:lumMod val="50000"/>
+                  </a:schemeClr>
+                </a:solidFill>
+              </a:rPr>
+              <a:t>Modify the </a:t>
+            </a:r>
+            <a:r>
+              <a:rPr lang="en-GB" dirty="0" err="1" smtClean="0">
+                <a:solidFill>
+                  <a:schemeClr val="accent1">
+                    <a:lumMod val="50000"/>
+                  </a:schemeClr>
+                </a:solidFill>
+              </a:rPr>
+              <a:t>Stroop</a:t>
+            </a:r>
+            <a:r>
+              <a:rPr lang="en-GB" dirty="0" smtClean="0">
+                <a:solidFill>
+                  <a:schemeClr val="accent1">
+                    <a:lumMod val="50000"/>
+                  </a:schemeClr>
+                </a:solidFill>
+              </a:rPr>
+              <a:t> demo</a:t>
+            </a:r>
+            <a:endParaRPr lang="en-US" dirty="0">
+              <a:solidFill>
+                <a:schemeClr val="accent1">
+                  <a:lumMod val="50000"/>
+                </a:schemeClr>
+              </a:solidFill>
+            </a:endParaRPr>
           </a:p>
         </p:txBody>
       </p:sp>
@@ -13933,255 +13845,230 @@
             <p:ph type="body" idx="1"/>
           </p:nvPr>
         </p:nvSpPr>
-        <p:spPr>
-          <a:xfrm>
-            <a:off x="487328" y="1417936"/>
-            <a:ext cx="8229600" cy="4967700"/>
-          </a:xfrm>
-        </p:spPr>
+        <p:spPr/>
         <p:txBody>
           <a:bodyPr>
-            <a:normAutofit fontScale="92500" lnSpcReduction="20000"/>
+            <a:normAutofit/>
           </a:bodyPr>
           <a:lstStyle/>
           <a:p>
-            <a:pPr marL="0" indent="0">
-              <a:buNone/>
-            </a:pPr>
-            <a:r>
-              <a:rPr lang="en-GB" dirty="0" smtClean="0"/>
-              <a:t>Brief overview of remaining components in brief.</a:t>
-            </a:r>
-          </a:p>
-          <a:p>
-            <a:pPr marL="0" indent="0">
-              <a:buNone/>
-            </a:pPr>
-            <a:endParaRPr lang="en-GB" dirty="0" smtClean="0"/>
-          </a:p>
-          <a:p>
-            <a:pPr marL="0" indent="0">
-              <a:buNone/>
-            </a:pPr>
-            <a:r>
-              <a:rPr lang="en-GB" dirty="0" smtClean="0"/>
-              <a:t>Stimuli:</a:t>
-            </a:r>
-          </a:p>
-          <a:p>
-            <a:r>
-              <a:rPr lang="en-GB" b="1" dirty="0" smtClean="0"/>
-              <a:t>Sound</a:t>
-            </a:r>
-            <a:r>
-              <a:rPr lang="en-GB" dirty="0" smtClean="0"/>
-              <a:t> – Playback of sound</a:t>
-            </a:r>
-          </a:p>
-          <a:p>
-            <a:r>
-              <a:rPr lang="en-GB" b="1" dirty="0" smtClean="0"/>
-              <a:t>Image</a:t>
-            </a:r>
-            <a:r>
-              <a:rPr lang="en-GB" dirty="0" smtClean="0"/>
-              <a:t> – Display of image</a:t>
-            </a:r>
-          </a:p>
-          <a:p>
-            <a:r>
-              <a:rPr lang="en-GB" b="1" dirty="0" smtClean="0"/>
-              <a:t>Aperture</a:t>
-            </a:r>
-            <a:r>
-              <a:rPr lang="en-GB" dirty="0" smtClean="0"/>
-              <a:t> – Add a circular effect onto image component</a:t>
-            </a:r>
-          </a:p>
-          <a:p>
-            <a:r>
-              <a:rPr lang="en-GB" b="1" dirty="0" smtClean="0"/>
-              <a:t>Grating</a:t>
-            </a:r>
-            <a:r>
-              <a:rPr lang="en-GB" dirty="0" smtClean="0"/>
-              <a:t> – Wrapped texture that can be cycled in 2 dimensions</a:t>
-            </a:r>
-          </a:p>
-          <a:p>
-            <a:r>
-              <a:rPr lang="en-GB" b="1" dirty="0" smtClean="0"/>
-              <a:t>Movie</a:t>
-            </a:r>
-            <a:r>
-              <a:rPr lang="en-GB" dirty="0" smtClean="0"/>
-              <a:t> – Playback of movie files</a:t>
-            </a:r>
-          </a:p>
-          <a:p>
-            <a:r>
-              <a:rPr lang="en-GB" b="1" dirty="0" smtClean="0"/>
-              <a:t>Dots</a:t>
-            </a:r>
-            <a:r>
-              <a:rPr lang="en-GB" dirty="0" smtClean="0"/>
-              <a:t> – Presentation of Random Dot </a:t>
-            </a:r>
-            <a:r>
-              <a:rPr lang="en-GB" dirty="0" err="1" smtClean="0"/>
-              <a:t>Kinematogram</a:t>
-            </a:r>
-            <a:r>
-              <a:rPr lang="en-GB" dirty="0" smtClean="0"/>
-              <a:t> to participants</a:t>
-            </a:r>
-          </a:p>
-          <a:p>
-            <a:r>
-              <a:rPr lang="en-GB" b="1" dirty="0" smtClean="0"/>
-              <a:t>Polygon</a:t>
-            </a:r>
-            <a:r>
-              <a:rPr lang="en-GB" dirty="0" smtClean="0"/>
-              <a:t> – Shape presentation of different sides (square, rectangle, octagon)</a:t>
-            </a:r>
-          </a:p>
-          <a:p>
-            <a:endParaRPr lang="en-GB" dirty="0" smtClean="0"/>
-          </a:p>
-          <a:p>
-            <a:pPr marL="0" indent="0">
-              <a:buNone/>
-            </a:pPr>
-            <a:r>
-              <a:rPr lang="en-GB" dirty="0" smtClean="0"/>
-              <a:t>Responses:</a:t>
-            </a:r>
-          </a:p>
-          <a:p>
-            <a:r>
-              <a:rPr lang="en-GB" b="1" dirty="0" smtClean="0"/>
-              <a:t>Mouse</a:t>
-            </a:r>
-            <a:r>
-              <a:rPr lang="en-GB" dirty="0" smtClean="0"/>
-              <a:t> – Take responses from the mouse</a:t>
-            </a:r>
-          </a:p>
-          <a:p>
-            <a:r>
-              <a:rPr lang="en-GB" b="1" dirty="0" smtClean="0"/>
-              <a:t>Mic</a:t>
-            </a:r>
-            <a:r>
-              <a:rPr lang="en-GB" dirty="0" smtClean="0"/>
-              <a:t> – Only records sound, doesn’t register response to sound</a:t>
-            </a:r>
-          </a:p>
-          <a:p>
-            <a:r>
-              <a:rPr lang="en-GB" b="1" dirty="0" smtClean="0"/>
-              <a:t>Scale</a:t>
-            </a:r>
-            <a:r>
-              <a:rPr lang="en-GB" dirty="0" smtClean="0"/>
-              <a:t> – Mouse friendly scale to choose a value</a:t>
-            </a:r>
-          </a:p>
-          <a:p>
-            <a:r>
-              <a:rPr lang="en-GB" b="1" dirty="0" err="1" smtClean="0"/>
-              <a:t>ioBox</a:t>
-            </a:r>
-            <a:r>
-              <a:rPr lang="en-GB" b="1" dirty="0" smtClean="0"/>
-              <a:t>, </a:t>
-            </a:r>
-            <a:r>
-              <a:rPr lang="en-GB" b="1" dirty="0" err="1" smtClean="0"/>
-              <a:t>Cedrus</a:t>
-            </a:r>
-            <a:r>
-              <a:rPr lang="en-GB" b="1" dirty="0"/>
+            <a:pPr>
+              <a:buFont typeface="+mj-lt"/>
+              <a:buAutoNum type="arabicPeriod"/>
+            </a:pPr>
+            <a:r>
+              <a:rPr lang="en-GB" sz="2000" dirty="0" smtClean="0"/>
+              <a:t>Open up </a:t>
+            </a:r>
+            <a:r>
+              <a:rPr lang="en-GB" sz="2000" dirty="0" smtClean="0">
+                <a:latin typeface="Courier New" panose="02070309020205020404" pitchFamily="49" charset="0"/>
+                <a:cs typeface="Courier New" panose="02070309020205020404" pitchFamily="49" charset="0"/>
+              </a:rPr>
+              <a:t>/</a:t>
+            </a:r>
+            <a:r>
+              <a:rPr lang="en-GB" sz="2000" dirty="0" err="1" smtClean="0">
+                <a:latin typeface="Courier New" panose="02070309020205020404" pitchFamily="49" charset="0"/>
+                <a:cs typeface="Courier New" panose="02070309020205020404" pitchFamily="49" charset="0"/>
+              </a:rPr>
+              <a:t>stroop</a:t>
+            </a:r>
+            <a:r>
+              <a:rPr lang="en-GB" sz="2000" dirty="0" smtClean="0">
+                <a:latin typeface="Courier New" panose="02070309020205020404" pitchFamily="49" charset="0"/>
+                <a:cs typeface="Courier New" panose="02070309020205020404" pitchFamily="49" charset="0"/>
+              </a:rPr>
+              <a:t>/</a:t>
+            </a:r>
+            <a:r>
+              <a:rPr lang="en-GB" sz="2000" dirty="0" err="1" smtClean="0">
+                <a:latin typeface="Courier New" panose="02070309020205020404" pitchFamily="49" charset="0"/>
+                <a:cs typeface="Courier New" panose="02070309020205020404" pitchFamily="49" charset="0"/>
+              </a:rPr>
+              <a:t>stroop.psyexp</a:t>
+            </a:r>
+            <a:r>
+              <a:rPr lang="en-GB" sz="2000" dirty="0" smtClean="0">
+                <a:latin typeface="Courier New" panose="02070309020205020404" pitchFamily="49" charset="0"/>
+                <a:cs typeface="Courier New" panose="02070309020205020404" pitchFamily="49" charset="0"/>
+              </a:rPr>
               <a:t> </a:t>
             </a:r>
             <a:r>
-              <a:rPr lang="en-GB" dirty="0" smtClean="0"/>
-              <a:t>– Input options for external hardware devices and button boxes</a:t>
-            </a:r>
-            <a:endParaRPr lang="en-GB" dirty="0"/>
-          </a:p>
-          <a:p>
-            <a:pPr marL="0" indent="0">
-              <a:buNone/>
-            </a:pPr>
-            <a:endParaRPr lang="en-GB" dirty="0" smtClean="0"/>
-          </a:p>
-          <a:p>
-            <a:pPr marL="0" indent="0">
-              <a:buNone/>
-            </a:pPr>
-            <a:r>
-              <a:rPr lang="en-GB" dirty="0" smtClean="0"/>
-              <a:t>Other:</a:t>
-            </a:r>
-          </a:p>
-          <a:p>
-            <a:r>
-              <a:rPr lang="en-GB" b="1" dirty="0" smtClean="0"/>
-              <a:t>Parallel icon </a:t>
-            </a:r>
-            <a:r>
-              <a:rPr lang="en-GB" dirty="0" smtClean="0"/>
-              <a:t>– Send signals down a cable (EEG)</a:t>
-            </a:r>
-          </a:p>
-          <a:p>
-            <a:r>
-              <a:rPr lang="en-GB" b="1" dirty="0" smtClean="0"/>
-              <a:t>Static</a:t>
-            </a:r>
-            <a:r>
-              <a:rPr lang="en-GB" dirty="0" smtClean="0"/>
-              <a:t> – A static period to allow for pre-loading images or other operations</a:t>
-            </a:r>
-          </a:p>
-          <a:p>
-            <a:endParaRPr lang="en-GB" dirty="0"/>
-          </a:p>
-          <a:p>
-            <a:pPr marL="0" indent="0">
-              <a:buNone/>
-            </a:pPr>
-            <a:r>
-              <a:rPr lang="en-GB" dirty="0" smtClean="0"/>
-              <a:t>More details can </a:t>
-            </a:r>
-            <a:r>
-              <a:rPr lang="en-GB" dirty="0"/>
-              <a:t>be found at </a:t>
-            </a:r>
-            <a:r>
-              <a:rPr lang="en-GB" b="1" dirty="0"/>
-              <a:t>http://</a:t>
-            </a:r>
-            <a:r>
-              <a:rPr lang="en-GB" b="1" dirty="0" smtClean="0"/>
-              <a:t>www.psychopy.org/builder/components.html</a:t>
-            </a:r>
-          </a:p>
-          <a:p>
-            <a:pPr marL="0" indent="0">
-              <a:buNone/>
-            </a:pPr>
-            <a:endParaRPr lang="en-US" dirty="0"/>
+              <a:rPr lang="en-GB" sz="2000" dirty="0" smtClean="0"/>
+              <a:t>from Exercise 1</a:t>
+            </a:r>
+          </a:p>
+          <a:p>
+            <a:pPr>
+              <a:buFont typeface="+mj-lt"/>
+              <a:buAutoNum type="arabicPeriod"/>
+            </a:pPr>
+            <a:r>
+              <a:rPr lang="en-GB" sz="2000" dirty="0" smtClean="0"/>
+              <a:t>Change the intro text and the first line “</a:t>
+            </a:r>
+            <a:r>
+              <a:rPr lang="en-GB" sz="2000" b="1" dirty="0" smtClean="0"/>
+              <a:t>OK. Ready for the real thing?</a:t>
+            </a:r>
+            <a:r>
+              <a:rPr lang="en-GB" sz="2000" dirty="0" smtClean="0"/>
+              <a:t>” to “</a:t>
+            </a:r>
+            <a:r>
+              <a:rPr lang="en-GB" sz="2000" b="1" dirty="0" smtClean="0"/>
+              <a:t>Instructions</a:t>
+            </a:r>
+            <a:r>
+              <a:rPr lang="en-GB" sz="2000" dirty="0" smtClean="0"/>
+              <a:t>”</a:t>
+            </a:r>
+          </a:p>
+          <a:p>
+            <a:pPr>
+              <a:buFont typeface="+mj-lt"/>
+              <a:buAutoNum type="arabicPeriod"/>
+            </a:pPr>
+            <a:r>
+              <a:rPr lang="en-GB" sz="2000" dirty="0" smtClean="0"/>
+              <a:t>Change keys from </a:t>
+            </a:r>
+            <a:r>
+              <a:rPr lang="en-GB" sz="2000" b="1" dirty="0" smtClean="0"/>
+              <a:t>“left”, “down”, “right” </a:t>
+            </a:r>
+            <a:r>
+              <a:rPr lang="en-GB" sz="2000" dirty="0" smtClean="0"/>
+              <a:t>to </a:t>
+            </a:r>
+            <a:r>
+              <a:rPr lang="en-GB" sz="2000" b="1" dirty="0" smtClean="0"/>
+              <a:t>“a”, “s”, “d”</a:t>
+            </a:r>
+          </a:p>
+          <a:p>
+            <a:pPr lvl="1">
+              <a:buFont typeface="Wingdings" panose="05000000000000000000" pitchFamily="2" charset="2"/>
+              <a:buChar char="§"/>
+            </a:pPr>
+            <a:r>
+              <a:rPr lang="en-GB" sz="2000" dirty="0" smtClean="0"/>
+              <a:t>Ensure you update the instructions</a:t>
+            </a:r>
+          </a:p>
+          <a:p>
+            <a:pPr>
+              <a:buFont typeface="+mj-lt"/>
+              <a:buAutoNum type="arabicPeriod"/>
+            </a:pPr>
+            <a:r>
+              <a:rPr lang="en-GB" sz="2000" dirty="0" smtClean="0"/>
+              <a:t>Add another 5 trials to the </a:t>
+            </a:r>
+            <a:r>
+              <a:rPr lang="en-GB" sz="2000" dirty="0" err="1" smtClean="0"/>
+              <a:t>Stroop</a:t>
+            </a:r>
+            <a:endParaRPr lang="en-GB" sz="2000" dirty="0" smtClean="0"/>
+          </a:p>
+          <a:p>
+            <a:pPr lvl="1">
+              <a:buFont typeface="Wingdings" panose="05000000000000000000" pitchFamily="2" charset="2"/>
+              <a:buChar char="§"/>
+            </a:pPr>
+            <a:r>
+              <a:rPr lang="en-GB" sz="2000" dirty="0" smtClean="0">
+                <a:cs typeface="Courier New" panose="02070309020205020404" pitchFamily="49" charset="0"/>
+              </a:rPr>
+              <a:t>Edit the </a:t>
+            </a:r>
+            <a:r>
+              <a:rPr lang="en-GB" sz="2000" dirty="0" smtClean="0">
+                <a:latin typeface="Courier New" panose="02070309020205020404" pitchFamily="49" charset="0"/>
+                <a:cs typeface="Courier New" panose="02070309020205020404" pitchFamily="49" charset="0"/>
+              </a:rPr>
+              <a:t>trialTypes.xlsx </a:t>
+            </a:r>
+            <a:r>
+              <a:rPr lang="en-GB" sz="2000" dirty="0" smtClean="0"/>
+              <a:t>is where the source trial data is!</a:t>
+            </a:r>
+          </a:p>
+          <a:p>
+            <a:pPr>
+              <a:buFont typeface="+mj-lt"/>
+              <a:buAutoNum type="arabicPeriod"/>
+            </a:pPr>
+            <a:r>
+              <a:rPr lang="en-GB" sz="2000" dirty="0" smtClean="0"/>
+              <a:t>Try adding a new routine which will act as a title page for the experiment</a:t>
+            </a:r>
+          </a:p>
+          <a:p>
+            <a:pPr lvl="1">
+              <a:buFont typeface="Wingdings" panose="05000000000000000000" pitchFamily="2" charset="2"/>
+              <a:buChar char="§"/>
+            </a:pPr>
+            <a:r>
+              <a:rPr lang="en-GB" sz="2000" dirty="0" smtClean="0"/>
+              <a:t>HINT: the “instruct” routine should give you some clues</a:t>
+            </a:r>
+          </a:p>
+          <a:p>
+            <a:pPr lvl="1">
+              <a:buFont typeface="Wingdings" panose="05000000000000000000" pitchFamily="2" charset="2"/>
+              <a:buChar char="§"/>
+            </a:pPr>
+            <a:r>
+              <a:rPr lang="en-GB" sz="2000" dirty="0" smtClean="0"/>
+              <a:t>Look at the properties of the </a:t>
+            </a:r>
+            <a:r>
+              <a:rPr lang="en-GB" sz="2000" b="1" dirty="0" smtClean="0"/>
+              <a:t>Text</a:t>
+            </a:r>
+            <a:r>
+              <a:rPr lang="en-GB" sz="2000" dirty="0" smtClean="0"/>
+              <a:t> and </a:t>
+            </a:r>
+            <a:r>
+              <a:rPr lang="en-GB" sz="2000" b="1" dirty="0" smtClean="0"/>
+              <a:t>Keyboard</a:t>
+            </a:r>
+            <a:r>
+              <a:rPr lang="en-GB" sz="2000" dirty="0" smtClean="0"/>
+              <a:t> component and replicate</a:t>
+            </a:r>
+          </a:p>
+          <a:p>
+            <a:pPr>
+              <a:buFont typeface="+mj-lt"/>
+              <a:buAutoNum type="arabicPeriod"/>
+            </a:pPr>
+            <a:r>
+              <a:rPr lang="en-GB" sz="2000" dirty="0" smtClean="0"/>
+              <a:t>Re-Run and see what you get</a:t>
+            </a:r>
+            <a:endParaRPr lang="en-US" sz="2000" dirty="0"/>
+          </a:p>
+          <a:p>
+            <a:pPr lvl="1">
+              <a:buFont typeface="Wingdings" panose="05000000000000000000" pitchFamily="2" charset="2"/>
+              <a:buChar char="§"/>
+            </a:pPr>
+            <a:r>
+              <a:rPr lang="en-GB" sz="2000" dirty="0" smtClean="0"/>
+              <a:t>Look at the result file, has your new data column come over?</a:t>
+            </a:r>
           </a:p>
         </p:txBody>
       </p:sp>
     </p:spTree>
     <p:extLst>
       <p:ext uri="{BB962C8B-B14F-4D97-AF65-F5344CB8AC3E}">
-        <p14:creationId xmlns:p14="http://schemas.microsoft.com/office/powerpoint/2010/main" val="1997174920"/>
+        <p14:creationId xmlns:p14="http://schemas.microsoft.com/office/powerpoint/2010/main" val="1662202215"/>
       </p:ext>
     </p:extLst>
   </p:cSld>
@@ -14232,7 +14119,324 @@
           <a:p>
             <a:r>
               <a:rPr lang="en-GB" dirty="0" smtClean="0"/>
-              <a:t>Demo: “</a:t>
+              <a:t>Components - Part 2</a:t>
+            </a:r>
+            <a:endParaRPr lang="en-US" dirty="0"/>
+          </a:p>
+        </p:txBody>
+      </p:sp>
+      <p:sp>
+        <p:nvSpPr>
+          <p:cNvPr id="3" name="Text Placeholder 2"/>
+          <p:cNvSpPr>
+            <a:spLocks noGrp="1"/>
+          </p:cNvSpPr>
+          <p:nvPr>
+            <p:ph type="body" idx="1"/>
+          </p:nvPr>
+        </p:nvSpPr>
+        <p:spPr>
+          <a:xfrm>
+            <a:off x="487328" y="1417936"/>
+            <a:ext cx="8229600" cy="4967700"/>
+          </a:xfrm>
+        </p:spPr>
+        <p:txBody>
+          <a:bodyPr>
+            <a:normAutofit fontScale="92500" lnSpcReduction="20000"/>
+          </a:bodyPr>
+          <a:lstStyle/>
+          <a:p>
+            <a:pPr marL="0" indent="0">
+              <a:buNone/>
+            </a:pPr>
+            <a:r>
+              <a:rPr lang="en-GB" dirty="0" smtClean="0"/>
+              <a:t>Brief overview of remaining components in brief.</a:t>
+            </a:r>
+          </a:p>
+          <a:p>
+            <a:pPr marL="0" indent="0">
+              <a:buNone/>
+            </a:pPr>
+            <a:endParaRPr lang="en-GB" dirty="0" smtClean="0"/>
+          </a:p>
+          <a:p>
+            <a:pPr marL="0" indent="0">
+              <a:buNone/>
+            </a:pPr>
+            <a:r>
+              <a:rPr lang="en-GB" dirty="0" smtClean="0"/>
+              <a:t>Stimuli:</a:t>
+            </a:r>
+          </a:p>
+          <a:p>
+            <a:r>
+              <a:rPr lang="en-GB" b="1" dirty="0" smtClean="0"/>
+              <a:t>Sound</a:t>
+            </a:r>
+            <a:r>
+              <a:rPr lang="en-GB" dirty="0" smtClean="0"/>
+              <a:t> – Playback of sound</a:t>
+            </a:r>
+          </a:p>
+          <a:p>
+            <a:r>
+              <a:rPr lang="en-GB" b="1" dirty="0" smtClean="0"/>
+              <a:t>Image</a:t>
+            </a:r>
+            <a:r>
+              <a:rPr lang="en-GB" dirty="0" smtClean="0"/>
+              <a:t> – Display of image</a:t>
+            </a:r>
+          </a:p>
+          <a:p>
+            <a:r>
+              <a:rPr lang="en-GB" b="1" dirty="0" smtClean="0"/>
+              <a:t>Aperture</a:t>
+            </a:r>
+            <a:r>
+              <a:rPr lang="en-GB" dirty="0" smtClean="0"/>
+              <a:t> – Add a circular effect onto image component</a:t>
+            </a:r>
+          </a:p>
+          <a:p>
+            <a:r>
+              <a:rPr lang="en-GB" b="1" dirty="0" smtClean="0"/>
+              <a:t>Grating</a:t>
+            </a:r>
+            <a:r>
+              <a:rPr lang="en-GB" dirty="0" smtClean="0"/>
+              <a:t> – Wrapped texture that can be cycled in 2 dimensions</a:t>
+            </a:r>
+          </a:p>
+          <a:p>
+            <a:r>
+              <a:rPr lang="en-GB" b="1" dirty="0" smtClean="0"/>
+              <a:t>Movie</a:t>
+            </a:r>
+            <a:r>
+              <a:rPr lang="en-GB" dirty="0" smtClean="0"/>
+              <a:t> – Playback of movie files</a:t>
+            </a:r>
+          </a:p>
+          <a:p>
+            <a:r>
+              <a:rPr lang="en-GB" b="1" dirty="0" smtClean="0"/>
+              <a:t>Dots</a:t>
+            </a:r>
+            <a:r>
+              <a:rPr lang="en-GB" dirty="0" smtClean="0"/>
+              <a:t> – Presentation of Random Dot </a:t>
+            </a:r>
+            <a:r>
+              <a:rPr lang="en-GB" dirty="0" err="1" smtClean="0"/>
+              <a:t>Kinematogram</a:t>
+            </a:r>
+            <a:r>
+              <a:rPr lang="en-GB" dirty="0" smtClean="0"/>
+              <a:t> to participants</a:t>
+            </a:r>
+          </a:p>
+          <a:p>
+            <a:r>
+              <a:rPr lang="en-GB" b="1" dirty="0" smtClean="0"/>
+              <a:t>Polygon</a:t>
+            </a:r>
+            <a:r>
+              <a:rPr lang="en-GB" dirty="0" smtClean="0"/>
+              <a:t> – Shape presentation of different sides (square, rectangle, octagon)</a:t>
+            </a:r>
+          </a:p>
+          <a:p>
+            <a:endParaRPr lang="en-GB" dirty="0" smtClean="0"/>
+          </a:p>
+          <a:p>
+            <a:pPr marL="0" indent="0">
+              <a:buNone/>
+            </a:pPr>
+            <a:r>
+              <a:rPr lang="en-GB" dirty="0" smtClean="0"/>
+              <a:t>Responses:</a:t>
+            </a:r>
+          </a:p>
+          <a:p>
+            <a:r>
+              <a:rPr lang="en-GB" b="1" dirty="0" smtClean="0"/>
+              <a:t>Mouse</a:t>
+            </a:r>
+            <a:r>
+              <a:rPr lang="en-GB" dirty="0" smtClean="0"/>
+              <a:t> – Take responses from the mouse</a:t>
+            </a:r>
+          </a:p>
+          <a:p>
+            <a:r>
+              <a:rPr lang="en-GB" b="1" dirty="0" smtClean="0"/>
+              <a:t>Mic</a:t>
+            </a:r>
+            <a:r>
+              <a:rPr lang="en-GB" dirty="0" smtClean="0"/>
+              <a:t> – Only records sound, doesn’t register response to sound</a:t>
+            </a:r>
+          </a:p>
+          <a:p>
+            <a:r>
+              <a:rPr lang="en-GB" b="1" dirty="0" smtClean="0"/>
+              <a:t>Scale</a:t>
+            </a:r>
+            <a:r>
+              <a:rPr lang="en-GB" dirty="0" smtClean="0"/>
+              <a:t> – Mouse friendly scale to choose a value</a:t>
+            </a:r>
+          </a:p>
+          <a:p>
+            <a:r>
+              <a:rPr lang="en-GB" b="1" dirty="0" err="1" smtClean="0"/>
+              <a:t>ioBox</a:t>
+            </a:r>
+            <a:r>
+              <a:rPr lang="en-GB" b="1" dirty="0" smtClean="0"/>
+              <a:t>, </a:t>
+            </a:r>
+            <a:r>
+              <a:rPr lang="en-GB" b="1" dirty="0" err="1" smtClean="0"/>
+              <a:t>Cedrus</a:t>
+            </a:r>
+            <a:r>
+              <a:rPr lang="en-GB" b="1" dirty="0"/>
+              <a:t> </a:t>
+            </a:r>
+            <a:r>
+              <a:rPr lang="en-GB" dirty="0" smtClean="0"/>
+              <a:t>– Input options for external hardware devices and button boxes</a:t>
+            </a:r>
+            <a:endParaRPr lang="en-GB" dirty="0"/>
+          </a:p>
+          <a:p>
+            <a:pPr marL="0" indent="0">
+              <a:buNone/>
+            </a:pPr>
+            <a:endParaRPr lang="en-GB" dirty="0" smtClean="0"/>
+          </a:p>
+          <a:p>
+            <a:pPr marL="0" indent="0">
+              <a:buNone/>
+            </a:pPr>
+            <a:r>
+              <a:rPr lang="en-GB" dirty="0" smtClean="0"/>
+              <a:t>Other:</a:t>
+            </a:r>
+          </a:p>
+          <a:p>
+            <a:r>
+              <a:rPr lang="en-GB" b="1" dirty="0" smtClean="0"/>
+              <a:t>Parallel icon </a:t>
+            </a:r>
+            <a:r>
+              <a:rPr lang="en-GB" dirty="0" smtClean="0"/>
+              <a:t>– Send signals down a cable (EEG)</a:t>
+            </a:r>
+          </a:p>
+          <a:p>
+            <a:r>
+              <a:rPr lang="en-GB" b="1" dirty="0" smtClean="0"/>
+              <a:t>Static</a:t>
+            </a:r>
+            <a:r>
+              <a:rPr lang="en-GB" dirty="0" smtClean="0"/>
+              <a:t> – A static period to allow for pre-loading images or other operations</a:t>
+            </a:r>
+          </a:p>
+          <a:p>
+            <a:endParaRPr lang="en-GB" dirty="0"/>
+          </a:p>
+          <a:p>
+            <a:pPr marL="0" indent="0">
+              <a:buNone/>
+            </a:pPr>
+            <a:r>
+              <a:rPr lang="en-GB" dirty="0" smtClean="0"/>
+              <a:t>More details can </a:t>
+            </a:r>
+            <a:r>
+              <a:rPr lang="en-GB" dirty="0"/>
+              <a:t>be found at </a:t>
+            </a:r>
+            <a:r>
+              <a:rPr lang="en-GB" b="1" dirty="0"/>
+              <a:t>http://</a:t>
+            </a:r>
+            <a:r>
+              <a:rPr lang="en-GB" b="1" dirty="0" smtClean="0"/>
+              <a:t>www.psychopy.org/builder/components.html</a:t>
+            </a:r>
+          </a:p>
+          <a:p>
+            <a:pPr marL="0" indent="0">
+              <a:buNone/>
+            </a:pPr>
+            <a:endParaRPr lang="en-US" dirty="0"/>
+          </a:p>
+        </p:txBody>
+      </p:sp>
+    </p:spTree>
+    <p:extLst>
+      <p:ext uri="{BB962C8B-B14F-4D97-AF65-F5344CB8AC3E}">
+        <p14:creationId xmlns:p14="http://schemas.microsoft.com/office/powerpoint/2010/main" val="1997174920"/>
+      </p:ext>
+    </p:extLst>
+  </p:cSld>
+  <p:clrMapOvr>
+    <a:masterClrMapping/>
+  </p:clrMapOvr>
+  <p:timing>
+    <p:tnLst>
+      <p:par>
+        <p:cTn id="1" dur="indefinite" restart="never" nodeType="tmRoot"/>
+      </p:par>
+    </p:tnLst>
+  </p:timing>
+</p:sld>
+</file>
+
+<file path=ppt/slides/slide24.xml><?xml version="1.0" encoding="utf-8"?>
+<p:sld xmlns:a="http://schemas.openxmlformats.org/drawingml/2006/main" xmlns:r="http://schemas.openxmlformats.org/officeDocument/2006/relationships" xmlns:p="http://schemas.openxmlformats.org/presentationml/2006/main">
+  <p:cSld>
+    <p:spTree>
+      <p:nvGrpSpPr>
+        <p:cNvPr id="1" name=""/>
+        <p:cNvGrpSpPr/>
+        <p:nvPr/>
+      </p:nvGrpSpPr>
+      <p:grpSpPr>
+        <a:xfrm>
+          <a:off x="0" y="0"/>
+          <a:ext cx="0" cy="0"/>
+          <a:chOff x="0" y="0"/>
+          <a:chExt cx="0" cy="0"/>
+        </a:xfrm>
+      </p:grpSpPr>
+      <p:sp>
+        <p:nvSpPr>
+          <p:cNvPr id="2" name="Title 1"/>
+          <p:cNvSpPr>
+            <a:spLocks noGrp="1"/>
+          </p:cNvSpPr>
+          <p:nvPr>
+            <p:ph type="title"/>
+          </p:nvPr>
+        </p:nvSpPr>
+        <p:spPr/>
+        <p:txBody>
+          <a:bodyPr>
+            <a:normAutofit fontScale="90000"/>
+          </a:bodyPr>
+          <a:lstStyle/>
+          <a:p>
+            <a:r>
+              <a:rPr lang="en-GB" dirty="0" smtClean="0"/>
+              <a:t>Demo: </a:t>
             </a:r>
             <a:r>
               <a:rPr lang="en-GB" dirty="0" err="1" smtClean="0"/>
@@ -14240,7 +14444,14 @@
             </a:r>
             <a:r>
               <a:rPr lang="en-GB" dirty="0" smtClean="0"/>
-              <a:t> preferences”</a:t>
+              <a:t> preferences + </a:t>
+            </a:r>
+            <a:br>
+              <a:rPr lang="en-GB" dirty="0" smtClean="0"/>
+            </a:br>
+            <a:r>
+              <a:rPr lang="en-GB" dirty="0" smtClean="0"/>
+              <a:t>Experiment settings</a:t>
             </a:r>
             <a:endParaRPr lang="en-US" dirty="0"/>
           </a:p>
@@ -14293,7 +14504,7 @@
 </p:sld>
 </file>
 
-<file path=ppt/slides/slide24.xml><?xml version="1.0" encoding="utf-8"?>
+<file path=ppt/slides/slide25.xml><?xml version="1.0" encoding="utf-8"?>
 <p:sld xmlns:a="http://schemas.openxmlformats.org/drawingml/2006/main" xmlns:r="http://schemas.openxmlformats.org/officeDocument/2006/relationships" xmlns:p="http://schemas.openxmlformats.org/presentationml/2006/main">
   <p:cSld>
     <p:spTree>
@@ -14441,7 +14652,7 @@
 </p:sld>
 </file>
 
-<file path=ppt/slides/slide25.xml><?xml version="1.0" encoding="utf-8"?>
+<file path=ppt/slides/slide26.xml><?xml version="1.0" encoding="utf-8"?>
 <p:sld xmlns:a="http://schemas.openxmlformats.org/drawingml/2006/main" xmlns:r="http://schemas.openxmlformats.org/officeDocument/2006/relationships" xmlns:p="http://schemas.openxmlformats.org/presentationml/2006/main">
   <p:cSld>
     <p:spTree>
@@ -14580,11 +14791,7 @@
           <a:p>
             <a:r>
               <a:rPr lang="en-GB" sz="2000" dirty="0" smtClean="0"/>
-              <a:t>Now open </a:t>
-            </a:r>
-            <a:r>
-              <a:rPr lang="en-GB" sz="2000" dirty="0" smtClean="0"/>
-              <a:t>up the picture-</a:t>
+              <a:t>Now open up the picture-</a:t>
             </a:r>
             <a:r>
               <a:rPr lang="en-GB" sz="2000" dirty="0" err="1" smtClean="0"/>
@@ -14592,11 +14799,7 @@
             </a:r>
             <a:r>
               <a:rPr lang="en-GB" sz="2000" dirty="0" smtClean="0"/>
-              <a:t> folder in your </a:t>
-            </a:r>
-            <a:r>
-              <a:rPr lang="en-GB" sz="2000" dirty="0" smtClean="0"/>
-              <a:t>directory</a:t>
+              <a:t> folder in your directory</a:t>
             </a:r>
           </a:p>
           <a:p>
@@ -15445,15 +15648,7 @@
                             <a:srgbClr val="7030A0"/>
                           </a:solidFill>
                         </a:rPr>
-                        <a:t> recently</a:t>
-                      </a:r>
-                      <a:r>
-                        <a:rPr lang="en-GB" sz="1400" b="1" i="1" baseline="0" dirty="0" smtClean="0">
-                          <a:solidFill>
-                            <a:srgbClr val="7030A0"/>
-                          </a:solidFill>
-                        </a:rPr>
-                        <a:t>.</a:t>
+                        <a:t> recently.</a:t>
                       </a:r>
                     </a:p>
                     <a:p>
@@ -15472,11 +15667,6 @@
                         </a:rPr>
                         <a:t>Also web browser based experiment capabilities in Beta stage at the moment.  Not yet fully stable.</a:t>
                       </a:r>
-                      <a:endParaRPr lang="en-GB" sz="1400" b="1" i="1" baseline="0" dirty="0" smtClean="0">
-                        <a:solidFill>
-                          <a:srgbClr val="7030A0"/>
-                        </a:solidFill>
-                      </a:endParaRPr>
                     </a:p>
                   </a:txBody>
                   <a:tcPr/>
@@ -16130,7 +16320,7 @@
                 <a:cs typeface="Courier New"/>
                 <a:sym typeface="Courier New"/>
               </a:rPr>
-              <a:t>2018/19</a:t>
+              <a:t>2019/20</a:t>
             </a:r>
             <a:r>
               <a:rPr lang="en" sz="1400" dirty="0" smtClean="0">
@@ -16209,15 +16399,7 @@
                   <a:schemeClr val="tx1"/>
                 </a:solidFill>
               </a:rPr>
-              <a:t> Fixed for consistency across </a:t>
-            </a:r>
-            <a:r>
-              <a:rPr lang="en" sz="1400" dirty="0" smtClean="0">
-                <a:solidFill>
-                  <a:schemeClr val="tx1"/>
-                </a:solidFill>
-              </a:rPr>
-              <a:t>School</a:t>
+              <a:t> Fixed for consistency across School</a:t>
             </a:r>
           </a:p>
           <a:p>
@@ -16245,11 +16427,6 @@
               </a:rPr>
               <a:t>Sticking on an older version for now due to stability issues with the latest version</a:t>
             </a:r>
-            <a:endParaRPr lang="en" sz="1400" dirty="0" smtClean="0">
-              <a:solidFill>
-                <a:schemeClr val="tx1"/>
-              </a:solidFill>
-            </a:endParaRPr>
           </a:p>
           <a:p>
             <a:pPr marL="247650" indent="-171450">
@@ -16360,15 +16537,7 @@
                   <a:schemeClr val="tx1"/>
                 </a:solidFill>
               </a:rPr>
-              <a:t>MAY not </a:t>
-            </a:r>
-            <a:r>
-              <a:rPr lang="en" sz="1400" dirty="0">
-                <a:solidFill>
-                  <a:schemeClr val="tx1"/>
-                </a:solidFill>
-              </a:rPr>
-              <a:t>run </a:t>
+              <a:t>WILL NOT run </a:t>
             </a:r>
             <a:r>
               <a:rPr lang="en" sz="1400" dirty="0" smtClean="0">
@@ -16488,18 +16657,7 @@
                 <a:cs typeface="Courier New"/>
                 <a:sym typeface="Courier New"/>
               </a:rPr>
-              <a:t>For home use, </a:t>
-            </a:r>
-            <a:r>
-              <a:rPr lang="en" sz="1400" b="1" dirty="0" smtClean="0">
-                <a:solidFill>
-                  <a:schemeClr val="tx1"/>
-                </a:solidFill>
-                <a:ea typeface="Courier New"/>
-                <a:cs typeface="Courier New"/>
-                <a:sym typeface="Courier New"/>
-              </a:rPr>
-              <a:t>download from:</a:t>
+              <a:t>For home use, download from:</a:t>
             </a:r>
           </a:p>
           <a:p>
@@ -16538,14 +16696,6 @@
               </a:rPr>
               <a:t>Windows:</a:t>
             </a:r>
-            <a:endParaRPr lang="en" sz="1400" b="1" dirty="0" smtClean="0">
-              <a:solidFill>
-                <a:schemeClr val="tx1"/>
-              </a:solidFill>
-              <a:ea typeface="Courier New"/>
-              <a:cs typeface="Courier New"/>
-              <a:sym typeface="Courier New"/>
-            </a:endParaRPr>
           </a:p>
           <a:p>
             <a:pPr marL="76200" indent="0">
@@ -17129,23 +17279,8 @@
                 <a:cs typeface="Courier New"/>
                 <a:sym typeface="Courier New"/>
               </a:rPr>
-              <a:t>Student PC’s (</a:t>
-            </a:r>
-            <a:r>
-              <a:rPr lang="en" sz="2000" dirty="0" smtClean="0">
-                <a:latin typeface="Trebuchet MS" panose="020B0603020202020204" pitchFamily="34" charset="0"/>
-                <a:ea typeface="Courier New"/>
-                <a:cs typeface="Courier New"/>
-                <a:sym typeface="Courier New"/>
-              </a:rPr>
-              <a:t>N1.04, Oaks, MSc computing room)</a:t>
-            </a:r>
-            <a:endParaRPr lang="en" sz="2000" dirty="0" smtClean="0">
-              <a:latin typeface="Trebuchet MS" panose="020B0603020202020204" pitchFamily="34" charset="0"/>
-              <a:ea typeface="Courier New"/>
-              <a:cs typeface="Courier New"/>
-              <a:sym typeface="Courier New"/>
-            </a:endParaRPr>
+              <a:t>Student PC’s (N1.04, Oaks, MSc computing room)</a:t>
+            </a:r>
           </a:p>
           <a:p>
             <a:pPr marL="1314450" lvl="2" indent="-381000">
@@ -17202,7 +17337,16 @@
                 <a:cs typeface="Courier New"/>
                 <a:sym typeface="Courier New"/>
               </a:rPr>
-              <a:t>Lab / Staff PC’s</a:t>
+              <a:t>Lab </a:t>
+            </a:r>
+            <a:r>
+              <a:rPr lang="en" sz="2400" dirty="0" smtClean="0">
+                <a:latin typeface="Trebuchet MS" panose="020B0603020202020204" pitchFamily="34" charset="0"/>
+                <a:ea typeface="Courier New"/>
+                <a:cs typeface="Courier New"/>
+                <a:sym typeface="Courier New"/>
+              </a:rPr>
+              <a:t>PC’s</a:t>
             </a:r>
             <a:endParaRPr lang="en" sz="2400" dirty="0">
               <a:latin typeface="Trebuchet MS" panose="020B0603020202020204" pitchFamily="34" charset="0"/>
@@ -17222,13 +17366,31 @@
               <a:buChar char="§"/>
             </a:pPr>
             <a:r>
-              <a:rPr lang="en" sz="2000" dirty="0" smtClean="0">
+              <a:rPr lang="en" sz="1800" dirty="0" smtClean="0">
                 <a:latin typeface="Courier New"/>
                 <a:ea typeface="Courier New"/>
                 <a:cs typeface="Courier New"/>
                 <a:sym typeface="Courier New"/>
               </a:rPr>
-              <a:t>START | PsychoPy</a:t>
+              <a:t>START </a:t>
+            </a:r>
+            <a:r>
+              <a:rPr lang="en" sz="1800" dirty="0" smtClean="0">
+                <a:latin typeface="Courier New"/>
+                <a:ea typeface="Courier New"/>
+                <a:cs typeface="Courier New"/>
+                <a:sym typeface="Courier New"/>
+              </a:rPr>
+              <a:t>| </a:t>
+            </a:r>
+            <a:r>
+              <a:rPr lang="en" sz="1800" dirty="0" smtClean="0">
+                <a:latin typeface="Courier New"/>
+                <a:ea typeface="Courier New"/>
+                <a:cs typeface="Courier New"/>
+                <a:sym typeface="Courier New"/>
+              </a:rPr>
+              <a:t>PsychoPy</a:t>
             </a:r>
           </a:p>
           <a:p>
@@ -17248,9 +17410,112 @@
                 <a:cs typeface="Courier New"/>
                 <a:sym typeface="Courier New"/>
               </a:rPr>
-              <a:t>If not present, please contact psychsupport@kent.ac.uk</a:t>
-            </a:r>
-            <a:endParaRPr lang="en" sz="2000" dirty="0">
+              <a:t>If still </a:t>
+            </a:r>
+            <a:r>
+              <a:rPr lang="en" sz="2000" dirty="0" smtClean="0">
+                <a:latin typeface="Courier New"/>
+                <a:ea typeface="Courier New"/>
+                <a:cs typeface="Courier New"/>
+                <a:sym typeface="Courier New"/>
+              </a:rPr>
+              <a:t>not present, please contact </a:t>
+            </a:r>
+            <a:r>
+              <a:rPr lang="en" sz="2000" dirty="0" smtClean="0">
+                <a:latin typeface="Courier New"/>
+                <a:ea typeface="Courier New"/>
+                <a:cs typeface="Courier New"/>
+                <a:sym typeface="Courier New"/>
+                <a:hlinkClick r:id="rId3"/>
+              </a:rPr>
+              <a:t>psychsupport@kent.ac.uk</a:t>
+            </a:r>
+            <a:endParaRPr lang="en" sz="2000" dirty="0" smtClean="0">
+              <a:latin typeface="Courier New"/>
+              <a:ea typeface="Courier New"/>
+              <a:cs typeface="Courier New"/>
+              <a:sym typeface="Courier New"/>
+            </a:endParaRPr>
+          </a:p>
+          <a:p>
+            <a:pPr marL="914400" lvl="1" indent="-381000">
+              <a:buClr>
+                <a:schemeClr val="accent1">
+                  <a:lumMod val="75000"/>
+                </a:schemeClr>
+              </a:buClr>
+              <a:buFont typeface="Wingdings" panose="05000000000000000000" pitchFamily="2" charset="2"/>
+              <a:buChar char="§"/>
+            </a:pPr>
+            <a:r>
+              <a:rPr lang="en" sz="2400" dirty="0" smtClean="0">
+                <a:latin typeface="Trebuchet MS" panose="020B0603020202020204" pitchFamily="34" charset="0"/>
+                <a:ea typeface="Courier New"/>
+                <a:cs typeface="Courier New"/>
+                <a:sym typeface="Courier New"/>
+              </a:rPr>
+              <a:t>Staff </a:t>
+            </a:r>
+            <a:r>
+              <a:rPr lang="en" sz="2400" dirty="0">
+                <a:latin typeface="Trebuchet MS" panose="020B0603020202020204" pitchFamily="34" charset="0"/>
+                <a:ea typeface="Courier New"/>
+                <a:cs typeface="Courier New"/>
+                <a:sym typeface="Courier New"/>
+              </a:rPr>
+              <a:t>PC’s</a:t>
+            </a:r>
+          </a:p>
+          <a:p>
+            <a:pPr marL="1314450" lvl="2" indent="-381000">
+              <a:buClr>
+                <a:schemeClr val="accent1">
+                  <a:lumMod val="75000"/>
+                </a:schemeClr>
+              </a:buClr>
+              <a:buFont typeface="Wingdings" panose="05000000000000000000" pitchFamily="2" charset="2"/>
+              <a:buChar char="§"/>
+            </a:pPr>
+            <a:r>
+              <a:rPr lang="en" sz="2000" dirty="0">
+                <a:latin typeface="Courier New"/>
+                <a:ea typeface="Courier New"/>
+                <a:cs typeface="Courier New"/>
+                <a:sym typeface="Courier New"/>
+              </a:rPr>
+              <a:t>Install by going to “Software Center”</a:t>
+            </a:r>
+          </a:p>
+          <a:p>
+            <a:pPr marL="1771650" lvl="3" indent="-381000">
+              <a:buClr>
+                <a:schemeClr val="accent1">
+                  <a:lumMod val="75000"/>
+                </a:schemeClr>
+              </a:buClr>
+              <a:buFont typeface="Wingdings" panose="05000000000000000000" pitchFamily="2" charset="2"/>
+              <a:buChar char="§"/>
+            </a:pPr>
+            <a:r>
+              <a:rPr lang="en" sz="1800" dirty="0">
+                <a:latin typeface="Courier New"/>
+                <a:ea typeface="Courier New"/>
+                <a:cs typeface="Courier New"/>
+                <a:sym typeface="Courier New"/>
+              </a:rPr>
+              <a:t>Then … START | </a:t>
+            </a:r>
+            <a:r>
+              <a:rPr lang="en" sz="1800" dirty="0" smtClean="0">
+                <a:latin typeface="Courier New"/>
+                <a:ea typeface="Courier New"/>
+                <a:cs typeface="Courier New"/>
+                <a:sym typeface="Courier New"/>
+              </a:rPr>
+              <a:t>PsychoPy</a:t>
+            </a:r>
+            <a:endParaRPr lang="en" sz="1800" dirty="0">
               <a:latin typeface="Courier New"/>
               <a:ea typeface="Courier New"/>
               <a:cs typeface="Courier New"/>
@@ -17266,7 +17531,7 @@
           <p:nvPr/>
         </p:nvPicPr>
         <p:blipFill>
-          <a:blip r:embed="rId3">
+          <a:blip r:embed="rId4">
             <a:alphaModFix/>
           </a:blip>
           <a:stretch>
@@ -17523,6 +17788,47 @@
             <a:endParaRPr lang="en-US" sz="1800" dirty="0">
               <a:solidFill>
                 <a:srgbClr val="7030A0"/>
+              </a:solidFill>
+              <a:latin typeface="+mn-lt"/>
+            </a:endParaRPr>
+          </a:p>
+        </p:txBody>
+      </p:sp>
+      <p:sp>
+        <p:nvSpPr>
+          <p:cNvPr id="8" name="TextBox 7"/>
+          <p:cNvSpPr txBox="1"/>
+          <p:nvPr/>
+        </p:nvSpPr>
+        <p:spPr>
+          <a:xfrm>
+            <a:off x="2231830" y="6268374"/>
+            <a:ext cx="4968552" cy="369332"/>
+          </a:xfrm>
+          <a:prstGeom prst="rect">
+            <a:avLst/>
+          </a:prstGeom>
+          <a:noFill/>
+        </p:spPr>
+        <p:txBody>
+          <a:bodyPr wrap="square" rtlCol="0">
+            <a:spAutoFit/>
+          </a:bodyPr>
+          <a:lstStyle/>
+          <a:p>
+            <a:pPr algn="ctr"/>
+            <a:r>
+              <a:rPr lang="en-GB" sz="1800" dirty="0" smtClean="0">
+                <a:solidFill>
+                  <a:srgbClr val="FF0000"/>
+                </a:solidFill>
+                <a:latin typeface="+mn-lt"/>
+              </a:rPr>
+              <a:t>Demo – Try for yourself</a:t>
+            </a:r>
+            <a:endParaRPr lang="en-US" sz="1800" dirty="0">
+              <a:solidFill>
+                <a:srgbClr val="FF0000"/>
               </a:solidFill>
               <a:latin typeface="+mn-lt"/>
             </a:endParaRPr>

--- a/PsychoPy-Part1/PsychoPy-part1.pptx
+++ b/PsychoPy-Part1/PsychoPy-part1.pptx
@@ -1672,7 +1672,7 @@
           <a:p>
             <a:fld id="{B4554F2B-4BCF-4197-901F-D7CA0C5C3346}" type="datetimeFigureOut">
               <a:rPr lang="en-US" smtClean="0"/>
-              <a:t>10/2/2019</a:t>
+              <a:t>10/10/2019</a:t>
             </a:fld>
             <a:endParaRPr lang="en-US" dirty="0"/>
           </a:p>
@@ -1929,7 +1929,7 @@
           <a:p>
             <a:fld id="{E28077EF-3DB9-4852-A8C8-9AA18A70A9F8}" type="datetimeFigureOut">
               <a:rPr lang="en-US" smtClean="0"/>
-              <a:t>10/2/2019</a:t>
+              <a:t>10/10/2019</a:t>
             </a:fld>
             <a:endParaRPr lang="en-US" dirty="0"/>
           </a:p>
@@ -2245,7 +2245,7 @@
           <a:p>
             <a:fld id="{E28077EF-3DB9-4852-A8C8-9AA18A70A9F8}" type="datetimeFigureOut">
               <a:rPr lang="en-US" smtClean="0"/>
-              <a:t>10/2/2019</a:t>
+              <a:t>10/10/2019</a:t>
             </a:fld>
             <a:endParaRPr lang="en-US" dirty="0"/>
           </a:p>
@@ -2580,7 +2580,7 @@
           <a:p>
             <a:fld id="{E28077EF-3DB9-4852-A8C8-9AA18A70A9F8}" type="datetimeFigureOut">
               <a:rPr lang="en-US" smtClean="0"/>
-              <a:t>10/2/2019</a:t>
+              <a:t>10/10/2019</a:t>
             </a:fld>
             <a:endParaRPr lang="en-US" dirty="0"/>
           </a:p>
@@ -2896,7 +2896,7 @@
           <a:p>
             <a:fld id="{E28077EF-3DB9-4852-A8C8-9AA18A70A9F8}" type="datetimeFigureOut">
               <a:rPr lang="en-US" smtClean="0"/>
-              <a:t>10/2/2019</a:t>
+              <a:t>10/10/2019</a:t>
             </a:fld>
             <a:endParaRPr lang="en-US" dirty="0"/>
           </a:p>
@@ -3291,7 +3291,7 @@
           <a:p>
             <a:fld id="{E28077EF-3DB9-4852-A8C8-9AA18A70A9F8}" type="datetimeFigureOut">
               <a:rPr lang="en-US" smtClean="0"/>
-              <a:t>10/2/2019</a:t>
+              <a:t>10/10/2019</a:t>
             </a:fld>
             <a:endParaRPr lang="en-US" dirty="0"/>
           </a:p>
@@ -3463,7 +3463,7 @@
           <a:p>
             <a:fld id="{80C08BB0-1F20-4C6B-A56C-896A9F73FB4A}" type="datetimeFigureOut">
               <a:rPr lang="en-US" smtClean="0"/>
-              <a:t>10/2/2019</a:t>
+              <a:t>10/10/2019</a:t>
             </a:fld>
             <a:endParaRPr lang="en-US" dirty="0"/>
           </a:p>
@@ -3644,7 +3644,7 @@
           <a:p>
             <a:fld id="{735C60DA-11B7-472A-AFEF-07FB059A27D8}" type="datetimeFigureOut">
               <a:rPr lang="en-US" smtClean="0"/>
-              <a:t>10/2/2019</a:t>
+              <a:t>10/10/2019</a:t>
             </a:fld>
             <a:endParaRPr lang="en-US" dirty="0"/>
           </a:p>
@@ -4020,7 +4020,7 @@
           <a:p>
             <a:fld id="{2651F21A-8405-4DA5-BEAC-3D4CC71D54EA}" type="datetimeFigureOut">
               <a:rPr lang="en-US" smtClean="0"/>
-              <a:t>10/2/2019</a:t>
+              <a:t>10/10/2019</a:t>
             </a:fld>
             <a:endParaRPr lang="en-US" dirty="0"/>
           </a:p>
@@ -4268,7 +4268,7 @@
           <a:p>
             <a:fld id="{78685F84-9683-4B1B-940C-516296C3B9E2}" type="datetimeFigureOut">
               <a:rPr lang="en-US" smtClean="0"/>
-              <a:t>10/2/2019</a:t>
+              <a:t>10/10/2019</a:t>
             </a:fld>
             <a:endParaRPr lang="en-US" dirty="0"/>
           </a:p>
@@ -4571,7 +4571,7 @@
           <a:p>
             <a:fld id="{0657B2AD-074C-4247-B20E-4BA1D1B80702}" type="datetimeFigureOut">
               <a:rPr lang="en-US" smtClean="0"/>
-              <a:t>10/2/2019</a:t>
+              <a:t>10/10/2019</a:t>
             </a:fld>
             <a:endParaRPr lang="en-US" dirty="0"/>
           </a:p>
@@ -4951,7 +4951,7 @@
           <a:p>
             <a:fld id="{8DCC26FB-39E8-4A97-A330-257F2E3058A9}" type="datetimeFigureOut">
               <a:rPr lang="en-US" smtClean="0"/>
-              <a:t>10/2/2019</a:t>
+              <a:t>10/10/2019</a:t>
             </a:fld>
             <a:endParaRPr lang="en-US" dirty="0"/>
           </a:p>
@@ -5075,7 +5075,7 @@
           <a:p>
             <a:fld id="{3EE6405D-5078-464B-95D5-AD1D787A29C3}" type="datetimeFigureOut">
               <a:rPr lang="en-US" smtClean="0"/>
-              <a:t>10/2/2019</a:t>
+              <a:t>10/10/2019</a:t>
             </a:fld>
             <a:endParaRPr lang="en-US" dirty="0"/>
           </a:p>
@@ -5170,7 +5170,7 @@
           <a:p>
             <a:fld id="{8CB55EF8-B59A-48DF-A116-AFDAD4B003AB}" type="datetimeFigureOut">
               <a:rPr lang="en-US" smtClean="0"/>
-              <a:t>10/2/2019</a:t>
+              <a:t>10/10/2019</a:t>
             </a:fld>
             <a:endParaRPr lang="en-US" dirty="0"/>
           </a:p>
@@ -5425,7 +5425,7 @@
           <a:p>
             <a:fld id="{EC94AEE7-DB1F-4DD1-9290-70ECE3C49600}" type="datetimeFigureOut">
               <a:rPr lang="en-US" smtClean="0"/>
-              <a:t>10/2/2019</a:t>
+              <a:t>10/10/2019</a:t>
             </a:fld>
             <a:endParaRPr lang="en-US" dirty="0"/>
           </a:p>
@@ -5689,7 +5689,7 @@
           <a:p>
             <a:fld id="{581F845D-AA64-4C6F-B170-8AA45DD4B329}" type="datetimeFigureOut">
               <a:rPr lang="en-US" smtClean="0"/>
-              <a:t>10/2/2019</a:t>
+              <a:t>10/10/2019</a:t>
             </a:fld>
             <a:endParaRPr lang="en-US" dirty="0"/>
           </a:p>
@@ -6505,7 +6505,7 @@
           <a:p>
             <a:fld id="{E28077EF-3DB9-4852-A8C8-9AA18A70A9F8}" type="datetimeFigureOut">
               <a:rPr lang="en-US" smtClean="0"/>
-              <a:t>10/2/2019</a:t>
+              <a:t>10/10/2019</a:t>
             </a:fld>
             <a:endParaRPr lang="en-US" dirty="0"/>
           </a:p>
@@ -7177,17 +7177,7 @@
                   </a:schemeClr>
                 </a:solidFill>
               </a:rPr>
-              <a:t>Run </a:t>
-            </a:r>
-            <a:r>
-              <a:rPr lang="en-GB" sz="3100" dirty="0" smtClean="0">
-                <a:solidFill>
-                  <a:schemeClr val="accent1">
-                    <a:lumMod val="75000"/>
-                  </a:schemeClr>
-                </a:solidFill>
-              </a:rPr>
-              <a:t>the </a:t>
+              <a:t>Run the </a:t>
             </a:r>
             <a:r>
               <a:rPr lang="en-GB" sz="3100" dirty="0" err="1" smtClean="0">
@@ -7251,11 +7241,7 @@
           <a:p>
             <a:r>
               <a:rPr lang="en-GB" dirty="0" smtClean="0"/>
-              <a:t>From the downloaded materials - open </a:t>
-            </a:r>
-            <a:r>
-              <a:rPr lang="en-GB" dirty="0" smtClean="0"/>
-              <a:t>up </a:t>
+              <a:t>From the downloaded materials - open up </a:t>
             </a:r>
             <a:r>
               <a:rPr lang="en-GB" dirty="0" err="1" smtClean="0">
@@ -7292,13 +7278,8 @@
           <a:p>
             <a:r>
               <a:rPr lang="en-GB" dirty="0" smtClean="0"/>
-              <a:t>Click the green icon at the top to run </a:t>
-            </a:r>
-            <a:r>
-              <a:rPr lang="en-GB" dirty="0" smtClean="0"/>
-              <a:t>it for yourself</a:t>
-            </a:r>
-            <a:endParaRPr lang="en-GB" dirty="0" smtClean="0"/>
+              <a:t>Click the green icon at the top to run it for yourself</a:t>
+            </a:r>
           </a:p>
           <a:p>
             <a:r>
@@ -7872,11 +7853,7 @@
           <a:p>
             <a:r>
               <a:rPr lang="en-GB" dirty="0" smtClean="0"/>
-              <a:t>Result </a:t>
-            </a:r>
-            <a:r>
-              <a:rPr lang="en-GB" dirty="0" smtClean="0"/>
-              <a:t>files and adding information</a:t>
+              <a:t>Result files and adding information</a:t>
             </a:r>
             <a:endParaRPr lang="en-US" dirty="0"/>
           </a:p>
@@ -16331,18 +16308,7 @@
                 <a:cs typeface="Courier New"/>
                 <a:sym typeface="Courier New"/>
               </a:rPr>
-              <a:t> </a:t>
-            </a:r>
-            <a:r>
-              <a:rPr lang="en" sz="1400" dirty="0" smtClean="0">
-                <a:solidFill>
-                  <a:schemeClr val="tx1"/>
-                </a:solidFill>
-                <a:ea typeface="Courier New"/>
-                <a:cs typeface="Courier New"/>
-                <a:sym typeface="Courier New"/>
-              </a:rPr>
-              <a:t>we are using </a:t>
+              <a:t> we are using </a:t>
             </a:r>
             <a:r>
               <a:rPr lang="en" sz="1400" dirty="0" smtClean="0">
@@ -16537,15 +16503,7 @@
                   <a:schemeClr val="tx1"/>
                 </a:solidFill>
               </a:rPr>
-              <a:t>WILL NOT run </a:t>
-            </a:r>
-            <a:r>
-              <a:rPr lang="en" sz="1400" dirty="0" smtClean="0">
-                <a:solidFill>
-                  <a:schemeClr val="tx1"/>
-                </a:solidFill>
-              </a:rPr>
-              <a:t>properly on an older version!</a:t>
+              <a:t>WILL NOT run properly on an older version!</a:t>
             </a:r>
           </a:p>
           <a:p>
@@ -17337,16 +17295,7 @@
                 <a:cs typeface="Courier New"/>
                 <a:sym typeface="Courier New"/>
               </a:rPr>
-              <a:t>Lab </a:t>
-            </a:r>
-            <a:r>
-              <a:rPr lang="en" sz="2400" dirty="0" smtClean="0">
-                <a:latin typeface="Trebuchet MS" panose="020B0603020202020204" pitchFamily="34" charset="0"/>
-                <a:ea typeface="Courier New"/>
-                <a:cs typeface="Courier New"/>
-                <a:sym typeface="Courier New"/>
-              </a:rPr>
-              <a:t>PC’s</a:t>
+              <a:t>Lab PC’s</a:t>
             </a:r>
             <a:endParaRPr lang="en" sz="2400" dirty="0">
               <a:latin typeface="Trebuchet MS" panose="020B0603020202020204" pitchFamily="34" charset="0"/>
@@ -17372,25 +17321,7 @@
                 <a:cs typeface="Courier New"/>
                 <a:sym typeface="Courier New"/>
               </a:rPr>
-              <a:t>START </a:t>
-            </a:r>
-            <a:r>
-              <a:rPr lang="en" sz="1800" dirty="0" smtClean="0">
-                <a:latin typeface="Courier New"/>
-                <a:ea typeface="Courier New"/>
-                <a:cs typeface="Courier New"/>
-                <a:sym typeface="Courier New"/>
-              </a:rPr>
-              <a:t>| </a:t>
-            </a:r>
-            <a:r>
-              <a:rPr lang="en" sz="1800" dirty="0" smtClean="0">
-                <a:latin typeface="Courier New"/>
-                <a:ea typeface="Courier New"/>
-                <a:cs typeface="Courier New"/>
-                <a:sym typeface="Courier New"/>
-              </a:rPr>
-              <a:t>PsychoPy</a:t>
+              <a:t>START | PsychoPy</a:t>
             </a:r>
           </a:p>
           <a:p>
@@ -17410,16 +17341,7 @@
                 <a:cs typeface="Courier New"/>
                 <a:sym typeface="Courier New"/>
               </a:rPr>
-              <a:t>If still </a:t>
-            </a:r>
-            <a:r>
-              <a:rPr lang="en" sz="2000" dirty="0" smtClean="0">
-                <a:latin typeface="Courier New"/>
-                <a:ea typeface="Courier New"/>
-                <a:cs typeface="Courier New"/>
-                <a:sym typeface="Courier New"/>
-              </a:rPr>
-              <a:t>not present, please contact </a:t>
+              <a:t>If still not present, please contact </a:t>
             </a:r>
             <a:r>
               <a:rPr lang="en" sz="2000" dirty="0" smtClean="0">
